--- a/Praesentationen/02-Entwurfsphase/Entwurf Präsentation.pptx
+++ b/Praesentationen/02-Entwurfsphase/Entwurf Präsentation.pptx
@@ -5,6 +5,9 @@
     <p:sldMasterId id="2147483707" r:id="rId1"/>
     <p:sldMasterId id="2147483737" r:id="rId2"/>
   </p:sldMasterIdLst>
+  <p:notesMasterIdLst>
+    <p:notesMasterId r:id="rId13"/>
+  </p:notesMasterIdLst>
   <p:sldIdLst>
     <p:sldId id="256" r:id="rId3"/>
     <p:sldId id="258" r:id="rId4"/>
@@ -136,9 +139,541 @@
 <file path=ppt/revisionInfo.xml><?xml version="1.0" encoding="utf-8"?>
 <p1510:revInfo xmlns:a="http://schemas.openxmlformats.org/drawingml/2006/main" xmlns:r="http://schemas.openxmlformats.org/officeDocument/2006/relationships" xmlns:p1510="http://schemas.microsoft.com/office/powerpoint/2015/10/main">
   <p1510:revLst>
-    <p1510:client id="{B121F1B0-4D08-E747-A677-49BC57413863}" v="19" dt="2022-01-07T17:15:02.686"/>
+    <p1510:client id="{A86ACD7E-081E-45E9-9E2D-CD2A2B80F020}" v="8" dt="2022-01-07T20:44:02.485"/>
+    <p1510:client id="{C067BB00-D62D-434A-8EB6-2D39E9BF5514}" v="3" dt="2022-01-07T20:55:03.350"/>
   </p1510:revLst>
 </p1510:revInfo>
+</file>
+
+<file path=ppt/changesInfos/changesInfo1.xml><?xml version="1.0" encoding="utf-8"?>
+<pc:chgInfo xmlns:a="http://schemas.openxmlformats.org/drawingml/2006/main" xmlns:r="http://schemas.openxmlformats.org/officeDocument/2006/relationships" xmlns:ac="http://schemas.microsoft.com/office/drawing/2013/main/command" xmlns:pc="http://schemas.microsoft.com/office/powerpoint/2013/main/command">
+  <pc:docChgLst>
+    <pc:chgData name="Ender Merlin" userId="b6c700318fa50b6b" providerId="LiveId" clId="{C067BB00-D62D-434A-8EB6-2D39E9BF5514}"/>
+    <pc:docChg chg="modSld">
+      <pc:chgData name="Ender Merlin" userId="b6c700318fa50b6b" providerId="LiveId" clId="{C067BB00-D62D-434A-8EB6-2D39E9BF5514}" dt="2022-01-07T20:52:54.641" v="0" actId="1076"/>
+      <pc:docMkLst>
+        <pc:docMk/>
+      </pc:docMkLst>
+      <pc:sldChg chg="modSp mod">
+        <pc:chgData name="Ender Merlin" userId="b6c700318fa50b6b" providerId="LiveId" clId="{C067BB00-D62D-434A-8EB6-2D39E9BF5514}" dt="2022-01-07T20:52:54.641" v="0" actId="1076"/>
+        <pc:sldMkLst>
+          <pc:docMk/>
+          <pc:sldMk cId="64622331" sldId="265"/>
+        </pc:sldMkLst>
+        <pc:picChg chg="mod">
+          <ac:chgData name="Ender Merlin" userId="b6c700318fa50b6b" providerId="LiveId" clId="{C067BB00-D62D-434A-8EB6-2D39E9BF5514}" dt="2022-01-07T20:52:54.641" v="0" actId="1076"/>
+          <ac:picMkLst>
+            <pc:docMk/>
+            <pc:sldMk cId="64622331" sldId="265"/>
+            <ac:picMk id="10" creationId="{8F03E1FB-FAD5-4FB7-8992-B9E9273B513F}"/>
+          </ac:picMkLst>
+        </pc:picChg>
+      </pc:sldChg>
+    </pc:docChg>
+  </pc:docChgLst>
+</pc:chgInfo>
+</file>
+
+<file path=ppt/notesMasters/notesMaster1.xml><?xml version="1.0" encoding="utf-8"?>
+<p:notesMaster xmlns:a="http://schemas.openxmlformats.org/drawingml/2006/main" xmlns:r="http://schemas.openxmlformats.org/officeDocument/2006/relationships" xmlns:p="http://schemas.openxmlformats.org/presentationml/2006/main">
+  <p:cSld>
+    <p:bg>
+      <p:bgRef idx="1001">
+        <a:schemeClr val="bg1"/>
+      </p:bgRef>
+    </p:bg>
+    <p:spTree>
+      <p:nvGrpSpPr>
+        <p:cNvPr id="1" name=""/>
+        <p:cNvGrpSpPr/>
+        <p:nvPr/>
+      </p:nvGrpSpPr>
+      <p:grpSpPr>
+        <a:xfrm>
+          <a:off x="0" y="0"/>
+          <a:ext cx="0" cy="0"/>
+          <a:chOff x="0" y="0"/>
+          <a:chExt cx="0" cy="0"/>
+        </a:xfrm>
+      </p:grpSpPr>
+      <p:sp>
+        <p:nvSpPr>
+          <p:cNvPr id="2" name="Kopfzeilenplatzhalter 1"/>
+          <p:cNvSpPr>
+            <a:spLocks noGrp="1"/>
+          </p:cNvSpPr>
+          <p:nvPr>
+            <p:ph type="hdr" sz="quarter"/>
+          </p:nvPr>
+        </p:nvSpPr>
+        <p:spPr>
+          <a:xfrm>
+            <a:off x="0" y="0"/>
+            <a:ext cx="2971800" cy="458788"/>
+          </a:xfrm>
+          <a:prstGeom prst="rect">
+            <a:avLst/>
+          </a:prstGeom>
+        </p:spPr>
+        <p:txBody>
+          <a:bodyPr vert="horz" lIns="91440" tIns="45720" rIns="91440" bIns="45720" rtlCol="0"/>
+          <a:lstStyle>
+            <a:lvl1pPr algn="l">
+              <a:defRPr sz="1200"/>
+            </a:lvl1pPr>
+          </a:lstStyle>
+          <a:p>
+            <a:endParaRPr lang="de-DE"/>
+          </a:p>
+        </p:txBody>
+      </p:sp>
+      <p:sp>
+        <p:nvSpPr>
+          <p:cNvPr id="3" name="Datumsplatzhalter 2"/>
+          <p:cNvSpPr>
+            <a:spLocks noGrp="1"/>
+          </p:cNvSpPr>
+          <p:nvPr>
+            <p:ph type="dt" idx="1"/>
+          </p:nvPr>
+        </p:nvSpPr>
+        <p:spPr>
+          <a:xfrm>
+            <a:off x="3884613" y="0"/>
+            <a:ext cx="2971800" cy="458788"/>
+          </a:xfrm>
+          <a:prstGeom prst="rect">
+            <a:avLst/>
+          </a:prstGeom>
+        </p:spPr>
+        <p:txBody>
+          <a:bodyPr vert="horz" lIns="91440" tIns="45720" rIns="91440" bIns="45720" rtlCol="0"/>
+          <a:lstStyle>
+            <a:lvl1pPr algn="r">
+              <a:defRPr sz="1200"/>
+            </a:lvl1pPr>
+          </a:lstStyle>
+          <a:p>
+            <a:fld id="{F899D2DC-6997-404A-B859-2EC79104A957}" type="datetimeFigureOut">
+              <a:rPr lang="de-DE" smtClean="0"/>
+              <a:t>07.01.2022</a:t>
+            </a:fld>
+            <a:endParaRPr lang="de-DE"/>
+          </a:p>
+        </p:txBody>
+      </p:sp>
+      <p:sp>
+        <p:nvSpPr>
+          <p:cNvPr id="4" name="Folienbildplatzhalter 3"/>
+          <p:cNvSpPr>
+            <a:spLocks noGrp="1" noRot="1" noChangeAspect="1"/>
+          </p:cNvSpPr>
+          <p:nvPr>
+            <p:ph type="sldImg" idx="2"/>
+          </p:nvPr>
+        </p:nvSpPr>
+        <p:spPr>
+          <a:xfrm>
+            <a:off x="685800" y="1143000"/>
+            <a:ext cx="5486400" cy="3086100"/>
+          </a:xfrm>
+          <a:prstGeom prst="rect">
+            <a:avLst/>
+          </a:prstGeom>
+          <a:noFill/>
+          <a:ln w="12700">
+            <a:solidFill>
+              <a:prstClr val="black"/>
+            </a:solidFill>
+          </a:ln>
+        </p:spPr>
+        <p:txBody>
+          <a:bodyPr vert="horz" lIns="91440" tIns="45720" rIns="91440" bIns="45720" rtlCol="0" anchor="ctr"/>
+          <a:lstStyle/>
+          <a:p>
+            <a:endParaRPr lang="de-DE"/>
+          </a:p>
+        </p:txBody>
+      </p:sp>
+      <p:sp>
+        <p:nvSpPr>
+          <p:cNvPr id="5" name="Notizenplatzhalter 4"/>
+          <p:cNvSpPr>
+            <a:spLocks noGrp="1"/>
+          </p:cNvSpPr>
+          <p:nvPr>
+            <p:ph type="body" sz="quarter" idx="3"/>
+          </p:nvPr>
+        </p:nvSpPr>
+        <p:spPr>
+          <a:xfrm>
+            <a:off x="685800" y="4400550"/>
+            <a:ext cx="5486400" cy="3600450"/>
+          </a:xfrm>
+          <a:prstGeom prst="rect">
+            <a:avLst/>
+          </a:prstGeom>
+        </p:spPr>
+        <p:txBody>
+          <a:bodyPr vert="horz" lIns="91440" tIns="45720" rIns="91440" bIns="45720" rtlCol="0"/>
+          <a:lstStyle/>
+          <a:p>
+            <a:pPr lvl="0"/>
+            <a:r>
+              <a:rPr lang="de-DE"/>
+              <a:t>Mastertextformat bearbeiten</a:t>
+            </a:r>
+          </a:p>
+          <a:p>
+            <a:pPr lvl="1"/>
+            <a:r>
+              <a:rPr lang="de-DE"/>
+              <a:t>Zweite Ebene</a:t>
+            </a:r>
+          </a:p>
+          <a:p>
+            <a:pPr lvl="2"/>
+            <a:r>
+              <a:rPr lang="de-DE"/>
+              <a:t>Dritte Ebene</a:t>
+            </a:r>
+          </a:p>
+          <a:p>
+            <a:pPr lvl="3"/>
+            <a:r>
+              <a:rPr lang="de-DE"/>
+              <a:t>Vierte Ebene</a:t>
+            </a:r>
+          </a:p>
+          <a:p>
+            <a:pPr lvl="4"/>
+            <a:r>
+              <a:rPr lang="de-DE"/>
+              <a:t>Fünfte Ebene</a:t>
+            </a:r>
+          </a:p>
+        </p:txBody>
+      </p:sp>
+      <p:sp>
+        <p:nvSpPr>
+          <p:cNvPr id="6" name="Fußzeilenplatzhalter 5"/>
+          <p:cNvSpPr>
+            <a:spLocks noGrp="1"/>
+          </p:cNvSpPr>
+          <p:nvPr>
+            <p:ph type="ftr" sz="quarter" idx="4"/>
+          </p:nvPr>
+        </p:nvSpPr>
+        <p:spPr>
+          <a:xfrm>
+            <a:off x="0" y="8685213"/>
+            <a:ext cx="2971800" cy="458787"/>
+          </a:xfrm>
+          <a:prstGeom prst="rect">
+            <a:avLst/>
+          </a:prstGeom>
+        </p:spPr>
+        <p:txBody>
+          <a:bodyPr vert="horz" lIns="91440" tIns="45720" rIns="91440" bIns="45720" rtlCol="0" anchor="b"/>
+          <a:lstStyle>
+            <a:lvl1pPr algn="l">
+              <a:defRPr sz="1200"/>
+            </a:lvl1pPr>
+          </a:lstStyle>
+          <a:p>
+            <a:endParaRPr lang="de-DE"/>
+          </a:p>
+        </p:txBody>
+      </p:sp>
+      <p:sp>
+        <p:nvSpPr>
+          <p:cNvPr id="7" name="Foliennummernplatzhalter 6"/>
+          <p:cNvSpPr>
+            <a:spLocks noGrp="1"/>
+          </p:cNvSpPr>
+          <p:nvPr>
+            <p:ph type="sldNum" sz="quarter" idx="5"/>
+          </p:nvPr>
+        </p:nvSpPr>
+        <p:spPr>
+          <a:xfrm>
+            <a:off x="3884613" y="8685213"/>
+            <a:ext cx="2971800" cy="458787"/>
+          </a:xfrm>
+          <a:prstGeom prst="rect">
+            <a:avLst/>
+          </a:prstGeom>
+        </p:spPr>
+        <p:txBody>
+          <a:bodyPr vert="horz" lIns="91440" tIns="45720" rIns="91440" bIns="45720" rtlCol="0" anchor="b"/>
+          <a:lstStyle>
+            <a:lvl1pPr algn="r">
+              <a:defRPr sz="1200"/>
+            </a:lvl1pPr>
+          </a:lstStyle>
+          <a:p>
+            <a:fld id="{C2C6D2D8-86AA-475B-8106-1DD72F98FEFF}" type="slidenum">
+              <a:rPr lang="de-DE" smtClean="0"/>
+              <a:t>‹Nr.›</a:t>
+            </a:fld>
+            <a:endParaRPr lang="de-DE"/>
+          </a:p>
+        </p:txBody>
+      </p:sp>
+    </p:spTree>
+    <p:extLst>
+      <p:ext uri="{BB962C8B-B14F-4D97-AF65-F5344CB8AC3E}">
+        <p14:creationId xmlns:p14="http://schemas.microsoft.com/office/powerpoint/2010/main" val="2936658127"/>
+      </p:ext>
+    </p:extLst>
+  </p:cSld>
+  <p:clrMap bg1="lt1" tx1="dk1" bg2="lt2" tx2="dk2" accent1="accent1" accent2="accent2" accent3="accent3" accent4="accent4" accent5="accent5" accent6="accent6" hlink="hlink" folHlink="folHlink"/>
+  <p:notesStyle>
+    <a:lvl1pPr marL="0" algn="l" defTabSz="914400" rtl="0" eaLnBrk="1" latinLnBrk="0" hangingPunct="1">
+      <a:defRPr sz="1200" kern="1200">
+        <a:solidFill>
+          <a:schemeClr val="tx1"/>
+        </a:solidFill>
+        <a:latin typeface="+mn-lt"/>
+        <a:ea typeface="+mn-ea"/>
+        <a:cs typeface="+mn-cs"/>
+      </a:defRPr>
+    </a:lvl1pPr>
+    <a:lvl2pPr marL="457200" algn="l" defTabSz="914400" rtl="0" eaLnBrk="1" latinLnBrk="0" hangingPunct="1">
+      <a:defRPr sz="1200" kern="1200">
+        <a:solidFill>
+          <a:schemeClr val="tx1"/>
+        </a:solidFill>
+        <a:latin typeface="+mn-lt"/>
+        <a:ea typeface="+mn-ea"/>
+        <a:cs typeface="+mn-cs"/>
+      </a:defRPr>
+    </a:lvl2pPr>
+    <a:lvl3pPr marL="914400" algn="l" defTabSz="914400" rtl="0" eaLnBrk="1" latinLnBrk="0" hangingPunct="1">
+      <a:defRPr sz="1200" kern="1200">
+        <a:solidFill>
+          <a:schemeClr val="tx1"/>
+        </a:solidFill>
+        <a:latin typeface="+mn-lt"/>
+        <a:ea typeface="+mn-ea"/>
+        <a:cs typeface="+mn-cs"/>
+      </a:defRPr>
+    </a:lvl3pPr>
+    <a:lvl4pPr marL="1371600" algn="l" defTabSz="914400" rtl="0" eaLnBrk="1" latinLnBrk="0" hangingPunct="1">
+      <a:defRPr sz="1200" kern="1200">
+        <a:solidFill>
+          <a:schemeClr val="tx1"/>
+        </a:solidFill>
+        <a:latin typeface="+mn-lt"/>
+        <a:ea typeface="+mn-ea"/>
+        <a:cs typeface="+mn-cs"/>
+      </a:defRPr>
+    </a:lvl4pPr>
+    <a:lvl5pPr marL="1828800" algn="l" defTabSz="914400" rtl="0" eaLnBrk="1" latinLnBrk="0" hangingPunct="1">
+      <a:defRPr sz="1200" kern="1200">
+        <a:solidFill>
+          <a:schemeClr val="tx1"/>
+        </a:solidFill>
+        <a:latin typeface="+mn-lt"/>
+        <a:ea typeface="+mn-ea"/>
+        <a:cs typeface="+mn-cs"/>
+      </a:defRPr>
+    </a:lvl5pPr>
+    <a:lvl6pPr marL="2286000" algn="l" defTabSz="914400" rtl="0" eaLnBrk="1" latinLnBrk="0" hangingPunct="1">
+      <a:defRPr sz="1200" kern="1200">
+        <a:solidFill>
+          <a:schemeClr val="tx1"/>
+        </a:solidFill>
+        <a:latin typeface="+mn-lt"/>
+        <a:ea typeface="+mn-ea"/>
+        <a:cs typeface="+mn-cs"/>
+      </a:defRPr>
+    </a:lvl6pPr>
+    <a:lvl7pPr marL="2743200" algn="l" defTabSz="914400" rtl="0" eaLnBrk="1" latinLnBrk="0" hangingPunct="1">
+      <a:defRPr sz="1200" kern="1200">
+        <a:solidFill>
+          <a:schemeClr val="tx1"/>
+        </a:solidFill>
+        <a:latin typeface="+mn-lt"/>
+        <a:ea typeface="+mn-ea"/>
+        <a:cs typeface="+mn-cs"/>
+      </a:defRPr>
+    </a:lvl7pPr>
+    <a:lvl8pPr marL="3200400" algn="l" defTabSz="914400" rtl="0" eaLnBrk="1" latinLnBrk="0" hangingPunct="1">
+      <a:defRPr sz="1200" kern="1200">
+        <a:solidFill>
+          <a:schemeClr val="tx1"/>
+        </a:solidFill>
+        <a:latin typeface="+mn-lt"/>
+        <a:ea typeface="+mn-ea"/>
+        <a:cs typeface="+mn-cs"/>
+      </a:defRPr>
+    </a:lvl8pPr>
+    <a:lvl9pPr marL="3657600" algn="l" defTabSz="914400" rtl="0" eaLnBrk="1" latinLnBrk="0" hangingPunct="1">
+      <a:defRPr sz="1200" kern="1200">
+        <a:solidFill>
+          <a:schemeClr val="tx1"/>
+        </a:solidFill>
+        <a:latin typeface="+mn-lt"/>
+        <a:ea typeface="+mn-ea"/>
+        <a:cs typeface="+mn-cs"/>
+      </a:defRPr>
+    </a:lvl9pPr>
+  </p:notesStyle>
+</p:notesMaster>
+</file>
+
+<file path=ppt/notesSlides/notesSlide1.xml><?xml version="1.0" encoding="utf-8"?>
+<p:notes xmlns:a="http://schemas.openxmlformats.org/drawingml/2006/main" xmlns:r="http://schemas.openxmlformats.org/officeDocument/2006/relationships" xmlns:p="http://schemas.openxmlformats.org/presentationml/2006/main">
+  <p:cSld>
+    <p:spTree>
+      <p:nvGrpSpPr>
+        <p:cNvPr id="1" name=""/>
+        <p:cNvGrpSpPr/>
+        <p:nvPr/>
+      </p:nvGrpSpPr>
+      <p:grpSpPr>
+        <a:xfrm>
+          <a:off x="0" y="0"/>
+          <a:ext cx="0" cy="0"/>
+          <a:chOff x="0" y="0"/>
+          <a:chExt cx="0" cy="0"/>
+        </a:xfrm>
+      </p:grpSpPr>
+      <p:sp>
+        <p:nvSpPr>
+          <p:cNvPr id="2" name="Folienbildplatzhalter 1"/>
+          <p:cNvSpPr>
+            <a:spLocks noGrp="1" noRot="1" noChangeAspect="1"/>
+          </p:cNvSpPr>
+          <p:nvPr>
+            <p:ph type="sldImg"/>
+          </p:nvPr>
+        </p:nvSpPr>
+        <p:spPr/>
+      </p:sp>
+      <p:sp>
+        <p:nvSpPr>
+          <p:cNvPr id="3" name="Notizenplatzhalter 2"/>
+          <p:cNvSpPr>
+            <a:spLocks noGrp="1"/>
+          </p:cNvSpPr>
+          <p:nvPr>
+            <p:ph type="body" idx="1"/>
+          </p:nvPr>
+        </p:nvSpPr>
+        <p:spPr/>
+        <p:txBody>
+          <a:bodyPr/>
+          <a:lstStyle/>
+          <a:p>
+            <a:r>
+              <a:rPr lang="de-DE" dirty="0"/>
+              <a:t>Aufgabe:</a:t>
+            </a:r>
+          </a:p>
+          <a:p>
+            <a:r>
+              <a:rPr lang="de-DE" dirty="0"/>
+              <a:t> - Dem Repository eine einfache Schnittstelle bereitstellen</a:t>
+            </a:r>
+          </a:p>
+          <a:p>
+            <a:r>
+              <a:rPr lang="de-DE" dirty="0"/>
+              <a:t>   -- Fassade in der RDS API einzige Schnittstelle für Methodenaufrufe</a:t>
+            </a:r>
+            <a:br>
+              <a:rPr lang="de-DE" dirty="0"/>
+            </a:br>
+            <a:r>
+              <a:rPr lang="de-DE" dirty="0"/>
+              <a:t> - Schnittstelle an externe Dienste</a:t>
+            </a:r>
+          </a:p>
+          <a:p>
+            <a:r>
+              <a:rPr lang="de-DE" dirty="0"/>
+              <a:t>   -- </a:t>
+            </a:r>
+            <a:r>
+              <a:rPr lang="de-DE" dirty="0" err="1"/>
+              <a:t>Firebase</a:t>
+            </a:r>
+            <a:endParaRPr lang="de-DE" dirty="0"/>
+          </a:p>
+          <a:p>
+            <a:r>
+              <a:rPr lang="de-DE" dirty="0"/>
+              <a:t>    --- um Nutzende anzumelden</a:t>
+            </a:r>
+          </a:p>
+          <a:p>
+            <a:r>
+              <a:rPr lang="de-DE" dirty="0"/>
+              <a:t>   -- Server</a:t>
+            </a:r>
+          </a:p>
+          <a:p>
+            <a:r>
+              <a:rPr lang="de-DE" dirty="0"/>
+              <a:t>    --- leitet Anfragen an den Server weiter</a:t>
+            </a:r>
+          </a:p>
+          <a:p>
+            <a:r>
+              <a:rPr lang="de-DE" dirty="0"/>
+              <a:t>    --- empfängt Antworten und leitet die weiter an das Repository</a:t>
+            </a:r>
+          </a:p>
+          <a:p>
+            <a:r>
+              <a:rPr lang="de-DE" dirty="0"/>
+              <a:t>     ---- Speichert außerdem einige Rückgabetypen in speziellen Queues -&gt; Besser für Repository</a:t>
+            </a:r>
+          </a:p>
+          <a:p>
+            <a:endParaRPr lang="de-DE" dirty="0"/>
+          </a:p>
+          <a:p>
+            <a:endParaRPr lang="de-DE" dirty="0"/>
+          </a:p>
+        </p:txBody>
+      </p:sp>
+      <p:sp>
+        <p:nvSpPr>
+          <p:cNvPr id="4" name="Foliennummernplatzhalter 3"/>
+          <p:cNvSpPr>
+            <a:spLocks noGrp="1"/>
+          </p:cNvSpPr>
+          <p:nvPr>
+            <p:ph type="sldNum" sz="quarter" idx="5"/>
+          </p:nvPr>
+        </p:nvSpPr>
+        <p:spPr/>
+        <p:txBody>
+          <a:bodyPr/>
+          <a:lstStyle/>
+          <a:p>
+            <a:fld id="{C2C6D2D8-86AA-475B-8106-1DD72F98FEFF}" type="slidenum">
+              <a:rPr lang="de-DE" smtClean="0"/>
+              <a:t>8</a:t>
+            </a:fld>
+            <a:endParaRPr lang="de-DE"/>
+          </a:p>
+        </p:txBody>
+      </p:sp>
+    </p:spTree>
+    <p:extLst>
+      <p:ext uri="{BB962C8B-B14F-4D97-AF65-F5344CB8AC3E}">
+        <p14:creationId xmlns:p14="http://schemas.microsoft.com/office/powerpoint/2010/main" val="690369194"/>
+      </p:ext>
+    </p:extLst>
+  </p:cSld>
+  <p:clrMapOvr>
+    <a:masterClrMapping/>
+  </p:clrMapOvr>
+</p:notes>
 </file>
 
 <file path=ppt/slideLayouts/slideLayout1.xml><?xml version="1.0" encoding="utf-8"?>
@@ -290,7 +825,7 @@
           <a:p>
             <a:fld id="{D4A7F7FB-B369-497A-97C2-098805D1A52E}" type="datetimeFigureOut">
               <a:rPr lang="de-DE" smtClean="0"/>
-              <a:t>07.01.22</a:t>
+              <a:t>07.01.2022</a:t>
             </a:fld>
             <a:endParaRPr lang="de-DE"/>
           </a:p>
@@ -490,7 +1025,7 @@
           <a:p>
             <a:fld id="{D4A7F7FB-B369-497A-97C2-098805D1A52E}" type="datetimeFigureOut">
               <a:rPr lang="de-DE" smtClean="0"/>
-              <a:t>07.01.22</a:t>
+              <a:t>07.01.2022</a:t>
             </a:fld>
             <a:endParaRPr lang="de-DE"/>
           </a:p>
@@ -700,7 +1235,7 @@
           <a:p>
             <a:fld id="{D4A7F7FB-B369-497A-97C2-098805D1A52E}" type="datetimeFigureOut">
               <a:rPr lang="de-DE" smtClean="0"/>
-              <a:t>07.01.22</a:t>
+              <a:t>07.01.2022</a:t>
             </a:fld>
             <a:endParaRPr lang="de-DE"/>
           </a:p>
@@ -969,7 +1504,7 @@
           <a:p>
             <a:fld id="{D4A7F7FB-B369-497A-97C2-098805D1A52E}" type="datetimeFigureOut">
               <a:rPr lang="de-DE" smtClean="0"/>
-              <a:t>07.01.22</a:t>
+              <a:t>07.01.2022</a:t>
             </a:fld>
             <a:endParaRPr lang="de-DE"/>
           </a:p>
@@ -1139,7 +1674,7 @@
           <a:p>
             <a:fld id="{D4A7F7FB-B369-497A-97C2-098805D1A52E}" type="datetimeFigureOut">
               <a:rPr lang="de-DE" smtClean="0"/>
-              <a:t>07.01.22</a:t>
+              <a:t>07.01.2022</a:t>
             </a:fld>
             <a:endParaRPr lang="de-DE"/>
           </a:p>
@@ -1396,7 +1931,7 @@
           <a:p>
             <a:fld id="{D4A7F7FB-B369-497A-97C2-098805D1A52E}" type="datetimeFigureOut">
               <a:rPr lang="de-DE" smtClean="0"/>
-              <a:t>07.01.22</a:t>
+              <a:t>07.01.2022</a:t>
             </a:fld>
             <a:endParaRPr lang="de-DE"/>
           </a:p>
@@ -1628,7 +2163,7 @@
           <a:p>
             <a:fld id="{D4A7F7FB-B369-497A-97C2-098805D1A52E}" type="datetimeFigureOut">
               <a:rPr lang="de-DE" smtClean="0"/>
-              <a:t>07.01.22</a:t>
+              <a:t>07.01.2022</a:t>
             </a:fld>
             <a:endParaRPr lang="de-DE"/>
           </a:p>
@@ -2021,7 +2556,7 @@
           <a:p>
             <a:fld id="{D4A7F7FB-B369-497A-97C2-098805D1A52E}" type="datetimeFigureOut">
               <a:rPr lang="de-DE" smtClean="0"/>
-              <a:t>07.01.22</a:t>
+              <a:t>07.01.2022</a:t>
             </a:fld>
             <a:endParaRPr lang="de-DE"/>
           </a:p>
@@ -2139,7 +2674,7 @@
           <a:p>
             <a:fld id="{D4A7F7FB-B369-497A-97C2-098805D1A52E}" type="datetimeFigureOut">
               <a:rPr lang="de-DE" smtClean="0"/>
-              <a:t>07.01.22</a:t>
+              <a:t>07.01.2022</a:t>
             </a:fld>
             <a:endParaRPr lang="de-DE"/>
           </a:p>
@@ -2234,7 +2769,7 @@
           <a:p>
             <a:fld id="{D4A7F7FB-B369-497A-97C2-098805D1A52E}" type="datetimeFigureOut">
               <a:rPr lang="de-DE" smtClean="0"/>
-              <a:t>07.01.22</a:t>
+              <a:t>07.01.2022</a:t>
             </a:fld>
             <a:endParaRPr lang="de-DE"/>
           </a:p>
@@ -2507,7 +3042,7 @@
           <a:p>
             <a:fld id="{D4A7F7FB-B369-497A-97C2-098805D1A52E}" type="datetimeFigureOut">
               <a:rPr lang="de-DE" smtClean="0"/>
-              <a:t>07.01.22</a:t>
+              <a:t>07.01.2022</a:t>
             </a:fld>
             <a:endParaRPr lang="de-DE"/>
           </a:p>
@@ -2695,7 +3230,7 @@
           <a:p>
             <a:fld id="{D4A7F7FB-B369-497A-97C2-098805D1A52E}" type="datetimeFigureOut">
               <a:rPr lang="de-DE" smtClean="0"/>
-              <a:t>07.01.22</a:t>
+              <a:t>07.01.2022</a:t>
             </a:fld>
             <a:endParaRPr lang="de-DE"/>
           </a:p>
@@ -2988,7 +3523,7 @@
           <a:p>
             <a:fld id="{D4A7F7FB-B369-497A-97C2-098805D1A52E}" type="datetimeFigureOut">
               <a:rPr lang="de-DE" smtClean="0"/>
-              <a:t>07.01.22</a:t>
+              <a:t>07.01.2022</a:t>
             </a:fld>
             <a:endParaRPr lang="de-DE"/>
           </a:p>
@@ -3269,7 +3804,7 @@
           <a:p>
             <a:fld id="{D4A7F7FB-B369-497A-97C2-098805D1A52E}" type="datetimeFigureOut">
               <a:rPr lang="de-DE" smtClean="0"/>
-              <a:t>07.01.22</a:t>
+              <a:t>07.01.2022</a:t>
             </a:fld>
             <a:endParaRPr lang="de-DE"/>
           </a:p>
@@ -3461,7 +3996,7 @@
           <a:p>
             <a:fld id="{D4A7F7FB-B369-497A-97C2-098805D1A52E}" type="datetimeFigureOut">
               <a:rPr lang="de-DE" smtClean="0"/>
-              <a:t>07.01.22</a:t>
+              <a:t>07.01.2022</a:t>
             </a:fld>
             <a:endParaRPr lang="de-DE"/>
           </a:p>
@@ -3722,7 +4257,7 @@
           <a:p>
             <a:fld id="{D4A7F7FB-B369-497A-97C2-098805D1A52E}" type="datetimeFigureOut">
               <a:rPr lang="de-DE" smtClean="0"/>
-              <a:t>07.01.22</a:t>
+              <a:t>07.01.2022</a:t>
             </a:fld>
             <a:endParaRPr lang="de-DE"/>
           </a:p>
@@ -4148,7 +4683,7 @@
           <a:p>
             <a:fld id="{D4A7F7FB-B369-497A-97C2-098805D1A52E}" type="datetimeFigureOut">
               <a:rPr lang="de-DE" smtClean="0"/>
-              <a:t>07.01.22</a:t>
+              <a:t>07.01.2022</a:t>
             </a:fld>
             <a:endParaRPr lang="de-DE"/>
           </a:p>
@@ -4694,7 +5229,7 @@
           <a:p>
             <a:fld id="{D4A7F7FB-B369-497A-97C2-098805D1A52E}" type="datetimeFigureOut">
               <a:rPr lang="de-DE" smtClean="0"/>
-              <a:t>07.01.22</a:t>
+              <a:t>07.01.2022</a:t>
             </a:fld>
             <a:endParaRPr lang="de-DE"/>
           </a:p>
@@ -5525,7 +6060,7 @@
           <a:p>
             <a:fld id="{D4A7F7FB-B369-497A-97C2-098805D1A52E}" type="datetimeFigureOut">
               <a:rPr lang="de-DE" smtClean="0"/>
-              <a:t>07.01.22</a:t>
+              <a:t>07.01.2022</a:t>
             </a:fld>
             <a:endParaRPr lang="de-DE"/>
           </a:p>
@@ -5695,7 +6230,7 @@
           <a:p>
             <a:fld id="{D4A7F7FB-B369-497A-97C2-098805D1A52E}" type="datetimeFigureOut">
               <a:rPr lang="de-DE" smtClean="0"/>
-              <a:t>07.01.22</a:t>
+              <a:t>07.01.2022</a:t>
             </a:fld>
             <a:endParaRPr lang="de-DE"/>
           </a:p>
@@ -5875,7 +6410,7 @@
           <a:p>
             <a:fld id="{D4A7F7FB-B369-497A-97C2-098805D1A52E}" type="datetimeFigureOut">
               <a:rPr lang="de-DE" smtClean="0"/>
-              <a:t>07.01.22</a:t>
+              <a:t>07.01.2022</a:t>
             </a:fld>
             <a:endParaRPr lang="de-DE"/>
           </a:p>
@@ -6139,7 +6674,7 @@
           <a:p>
             <a:fld id="{D4A7F7FB-B369-497A-97C2-098805D1A52E}" type="datetimeFigureOut">
               <a:rPr lang="de-DE" smtClean="0"/>
-              <a:t>07.01.22</a:t>
+              <a:t>07.01.2022</a:t>
             </a:fld>
             <a:endParaRPr lang="de-DE"/>
           </a:p>
@@ -6407,7 +6942,7 @@
           <a:p>
             <a:fld id="{D4A7F7FB-B369-497A-97C2-098805D1A52E}" type="datetimeFigureOut">
               <a:rPr lang="de-DE" smtClean="0"/>
-              <a:t>07.01.22</a:t>
+              <a:t>07.01.2022</a:t>
             </a:fld>
             <a:endParaRPr lang="de-DE"/>
           </a:p>
@@ -6822,7 +7357,7 @@
           <a:p>
             <a:fld id="{D4A7F7FB-B369-497A-97C2-098805D1A52E}" type="datetimeFigureOut">
               <a:rPr lang="de-DE" smtClean="0"/>
-              <a:t>07.01.22</a:t>
+              <a:t>07.01.2022</a:t>
             </a:fld>
             <a:endParaRPr lang="de-DE"/>
           </a:p>
@@ -6964,7 +7499,7 @@
           <a:p>
             <a:fld id="{D4A7F7FB-B369-497A-97C2-098805D1A52E}" type="datetimeFigureOut">
               <a:rPr lang="de-DE" smtClean="0"/>
-              <a:t>07.01.22</a:t>
+              <a:t>07.01.2022</a:t>
             </a:fld>
             <a:endParaRPr lang="de-DE"/>
           </a:p>
@@ -7077,7 +7612,7 @@
           <a:p>
             <a:fld id="{D4A7F7FB-B369-497A-97C2-098805D1A52E}" type="datetimeFigureOut">
               <a:rPr lang="de-DE" smtClean="0"/>
-              <a:t>07.01.22</a:t>
+              <a:t>07.01.2022</a:t>
             </a:fld>
             <a:endParaRPr lang="de-DE"/>
           </a:p>
@@ -7390,7 +7925,7 @@
           <a:p>
             <a:fld id="{D4A7F7FB-B369-497A-97C2-098805D1A52E}" type="datetimeFigureOut">
               <a:rPr lang="de-DE" smtClean="0"/>
-              <a:t>07.01.22</a:t>
+              <a:t>07.01.2022</a:t>
             </a:fld>
             <a:endParaRPr lang="de-DE"/>
           </a:p>
@@ -7679,7 +8214,7 @@
           <a:p>
             <a:fld id="{D4A7F7FB-B369-497A-97C2-098805D1A52E}" type="datetimeFigureOut">
               <a:rPr lang="de-DE" smtClean="0"/>
-              <a:t>07.01.22</a:t>
+              <a:t>07.01.2022</a:t>
             </a:fld>
             <a:endParaRPr lang="de-DE"/>
           </a:p>
@@ -7922,7 +8457,7 @@
           <a:p>
             <a:fld id="{D4A7F7FB-B369-497A-97C2-098805D1A52E}" type="datetimeFigureOut">
               <a:rPr lang="de-DE" smtClean="0"/>
-              <a:t>07.01.22</a:t>
+              <a:t>07.01.2022</a:t>
             </a:fld>
             <a:endParaRPr lang="de-DE"/>
           </a:p>
@@ -8501,7 +9036,7 @@
           <a:p>
             <a:fld id="{D4A7F7FB-B369-497A-97C2-098805D1A52E}" type="datetimeFigureOut">
               <a:rPr lang="de-DE" smtClean="0"/>
-              <a:t>07.01.22</a:t>
+              <a:t>07.01.2022</a:t>
             </a:fld>
             <a:endParaRPr lang="de-DE"/>
           </a:p>
@@ -15594,7 +16129,7 @@
           <a:p>
             <a:r>
               <a:rPr lang="de-DE" dirty="0"/>
-              <a:t>Server Connection</a:t>
+              <a:t>Remote Data Source </a:t>
             </a:r>
           </a:p>
         </p:txBody>
@@ -16269,6 +16804,502 @@
           </a:p>
         </p:txBody>
       </p:sp>
+      <p:pic>
+        <p:nvPicPr>
+          <p:cNvPr id="4" name="Grafik 3" descr="Cloudcomputing Silhouette">
+            <a:extLst>
+              <a:ext uri="{FF2B5EF4-FFF2-40B4-BE49-F238E27FC236}">
+                <a16:creationId xmlns:a16="http://schemas.microsoft.com/office/drawing/2014/main" id="{D860C7B5-BE83-487A-AF08-6B4F33D5CAC2}"/>
+              </a:ext>
+            </a:extLst>
+          </p:cNvPr>
+          <p:cNvPicPr>
+            <a:picLocks noChangeAspect="1"/>
+          </p:cNvPicPr>
+          <p:nvPr/>
+        </p:nvPicPr>
+        <p:blipFill>
+          <a:blip r:embed="rId3">
+            <a:extLst>
+              <a:ext uri="{28A0092B-C50C-407E-A947-70E740481C1C}">
+                <a14:useLocalDpi xmlns:a14="http://schemas.microsoft.com/office/drawing/2010/main" val="0"/>
+              </a:ext>
+              <a:ext uri="{96DAC541-7B7A-43D3-8B79-37D633B846F1}">
+                <asvg:svgBlip xmlns:asvg="http://schemas.microsoft.com/office/drawing/2016/SVG/main" r:embed="rId4"/>
+              </a:ext>
+            </a:extLst>
+          </a:blip>
+          <a:stretch>
+            <a:fillRect/>
+          </a:stretch>
+        </p:blipFill>
+        <p:spPr>
+          <a:xfrm>
+            <a:off x="7191167" y="3915451"/>
+            <a:ext cx="1817340" cy="1817340"/>
+          </a:xfrm>
+          <a:prstGeom prst="rect">
+            <a:avLst/>
+          </a:prstGeom>
+        </p:spPr>
+      </p:pic>
+      <p:pic>
+        <p:nvPicPr>
+          <p:cNvPr id="6" name="Grafik 5" descr="Benutzer mit einfarbiger Füllung">
+            <a:extLst>
+              <a:ext uri="{FF2B5EF4-FFF2-40B4-BE49-F238E27FC236}">
+                <a16:creationId xmlns:a16="http://schemas.microsoft.com/office/drawing/2014/main" id="{3E13E395-077D-4FCF-9267-5BA2359F8512}"/>
+              </a:ext>
+            </a:extLst>
+          </p:cNvPr>
+          <p:cNvPicPr>
+            <a:picLocks noChangeAspect="1"/>
+          </p:cNvPicPr>
+          <p:nvPr/>
+        </p:nvPicPr>
+        <p:blipFill>
+          <a:blip r:embed="rId5">
+            <a:extLst>
+              <a:ext uri="{28A0092B-C50C-407E-A947-70E740481C1C}">
+                <a14:useLocalDpi xmlns:a14="http://schemas.microsoft.com/office/drawing/2010/main" val="0"/>
+              </a:ext>
+              <a:ext uri="{96DAC541-7B7A-43D3-8B79-37D633B846F1}">
+                <asvg:svgBlip xmlns:asvg="http://schemas.microsoft.com/office/drawing/2016/SVG/main" r:embed="rId6"/>
+              </a:ext>
+            </a:extLst>
+          </a:blip>
+          <a:stretch>
+            <a:fillRect/>
+          </a:stretch>
+        </p:blipFill>
+        <p:spPr>
+          <a:xfrm>
+            <a:off x="2707552" y="4576354"/>
+            <a:ext cx="914400" cy="914400"/>
+          </a:xfrm>
+          <a:prstGeom prst="rect">
+            <a:avLst/>
+          </a:prstGeom>
+        </p:spPr>
+      </p:pic>
+      <p:pic>
+        <p:nvPicPr>
+          <p:cNvPr id="10" name="Grafik 9" descr="Auswerfen mit einfarbiger Füllung">
+            <a:extLst>
+              <a:ext uri="{FF2B5EF4-FFF2-40B4-BE49-F238E27FC236}">
+                <a16:creationId xmlns:a16="http://schemas.microsoft.com/office/drawing/2014/main" id="{8F03E1FB-FAD5-4FB7-8992-B9E9273B513F}"/>
+              </a:ext>
+            </a:extLst>
+          </p:cNvPr>
+          <p:cNvPicPr>
+            <a:picLocks noChangeAspect="1"/>
+          </p:cNvPicPr>
+          <p:nvPr/>
+        </p:nvPicPr>
+        <p:blipFill>
+          <a:blip r:embed="rId7">
+            <a:extLst>
+              <a:ext uri="{28A0092B-C50C-407E-A947-70E740481C1C}">
+                <a14:useLocalDpi xmlns:a14="http://schemas.microsoft.com/office/drawing/2010/main" val="0"/>
+              </a:ext>
+              <a:ext uri="{96DAC541-7B7A-43D3-8B79-37D633B846F1}">
+                <asvg:svgBlip xmlns:asvg="http://schemas.microsoft.com/office/drawing/2016/SVG/main" r:embed="rId8"/>
+              </a:ext>
+            </a:extLst>
+          </a:blip>
+          <a:stretch>
+            <a:fillRect/>
+          </a:stretch>
+        </p:blipFill>
+        <p:spPr>
+          <a:xfrm rot="10800000">
+            <a:off x="5775585" y="1731427"/>
+            <a:ext cx="474470" cy="474470"/>
+          </a:xfrm>
+          <a:prstGeom prst="rect">
+            <a:avLst/>
+          </a:prstGeom>
+        </p:spPr>
+      </p:pic>
+      <p:pic>
+        <p:nvPicPr>
+          <p:cNvPr id="12" name="Grafik 11" descr="Folgen mit einfarbiger Füllung">
+            <a:extLst>
+              <a:ext uri="{FF2B5EF4-FFF2-40B4-BE49-F238E27FC236}">
+                <a16:creationId xmlns:a16="http://schemas.microsoft.com/office/drawing/2014/main" id="{97F3A242-8D06-461F-8CAB-9AC4FBAA066A}"/>
+              </a:ext>
+            </a:extLst>
+          </p:cNvPr>
+          <p:cNvPicPr>
+            <a:picLocks noChangeAspect="1"/>
+          </p:cNvPicPr>
+          <p:nvPr/>
+        </p:nvPicPr>
+        <p:blipFill>
+          <a:blip r:embed="rId9">
+            <a:extLst>
+              <a:ext uri="{28A0092B-C50C-407E-A947-70E740481C1C}">
+                <a14:useLocalDpi xmlns:a14="http://schemas.microsoft.com/office/drawing/2010/main" val="0"/>
+              </a:ext>
+              <a:ext uri="{96DAC541-7B7A-43D3-8B79-37D633B846F1}">
+                <asvg:svgBlip xmlns:asvg="http://schemas.microsoft.com/office/drawing/2016/SVG/main" r:embed="rId10"/>
+              </a:ext>
+            </a:extLst>
+          </a:blip>
+          <a:stretch>
+            <a:fillRect/>
+          </a:stretch>
+        </p:blipFill>
+        <p:spPr>
+          <a:xfrm>
+            <a:off x="4619658" y="5022092"/>
+            <a:ext cx="710699" cy="710699"/>
+          </a:xfrm>
+          <a:prstGeom prst="rect">
+            <a:avLst/>
+          </a:prstGeom>
+        </p:spPr>
+      </p:pic>
+      <p:sp>
+        <p:nvSpPr>
+          <p:cNvPr id="13" name="Textfeld 12">
+            <a:extLst>
+              <a:ext uri="{FF2B5EF4-FFF2-40B4-BE49-F238E27FC236}">
+                <a16:creationId xmlns:a16="http://schemas.microsoft.com/office/drawing/2014/main" id="{FDF3AACD-0B9E-4649-A02C-0827B417EFCC}"/>
+              </a:ext>
+            </a:extLst>
+          </p:cNvPr>
+          <p:cNvSpPr txBox="1"/>
+          <p:nvPr/>
+        </p:nvSpPr>
+        <p:spPr>
+          <a:xfrm>
+            <a:off x="5544116" y="2892092"/>
+            <a:ext cx="951888" cy="369332"/>
+          </a:xfrm>
+          <a:prstGeom prst="rect">
+            <a:avLst/>
+          </a:prstGeom>
+          <a:noFill/>
+        </p:spPr>
+        <p:txBody>
+          <a:bodyPr wrap="square" rtlCol="0">
+            <a:spAutoFit/>
+          </a:bodyPr>
+          <a:lstStyle/>
+          <a:p>
+            <a:pPr algn="ctr"/>
+            <a:r>
+              <a:rPr lang="de-DE" dirty="0"/>
+              <a:t>RDS</a:t>
+            </a:r>
+          </a:p>
+        </p:txBody>
+      </p:sp>
+      <p:sp>
+        <p:nvSpPr>
+          <p:cNvPr id="27" name="Textfeld 26">
+            <a:extLst>
+              <a:ext uri="{FF2B5EF4-FFF2-40B4-BE49-F238E27FC236}">
+                <a16:creationId xmlns:a16="http://schemas.microsoft.com/office/drawing/2014/main" id="{10F49284-1A0E-4585-9FB0-E4D89510491C}"/>
+              </a:ext>
+            </a:extLst>
+          </p:cNvPr>
+          <p:cNvSpPr txBox="1"/>
+          <p:nvPr/>
+        </p:nvSpPr>
+        <p:spPr>
+          <a:xfrm>
+            <a:off x="5404710" y="1341347"/>
+            <a:ext cx="1200346" cy="369332"/>
+          </a:xfrm>
+          <a:prstGeom prst="rect">
+            <a:avLst/>
+          </a:prstGeom>
+          <a:noFill/>
+        </p:spPr>
+        <p:txBody>
+          <a:bodyPr wrap="square" rtlCol="0">
+            <a:spAutoFit/>
+          </a:bodyPr>
+          <a:lstStyle/>
+          <a:p>
+            <a:pPr algn="ctr"/>
+            <a:r>
+              <a:rPr lang="de-DE" dirty="0"/>
+              <a:t>Repository</a:t>
+            </a:r>
+          </a:p>
+        </p:txBody>
+      </p:sp>
+      <p:pic>
+        <p:nvPicPr>
+          <p:cNvPr id="28" name="Grafik 27" descr="Benutzer mit einfarbiger Füllung">
+            <a:extLst>
+              <a:ext uri="{FF2B5EF4-FFF2-40B4-BE49-F238E27FC236}">
+                <a16:creationId xmlns:a16="http://schemas.microsoft.com/office/drawing/2014/main" id="{DB5AA546-FD09-4FD4-912D-3FE83EFA5FB8}"/>
+              </a:ext>
+            </a:extLst>
+          </p:cNvPr>
+          <p:cNvPicPr>
+            <a:picLocks noChangeAspect="1"/>
+          </p:cNvPicPr>
+          <p:nvPr/>
+        </p:nvPicPr>
+        <p:blipFill>
+          <a:blip r:embed="rId5">
+            <a:extLst>
+              <a:ext uri="{28A0092B-C50C-407E-A947-70E740481C1C}">
+                <a14:useLocalDpi xmlns:a14="http://schemas.microsoft.com/office/drawing/2010/main" val="0"/>
+              </a:ext>
+              <a:ext uri="{96DAC541-7B7A-43D3-8B79-37D633B846F1}">
+                <asvg:svgBlip xmlns:asvg="http://schemas.microsoft.com/office/drawing/2016/SVG/main" r:embed="rId6"/>
+              </a:ext>
+            </a:extLst>
+          </a:blip>
+          <a:stretch>
+            <a:fillRect/>
+          </a:stretch>
+        </p:blipFill>
+        <p:spPr>
+          <a:xfrm>
+            <a:off x="3384080" y="4570623"/>
+            <a:ext cx="914400" cy="914400"/>
+          </a:xfrm>
+          <a:prstGeom prst="rect">
+            <a:avLst/>
+          </a:prstGeom>
+        </p:spPr>
+      </p:pic>
+      <p:pic>
+        <p:nvPicPr>
+          <p:cNvPr id="29" name="Grafik 28" descr="Benutzer mit einfarbiger Füllung">
+            <a:extLst>
+              <a:ext uri="{FF2B5EF4-FFF2-40B4-BE49-F238E27FC236}">
+                <a16:creationId xmlns:a16="http://schemas.microsoft.com/office/drawing/2014/main" id="{454F72CF-463D-4541-9290-05BBF3643ED2}"/>
+              </a:ext>
+            </a:extLst>
+          </p:cNvPr>
+          <p:cNvPicPr>
+            <a:picLocks noChangeAspect="1"/>
+          </p:cNvPicPr>
+          <p:nvPr/>
+        </p:nvPicPr>
+        <p:blipFill>
+          <a:blip r:embed="rId5">
+            <a:extLst>
+              <a:ext uri="{28A0092B-C50C-407E-A947-70E740481C1C}">
+                <a14:useLocalDpi xmlns:a14="http://schemas.microsoft.com/office/drawing/2010/main" val="0"/>
+              </a:ext>
+              <a:ext uri="{96DAC541-7B7A-43D3-8B79-37D633B846F1}">
+                <asvg:svgBlip xmlns:asvg="http://schemas.microsoft.com/office/drawing/2016/SVG/main" r:embed="rId6"/>
+              </a:ext>
+            </a:extLst>
+          </a:blip>
+          <a:stretch>
+            <a:fillRect/>
+          </a:stretch>
+        </p:blipFill>
+        <p:spPr>
+          <a:xfrm>
+            <a:off x="4044771" y="4564892"/>
+            <a:ext cx="914400" cy="914400"/>
+          </a:xfrm>
+          <a:prstGeom prst="rect">
+            <a:avLst/>
+          </a:prstGeom>
+        </p:spPr>
+      </p:pic>
+      <p:pic>
+        <p:nvPicPr>
+          <p:cNvPr id="15" name="Grafik 14" descr="Browserfenster Silhouette">
+            <a:extLst>
+              <a:ext uri="{FF2B5EF4-FFF2-40B4-BE49-F238E27FC236}">
+                <a16:creationId xmlns:a16="http://schemas.microsoft.com/office/drawing/2014/main" id="{1DD9D9AC-596B-4A6B-A1AC-AC39F3E3B8ED}"/>
+              </a:ext>
+            </a:extLst>
+          </p:cNvPr>
+          <p:cNvPicPr>
+            <a:picLocks noChangeAspect="1"/>
+          </p:cNvPicPr>
+          <p:nvPr/>
+        </p:nvPicPr>
+        <p:blipFill>
+          <a:blip r:embed="rId11">
+            <a:extLst>
+              <a:ext uri="{28A0092B-C50C-407E-A947-70E740481C1C}">
+                <a14:useLocalDpi xmlns:a14="http://schemas.microsoft.com/office/drawing/2010/main" val="0"/>
+              </a:ext>
+              <a:ext uri="{96DAC541-7B7A-43D3-8B79-37D633B846F1}">
+                <asvg:svgBlip xmlns:asvg="http://schemas.microsoft.com/office/drawing/2016/SVG/main" r:embed="rId12"/>
+              </a:ext>
+            </a:extLst>
+          </a:blip>
+          <a:stretch>
+            <a:fillRect/>
+          </a:stretch>
+        </p:blipFill>
+        <p:spPr>
+          <a:xfrm>
+            <a:off x="5345534" y="2319021"/>
+            <a:ext cx="1349052" cy="1349052"/>
+          </a:xfrm>
+          <a:prstGeom prst="rect">
+            <a:avLst/>
+          </a:prstGeom>
+        </p:spPr>
+      </p:pic>
+      <p:sp>
+        <p:nvSpPr>
+          <p:cNvPr id="33" name="Textfeld 32">
+            <a:extLst>
+              <a:ext uri="{FF2B5EF4-FFF2-40B4-BE49-F238E27FC236}">
+                <a16:creationId xmlns:a16="http://schemas.microsoft.com/office/drawing/2014/main" id="{211B2946-A933-406B-B718-A1869BEAD862}"/>
+              </a:ext>
+            </a:extLst>
+          </p:cNvPr>
+          <p:cNvSpPr txBox="1"/>
+          <p:nvPr/>
+        </p:nvSpPr>
+        <p:spPr>
+          <a:xfrm>
+            <a:off x="3340463" y="5363459"/>
+            <a:ext cx="1001633" cy="369332"/>
+          </a:xfrm>
+          <a:prstGeom prst="rect">
+            <a:avLst/>
+          </a:prstGeom>
+          <a:noFill/>
+        </p:spPr>
+        <p:txBody>
+          <a:bodyPr wrap="square" rtlCol="0">
+            <a:spAutoFit/>
+          </a:bodyPr>
+          <a:lstStyle/>
+          <a:p>
+            <a:pPr algn="ctr"/>
+            <a:r>
+              <a:rPr lang="de-DE" dirty="0" err="1"/>
+              <a:t>Firebase</a:t>
+            </a:r>
+            <a:endParaRPr lang="de-DE" dirty="0"/>
+          </a:p>
+        </p:txBody>
+      </p:sp>
+      <p:sp>
+        <p:nvSpPr>
+          <p:cNvPr id="34" name="Textfeld 33">
+            <a:extLst>
+              <a:ext uri="{FF2B5EF4-FFF2-40B4-BE49-F238E27FC236}">
+                <a16:creationId xmlns:a16="http://schemas.microsoft.com/office/drawing/2014/main" id="{A3B70AE0-73CC-4D5B-A00F-040DDE4104F6}"/>
+              </a:ext>
+            </a:extLst>
+          </p:cNvPr>
+          <p:cNvSpPr txBox="1"/>
+          <p:nvPr/>
+        </p:nvSpPr>
+        <p:spPr>
+          <a:xfrm>
+            <a:off x="8099837" y="5294626"/>
+            <a:ext cx="1001633" cy="369332"/>
+          </a:xfrm>
+          <a:prstGeom prst="rect">
+            <a:avLst/>
+          </a:prstGeom>
+          <a:noFill/>
+        </p:spPr>
+        <p:txBody>
+          <a:bodyPr wrap="square" rtlCol="0">
+            <a:spAutoFit/>
+          </a:bodyPr>
+          <a:lstStyle/>
+          <a:p>
+            <a:pPr algn="ctr"/>
+            <a:r>
+              <a:rPr lang="de-DE" dirty="0"/>
+              <a:t>Server</a:t>
+            </a:r>
+          </a:p>
+        </p:txBody>
+      </p:sp>
+      <p:pic>
+        <p:nvPicPr>
+          <p:cNvPr id="44" name="Grafik 43" descr="Auswerfen mit einfarbiger Füllung">
+            <a:extLst>
+              <a:ext uri="{FF2B5EF4-FFF2-40B4-BE49-F238E27FC236}">
+                <a16:creationId xmlns:a16="http://schemas.microsoft.com/office/drawing/2014/main" id="{ECDEEC12-501A-4CFE-BA83-F6236442385C}"/>
+              </a:ext>
+            </a:extLst>
+          </p:cNvPr>
+          <p:cNvPicPr>
+            <a:picLocks noChangeAspect="1"/>
+          </p:cNvPicPr>
+          <p:nvPr/>
+        </p:nvPicPr>
+        <p:blipFill>
+          <a:blip r:embed="rId7">
+            <a:extLst>
+              <a:ext uri="{28A0092B-C50C-407E-A947-70E740481C1C}">
+                <a14:useLocalDpi xmlns:a14="http://schemas.microsoft.com/office/drawing/2010/main" val="0"/>
+              </a:ext>
+              <a:ext uri="{96DAC541-7B7A-43D3-8B79-37D633B846F1}">
+                <asvg:svgBlip xmlns:asvg="http://schemas.microsoft.com/office/drawing/2016/SVG/main" r:embed="rId8"/>
+              </a:ext>
+            </a:extLst>
+          </a:blip>
+          <a:stretch>
+            <a:fillRect/>
+          </a:stretch>
+        </p:blipFill>
+        <p:spPr>
+          <a:xfrm rot="12744198">
+            <a:off x="4763599" y="3678215"/>
+            <a:ext cx="474470" cy="474470"/>
+          </a:xfrm>
+          <a:prstGeom prst="rect">
+            <a:avLst/>
+          </a:prstGeom>
+        </p:spPr>
+      </p:pic>
+      <p:pic>
+        <p:nvPicPr>
+          <p:cNvPr id="45" name="Grafik 44" descr="Auswerfen mit einfarbiger Füllung">
+            <a:extLst>
+              <a:ext uri="{FF2B5EF4-FFF2-40B4-BE49-F238E27FC236}">
+                <a16:creationId xmlns:a16="http://schemas.microsoft.com/office/drawing/2014/main" id="{1D8A01CC-846A-43CE-8761-EE24D701C073}"/>
+              </a:ext>
+            </a:extLst>
+          </p:cNvPr>
+          <p:cNvPicPr>
+            <a:picLocks noChangeAspect="1"/>
+          </p:cNvPicPr>
+          <p:nvPr/>
+        </p:nvPicPr>
+        <p:blipFill>
+          <a:blip r:embed="rId7">
+            <a:extLst>
+              <a:ext uri="{28A0092B-C50C-407E-A947-70E740481C1C}">
+                <a14:useLocalDpi xmlns:a14="http://schemas.microsoft.com/office/drawing/2010/main" val="0"/>
+              </a:ext>
+              <a:ext uri="{96DAC541-7B7A-43D3-8B79-37D633B846F1}">
+                <asvg:svgBlip xmlns:asvg="http://schemas.microsoft.com/office/drawing/2016/SVG/main" r:embed="rId8"/>
+              </a:ext>
+            </a:extLst>
+          </a:blip>
+          <a:stretch>
+            <a:fillRect/>
+          </a:stretch>
+        </p:blipFill>
+        <p:spPr>
+          <a:xfrm rot="8931001">
+            <a:off x="6783098" y="3676536"/>
+            <a:ext cx="474470" cy="474470"/>
+          </a:xfrm>
+          <a:prstGeom prst="rect">
+            <a:avLst/>
+          </a:prstGeom>
+        </p:spPr>
+      </p:pic>
     </p:spTree>
     <p:extLst>
       <p:ext uri="{BB962C8B-B14F-4D97-AF65-F5344CB8AC3E}">
@@ -16279,6 +17310,392 @@
   <p:clrMapOvr>
     <a:masterClrMapping/>
   </p:clrMapOvr>
+  <p:timing>
+    <p:tnLst>
+      <p:par>
+        <p:cTn id="1" dur="indefinite" restart="never" nodeType="tmRoot">
+          <p:childTnLst>
+            <p:seq concurrent="1" nextAc="seek">
+              <p:cTn id="2" dur="indefinite" nodeType="mainSeq">
+                <p:childTnLst>
+                  <p:par>
+                    <p:cTn id="3" fill="hold">
+                      <p:stCondLst>
+                        <p:cond delay="indefinite"/>
+                      </p:stCondLst>
+                      <p:childTnLst>
+                        <p:par>
+                          <p:cTn id="4" fill="hold">
+                            <p:stCondLst>
+                              <p:cond delay="0"/>
+                            </p:stCondLst>
+                            <p:childTnLst>
+                              <p:par>
+                                <p:cTn id="5" presetID="1" presetClass="entr" presetSubtype="0" fill="hold" grpId="0" nodeType="clickEffect">
+                                  <p:stCondLst>
+                                    <p:cond delay="0"/>
+                                  </p:stCondLst>
+                                  <p:childTnLst>
+                                    <p:set>
+                                      <p:cBhvr>
+                                        <p:cTn id="6" dur="1" fill="hold">
+                                          <p:stCondLst>
+                                            <p:cond delay="299"/>
+                                          </p:stCondLst>
+                                        </p:cTn>
+                                        <p:tgtEl>
+                                          <p:spTgt spid="27"/>
+                                        </p:tgtEl>
+                                        <p:attrNameLst>
+                                          <p:attrName>style.visibility</p:attrName>
+                                        </p:attrNameLst>
+                                      </p:cBhvr>
+                                      <p:to>
+                                        <p:strVal val="visible"/>
+                                      </p:to>
+                                    </p:set>
+                                  </p:childTnLst>
+                                </p:cTn>
+                              </p:par>
+                              <p:par>
+                                <p:cTn id="7" presetID="1" presetClass="entr" presetSubtype="0" fill="hold" nodeType="withEffect">
+                                  <p:stCondLst>
+                                    <p:cond delay="0"/>
+                                  </p:stCondLst>
+                                  <p:childTnLst>
+                                    <p:set>
+                                      <p:cBhvr>
+                                        <p:cTn id="8" dur="1" fill="hold">
+                                          <p:stCondLst>
+                                            <p:cond delay="299"/>
+                                          </p:stCondLst>
+                                        </p:cTn>
+                                        <p:tgtEl>
+                                          <p:spTgt spid="10"/>
+                                        </p:tgtEl>
+                                        <p:attrNameLst>
+                                          <p:attrName>style.visibility</p:attrName>
+                                        </p:attrNameLst>
+                                      </p:cBhvr>
+                                      <p:to>
+                                        <p:strVal val="visible"/>
+                                      </p:to>
+                                    </p:set>
+                                  </p:childTnLst>
+                                </p:cTn>
+                              </p:par>
+                            </p:childTnLst>
+                          </p:cTn>
+                        </p:par>
+                      </p:childTnLst>
+                    </p:cTn>
+                  </p:par>
+                  <p:par>
+                    <p:cTn id="9" fill="hold">
+                      <p:stCondLst>
+                        <p:cond delay="indefinite"/>
+                      </p:stCondLst>
+                      <p:childTnLst>
+                        <p:par>
+                          <p:cTn id="10" fill="hold">
+                            <p:stCondLst>
+                              <p:cond delay="0"/>
+                            </p:stCondLst>
+                            <p:childTnLst>
+                              <p:par>
+                                <p:cTn id="11" presetID="1" presetClass="entr" presetSubtype="0" fill="hold" nodeType="clickEffect">
+                                  <p:stCondLst>
+                                    <p:cond delay="0"/>
+                                  </p:stCondLst>
+                                  <p:childTnLst>
+                                    <p:set>
+                                      <p:cBhvr>
+                                        <p:cTn id="12" dur="1" fill="hold">
+                                          <p:stCondLst>
+                                            <p:cond delay="299"/>
+                                          </p:stCondLst>
+                                        </p:cTn>
+                                        <p:tgtEl>
+                                          <p:spTgt spid="6"/>
+                                        </p:tgtEl>
+                                        <p:attrNameLst>
+                                          <p:attrName>style.visibility</p:attrName>
+                                        </p:attrNameLst>
+                                      </p:cBhvr>
+                                      <p:to>
+                                        <p:strVal val="visible"/>
+                                      </p:to>
+                                    </p:set>
+                                  </p:childTnLst>
+                                </p:cTn>
+                              </p:par>
+                              <p:par>
+                                <p:cTn id="13" presetID="1" presetClass="entr" presetSubtype="0" fill="hold" nodeType="withEffect">
+                                  <p:stCondLst>
+                                    <p:cond delay="0"/>
+                                  </p:stCondLst>
+                                  <p:childTnLst>
+                                    <p:set>
+                                      <p:cBhvr>
+                                        <p:cTn id="14" dur="1" fill="hold">
+                                          <p:stCondLst>
+                                            <p:cond delay="299"/>
+                                          </p:stCondLst>
+                                        </p:cTn>
+                                        <p:tgtEl>
+                                          <p:spTgt spid="12"/>
+                                        </p:tgtEl>
+                                        <p:attrNameLst>
+                                          <p:attrName>style.visibility</p:attrName>
+                                        </p:attrNameLst>
+                                      </p:cBhvr>
+                                      <p:to>
+                                        <p:strVal val="visible"/>
+                                      </p:to>
+                                    </p:set>
+                                  </p:childTnLst>
+                                </p:cTn>
+                              </p:par>
+                              <p:par>
+                                <p:cTn id="15" presetID="1" presetClass="entr" presetSubtype="0" fill="hold" nodeType="withEffect">
+                                  <p:stCondLst>
+                                    <p:cond delay="0"/>
+                                  </p:stCondLst>
+                                  <p:childTnLst>
+                                    <p:set>
+                                      <p:cBhvr>
+                                        <p:cTn id="16" dur="1" fill="hold">
+                                          <p:stCondLst>
+                                            <p:cond delay="299"/>
+                                          </p:stCondLst>
+                                        </p:cTn>
+                                        <p:tgtEl>
+                                          <p:spTgt spid="28"/>
+                                        </p:tgtEl>
+                                        <p:attrNameLst>
+                                          <p:attrName>style.visibility</p:attrName>
+                                        </p:attrNameLst>
+                                      </p:cBhvr>
+                                      <p:to>
+                                        <p:strVal val="visible"/>
+                                      </p:to>
+                                    </p:set>
+                                  </p:childTnLst>
+                                </p:cTn>
+                              </p:par>
+                              <p:par>
+                                <p:cTn id="17" presetID="1" presetClass="entr" presetSubtype="0" fill="hold" nodeType="withEffect">
+                                  <p:stCondLst>
+                                    <p:cond delay="0"/>
+                                  </p:stCondLst>
+                                  <p:childTnLst>
+                                    <p:set>
+                                      <p:cBhvr>
+                                        <p:cTn id="18" dur="1" fill="hold">
+                                          <p:stCondLst>
+                                            <p:cond delay="299"/>
+                                          </p:stCondLst>
+                                        </p:cTn>
+                                        <p:tgtEl>
+                                          <p:spTgt spid="29"/>
+                                        </p:tgtEl>
+                                        <p:attrNameLst>
+                                          <p:attrName>style.visibility</p:attrName>
+                                        </p:attrNameLst>
+                                      </p:cBhvr>
+                                      <p:to>
+                                        <p:strVal val="visible"/>
+                                      </p:to>
+                                    </p:set>
+                                  </p:childTnLst>
+                                </p:cTn>
+                              </p:par>
+                              <p:par>
+                                <p:cTn id="19" presetID="1" presetClass="entr" presetSubtype="0" fill="hold" grpId="0" nodeType="withEffect">
+                                  <p:stCondLst>
+                                    <p:cond delay="0"/>
+                                  </p:stCondLst>
+                                  <p:childTnLst>
+                                    <p:set>
+                                      <p:cBhvr>
+                                        <p:cTn id="20" dur="1" fill="hold">
+                                          <p:stCondLst>
+                                            <p:cond delay="299"/>
+                                          </p:stCondLst>
+                                        </p:cTn>
+                                        <p:tgtEl>
+                                          <p:spTgt spid="33"/>
+                                        </p:tgtEl>
+                                        <p:attrNameLst>
+                                          <p:attrName>style.visibility</p:attrName>
+                                        </p:attrNameLst>
+                                      </p:cBhvr>
+                                      <p:to>
+                                        <p:strVal val="visible"/>
+                                      </p:to>
+                                    </p:set>
+                                  </p:childTnLst>
+                                </p:cTn>
+                              </p:par>
+                              <p:par>
+                                <p:cTn id="21" presetID="1" presetClass="entr" presetSubtype="0" fill="hold" nodeType="withEffect">
+                                  <p:stCondLst>
+                                    <p:cond delay="0"/>
+                                  </p:stCondLst>
+                                  <p:childTnLst>
+                                    <p:set>
+                                      <p:cBhvr>
+                                        <p:cTn id="22" dur="1" fill="hold">
+                                          <p:stCondLst>
+                                            <p:cond delay="299"/>
+                                          </p:stCondLst>
+                                        </p:cTn>
+                                        <p:tgtEl>
+                                          <p:spTgt spid="44"/>
+                                        </p:tgtEl>
+                                        <p:attrNameLst>
+                                          <p:attrName>style.visibility</p:attrName>
+                                        </p:attrNameLst>
+                                      </p:cBhvr>
+                                      <p:to>
+                                        <p:strVal val="visible"/>
+                                      </p:to>
+                                    </p:set>
+                                  </p:childTnLst>
+                                </p:cTn>
+                              </p:par>
+                            </p:childTnLst>
+                          </p:cTn>
+                        </p:par>
+                      </p:childTnLst>
+                    </p:cTn>
+                  </p:par>
+                  <p:par>
+                    <p:cTn id="23" fill="hold">
+                      <p:stCondLst>
+                        <p:cond delay="indefinite"/>
+                      </p:stCondLst>
+                      <p:childTnLst>
+                        <p:par>
+                          <p:cTn id="24" fill="hold">
+                            <p:stCondLst>
+                              <p:cond delay="0"/>
+                            </p:stCondLst>
+                            <p:childTnLst>
+                              <p:par>
+                                <p:cTn id="25" presetID="1" presetClass="entr" presetSubtype="0" fill="hold" grpId="0" nodeType="clickEffect">
+                                  <p:stCondLst>
+                                    <p:cond delay="0"/>
+                                  </p:stCondLst>
+                                  <p:childTnLst>
+                                    <p:set>
+                                      <p:cBhvr>
+                                        <p:cTn id="26" dur="1" fill="hold">
+                                          <p:stCondLst>
+                                            <p:cond delay="299"/>
+                                          </p:stCondLst>
+                                        </p:cTn>
+                                        <p:tgtEl>
+                                          <p:spTgt spid="34"/>
+                                        </p:tgtEl>
+                                        <p:attrNameLst>
+                                          <p:attrName>style.visibility</p:attrName>
+                                        </p:attrNameLst>
+                                      </p:cBhvr>
+                                      <p:to>
+                                        <p:strVal val="visible"/>
+                                      </p:to>
+                                    </p:set>
+                                  </p:childTnLst>
+                                </p:cTn>
+                              </p:par>
+                              <p:par>
+                                <p:cTn id="27" presetID="1" presetClass="entr" presetSubtype="0" fill="hold" nodeType="withEffect">
+                                  <p:stCondLst>
+                                    <p:cond delay="0"/>
+                                  </p:stCondLst>
+                                  <p:childTnLst>
+                                    <p:set>
+                                      <p:cBhvr>
+                                        <p:cTn id="28" dur="1" fill="hold">
+                                          <p:stCondLst>
+                                            <p:cond delay="299"/>
+                                          </p:stCondLst>
+                                        </p:cTn>
+                                        <p:tgtEl>
+                                          <p:spTgt spid="4"/>
+                                        </p:tgtEl>
+                                        <p:attrNameLst>
+                                          <p:attrName>style.visibility</p:attrName>
+                                        </p:attrNameLst>
+                                      </p:cBhvr>
+                                      <p:to>
+                                        <p:strVal val="visible"/>
+                                      </p:to>
+                                    </p:set>
+                                  </p:childTnLst>
+                                </p:cTn>
+                              </p:par>
+                              <p:par>
+                                <p:cTn id="29" presetID="1" presetClass="entr" presetSubtype="0" fill="hold" nodeType="withEffect">
+                                  <p:stCondLst>
+                                    <p:cond delay="0"/>
+                                  </p:stCondLst>
+                                  <p:childTnLst>
+                                    <p:set>
+                                      <p:cBhvr>
+                                        <p:cTn id="30" dur="1" fill="hold">
+                                          <p:stCondLst>
+                                            <p:cond delay="299"/>
+                                          </p:stCondLst>
+                                        </p:cTn>
+                                        <p:tgtEl>
+                                          <p:spTgt spid="45"/>
+                                        </p:tgtEl>
+                                        <p:attrNameLst>
+                                          <p:attrName>style.visibility</p:attrName>
+                                        </p:attrNameLst>
+                                      </p:cBhvr>
+                                      <p:to>
+                                        <p:strVal val="visible"/>
+                                      </p:to>
+                                    </p:set>
+                                  </p:childTnLst>
+                                </p:cTn>
+                              </p:par>
+                            </p:childTnLst>
+                          </p:cTn>
+                        </p:par>
+                      </p:childTnLst>
+                    </p:cTn>
+                  </p:par>
+                </p:childTnLst>
+              </p:cTn>
+              <p:prevCondLst>
+                <p:cond evt="onPrev" delay="0">
+                  <p:tgtEl>
+                    <p:sldTgt/>
+                  </p:tgtEl>
+                </p:cond>
+              </p:prevCondLst>
+              <p:nextCondLst>
+                <p:cond evt="onNext" delay="0">
+                  <p:tgtEl>
+                    <p:sldTgt/>
+                  </p:tgtEl>
+                </p:cond>
+              </p:nextCondLst>
+            </p:seq>
+          </p:childTnLst>
+        </p:cTn>
+      </p:par>
+    </p:tnLst>
+    <p:bldLst>
+      <p:bldP spid="27" grpId="0"/>
+      <p:bldP spid="33" grpId="0"/>
+      <p:bldP spid="34" grpId="0"/>
+    </p:bldLst>
+  </p:timing>
 </p:sld>
 </file>
 
@@ -17569,4 +18986,299 @@
     </a:ext>
   </a:extLst>
 </a:theme>
+</file>
+
+<file path=ppt/theme/theme3.xml><?xml version="1.0" encoding="utf-8"?>
+<a:theme xmlns:a="http://schemas.openxmlformats.org/drawingml/2006/main" name="Office">
+  <a:themeElements>
+    <a:clrScheme name="Office">
+      <a:dk1>
+        <a:sysClr val="windowText" lastClr="000000"/>
+      </a:dk1>
+      <a:lt1>
+        <a:sysClr val="window" lastClr="FFFFFF"/>
+      </a:lt1>
+      <a:dk2>
+        <a:srgbClr val="44546A"/>
+      </a:dk2>
+      <a:lt2>
+        <a:srgbClr val="E7E6E6"/>
+      </a:lt2>
+      <a:accent1>
+        <a:srgbClr val="4472C4"/>
+      </a:accent1>
+      <a:accent2>
+        <a:srgbClr val="ED7D31"/>
+      </a:accent2>
+      <a:accent3>
+        <a:srgbClr val="A5A5A5"/>
+      </a:accent3>
+      <a:accent4>
+        <a:srgbClr val="FFC000"/>
+      </a:accent4>
+      <a:accent5>
+        <a:srgbClr val="5B9BD5"/>
+      </a:accent5>
+      <a:accent6>
+        <a:srgbClr val="70AD47"/>
+      </a:accent6>
+      <a:hlink>
+        <a:srgbClr val="0563C1"/>
+      </a:hlink>
+      <a:folHlink>
+        <a:srgbClr val="954F72"/>
+      </a:folHlink>
+    </a:clrScheme>
+    <a:fontScheme name="Office">
+      <a:majorFont>
+        <a:latin typeface="Calibri Light" panose="020F0302020204030204"/>
+        <a:ea typeface=""/>
+        <a:cs typeface=""/>
+        <a:font script="Jpan" typeface="游ゴシック Light"/>
+        <a:font script="Hang" typeface="맑은 고딕"/>
+        <a:font script="Hans" typeface="等线 Light"/>
+        <a:font script="Hant" typeface="新細明體"/>
+        <a:font script="Arab" typeface="Times New Roman"/>
+        <a:font script="Hebr" typeface="Times New Roman"/>
+        <a:font script="Thai" typeface="Angsana New"/>
+        <a:font script="Ethi" typeface="Nyala"/>
+        <a:font script="Beng" typeface="Vrinda"/>
+        <a:font script="Gujr" typeface="Shruti"/>
+        <a:font script="Khmr" typeface="MoolBoran"/>
+        <a:font script="Knda" typeface="Tunga"/>
+        <a:font script="Guru" typeface="Raavi"/>
+        <a:font script="Cans" typeface="Euphemia"/>
+        <a:font script="Cher" typeface="Plantagenet Cherokee"/>
+        <a:font script="Yiii" typeface="Microsoft Yi Baiti"/>
+        <a:font script="Tibt" typeface="Microsoft Himalaya"/>
+        <a:font script="Thaa" typeface="MV Boli"/>
+        <a:font script="Deva" typeface="Mangal"/>
+        <a:font script="Telu" typeface="Gautami"/>
+        <a:font script="Taml" typeface="Latha"/>
+        <a:font script="Syrc" typeface="Estrangelo Edessa"/>
+        <a:font script="Orya" typeface="Kalinga"/>
+        <a:font script="Mlym" typeface="Kartika"/>
+        <a:font script="Laoo" typeface="DokChampa"/>
+        <a:font script="Sinh" typeface="Iskoola Pota"/>
+        <a:font script="Mong" typeface="Mongolian Baiti"/>
+        <a:font script="Viet" typeface="Times New Roman"/>
+        <a:font script="Uigh" typeface="Microsoft Uighur"/>
+        <a:font script="Geor" typeface="Sylfaen"/>
+        <a:font script="Armn" typeface="Arial"/>
+        <a:font script="Bugi" typeface="Leelawadee UI"/>
+        <a:font script="Bopo" typeface="Microsoft JhengHei"/>
+        <a:font script="Java" typeface="Javanese Text"/>
+        <a:font script="Lisu" typeface="Segoe UI"/>
+        <a:font script="Mymr" typeface="Myanmar Text"/>
+        <a:font script="Nkoo" typeface="Ebrima"/>
+        <a:font script="Olck" typeface="Nirmala UI"/>
+        <a:font script="Osma" typeface="Ebrima"/>
+        <a:font script="Phag" typeface="Phagspa"/>
+        <a:font script="Syrn" typeface="Estrangelo Edessa"/>
+        <a:font script="Syrj" typeface="Estrangelo Edessa"/>
+        <a:font script="Syre" typeface="Estrangelo Edessa"/>
+        <a:font script="Sora" typeface="Nirmala UI"/>
+        <a:font script="Tale" typeface="Microsoft Tai Le"/>
+        <a:font script="Talu" typeface="Microsoft New Tai Lue"/>
+        <a:font script="Tfng" typeface="Ebrima"/>
+      </a:majorFont>
+      <a:minorFont>
+        <a:latin typeface="Calibri" panose="020F0502020204030204"/>
+        <a:ea typeface=""/>
+        <a:cs typeface=""/>
+        <a:font script="Jpan" typeface="游ゴシック"/>
+        <a:font script="Hang" typeface="맑은 고딕"/>
+        <a:font script="Hans" typeface="等线"/>
+        <a:font script="Hant" typeface="新細明體"/>
+        <a:font script="Arab" typeface="Arial"/>
+        <a:font script="Hebr" typeface="Arial"/>
+        <a:font script="Thai" typeface="Cordia New"/>
+        <a:font script="Ethi" typeface="Nyala"/>
+        <a:font script="Beng" typeface="Vrinda"/>
+        <a:font script="Gujr" typeface="Shruti"/>
+        <a:font script="Khmr" typeface="DaunPenh"/>
+        <a:font script="Knda" typeface="Tunga"/>
+        <a:font script="Guru" typeface="Raavi"/>
+        <a:font script="Cans" typeface="Euphemia"/>
+        <a:font script="Cher" typeface="Plantagenet Cherokee"/>
+        <a:font script="Yiii" typeface="Microsoft Yi Baiti"/>
+        <a:font script="Tibt" typeface="Microsoft Himalaya"/>
+        <a:font script="Thaa" typeface="MV Boli"/>
+        <a:font script="Deva" typeface="Mangal"/>
+        <a:font script="Telu" typeface="Gautami"/>
+        <a:font script="Taml" typeface="Latha"/>
+        <a:font script="Syrc" typeface="Estrangelo Edessa"/>
+        <a:font script="Orya" typeface="Kalinga"/>
+        <a:font script="Mlym" typeface="Kartika"/>
+        <a:font script="Laoo" typeface="DokChampa"/>
+        <a:font script="Sinh" typeface="Iskoola Pota"/>
+        <a:font script="Mong" typeface="Mongolian Baiti"/>
+        <a:font script="Viet" typeface="Arial"/>
+        <a:font script="Uigh" typeface="Microsoft Uighur"/>
+        <a:font script="Geor" typeface="Sylfaen"/>
+        <a:font script="Armn" typeface="Arial"/>
+        <a:font script="Bugi" typeface="Leelawadee UI"/>
+        <a:font script="Bopo" typeface="Microsoft JhengHei"/>
+        <a:font script="Java" typeface="Javanese Text"/>
+        <a:font script="Lisu" typeface="Segoe UI"/>
+        <a:font script="Mymr" typeface="Myanmar Text"/>
+        <a:font script="Nkoo" typeface="Ebrima"/>
+        <a:font script="Olck" typeface="Nirmala UI"/>
+        <a:font script="Osma" typeface="Ebrima"/>
+        <a:font script="Phag" typeface="Phagspa"/>
+        <a:font script="Syrn" typeface="Estrangelo Edessa"/>
+        <a:font script="Syrj" typeface="Estrangelo Edessa"/>
+        <a:font script="Syre" typeface="Estrangelo Edessa"/>
+        <a:font script="Sora" typeface="Nirmala UI"/>
+        <a:font script="Tale" typeface="Microsoft Tai Le"/>
+        <a:font script="Talu" typeface="Microsoft New Tai Lue"/>
+        <a:font script="Tfng" typeface="Ebrima"/>
+      </a:minorFont>
+    </a:fontScheme>
+    <a:fmtScheme name="Office">
+      <a:fillStyleLst>
+        <a:solidFill>
+          <a:schemeClr val="phClr"/>
+        </a:solidFill>
+        <a:gradFill rotWithShape="1">
+          <a:gsLst>
+            <a:gs pos="0">
+              <a:schemeClr val="phClr">
+                <a:lumMod val="110000"/>
+                <a:satMod val="105000"/>
+                <a:tint val="67000"/>
+              </a:schemeClr>
+            </a:gs>
+            <a:gs pos="50000">
+              <a:schemeClr val="phClr">
+                <a:lumMod val="105000"/>
+                <a:satMod val="103000"/>
+                <a:tint val="73000"/>
+              </a:schemeClr>
+            </a:gs>
+            <a:gs pos="100000">
+              <a:schemeClr val="phClr">
+                <a:lumMod val="105000"/>
+                <a:satMod val="109000"/>
+                <a:tint val="81000"/>
+              </a:schemeClr>
+            </a:gs>
+          </a:gsLst>
+          <a:lin ang="5400000" scaled="0"/>
+        </a:gradFill>
+        <a:gradFill rotWithShape="1">
+          <a:gsLst>
+            <a:gs pos="0">
+              <a:schemeClr val="phClr">
+                <a:satMod val="103000"/>
+                <a:lumMod val="102000"/>
+                <a:tint val="94000"/>
+              </a:schemeClr>
+            </a:gs>
+            <a:gs pos="50000">
+              <a:schemeClr val="phClr">
+                <a:satMod val="110000"/>
+                <a:lumMod val="100000"/>
+                <a:shade val="100000"/>
+              </a:schemeClr>
+            </a:gs>
+            <a:gs pos="100000">
+              <a:schemeClr val="phClr">
+                <a:lumMod val="99000"/>
+                <a:satMod val="120000"/>
+                <a:shade val="78000"/>
+              </a:schemeClr>
+            </a:gs>
+          </a:gsLst>
+          <a:lin ang="5400000" scaled="0"/>
+        </a:gradFill>
+      </a:fillStyleLst>
+      <a:lnStyleLst>
+        <a:ln w="6350" cap="flat" cmpd="sng" algn="ctr">
+          <a:solidFill>
+            <a:schemeClr val="phClr"/>
+          </a:solidFill>
+          <a:prstDash val="solid"/>
+          <a:miter lim="800000"/>
+        </a:ln>
+        <a:ln w="12700" cap="flat" cmpd="sng" algn="ctr">
+          <a:solidFill>
+            <a:schemeClr val="phClr"/>
+          </a:solidFill>
+          <a:prstDash val="solid"/>
+          <a:miter lim="800000"/>
+        </a:ln>
+        <a:ln w="19050" cap="flat" cmpd="sng" algn="ctr">
+          <a:solidFill>
+            <a:schemeClr val="phClr"/>
+          </a:solidFill>
+          <a:prstDash val="solid"/>
+          <a:miter lim="800000"/>
+        </a:ln>
+      </a:lnStyleLst>
+      <a:effectStyleLst>
+        <a:effectStyle>
+          <a:effectLst/>
+        </a:effectStyle>
+        <a:effectStyle>
+          <a:effectLst/>
+        </a:effectStyle>
+        <a:effectStyle>
+          <a:effectLst>
+            <a:outerShdw blurRad="57150" dist="19050" dir="5400000" algn="ctr" rotWithShape="0">
+              <a:srgbClr val="000000">
+                <a:alpha val="63000"/>
+              </a:srgbClr>
+            </a:outerShdw>
+          </a:effectLst>
+        </a:effectStyle>
+      </a:effectStyleLst>
+      <a:bgFillStyleLst>
+        <a:solidFill>
+          <a:schemeClr val="phClr"/>
+        </a:solidFill>
+        <a:solidFill>
+          <a:schemeClr val="phClr">
+            <a:tint val="95000"/>
+            <a:satMod val="170000"/>
+          </a:schemeClr>
+        </a:solidFill>
+        <a:gradFill rotWithShape="1">
+          <a:gsLst>
+            <a:gs pos="0">
+              <a:schemeClr val="phClr">
+                <a:tint val="93000"/>
+                <a:satMod val="150000"/>
+                <a:shade val="98000"/>
+                <a:lumMod val="102000"/>
+              </a:schemeClr>
+            </a:gs>
+            <a:gs pos="50000">
+              <a:schemeClr val="phClr">
+                <a:tint val="98000"/>
+                <a:satMod val="130000"/>
+                <a:shade val="90000"/>
+                <a:lumMod val="103000"/>
+              </a:schemeClr>
+            </a:gs>
+            <a:gs pos="100000">
+              <a:schemeClr val="phClr">
+                <a:shade val="63000"/>
+                <a:satMod val="120000"/>
+              </a:schemeClr>
+            </a:gs>
+          </a:gsLst>
+          <a:lin ang="5400000" scaled="0"/>
+        </a:gradFill>
+      </a:bgFillStyleLst>
+    </a:fmtScheme>
+  </a:themeElements>
+  <a:objectDefaults/>
+  <a:extraClrSchemeLst/>
+  <a:extLst>
+    <a:ext uri="{05A4C25C-085E-4340-85A3-A5531E510DB2}">
+      <thm15:themeFamily xmlns:thm15="http://schemas.microsoft.com/office/thememl/2012/main" name="Office Theme" id="{62F939B6-93AF-4DB8-9C6B-D6C7DFDC589F}" vid="{4A3C46E8-61CC-4603-A589-7422A47A8E4A}"/>
+    </a:ext>
+  </a:extLst>
+</a:theme>
 </file>
--- a/Praesentationen/02-Entwurfsphase/Entwurf Präsentation.pptx
+++ b/Praesentationen/02-Entwurfsphase/Entwurf Präsentation.pptx
@@ -139,8 +139,7 @@
 <file path=ppt/revisionInfo.xml><?xml version="1.0" encoding="utf-8"?>
 <p1510:revInfo xmlns:a="http://schemas.openxmlformats.org/drawingml/2006/main" xmlns:r="http://schemas.openxmlformats.org/officeDocument/2006/relationships" xmlns:p1510="http://schemas.microsoft.com/office/powerpoint/2015/10/main">
   <p1510:revLst>
-    <p1510:client id="{A86ACD7E-081E-45E9-9E2D-CD2A2B80F020}" v="8" dt="2022-01-07T20:44:02.485"/>
-    <p1510:client id="{C067BB00-D62D-434A-8EB6-2D39E9BF5514}" v="3" dt="2022-01-07T20:55:03.350"/>
+    <p1510:client id="{B121F1B0-4D08-E747-A677-49BC57413863}" v="28" dt="2022-01-09T09:22:01.694"/>
   </p1510:revLst>
 </p1510:revInfo>
 </file>
@@ -256,7 +255,7 @@
           <a:p>
             <a:fld id="{F899D2DC-6997-404A-B859-2EC79104A957}" type="datetimeFigureOut">
               <a:rPr lang="de-DE" smtClean="0"/>
-              <a:t>07.01.2022</a:t>
+              <a:t>09.01.22</a:t>
             </a:fld>
             <a:endParaRPr lang="de-DE"/>
           </a:p>
@@ -825,7 +824,7 @@
           <a:p>
             <a:fld id="{D4A7F7FB-B369-497A-97C2-098805D1A52E}" type="datetimeFigureOut">
               <a:rPr lang="de-DE" smtClean="0"/>
-              <a:t>07.01.2022</a:t>
+              <a:t>09.01.22</a:t>
             </a:fld>
             <a:endParaRPr lang="de-DE"/>
           </a:p>
@@ -1025,7 +1024,7 @@
           <a:p>
             <a:fld id="{D4A7F7FB-B369-497A-97C2-098805D1A52E}" type="datetimeFigureOut">
               <a:rPr lang="de-DE" smtClean="0"/>
-              <a:t>07.01.2022</a:t>
+              <a:t>09.01.22</a:t>
             </a:fld>
             <a:endParaRPr lang="de-DE"/>
           </a:p>
@@ -1235,7 +1234,7 @@
           <a:p>
             <a:fld id="{D4A7F7FB-B369-497A-97C2-098805D1A52E}" type="datetimeFigureOut">
               <a:rPr lang="de-DE" smtClean="0"/>
-              <a:t>07.01.2022</a:t>
+              <a:t>09.01.22</a:t>
             </a:fld>
             <a:endParaRPr lang="de-DE"/>
           </a:p>
@@ -1504,7 +1503,7 @@
           <a:p>
             <a:fld id="{D4A7F7FB-B369-497A-97C2-098805D1A52E}" type="datetimeFigureOut">
               <a:rPr lang="de-DE" smtClean="0"/>
-              <a:t>07.01.2022</a:t>
+              <a:t>09.01.22</a:t>
             </a:fld>
             <a:endParaRPr lang="de-DE"/>
           </a:p>
@@ -1674,7 +1673,7 @@
           <a:p>
             <a:fld id="{D4A7F7FB-B369-497A-97C2-098805D1A52E}" type="datetimeFigureOut">
               <a:rPr lang="de-DE" smtClean="0"/>
-              <a:t>07.01.2022</a:t>
+              <a:t>09.01.22</a:t>
             </a:fld>
             <a:endParaRPr lang="de-DE"/>
           </a:p>
@@ -1931,7 +1930,7 @@
           <a:p>
             <a:fld id="{D4A7F7FB-B369-497A-97C2-098805D1A52E}" type="datetimeFigureOut">
               <a:rPr lang="de-DE" smtClean="0"/>
-              <a:t>07.01.2022</a:t>
+              <a:t>09.01.22</a:t>
             </a:fld>
             <a:endParaRPr lang="de-DE"/>
           </a:p>
@@ -2163,7 +2162,7 @@
           <a:p>
             <a:fld id="{D4A7F7FB-B369-497A-97C2-098805D1A52E}" type="datetimeFigureOut">
               <a:rPr lang="de-DE" smtClean="0"/>
-              <a:t>07.01.2022</a:t>
+              <a:t>09.01.22</a:t>
             </a:fld>
             <a:endParaRPr lang="de-DE"/>
           </a:p>
@@ -2556,7 +2555,7 @@
           <a:p>
             <a:fld id="{D4A7F7FB-B369-497A-97C2-098805D1A52E}" type="datetimeFigureOut">
               <a:rPr lang="de-DE" smtClean="0"/>
-              <a:t>07.01.2022</a:t>
+              <a:t>09.01.22</a:t>
             </a:fld>
             <a:endParaRPr lang="de-DE"/>
           </a:p>
@@ -2674,7 +2673,7 @@
           <a:p>
             <a:fld id="{D4A7F7FB-B369-497A-97C2-098805D1A52E}" type="datetimeFigureOut">
               <a:rPr lang="de-DE" smtClean="0"/>
-              <a:t>07.01.2022</a:t>
+              <a:t>09.01.22</a:t>
             </a:fld>
             <a:endParaRPr lang="de-DE"/>
           </a:p>
@@ -2769,7 +2768,7 @@
           <a:p>
             <a:fld id="{D4A7F7FB-B369-497A-97C2-098805D1A52E}" type="datetimeFigureOut">
               <a:rPr lang="de-DE" smtClean="0"/>
-              <a:t>07.01.2022</a:t>
+              <a:t>09.01.22</a:t>
             </a:fld>
             <a:endParaRPr lang="de-DE"/>
           </a:p>
@@ -3042,7 +3041,7 @@
           <a:p>
             <a:fld id="{D4A7F7FB-B369-497A-97C2-098805D1A52E}" type="datetimeFigureOut">
               <a:rPr lang="de-DE" smtClean="0"/>
-              <a:t>07.01.2022</a:t>
+              <a:t>09.01.22</a:t>
             </a:fld>
             <a:endParaRPr lang="de-DE"/>
           </a:p>
@@ -3230,7 +3229,7 @@
           <a:p>
             <a:fld id="{D4A7F7FB-B369-497A-97C2-098805D1A52E}" type="datetimeFigureOut">
               <a:rPr lang="de-DE" smtClean="0"/>
-              <a:t>07.01.2022</a:t>
+              <a:t>09.01.22</a:t>
             </a:fld>
             <a:endParaRPr lang="de-DE"/>
           </a:p>
@@ -3523,7 +3522,7 @@
           <a:p>
             <a:fld id="{D4A7F7FB-B369-497A-97C2-098805D1A52E}" type="datetimeFigureOut">
               <a:rPr lang="de-DE" smtClean="0"/>
-              <a:t>07.01.2022</a:t>
+              <a:t>09.01.22</a:t>
             </a:fld>
             <a:endParaRPr lang="de-DE"/>
           </a:p>
@@ -3804,7 +3803,7 @@
           <a:p>
             <a:fld id="{D4A7F7FB-B369-497A-97C2-098805D1A52E}" type="datetimeFigureOut">
               <a:rPr lang="de-DE" smtClean="0"/>
-              <a:t>07.01.2022</a:t>
+              <a:t>09.01.22</a:t>
             </a:fld>
             <a:endParaRPr lang="de-DE"/>
           </a:p>
@@ -3996,7 +3995,7 @@
           <a:p>
             <a:fld id="{D4A7F7FB-B369-497A-97C2-098805D1A52E}" type="datetimeFigureOut">
               <a:rPr lang="de-DE" smtClean="0"/>
-              <a:t>07.01.2022</a:t>
+              <a:t>09.01.22</a:t>
             </a:fld>
             <a:endParaRPr lang="de-DE"/>
           </a:p>
@@ -4257,7 +4256,7 @@
           <a:p>
             <a:fld id="{D4A7F7FB-B369-497A-97C2-098805D1A52E}" type="datetimeFigureOut">
               <a:rPr lang="de-DE" smtClean="0"/>
-              <a:t>07.01.2022</a:t>
+              <a:t>09.01.22</a:t>
             </a:fld>
             <a:endParaRPr lang="de-DE"/>
           </a:p>
@@ -4683,7 +4682,7 @@
           <a:p>
             <a:fld id="{D4A7F7FB-B369-497A-97C2-098805D1A52E}" type="datetimeFigureOut">
               <a:rPr lang="de-DE" smtClean="0"/>
-              <a:t>07.01.2022</a:t>
+              <a:t>09.01.22</a:t>
             </a:fld>
             <a:endParaRPr lang="de-DE"/>
           </a:p>
@@ -5229,7 +5228,7 @@
           <a:p>
             <a:fld id="{D4A7F7FB-B369-497A-97C2-098805D1A52E}" type="datetimeFigureOut">
               <a:rPr lang="de-DE" smtClean="0"/>
-              <a:t>07.01.2022</a:t>
+              <a:t>09.01.22</a:t>
             </a:fld>
             <a:endParaRPr lang="de-DE"/>
           </a:p>
@@ -6060,7 +6059,7 @@
           <a:p>
             <a:fld id="{D4A7F7FB-B369-497A-97C2-098805D1A52E}" type="datetimeFigureOut">
               <a:rPr lang="de-DE" smtClean="0"/>
-              <a:t>07.01.2022</a:t>
+              <a:t>09.01.22</a:t>
             </a:fld>
             <a:endParaRPr lang="de-DE"/>
           </a:p>
@@ -6230,7 +6229,7 @@
           <a:p>
             <a:fld id="{D4A7F7FB-B369-497A-97C2-098805D1A52E}" type="datetimeFigureOut">
               <a:rPr lang="de-DE" smtClean="0"/>
-              <a:t>07.01.2022</a:t>
+              <a:t>09.01.22</a:t>
             </a:fld>
             <a:endParaRPr lang="de-DE"/>
           </a:p>
@@ -6410,7 +6409,7 @@
           <a:p>
             <a:fld id="{D4A7F7FB-B369-497A-97C2-098805D1A52E}" type="datetimeFigureOut">
               <a:rPr lang="de-DE" smtClean="0"/>
-              <a:t>07.01.2022</a:t>
+              <a:t>09.01.22</a:t>
             </a:fld>
             <a:endParaRPr lang="de-DE"/>
           </a:p>
@@ -6674,7 +6673,7 @@
           <a:p>
             <a:fld id="{D4A7F7FB-B369-497A-97C2-098805D1A52E}" type="datetimeFigureOut">
               <a:rPr lang="de-DE" smtClean="0"/>
-              <a:t>07.01.2022</a:t>
+              <a:t>09.01.22</a:t>
             </a:fld>
             <a:endParaRPr lang="de-DE"/>
           </a:p>
@@ -6942,7 +6941,7 @@
           <a:p>
             <a:fld id="{D4A7F7FB-B369-497A-97C2-098805D1A52E}" type="datetimeFigureOut">
               <a:rPr lang="de-DE" smtClean="0"/>
-              <a:t>07.01.2022</a:t>
+              <a:t>09.01.22</a:t>
             </a:fld>
             <a:endParaRPr lang="de-DE"/>
           </a:p>
@@ -7357,7 +7356,7 @@
           <a:p>
             <a:fld id="{D4A7F7FB-B369-497A-97C2-098805D1A52E}" type="datetimeFigureOut">
               <a:rPr lang="de-DE" smtClean="0"/>
-              <a:t>07.01.2022</a:t>
+              <a:t>09.01.22</a:t>
             </a:fld>
             <a:endParaRPr lang="de-DE"/>
           </a:p>
@@ -7499,7 +7498,7 @@
           <a:p>
             <a:fld id="{D4A7F7FB-B369-497A-97C2-098805D1A52E}" type="datetimeFigureOut">
               <a:rPr lang="de-DE" smtClean="0"/>
-              <a:t>07.01.2022</a:t>
+              <a:t>09.01.22</a:t>
             </a:fld>
             <a:endParaRPr lang="de-DE"/>
           </a:p>
@@ -7612,7 +7611,7 @@
           <a:p>
             <a:fld id="{D4A7F7FB-B369-497A-97C2-098805D1A52E}" type="datetimeFigureOut">
               <a:rPr lang="de-DE" smtClean="0"/>
-              <a:t>07.01.2022</a:t>
+              <a:t>09.01.22</a:t>
             </a:fld>
             <a:endParaRPr lang="de-DE"/>
           </a:p>
@@ -7925,7 +7924,7 @@
           <a:p>
             <a:fld id="{D4A7F7FB-B369-497A-97C2-098805D1A52E}" type="datetimeFigureOut">
               <a:rPr lang="de-DE" smtClean="0"/>
-              <a:t>07.01.2022</a:t>
+              <a:t>09.01.22</a:t>
             </a:fld>
             <a:endParaRPr lang="de-DE"/>
           </a:p>
@@ -8214,7 +8213,7 @@
           <a:p>
             <a:fld id="{D4A7F7FB-B369-497A-97C2-098805D1A52E}" type="datetimeFigureOut">
               <a:rPr lang="de-DE" smtClean="0"/>
-              <a:t>07.01.2022</a:t>
+              <a:t>09.01.22</a:t>
             </a:fld>
             <a:endParaRPr lang="de-DE"/>
           </a:p>
@@ -8457,7 +8456,7 @@
           <a:p>
             <a:fld id="{D4A7F7FB-B369-497A-97C2-098805D1A52E}" type="datetimeFigureOut">
               <a:rPr lang="de-DE" smtClean="0"/>
-              <a:t>07.01.2022</a:t>
+              <a:t>09.01.22</a:t>
             </a:fld>
             <a:endParaRPr lang="de-DE"/>
           </a:p>
@@ -9036,7 +9035,7 @@
           <a:p>
             <a:fld id="{D4A7F7FB-B369-497A-97C2-098805D1A52E}" type="datetimeFigureOut">
               <a:rPr lang="de-DE" smtClean="0"/>
-              <a:t>07.01.2022</a:t>
+              <a:t>09.01.22</a:t>
             </a:fld>
             <a:endParaRPr lang="de-DE"/>
           </a:p>
@@ -11339,43 +11338,6 @@
       </p:grpSpPr>
       <p:sp>
         <p:nvSpPr>
-          <p:cNvPr id="7" name="Textfeld 6">
-            <a:extLst>
-              <a:ext uri="{FF2B5EF4-FFF2-40B4-BE49-F238E27FC236}">
-                <a16:creationId xmlns:a16="http://schemas.microsoft.com/office/drawing/2014/main" id="{86635392-D69C-1644-BBE5-2CFB90473736}"/>
-              </a:ext>
-            </a:extLst>
-          </p:cNvPr>
-          <p:cNvSpPr txBox="1"/>
-          <p:nvPr/>
-        </p:nvSpPr>
-        <p:spPr>
-          <a:xfrm>
-            <a:off x="2403173" y="1379477"/>
-            <a:ext cx="9684293" cy="4327291"/>
-          </a:xfrm>
-          <a:prstGeom prst="rect">
-            <a:avLst/>
-          </a:prstGeom>
-          <a:noFill/>
-          <a:ln w="28575">
-            <a:solidFill>
-              <a:srgbClr val="002060"/>
-            </a:solidFill>
-          </a:ln>
-        </p:spPr>
-        <p:txBody>
-          <a:bodyPr wrap="square" rtlCol="0">
-            <a:spAutoFit/>
-          </a:bodyPr>
-          <a:lstStyle/>
-          <a:p>
-            <a:endParaRPr lang="de-DE" dirty="0"/>
-          </a:p>
-        </p:txBody>
-      </p:sp>
-      <p:sp>
-        <p:nvSpPr>
           <p:cNvPr id="2" name="Title 1">
             <a:extLst>
               <a:ext uri="{FF2B5EF4-FFF2-40B4-BE49-F238E27FC236}">
@@ -12079,10 +12041,10 @@
       </p:sp>
       <p:sp>
         <p:nvSpPr>
-          <p:cNvPr id="3" name="Abgerundetes Rechteck 2">
-            <a:extLst>
-              <a:ext uri="{FF2B5EF4-FFF2-40B4-BE49-F238E27FC236}">
-                <a16:creationId xmlns:a16="http://schemas.microsoft.com/office/drawing/2014/main" id="{FE7F650C-3184-324E-BABB-E7EE3C5C9013}"/>
+          <p:cNvPr id="66" name="Abgerundetes Rechteck 65">
+            <a:extLst>
+              <a:ext uri="{FF2B5EF4-FFF2-40B4-BE49-F238E27FC236}">
+                <a16:creationId xmlns:a16="http://schemas.microsoft.com/office/drawing/2014/main" id="{8195506C-8440-3145-AD79-D433259E7806}"/>
               </a:ext>
             </a:extLst>
           </p:cNvPr>
@@ -12091,7 +12053,7 @@
         </p:nvSpPr>
         <p:spPr>
           <a:xfrm>
-            <a:off x="128303" y="2692509"/>
+            <a:off x="7649243" y="271992"/>
             <a:ext cx="1576550" cy="630621"/>
           </a:xfrm>
           <a:prstGeom prst="roundRect">
@@ -12129,10 +12091,10 @@
       </p:sp>
       <p:sp>
         <p:nvSpPr>
-          <p:cNvPr id="20" name="Abgerundetes Rechteck 19">
-            <a:extLst>
-              <a:ext uri="{FF2B5EF4-FFF2-40B4-BE49-F238E27FC236}">
-                <a16:creationId xmlns:a16="http://schemas.microsoft.com/office/drawing/2014/main" id="{AAFD1DA3-C185-7C42-B589-F639E9C86D53}"/>
+          <p:cNvPr id="12" name="Abgerundetes Rechteck 11">
+            <a:extLst>
+              <a:ext uri="{FF2B5EF4-FFF2-40B4-BE49-F238E27FC236}">
+                <a16:creationId xmlns:a16="http://schemas.microsoft.com/office/drawing/2014/main" id="{FC905580-B238-4548-905C-6011522C62B7}"/>
               </a:ext>
             </a:extLst>
           </p:cNvPr>
@@ -12141,8 +12103,8 @@
         </p:nvSpPr>
         <p:spPr>
           <a:xfrm>
-            <a:off x="2623001" y="3492429"/>
-            <a:ext cx="1347267" cy="630621"/>
+            <a:off x="5839875" y="1218005"/>
+            <a:ext cx="5545010" cy="985625"/>
           </a:xfrm>
           <a:prstGeom prst="roundRect">
             <a:avLst/>
@@ -12171,885 +12133,460 @@
             <a:pPr algn="ctr"/>
             <a:r>
               <a:rPr lang="de-DE" dirty="0"/>
-              <a:t>Validierung</a:t>
-            </a:r>
-          </a:p>
-        </p:txBody>
-      </p:sp>
-      <p:grpSp>
-        <p:nvGrpSpPr>
-          <p:cNvPr id="6" name="Gruppieren 5">
-            <a:extLst>
-              <a:ext uri="{FF2B5EF4-FFF2-40B4-BE49-F238E27FC236}">
-                <a16:creationId xmlns:a16="http://schemas.microsoft.com/office/drawing/2014/main" id="{5D367725-987B-D544-8AF0-3E16037B4428}"/>
-              </a:ext>
-            </a:extLst>
-          </p:cNvPr>
-          <p:cNvGrpSpPr/>
+              <a:t>Login Schicht</a:t>
+            </a:r>
+          </a:p>
+        </p:txBody>
+      </p:sp>
+      <p:sp>
+        <p:nvSpPr>
+          <p:cNvPr id="75" name="Abgerundetes Rechteck 74">
+            <a:extLst>
+              <a:ext uri="{FF2B5EF4-FFF2-40B4-BE49-F238E27FC236}">
+                <a16:creationId xmlns:a16="http://schemas.microsoft.com/office/drawing/2014/main" id="{BF5CFDC2-2EC9-0D40-8C9D-FE22F0702F04}"/>
+              </a:ext>
+            </a:extLst>
+          </p:cNvPr>
+          <p:cNvSpPr/>
           <p:nvPr/>
-        </p:nvGrpSpPr>
-        <p:grpSpPr>
-          <a:xfrm>
-            <a:off x="4656996" y="3744310"/>
-            <a:ext cx="7303359" cy="1671145"/>
-            <a:chOff x="4781070" y="3744310"/>
-            <a:chExt cx="7303359" cy="1671145"/>
-          </a:xfrm>
-        </p:grpSpPr>
-        <p:sp>
-          <p:nvSpPr>
-            <p:cNvPr id="22" name="Abgerundetes Rechteck 21">
-              <a:extLst>
-                <a:ext uri="{FF2B5EF4-FFF2-40B4-BE49-F238E27FC236}">
-                  <a16:creationId xmlns:a16="http://schemas.microsoft.com/office/drawing/2014/main" id="{78518ECA-9043-024C-868A-4445217CC6AE}"/>
-                </a:ext>
-              </a:extLst>
-            </p:cNvPr>
-            <p:cNvSpPr/>
-            <p:nvPr/>
-          </p:nvSpPr>
-          <p:spPr>
-            <a:xfrm>
-              <a:off x="4781070" y="3744310"/>
-              <a:ext cx="7303359" cy="1671145"/>
-            </a:xfrm>
-            <a:prstGeom prst="roundRect">
-              <a:avLst/>
-            </a:prstGeom>
-            <a:noFill/>
-            <a:ln w="38100">
-              <a:solidFill>
-                <a:schemeClr val="accent6">
-                  <a:lumMod val="50000"/>
-                </a:schemeClr>
-              </a:solidFill>
-            </a:ln>
-          </p:spPr>
-          <p:style>
-            <a:lnRef idx="2">
-              <a:schemeClr val="accent1">
-                <a:shade val="50000"/>
-              </a:schemeClr>
-            </a:lnRef>
-            <a:fillRef idx="1">
-              <a:schemeClr val="accent1"/>
-            </a:fillRef>
-            <a:effectRef idx="0">
-              <a:schemeClr val="accent1"/>
-            </a:effectRef>
-            <a:fontRef idx="minor">
-              <a:schemeClr val="lt1"/>
-            </a:fontRef>
-          </p:style>
-          <p:txBody>
-            <a:bodyPr rtlCol="0" anchor="ctr"/>
-            <a:lstStyle/>
-            <a:p>
-              <a:pPr algn="ctr"/>
-              <a:endParaRPr lang="de-DE"/>
-            </a:p>
-          </p:txBody>
-        </p:sp>
-        <p:sp>
-          <p:nvSpPr>
-            <p:cNvPr id="23" name="Abgerundetes Rechteck 22">
-              <a:extLst>
-                <a:ext uri="{FF2B5EF4-FFF2-40B4-BE49-F238E27FC236}">
-                  <a16:creationId xmlns:a16="http://schemas.microsoft.com/office/drawing/2014/main" id="{2D714BF3-BE77-8344-B241-56F1554ACF0D}"/>
-                </a:ext>
-              </a:extLst>
-            </p:cNvPr>
-            <p:cNvSpPr/>
-            <p:nvPr/>
-          </p:nvSpPr>
-          <p:spPr>
-            <a:xfrm>
-              <a:off x="5296786" y="4311918"/>
-              <a:ext cx="1233916" cy="630621"/>
-            </a:xfrm>
-            <a:prstGeom prst="roundRect">
-              <a:avLst/>
-            </a:prstGeom>
-            <a:solidFill>
-              <a:schemeClr val="accent6">
-                <a:lumMod val="50000"/>
-              </a:schemeClr>
-            </a:solidFill>
-            <a:ln>
-              <a:solidFill>
-                <a:schemeClr val="accent6">
-                  <a:lumMod val="50000"/>
-                </a:schemeClr>
-              </a:solidFill>
-            </a:ln>
-          </p:spPr>
-          <p:style>
-            <a:lnRef idx="2">
-              <a:schemeClr val="accent1">
-                <a:shade val="50000"/>
-              </a:schemeClr>
-            </a:lnRef>
-            <a:fillRef idx="1">
-              <a:schemeClr val="accent1"/>
-            </a:fillRef>
-            <a:effectRef idx="0">
-              <a:schemeClr val="accent1"/>
-            </a:effectRef>
-            <a:fontRef idx="minor">
-              <a:schemeClr val="lt1"/>
-            </a:fontRef>
-          </p:style>
-          <p:txBody>
-            <a:bodyPr rtlCol="0" anchor="ctr"/>
-            <a:lstStyle/>
-            <a:p>
-              <a:pPr algn="ctr"/>
-              <a:r>
-                <a:rPr lang="de-DE" dirty="0"/>
-                <a:t>Controller</a:t>
-              </a:r>
-            </a:p>
-          </p:txBody>
-        </p:sp>
-        <p:sp>
-          <p:nvSpPr>
-            <p:cNvPr id="24" name="Abgerundetes Rechteck 23">
-              <a:extLst>
-                <a:ext uri="{FF2B5EF4-FFF2-40B4-BE49-F238E27FC236}">
-                  <a16:creationId xmlns:a16="http://schemas.microsoft.com/office/drawing/2014/main" id="{9E08BBB9-138F-9149-BE7B-AB90190C7339}"/>
-                </a:ext>
-              </a:extLst>
-            </p:cNvPr>
-            <p:cNvSpPr/>
-            <p:nvPr/>
-          </p:nvSpPr>
-          <p:spPr>
-            <a:xfrm>
-              <a:off x="7716304" y="4288244"/>
-              <a:ext cx="1303839" cy="630621"/>
-            </a:xfrm>
-            <a:prstGeom prst="roundRect">
-              <a:avLst/>
-            </a:prstGeom>
-            <a:solidFill>
-              <a:schemeClr val="accent6">
-                <a:lumMod val="50000"/>
-              </a:schemeClr>
-            </a:solidFill>
-            <a:ln>
-              <a:solidFill>
-                <a:schemeClr val="accent6">
-                  <a:lumMod val="50000"/>
-                </a:schemeClr>
-              </a:solidFill>
-            </a:ln>
-          </p:spPr>
-          <p:style>
-            <a:lnRef idx="2">
-              <a:schemeClr val="accent1">
-                <a:shade val="50000"/>
-              </a:schemeClr>
-            </a:lnRef>
-            <a:fillRef idx="1">
-              <a:schemeClr val="accent1"/>
-            </a:fillRef>
-            <a:effectRef idx="0">
-              <a:schemeClr val="accent1"/>
-            </a:effectRef>
-            <a:fontRef idx="minor">
-              <a:schemeClr val="lt1"/>
-            </a:fontRef>
-          </p:style>
-          <p:txBody>
-            <a:bodyPr rtlCol="0" anchor="ctr"/>
-            <a:lstStyle/>
-            <a:p>
-              <a:pPr algn="ctr"/>
-              <a:r>
-                <a:rPr lang="de-DE" dirty="0"/>
-                <a:t>Repository</a:t>
-              </a:r>
-            </a:p>
-          </p:txBody>
-        </p:sp>
-        <p:sp>
-          <p:nvSpPr>
-            <p:cNvPr id="25" name="Abgerundetes Rechteck 24">
-              <a:extLst>
-                <a:ext uri="{FF2B5EF4-FFF2-40B4-BE49-F238E27FC236}">
-                  <a16:creationId xmlns:a16="http://schemas.microsoft.com/office/drawing/2014/main" id="{4D25FD44-54D7-B844-B3E1-5B8770389FF8}"/>
-                </a:ext>
-              </a:extLst>
-            </p:cNvPr>
-            <p:cNvSpPr/>
-            <p:nvPr/>
-          </p:nvSpPr>
-          <p:spPr>
-            <a:xfrm>
-              <a:off x="10205745" y="4264571"/>
-              <a:ext cx="998485" cy="630621"/>
-            </a:xfrm>
-            <a:prstGeom prst="roundRect">
-              <a:avLst/>
-            </a:prstGeom>
-            <a:solidFill>
-              <a:schemeClr val="accent6">
-                <a:lumMod val="50000"/>
-              </a:schemeClr>
-            </a:solidFill>
-            <a:ln>
-              <a:solidFill>
-                <a:schemeClr val="accent6">
-                  <a:lumMod val="50000"/>
-                </a:schemeClr>
-              </a:solidFill>
-            </a:ln>
-          </p:spPr>
-          <p:style>
-            <a:lnRef idx="2">
-              <a:schemeClr val="accent1">
-                <a:shade val="50000"/>
-              </a:schemeClr>
-            </a:lnRef>
-            <a:fillRef idx="1">
-              <a:schemeClr val="accent1"/>
-            </a:fillRef>
-            <a:effectRef idx="0">
-              <a:schemeClr val="accent1"/>
-            </a:effectRef>
-            <a:fontRef idx="minor">
-              <a:schemeClr val="lt1"/>
-            </a:fontRef>
-          </p:style>
-          <p:txBody>
-            <a:bodyPr rtlCol="0" anchor="ctr"/>
-            <a:lstStyle/>
-            <a:p>
-              <a:pPr algn="ctr"/>
-              <a:r>
-                <a:rPr lang="de-DE" dirty="0"/>
-                <a:t>Model</a:t>
-              </a:r>
-            </a:p>
-          </p:txBody>
-        </p:sp>
-        <p:sp>
-          <p:nvSpPr>
-            <p:cNvPr id="5" name="Textfeld 4">
-              <a:extLst>
-                <a:ext uri="{FF2B5EF4-FFF2-40B4-BE49-F238E27FC236}">
-                  <a16:creationId xmlns:a16="http://schemas.microsoft.com/office/drawing/2014/main" id="{BC3F40BD-D421-B04F-9C9E-8A0B41A3B7B8}"/>
-                </a:ext>
-              </a:extLst>
-            </p:cNvPr>
-            <p:cNvSpPr txBox="1"/>
-            <p:nvPr/>
-          </p:nvSpPr>
-          <p:spPr>
-            <a:xfrm>
-              <a:off x="4983030" y="3858434"/>
-              <a:ext cx="627511" cy="369332"/>
-            </a:xfrm>
-            <a:prstGeom prst="rect">
-              <a:avLst/>
-            </a:prstGeom>
-            <a:noFill/>
-            <a:ln>
-              <a:noFill/>
-            </a:ln>
-          </p:spPr>
-          <p:txBody>
-            <a:bodyPr wrap="square" rtlCol="0">
-              <a:spAutoFit/>
-            </a:bodyPr>
-            <a:lstStyle/>
-            <a:p>
-              <a:r>
-                <a:rPr lang="de-DE" dirty="0"/>
-                <a:t>Post</a:t>
-              </a:r>
-            </a:p>
-          </p:txBody>
-        </p:sp>
-      </p:grpSp>
-      <p:grpSp>
-        <p:nvGrpSpPr>
-          <p:cNvPr id="29" name="Gruppieren 28">
-            <a:extLst>
-              <a:ext uri="{FF2B5EF4-FFF2-40B4-BE49-F238E27FC236}">
-                <a16:creationId xmlns:a16="http://schemas.microsoft.com/office/drawing/2014/main" id="{74540A1A-1AED-694A-8EFF-9BDDFE167689}"/>
-              </a:ext>
-            </a:extLst>
-          </p:cNvPr>
-          <p:cNvGrpSpPr/>
-          <p:nvPr/>
-        </p:nvGrpSpPr>
-        <p:grpSpPr>
-          <a:xfrm>
-            <a:off x="4656995" y="1871978"/>
-            <a:ext cx="7303359" cy="1671145"/>
-            <a:chOff x="4781070" y="3744310"/>
-            <a:chExt cx="7303359" cy="1671145"/>
-          </a:xfrm>
-        </p:grpSpPr>
-        <p:sp>
-          <p:nvSpPr>
-            <p:cNvPr id="30" name="Abgerundetes Rechteck 29">
-              <a:extLst>
-                <a:ext uri="{FF2B5EF4-FFF2-40B4-BE49-F238E27FC236}">
-                  <a16:creationId xmlns:a16="http://schemas.microsoft.com/office/drawing/2014/main" id="{BB86FF35-C05A-0145-9D8E-03FC1CAED743}"/>
-                </a:ext>
-              </a:extLst>
-            </p:cNvPr>
-            <p:cNvSpPr/>
-            <p:nvPr/>
-          </p:nvSpPr>
-          <p:spPr>
-            <a:xfrm>
-              <a:off x="4781070" y="3744310"/>
-              <a:ext cx="7303359" cy="1671145"/>
-            </a:xfrm>
-            <a:prstGeom prst="roundRect">
-              <a:avLst/>
-            </a:prstGeom>
-            <a:noFill/>
-            <a:ln w="38100">
-              <a:solidFill>
-                <a:schemeClr val="accent6">
-                  <a:lumMod val="60000"/>
-                  <a:lumOff val="40000"/>
-                </a:schemeClr>
-              </a:solidFill>
-            </a:ln>
-          </p:spPr>
-          <p:style>
-            <a:lnRef idx="2">
-              <a:schemeClr val="accent1">
-                <a:shade val="50000"/>
-              </a:schemeClr>
-            </a:lnRef>
-            <a:fillRef idx="1">
-              <a:schemeClr val="accent1"/>
-            </a:fillRef>
-            <a:effectRef idx="0">
-              <a:schemeClr val="accent1"/>
-            </a:effectRef>
-            <a:fontRef idx="minor">
-              <a:schemeClr val="lt1"/>
-            </a:fontRef>
-          </p:style>
-          <p:txBody>
-            <a:bodyPr rtlCol="0" anchor="ctr"/>
-            <a:lstStyle/>
-            <a:p>
-              <a:pPr algn="ctr"/>
-              <a:endParaRPr lang="de-DE"/>
-            </a:p>
-          </p:txBody>
-        </p:sp>
-        <p:sp>
-          <p:nvSpPr>
-            <p:cNvPr id="31" name="Abgerundetes Rechteck 30">
-              <a:extLst>
-                <a:ext uri="{FF2B5EF4-FFF2-40B4-BE49-F238E27FC236}">
-                  <a16:creationId xmlns:a16="http://schemas.microsoft.com/office/drawing/2014/main" id="{76875A8A-AD60-5345-9ECA-152A10190C69}"/>
-                </a:ext>
-              </a:extLst>
-            </p:cNvPr>
-            <p:cNvSpPr/>
-            <p:nvPr/>
-          </p:nvSpPr>
-          <p:spPr>
-            <a:xfrm>
-              <a:off x="5296786" y="4311918"/>
-              <a:ext cx="1233916" cy="630621"/>
-            </a:xfrm>
-            <a:prstGeom prst="roundRect">
-              <a:avLst/>
-            </a:prstGeom>
-            <a:solidFill>
-              <a:schemeClr val="accent6">
-                <a:lumMod val="60000"/>
-                <a:lumOff val="40000"/>
-              </a:schemeClr>
-            </a:solidFill>
-            <a:ln>
-              <a:solidFill>
-                <a:schemeClr val="accent6">
-                  <a:lumMod val="60000"/>
-                  <a:lumOff val="40000"/>
-                </a:schemeClr>
-              </a:solidFill>
-            </a:ln>
-          </p:spPr>
-          <p:style>
-            <a:lnRef idx="2">
-              <a:schemeClr val="accent1">
-                <a:shade val="50000"/>
-              </a:schemeClr>
-            </a:lnRef>
-            <a:fillRef idx="1">
-              <a:schemeClr val="accent1"/>
-            </a:fillRef>
-            <a:effectRef idx="0">
-              <a:schemeClr val="accent1"/>
-            </a:effectRef>
-            <a:fontRef idx="minor">
-              <a:schemeClr val="lt1"/>
-            </a:fontRef>
-          </p:style>
-          <p:txBody>
-            <a:bodyPr rtlCol="0" anchor="ctr"/>
-            <a:lstStyle/>
-            <a:p>
-              <a:pPr algn="ctr"/>
-              <a:r>
-                <a:rPr lang="de-DE" dirty="0"/>
-                <a:t>Controller</a:t>
-              </a:r>
-            </a:p>
-          </p:txBody>
-        </p:sp>
-        <p:sp>
-          <p:nvSpPr>
-            <p:cNvPr id="32" name="Abgerundetes Rechteck 31">
-              <a:extLst>
-                <a:ext uri="{FF2B5EF4-FFF2-40B4-BE49-F238E27FC236}">
-                  <a16:creationId xmlns:a16="http://schemas.microsoft.com/office/drawing/2014/main" id="{7B19FC45-00A0-3548-B5E1-AEBBEFA5F4D3}"/>
-                </a:ext>
-              </a:extLst>
-            </p:cNvPr>
-            <p:cNvSpPr/>
-            <p:nvPr/>
-          </p:nvSpPr>
-          <p:spPr>
-            <a:xfrm>
-              <a:off x="7716304" y="4288244"/>
-              <a:ext cx="1303839" cy="630621"/>
-            </a:xfrm>
-            <a:prstGeom prst="roundRect">
-              <a:avLst/>
-            </a:prstGeom>
-            <a:solidFill>
-              <a:schemeClr val="accent6">
-                <a:lumMod val="60000"/>
-                <a:lumOff val="40000"/>
-              </a:schemeClr>
-            </a:solidFill>
-            <a:ln>
-              <a:solidFill>
-                <a:schemeClr val="accent6">
-                  <a:lumMod val="60000"/>
-                  <a:lumOff val="40000"/>
-                </a:schemeClr>
-              </a:solidFill>
-            </a:ln>
-          </p:spPr>
-          <p:style>
-            <a:lnRef idx="2">
-              <a:schemeClr val="accent1">
-                <a:shade val="50000"/>
-              </a:schemeClr>
-            </a:lnRef>
-            <a:fillRef idx="1">
-              <a:schemeClr val="accent1"/>
-            </a:fillRef>
-            <a:effectRef idx="0">
-              <a:schemeClr val="accent1"/>
-            </a:effectRef>
-            <a:fontRef idx="minor">
-              <a:schemeClr val="lt1"/>
-            </a:fontRef>
-          </p:style>
-          <p:txBody>
-            <a:bodyPr rtlCol="0" anchor="ctr"/>
-            <a:lstStyle/>
-            <a:p>
-              <a:pPr algn="ctr"/>
-              <a:r>
-                <a:rPr lang="de-DE" dirty="0"/>
-                <a:t>Repository</a:t>
-              </a:r>
-            </a:p>
-          </p:txBody>
-        </p:sp>
-        <p:sp>
-          <p:nvSpPr>
-            <p:cNvPr id="33" name="Abgerundetes Rechteck 32">
-              <a:extLst>
-                <a:ext uri="{FF2B5EF4-FFF2-40B4-BE49-F238E27FC236}">
-                  <a16:creationId xmlns:a16="http://schemas.microsoft.com/office/drawing/2014/main" id="{A6CA48C8-C7C8-1E4C-A0CD-8AB4B5E80BC2}"/>
-                </a:ext>
-              </a:extLst>
-            </p:cNvPr>
-            <p:cNvSpPr/>
-            <p:nvPr/>
-          </p:nvSpPr>
-          <p:spPr>
-            <a:xfrm>
-              <a:off x="10205745" y="4264571"/>
-              <a:ext cx="998485" cy="630621"/>
-            </a:xfrm>
-            <a:prstGeom prst="roundRect">
-              <a:avLst/>
-            </a:prstGeom>
-            <a:solidFill>
-              <a:schemeClr val="accent6">
-                <a:lumMod val="60000"/>
-                <a:lumOff val="40000"/>
-              </a:schemeClr>
-            </a:solidFill>
-            <a:ln>
-              <a:solidFill>
-                <a:schemeClr val="accent6">
-                  <a:lumMod val="60000"/>
-                  <a:lumOff val="40000"/>
-                </a:schemeClr>
-              </a:solidFill>
-            </a:ln>
-          </p:spPr>
-          <p:style>
-            <a:lnRef idx="2">
-              <a:schemeClr val="accent1">
-                <a:shade val="50000"/>
-              </a:schemeClr>
-            </a:lnRef>
-            <a:fillRef idx="1">
-              <a:schemeClr val="accent1"/>
-            </a:fillRef>
-            <a:effectRef idx="0">
-              <a:schemeClr val="accent1"/>
-            </a:effectRef>
-            <a:fontRef idx="minor">
-              <a:schemeClr val="lt1"/>
-            </a:fontRef>
-          </p:style>
-          <p:txBody>
-            <a:bodyPr rtlCol="0" anchor="ctr"/>
-            <a:lstStyle/>
-            <a:p>
-              <a:pPr algn="ctr"/>
-              <a:r>
-                <a:rPr lang="de-DE" dirty="0"/>
-                <a:t>Model</a:t>
-              </a:r>
-            </a:p>
-          </p:txBody>
-        </p:sp>
-        <p:sp>
-          <p:nvSpPr>
-            <p:cNvPr id="34" name="Textfeld 33">
-              <a:extLst>
-                <a:ext uri="{FF2B5EF4-FFF2-40B4-BE49-F238E27FC236}">
-                  <a16:creationId xmlns:a16="http://schemas.microsoft.com/office/drawing/2014/main" id="{15AD4A8F-7239-D246-9767-8D6EA1FB5DDA}"/>
-                </a:ext>
-              </a:extLst>
-            </p:cNvPr>
-            <p:cNvSpPr txBox="1"/>
-            <p:nvPr/>
-          </p:nvSpPr>
-          <p:spPr>
-            <a:xfrm>
-              <a:off x="4983030" y="3858434"/>
-              <a:ext cx="1612199" cy="369332"/>
-            </a:xfrm>
-            <a:prstGeom prst="rect">
-              <a:avLst/>
-            </a:prstGeom>
-            <a:noFill/>
-            <a:ln>
-              <a:noFill/>
-            </a:ln>
-          </p:spPr>
-          <p:txBody>
-            <a:bodyPr wrap="square" rtlCol="0">
-              <a:spAutoFit/>
-            </a:bodyPr>
-            <a:lstStyle/>
-            <a:p>
-              <a:r>
-                <a:rPr lang="de-DE" dirty="0"/>
-                <a:t>Online </a:t>
-              </a:r>
-              <a:r>
-                <a:rPr lang="de-DE" dirty="0" err="1"/>
-                <a:t>project</a:t>
-              </a:r>
-              <a:endParaRPr lang="de-DE" dirty="0"/>
-            </a:p>
-          </p:txBody>
-        </p:sp>
-      </p:grpSp>
-      <p:cxnSp>
-        <p:nvCxnSpPr>
-          <p:cNvPr id="14" name="Gewinkelte Verbindung 13">
-            <a:extLst>
-              <a:ext uri="{FF2B5EF4-FFF2-40B4-BE49-F238E27FC236}">
-                <a16:creationId xmlns:a16="http://schemas.microsoft.com/office/drawing/2014/main" id="{4C0A4397-442A-FB4C-9AF0-76DEA92DE102}"/>
-              </a:ext>
-            </a:extLst>
-          </p:cNvPr>
-          <p:cNvCxnSpPr>
-            <a:stCxn id="3" idx="3"/>
-          </p:cNvCxnSpPr>
-          <p:nvPr/>
-        </p:nvCxnSpPr>
-        <p:spPr>
-          <a:xfrm>
-            <a:off x="1704853" y="3007820"/>
-            <a:ext cx="3467858" cy="1619408"/>
-          </a:xfrm>
-          <a:prstGeom prst="bentConnector3">
-            <a:avLst>
-              <a:gd name="adj1" fmla="val 74806"/>
-            </a:avLst>
+        </p:nvSpPr>
+        <p:spPr>
+          <a:xfrm>
+            <a:off x="5858390" y="2321286"/>
+            <a:ext cx="2622670" cy="985625"/>
+          </a:xfrm>
+          <a:prstGeom prst="roundRect">
+            <a:avLst/>
           </a:prstGeom>
-          <a:ln/>
         </p:spPr>
         <p:style>
           <a:lnRef idx="2">
-            <a:schemeClr val="dk1"/>
+            <a:schemeClr val="accent1">
+              <a:shade val="50000"/>
+            </a:schemeClr>
           </a:lnRef>
-          <a:fillRef idx="0">
-            <a:schemeClr val="dk1"/>
+          <a:fillRef idx="1">
+            <a:schemeClr val="accent1"/>
           </a:fillRef>
-          <a:effectRef idx="1">
-            <a:schemeClr val="dk1"/>
+          <a:effectRef idx="0">
+            <a:schemeClr val="accent1"/>
           </a:effectRef>
           <a:fontRef idx="minor">
-            <a:schemeClr val="tx1"/>
+            <a:schemeClr val="lt1"/>
           </a:fontRef>
         </p:style>
-      </p:cxnSp>
-      <p:cxnSp>
-        <p:nvCxnSpPr>
-          <p:cNvPr id="26" name="Gewinkelte Verbindung 25">
-            <a:extLst>
-              <a:ext uri="{FF2B5EF4-FFF2-40B4-BE49-F238E27FC236}">
-                <a16:creationId xmlns:a16="http://schemas.microsoft.com/office/drawing/2014/main" id="{6D1DA599-718C-4F46-B2DE-90A83524A7AD}"/>
-              </a:ext>
-            </a:extLst>
-          </p:cNvPr>
-          <p:cNvCxnSpPr>
-            <a:cxnSpLocks/>
-            <a:stCxn id="3" idx="3"/>
-            <a:endCxn id="31" idx="1"/>
-          </p:cNvCxnSpPr>
+        <p:txBody>
+          <a:bodyPr rtlCol="0" anchor="ctr"/>
+          <a:lstStyle/>
+          <a:p>
+            <a:pPr algn="ctr"/>
+            <a:r>
+              <a:rPr lang="de-DE" dirty="0"/>
+              <a:t>Schnittstelle</a:t>
+            </a:r>
+          </a:p>
+        </p:txBody>
+      </p:sp>
+      <p:sp>
+        <p:nvSpPr>
+          <p:cNvPr id="76" name="Abgerundetes Rechteck 75">
+            <a:extLst>
+              <a:ext uri="{FF2B5EF4-FFF2-40B4-BE49-F238E27FC236}">
+                <a16:creationId xmlns:a16="http://schemas.microsoft.com/office/drawing/2014/main" id="{1DCFDB65-AE30-A54C-8C3F-DE3236440833}"/>
+              </a:ext>
+            </a:extLst>
+          </p:cNvPr>
+          <p:cNvSpPr/>
           <p:nvPr/>
-        </p:nvCxnSpPr>
-        <p:spPr>
-          <a:xfrm flipV="1">
-            <a:off x="1704853" y="2754897"/>
-            <a:ext cx="3467858" cy="252923"/>
-          </a:xfrm>
-          <a:prstGeom prst="bentConnector3">
-            <a:avLst>
-              <a:gd name="adj1" fmla="val 74852"/>
-            </a:avLst>
+        </p:nvSpPr>
+        <p:spPr>
+          <a:xfrm>
+            <a:off x="8762213" y="2321286"/>
+            <a:ext cx="2622671" cy="985625"/>
+          </a:xfrm>
+          <a:prstGeom prst="roundRect">
+            <a:avLst/>
           </a:prstGeom>
         </p:spPr>
         <p:style>
           <a:lnRef idx="2">
-            <a:schemeClr val="dk1"/>
+            <a:schemeClr val="accent1">
+              <a:shade val="50000"/>
+            </a:schemeClr>
           </a:lnRef>
-          <a:fillRef idx="0">
-            <a:schemeClr val="dk1"/>
+          <a:fillRef idx="1">
+            <a:schemeClr val="accent1"/>
           </a:fillRef>
-          <a:effectRef idx="1">
-            <a:schemeClr val="dk1"/>
+          <a:effectRef idx="0">
+            <a:schemeClr val="accent1"/>
           </a:effectRef>
           <a:fontRef idx="minor">
-            <a:schemeClr val="tx1"/>
+            <a:schemeClr val="lt1"/>
           </a:fontRef>
         </p:style>
-      </p:cxnSp>
-      <p:cxnSp>
-        <p:nvCxnSpPr>
-          <p:cNvPr id="37" name="Gerade Verbindung 36">
-            <a:extLst>
-              <a:ext uri="{FF2B5EF4-FFF2-40B4-BE49-F238E27FC236}">
-                <a16:creationId xmlns:a16="http://schemas.microsoft.com/office/drawing/2014/main" id="{3B4F5E0A-EBF2-5F4F-A06C-83FD0ED74D84}"/>
-              </a:ext>
-            </a:extLst>
-          </p:cNvPr>
-          <p:cNvCxnSpPr>
-            <a:endCxn id="32" idx="1"/>
-          </p:cNvCxnSpPr>
+        <p:txBody>
+          <a:bodyPr rtlCol="0" anchor="ctr"/>
+          <a:lstStyle/>
+          <a:p>
+            <a:pPr algn="ctr"/>
+            <a:r>
+              <a:rPr lang="de-DE" dirty="0"/>
+              <a:t>Schnittstelle</a:t>
+            </a:r>
+          </a:p>
+        </p:txBody>
+      </p:sp>
+      <p:sp>
+        <p:nvSpPr>
+          <p:cNvPr id="77" name="Abgerundetes Rechteck 76">
+            <a:extLst>
+              <a:ext uri="{FF2B5EF4-FFF2-40B4-BE49-F238E27FC236}">
+                <a16:creationId xmlns:a16="http://schemas.microsoft.com/office/drawing/2014/main" id="{26F7EFC8-3345-0C44-A615-FF97FBB63B6F}"/>
+              </a:ext>
+            </a:extLst>
+          </p:cNvPr>
+          <p:cNvSpPr/>
           <p:nvPr/>
-        </p:nvCxnSpPr>
-        <p:spPr>
-          <a:xfrm flipV="1">
-            <a:off x="6421518" y="2731223"/>
-            <a:ext cx="1170711" cy="23673"/>
-          </a:xfrm>
-          <a:prstGeom prst="line">
+        </p:nvSpPr>
+        <p:spPr>
+          <a:xfrm>
+            <a:off x="5873630" y="3353796"/>
+            <a:ext cx="2607430" cy="985625"/>
+          </a:xfrm>
+          <a:prstGeom prst="roundRect">
             <a:avLst/>
           </a:prstGeom>
         </p:spPr>
         <p:style>
           <a:lnRef idx="2">
-            <a:schemeClr val="dk1"/>
+            <a:schemeClr val="accent1">
+              <a:shade val="50000"/>
+            </a:schemeClr>
           </a:lnRef>
-          <a:fillRef idx="0">
-            <a:schemeClr val="dk1"/>
+          <a:fillRef idx="1">
+            <a:schemeClr val="accent1"/>
           </a:fillRef>
-          <a:effectRef idx="1">
-            <a:schemeClr val="dk1"/>
+          <a:effectRef idx="0">
+            <a:schemeClr val="accent1"/>
           </a:effectRef>
           <a:fontRef idx="minor">
-            <a:schemeClr val="tx1"/>
+            <a:schemeClr val="lt1"/>
           </a:fontRef>
         </p:style>
-      </p:cxnSp>
-      <p:cxnSp>
-        <p:nvCxnSpPr>
-          <p:cNvPr id="52" name="Gerade Verbindung 51">
-            <a:extLst>
-              <a:ext uri="{FF2B5EF4-FFF2-40B4-BE49-F238E27FC236}">
-                <a16:creationId xmlns:a16="http://schemas.microsoft.com/office/drawing/2014/main" id="{180804F2-A7C8-C745-9292-C8F31ACA7845}"/>
-              </a:ext>
-            </a:extLst>
-          </p:cNvPr>
-          <p:cNvCxnSpPr/>
+        <p:txBody>
+          <a:bodyPr rtlCol="0" anchor="ctr"/>
+          <a:lstStyle/>
+          <a:p>
+            <a:pPr algn="ctr"/>
+            <a:r>
+              <a:rPr lang="de-DE" dirty="0"/>
+              <a:t>Logik</a:t>
+            </a:r>
+          </a:p>
+        </p:txBody>
+      </p:sp>
+      <p:sp>
+        <p:nvSpPr>
+          <p:cNvPr id="78" name="Abgerundetes Rechteck 77">
+            <a:extLst>
+              <a:ext uri="{FF2B5EF4-FFF2-40B4-BE49-F238E27FC236}">
+                <a16:creationId xmlns:a16="http://schemas.microsoft.com/office/drawing/2014/main" id="{6D9348B7-CC0E-E54A-AA6D-E6C178AFAE79}"/>
+              </a:ext>
+            </a:extLst>
+          </p:cNvPr>
+          <p:cNvSpPr/>
           <p:nvPr/>
-        </p:nvCxnSpPr>
-        <p:spPr>
-          <a:xfrm flipV="1">
-            <a:off x="8896068" y="2729593"/>
-            <a:ext cx="1170711" cy="23673"/>
-          </a:xfrm>
-          <a:prstGeom prst="line">
+        </p:nvSpPr>
+        <p:spPr>
+          <a:xfrm>
+            <a:off x="8792693" y="3353796"/>
+            <a:ext cx="2607431" cy="985625"/>
+          </a:xfrm>
+          <a:prstGeom prst="roundRect">
             <a:avLst/>
           </a:prstGeom>
         </p:spPr>
         <p:style>
           <a:lnRef idx="2">
-            <a:schemeClr val="dk1"/>
+            <a:schemeClr val="accent1">
+              <a:shade val="50000"/>
+            </a:schemeClr>
           </a:lnRef>
-          <a:fillRef idx="0">
-            <a:schemeClr val="dk1"/>
+          <a:fillRef idx="1">
+            <a:schemeClr val="accent1"/>
           </a:fillRef>
-          <a:effectRef idx="1">
-            <a:schemeClr val="dk1"/>
+          <a:effectRef idx="0">
+            <a:schemeClr val="accent1"/>
           </a:effectRef>
           <a:fontRef idx="minor">
-            <a:schemeClr val="tx1"/>
+            <a:schemeClr val="lt1"/>
           </a:fontRef>
         </p:style>
-      </p:cxnSp>
-      <p:cxnSp>
-        <p:nvCxnSpPr>
-          <p:cNvPr id="53" name="Gerade Verbindung 52">
-            <a:extLst>
-              <a:ext uri="{FF2B5EF4-FFF2-40B4-BE49-F238E27FC236}">
-                <a16:creationId xmlns:a16="http://schemas.microsoft.com/office/drawing/2014/main" id="{C5454E9D-86DA-CF4B-B780-D1C4EE5D5A89}"/>
-              </a:ext>
-            </a:extLst>
-          </p:cNvPr>
-          <p:cNvCxnSpPr/>
+        <p:txBody>
+          <a:bodyPr rtlCol="0" anchor="ctr"/>
+          <a:lstStyle/>
+          <a:p>
+            <a:pPr algn="ctr"/>
+            <a:r>
+              <a:rPr lang="de-DE" dirty="0"/>
+              <a:t>Logik</a:t>
+            </a:r>
+          </a:p>
+        </p:txBody>
+      </p:sp>
+      <p:sp>
+        <p:nvSpPr>
+          <p:cNvPr id="79" name="Abgerundetes Rechteck 78">
+            <a:extLst>
+              <a:ext uri="{FF2B5EF4-FFF2-40B4-BE49-F238E27FC236}">
+                <a16:creationId xmlns:a16="http://schemas.microsoft.com/office/drawing/2014/main" id="{8081E178-2D25-2647-A25A-FEBCAD7AF298}"/>
+              </a:ext>
+            </a:extLst>
+          </p:cNvPr>
+          <p:cNvSpPr/>
           <p:nvPr/>
-        </p:nvCxnSpPr>
-        <p:spPr>
-          <a:xfrm flipV="1">
-            <a:off x="6417985" y="4603555"/>
-            <a:ext cx="1170711" cy="23673"/>
-          </a:xfrm>
-          <a:prstGeom prst="line">
+        </p:nvSpPr>
+        <p:spPr>
+          <a:xfrm>
+            <a:off x="5888870" y="4374876"/>
+            <a:ext cx="2592190" cy="985625"/>
+          </a:xfrm>
+          <a:prstGeom prst="roundRect">
             <a:avLst/>
           </a:prstGeom>
         </p:spPr>
         <p:style>
           <a:lnRef idx="2">
-            <a:schemeClr val="dk1"/>
+            <a:schemeClr val="accent1">
+              <a:shade val="50000"/>
+            </a:schemeClr>
           </a:lnRef>
-          <a:fillRef idx="0">
-            <a:schemeClr val="dk1"/>
+          <a:fillRef idx="1">
+            <a:schemeClr val="accent1"/>
           </a:fillRef>
-          <a:effectRef idx="1">
-            <a:schemeClr val="dk1"/>
+          <a:effectRef idx="0">
+            <a:schemeClr val="accent1"/>
           </a:effectRef>
           <a:fontRef idx="minor">
-            <a:schemeClr val="tx1"/>
+            <a:schemeClr val="lt1"/>
           </a:fontRef>
         </p:style>
-      </p:cxnSp>
-      <p:cxnSp>
-        <p:nvCxnSpPr>
-          <p:cNvPr id="54" name="Gerade Verbindung 53">
-            <a:extLst>
-              <a:ext uri="{FF2B5EF4-FFF2-40B4-BE49-F238E27FC236}">
-                <a16:creationId xmlns:a16="http://schemas.microsoft.com/office/drawing/2014/main" id="{F19F7C2A-22ED-CD4D-8286-99DE1CEFAAE3}"/>
-              </a:ext>
-            </a:extLst>
-          </p:cNvPr>
-          <p:cNvCxnSpPr/>
+        <p:txBody>
+          <a:bodyPr rtlCol="0" anchor="ctr"/>
+          <a:lstStyle/>
+          <a:p>
+            <a:pPr algn="ctr"/>
+            <a:r>
+              <a:rPr lang="de-DE" dirty="0"/>
+              <a:t>Datenbank</a:t>
+            </a:r>
+          </a:p>
+        </p:txBody>
+      </p:sp>
+      <p:sp>
+        <p:nvSpPr>
+          <p:cNvPr id="80" name="Abgerundetes Rechteck 79">
+            <a:extLst>
+              <a:ext uri="{FF2B5EF4-FFF2-40B4-BE49-F238E27FC236}">
+                <a16:creationId xmlns:a16="http://schemas.microsoft.com/office/drawing/2014/main" id="{7ED01964-4EC3-0B4F-8C14-1F780D6F8478}"/>
+              </a:ext>
+            </a:extLst>
+          </p:cNvPr>
+          <p:cNvSpPr/>
           <p:nvPr/>
-        </p:nvCxnSpPr>
-        <p:spPr>
-          <a:xfrm flipV="1">
-            <a:off x="8903514" y="4579881"/>
-            <a:ext cx="1170711" cy="23673"/>
-          </a:xfrm>
-          <a:prstGeom prst="line">
+        </p:nvSpPr>
+        <p:spPr>
+          <a:xfrm>
+            <a:off x="8823173" y="4374876"/>
+            <a:ext cx="2592191" cy="985625"/>
+          </a:xfrm>
+          <a:prstGeom prst="roundRect">
             <a:avLst/>
           </a:prstGeom>
         </p:spPr>
         <p:style>
           <a:lnRef idx="2">
-            <a:schemeClr val="dk1"/>
+            <a:schemeClr val="accent1">
+              <a:shade val="50000"/>
+            </a:schemeClr>
           </a:lnRef>
-          <a:fillRef idx="0">
-            <a:schemeClr val="dk1"/>
+          <a:fillRef idx="1">
+            <a:schemeClr val="accent1"/>
           </a:fillRef>
-          <a:effectRef idx="1">
-            <a:schemeClr val="dk1"/>
+          <a:effectRef idx="0">
+            <a:schemeClr val="accent1"/>
           </a:effectRef>
           <a:fontRef idx="minor">
-            <a:schemeClr val="tx1"/>
+            <a:schemeClr val="lt1"/>
           </a:fontRef>
         </p:style>
-      </p:cxnSp>
-      <p:cxnSp>
-        <p:nvCxnSpPr>
-          <p:cNvPr id="45" name="Gerade Verbindung mit Pfeil 44">
-            <a:extLst>
-              <a:ext uri="{FF2B5EF4-FFF2-40B4-BE49-F238E27FC236}">
-                <a16:creationId xmlns:a16="http://schemas.microsoft.com/office/drawing/2014/main" id="{6A5DB157-3E6A-394A-B9F6-829E99CC59DC}"/>
-              </a:ext>
-            </a:extLst>
-          </p:cNvPr>
-          <p:cNvCxnSpPr>
-            <a:stCxn id="20" idx="0"/>
-          </p:cNvCxnSpPr>
+        <p:txBody>
+          <a:bodyPr rtlCol="0" anchor="ctr"/>
+          <a:lstStyle/>
+          <a:p>
+            <a:pPr algn="ctr"/>
+            <a:r>
+              <a:rPr lang="de-DE" dirty="0"/>
+              <a:t>Datenbank</a:t>
+            </a:r>
+          </a:p>
+        </p:txBody>
+      </p:sp>
+      <p:sp>
+        <p:nvSpPr>
+          <p:cNvPr id="83" name="Rechteck 82">
+            <a:extLst>
+              <a:ext uri="{FF2B5EF4-FFF2-40B4-BE49-F238E27FC236}">
+                <a16:creationId xmlns:a16="http://schemas.microsoft.com/office/drawing/2014/main" id="{921A9096-CF1D-3B4B-8D42-F6918012479C}"/>
+              </a:ext>
+            </a:extLst>
+          </p:cNvPr>
+          <p:cNvSpPr/>
           <p:nvPr/>
-        </p:nvCxnSpPr>
-        <p:spPr>
-          <a:xfrm flipV="1">
-            <a:off x="3296635" y="3007819"/>
-            <a:ext cx="2557" cy="484610"/>
-          </a:xfrm>
-          <a:prstGeom prst="straightConnector1">
+        </p:nvSpPr>
+        <p:spPr>
+          <a:xfrm>
+            <a:off x="8676538" y="2279376"/>
+            <a:ext cx="2814422" cy="3153684"/>
+          </a:xfrm>
+          <a:prstGeom prst="rect">
             <a:avLst/>
           </a:prstGeom>
-          <a:ln>
-            <a:tailEnd type="triangle"/>
-          </a:ln>
+          <a:noFill/>
+          <a:ln w="28575"/>
         </p:spPr>
         <p:style>
-          <a:lnRef idx="1">
-            <a:schemeClr val="dk1"/>
+          <a:lnRef idx="2">
+            <a:schemeClr val="accent1">
+              <a:shade val="50000"/>
+            </a:schemeClr>
           </a:lnRef>
-          <a:fillRef idx="0">
-            <a:schemeClr val="dk1"/>
+          <a:fillRef idx="1">
+            <a:schemeClr val="accent1"/>
           </a:fillRef>
           <a:effectRef idx="0">
-            <a:schemeClr val="dk1"/>
+            <a:schemeClr val="accent1"/>
           </a:effectRef>
           <a:fontRef idx="minor">
-            <a:schemeClr val="tx1"/>
+            <a:schemeClr val="lt1"/>
           </a:fontRef>
         </p:style>
-      </p:cxnSp>
+        <p:txBody>
+          <a:bodyPr rtlCol="0" anchor="ctr"/>
+          <a:lstStyle/>
+          <a:p>
+            <a:pPr algn="ctr"/>
+            <a:endParaRPr lang="de-DE"/>
+          </a:p>
+        </p:txBody>
+      </p:sp>
+      <p:sp>
+        <p:nvSpPr>
+          <p:cNvPr id="84" name="Rechteck 83">
+            <a:extLst>
+              <a:ext uri="{FF2B5EF4-FFF2-40B4-BE49-F238E27FC236}">
+                <a16:creationId xmlns:a16="http://schemas.microsoft.com/office/drawing/2014/main" id="{1CC72BD7-5E0F-824B-9C53-6E848AC7CF45}"/>
+              </a:ext>
+            </a:extLst>
+          </p:cNvPr>
+          <p:cNvSpPr/>
+          <p:nvPr/>
+        </p:nvSpPr>
+        <p:spPr>
+          <a:xfrm>
+            <a:off x="5811418" y="2271756"/>
+            <a:ext cx="2814422" cy="3153684"/>
+          </a:xfrm>
+          <a:prstGeom prst="rect">
+            <a:avLst/>
+          </a:prstGeom>
+          <a:noFill/>
+          <a:ln w="28575"/>
+        </p:spPr>
+        <p:style>
+          <a:lnRef idx="2">
+            <a:schemeClr val="accent1">
+              <a:shade val="50000"/>
+            </a:schemeClr>
+          </a:lnRef>
+          <a:fillRef idx="1">
+            <a:schemeClr val="accent1"/>
+          </a:fillRef>
+          <a:effectRef idx="0">
+            <a:schemeClr val="accent1"/>
+          </a:effectRef>
+          <a:fontRef idx="minor">
+            <a:schemeClr val="lt1"/>
+          </a:fontRef>
+        </p:style>
+        <p:txBody>
+          <a:bodyPr rtlCol="0" anchor="ctr"/>
+          <a:lstStyle/>
+          <a:p>
+            <a:pPr algn="ctr"/>
+            <a:endParaRPr lang="de-DE"/>
+          </a:p>
+        </p:txBody>
+      </p:sp>
+      <p:sp>
+        <p:nvSpPr>
+          <p:cNvPr id="18" name="Textfeld 17">
+            <a:extLst>
+              <a:ext uri="{FF2B5EF4-FFF2-40B4-BE49-F238E27FC236}">
+                <a16:creationId xmlns:a16="http://schemas.microsoft.com/office/drawing/2014/main" id="{4C1E68CB-28C8-5341-91B6-E049230BA1A0}"/>
+              </a:ext>
+            </a:extLst>
+          </p:cNvPr>
+          <p:cNvSpPr txBox="1"/>
+          <p:nvPr/>
+        </p:nvSpPr>
+        <p:spPr>
+          <a:xfrm>
+            <a:off x="491490" y="1508760"/>
+            <a:ext cx="4366260" cy="923330"/>
+          </a:xfrm>
+          <a:prstGeom prst="rect">
+            <a:avLst/>
+          </a:prstGeom>
+          <a:noFill/>
+        </p:spPr>
+        <p:txBody>
+          <a:bodyPr wrap="square" rtlCol="0">
+            <a:spAutoFit/>
+          </a:bodyPr>
+          <a:lstStyle/>
+          <a:p>
+            <a:pPr marL="285750" indent="-285750">
+              <a:buFont typeface="Arial" panose="020B0604020202020204" pitchFamily="34" charset="0"/>
+              <a:buChar char="•"/>
+            </a:pPr>
+            <a:r>
+              <a:rPr lang="de-DE" dirty="0"/>
+              <a:t>Schichtenarchitektur</a:t>
+            </a:r>
+          </a:p>
+          <a:p>
+            <a:pPr marL="285750" indent="-285750">
+              <a:buFont typeface="Arial" panose="020B0604020202020204" pitchFamily="34" charset="0"/>
+              <a:buChar char="•"/>
+            </a:pPr>
+            <a:r>
+              <a:rPr lang="de-DE" dirty="0"/>
+              <a:t>Getrennt nach Anwendungen</a:t>
+            </a:r>
+          </a:p>
+          <a:p>
+            <a:pPr marL="285750" indent="-285750">
+              <a:buFont typeface="Arial" panose="020B0604020202020204" pitchFamily="34" charset="0"/>
+              <a:buChar char="•"/>
+            </a:pPr>
+            <a:r>
+              <a:rPr lang="de-DE" dirty="0"/>
+              <a:t>Gemeinsame Schicht für Login </a:t>
+            </a:r>
+          </a:p>
+        </p:txBody>
+      </p:sp>
     </p:spTree>
     <p:extLst>
       <p:ext uri="{BB962C8B-B14F-4D97-AF65-F5344CB8AC3E}">
@@ -18419,6 +17956,1247 @@
           </a:p>
         </p:txBody>
       </p:sp>
+      <p:grpSp>
+        <p:nvGrpSpPr>
+          <p:cNvPr id="41" name="Gruppieren 40">
+            <a:extLst>
+              <a:ext uri="{FF2B5EF4-FFF2-40B4-BE49-F238E27FC236}">
+                <a16:creationId xmlns:a16="http://schemas.microsoft.com/office/drawing/2014/main" id="{04718393-5B6B-2849-9DF7-68D454A15B91}"/>
+              </a:ext>
+            </a:extLst>
+          </p:cNvPr>
+          <p:cNvGrpSpPr/>
+          <p:nvPr/>
+        </p:nvGrpSpPr>
+        <p:grpSpPr>
+          <a:xfrm>
+            <a:off x="200491" y="1379479"/>
+            <a:ext cx="11937626" cy="3874696"/>
+            <a:chOff x="128303" y="1379478"/>
+            <a:chExt cx="12010122" cy="4327291"/>
+          </a:xfrm>
+        </p:grpSpPr>
+        <p:cxnSp>
+          <p:nvCxnSpPr>
+            <p:cNvPr id="42" name="Gerade Verbindung 41">
+              <a:extLst>
+                <a:ext uri="{FF2B5EF4-FFF2-40B4-BE49-F238E27FC236}">
+                  <a16:creationId xmlns:a16="http://schemas.microsoft.com/office/drawing/2014/main" id="{1ACB3333-5C26-E34F-85E6-FF09F64CBEA7}"/>
+                </a:ext>
+              </a:extLst>
+            </p:cNvPr>
+            <p:cNvCxnSpPr/>
+            <p:nvPr/>
+          </p:nvCxnSpPr>
+          <p:spPr>
+            <a:xfrm flipV="1">
+              <a:off x="6417985" y="4603555"/>
+              <a:ext cx="1170711" cy="23673"/>
+            </a:xfrm>
+            <a:prstGeom prst="line">
+              <a:avLst/>
+            </a:prstGeom>
+          </p:spPr>
+          <p:style>
+            <a:lnRef idx="2">
+              <a:schemeClr val="dk1"/>
+            </a:lnRef>
+            <a:fillRef idx="0">
+              <a:schemeClr val="dk1"/>
+            </a:fillRef>
+            <a:effectRef idx="1">
+              <a:schemeClr val="dk1"/>
+            </a:effectRef>
+            <a:fontRef idx="minor">
+              <a:schemeClr val="tx1"/>
+            </a:fontRef>
+          </p:style>
+        </p:cxnSp>
+        <p:cxnSp>
+          <p:nvCxnSpPr>
+            <p:cNvPr id="43" name="Gerade Verbindung 42">
+              <a:extLst>
+                <a:ext uri="{FF2B5EF4-FFF2-40B4-BE49-F238E27FC236}">
+                  <a16:creationId xmlns:a16="http://schemas.microsoft.com/office/drawing/2014/main" id="{6A126752-6843-5B45-992F-D236245B1596}"/>
+                </a:ext>
+              </a:extLst>
+            </p:cNvPr>
+            <p:cNvCxnSpPr/>
+            <p:nvPr/>
+          </p:nvCxnSpPr>
+          <p:spPr>
+            <a:xfrm flipV="1">
+              <a:off x="8903514" y="4579881"/>
+              <a:ext cx="1170711" cy="23673"/>
+            </a:xfrm>
+            <a:prstGeom prst="line">
+              <a:avLst/>
+            </a:prstGeom>
+          </p:spPr>
+          <p:style>
+            <a:lnRef idx="2">
+              <a:schemeClr val="dk1"/>
+            </a:lnRef>
+            <a:fillRef idx="0">
+              <a:schemeClr val="dk1"/>
+            </a:fillRef>
+            <a:effectRef idx="1">
+              <a:schemeClr val="dk1"/>
+            </a:effectRef>
+            <a:fontRef idx="minor">
+              <a:schemeClr val="tx1"/>
+            </a:fontRef>
+          </p:style>
+        </p:cxnSp>
+        <p:grpSp>
+          <p:nvGrpSpPr>
+            <p:cNvPr id="44" name="Gruppieren 43">
+              <a:extLst>
+                <a:ext uri="{FF2B5EF4-FFF2-40B4-BE49-F238E27FC236}">
+                  <a16:creationId xmlns:a16="http://schemas.microsoft.com/office/drawing/2014/main" id="{3062B922-7417-4242-B57D-5CEF67570F1D}"/>
+                </a:ext>
+              </a:extLst>
+            </p:cNvPr>
+            <p:cNvGrpSpPr/>
+            <p:nvPr/>
+          </p:nvGrpSpPr>
+          <p:grpSpPr>
+            <a:xfrm>
+              <a:off x="128303" y="1379478"/>
+              <a:ext cx="12010122" cy="4327291"/>
+              <a:chOff x="128303" y="1379478"/>
+              <a:chExt cx="12010122" cy="4327291"/>
+            </a:xfrm>
+          </p:grpSpPr>
+          <p:grpSp>
+            <p:nvGrpSpPr>
+              <p:cNvPr id="45" name="Gruppieren 44">
+                <a:extLst>
+                  <a:ext uri="{FF2B5EF4-FFF2-40B4-BE49-F238E27FC236}">
+                    <a16:creationId xmlns:a16="http://schemas.microsoft.com/office/drawing/2014/main" id="{623F2FD9-5207-954D-B7E9-FEE74381CDB3}"/>
+                  </a:ext>
+                </a:extLst>
+              </p:cNvPr>
+              <p:cNvGrpSpPr/>
+              <p:nvPr/>
+            </p:nvGrpSpPr>
+            <p:grpSpPr>
+              <a:xfrm>
+                <a:off x="128303" y="1379478"/>
+                <a:ext cx="12010122" cy="4327291"/>
+                <a:chOff x="128303" y="1379478"/>
+                <a:chExt cx="12010122" cy="4327291"/>
+              </a:xfrm>
+            </p:grpSpPr>
+            <p:sp>
+              <p:nvSpPr>
+                <p:cNvPr id="49" name="Textfeld 48">
+                  <a:extLst>
+                    <a:ext uri="{FF2B5EF4-FFF2-40B4-BE49-F238E27FC236}">
+                      <a16:creationId xmlns:a16="http://schemas.microsoft.com/office/drawing/2014/main" id="{4D99A157-AAE0-C049-BC31-599E44817093}"/>
+                    </a:ext>
+                  </a:extLst>
+                </p:cNvPr>
+                <p:cNvSpPr txBox="1"/>
+                <p:nvPr/>
+              </p:nvSpPr>
+              <p:spPr>
+                <a:xfrm>
+                  <a:off x="2454132" y="1379478"/>
+                  <a:ext cx="9684293" cy="4327291"/>
+                </a:xfrm>
+                <a:prstGeom prst="rect">
+                  <a:avLst/>
+                </a:prstGeom>
+                <a:noFill/>
+                <a:ln w="28575">
+                  <a:solidFill>
+                    <a:srgbClr val="002060"/>
+                  </a:solidFill>
+                </a:ln>
+              </p:spPr>
+              <p:txBody>
+                <a:bodyPr wrap="square" rtlCol="0">
+                  <a:spAutoFit/>
+                </a:bodyPr>
+                <a:lstStyle/>
+                <a:p>
+                  <a:endParaRPr lang="de-DE" dirty="0"/>
+                </a:p>
+              </p:txBody>
+            </p:sp>
+            <p:sp>
+              <p:nvSpPr>
+                <p:cNvPr id="50" name="Abgerundetes Rechteck 49">
+                  <a:extLst>
+                    <a:ext uri="{FF2B5EF4-FFF2-40B4-BE49-F238E27FC236}">
+                      <a16:creationId xmlns:a16="http://schemas.microsoft.com/office/drawing/2014/main" id="{F3A31C02-D06D-1245-A61C-3576F269C4ED}"/>
+                    </a:ext>
+                  </a:extLst>
+                </p:cNvPr>
+                <p:cNvSpPr/>
+                <p:nvPr/>
+              </p:nvSpPr>
+              <p:spPr>
+                <a:xfrm>
+                  <a:off x="128303" y="2692509"/>
+                  <a:ext cx="1576550" cy="630621"/>
+                </a:xfrm>
+                <a:prstGeom prst="roundRect">
+                  <a:avLst/>
+                </a:prstGeom>
+                <a:ln/>
+              </p:spPr>
+              <p:style>
+                <a:lnRef idx="2">
+                  <a:schemeClr val="accent2">
+                    <a:shade val="50000"/>
+                  </a:schemeClr>
+                </a:lnRef>
+                <a:fillRef idx="1">
+                  <a:schemeClr val="accent2"/>
+                </a:fillRef>
+                <a:effectRef idx="0">
+                  <a:schemeClr val="accent2"/>
+                </a:effectRef>
+                <a:fontRef idx="minor">
+                  <a:schemeClr val="lt1"/>
+                </a:fontRef>
+              </p:style>
+              <p:txBody>
+                <a:bodyPr rtlCol="0" anchor="ctr"/>
+                <a:lstStyle/>
+                <a:p>
+                  <a:pPr algn="ctr"/>
+                  <a:r>
+                    <a:rPr lang="de-DE" dirty="0"/>
+                    <a:t>Client</a:t>
+                  </a:r>
+                </a:p>
+              </p:txBody>
+            </p:sp>
+            <p:sp>
+              <p:nvSpPr>
+                <p:cNvPr id="51" name="Abgerundetes Rechteck 50">
+                  <a:extLst>
+                    <a:ext uri="{FF2B5EF4-FFF2-40B4-BE49-F238E27FC236}">
+                      <a16:creationId xmlns:a16="http://schemas.microsoft.com/office/drawing/2014/main" id="{299E39D4-45DB-BF49-9924-4D514EEDCA5D}"/>
+                    </a:ext>
+                  </a:extLst>
+                </p:cNvPr>
+                <p:cNvSpPr/>
+                <p:nvPr/>
+              </p:nvSpPr>
+              <p:spPr>
+                <a:xfrm>
+                  <a:off x="2623001" y="3492429"/>
+                  <a:ext cx="1347267" cy="630621"/>
+                </a:xfrm>
+                <a:prstGeom prst="roundRect">
+                  <a:avLst/>
+                </a:prstGeom>
+              </p:spPr>
+              <p:style>
+                <a:lnRef idx="2">
+                  <a:schemeClr val="accent1">
+                    <a:shade val="50000"/>
+                  </a:schemeClr>
+                </a:lnRef>
+                <a:fillRef idx="1">
+                  <a:schemeClr val="accent1"/>
+                </a:fillRef>
+                <a:effectRef idx="0">
+                  <a:schemeClr val="accent1"/>
+                </a:effectRef>
+                <a:fontRef idx="minor">
+                  <a:schemeClr val="lt1"/>
+                </a:fontRef>
+              </p:style>
+              <p:txBody>
+                <a:bodyPr rtlCol="0" anchor="ctr"/>
+                <a:lstStyle/>
+                <a:p>
+                  <a:pPr algn="ctr"/>
+                  <a:r>
+                    <a:rPr lang="de-DE" dirty="0"/>
+                    <a:t>Validierung</a:t>
+                  </a:r>
+                </a:p>
+              </p:txBody>
+            </p:sp>
+            <p:grpSp>
+              <p:nvGrpSpPr>
+                <p:cNvPr id="52" name="Gruppieren 51">
+                  <a:extLst>
+                    <a:ext uri="{FF2B5EF4-FFF2-40B4-BE49-F238E27FC236}">
+                      <a16:creationId xmlns:a16="http://schemas.microsoft.com/office/drawing/2014/main" id="{7470782F-9E08-F042-85B9-11E2C40E1078}"/>
+                    </a:ext>
+                  </a:extLst>
+                </p:cNvPr>
+                <p:cNvGrpSpPr/>
+                <p:nvPr/>
+              </p:nvGrpSpPr>
+              <p:grpSpPr>
+                <a:xfrm>
+                  <a:off x="4656996" y="3744310"/>
+                  <a:ext cx="7303359" cy="1671145"/>
+                  <a:chOff x="4781070" y="3744310"/>
+                  <a:chExt cx="7303359" cy="1671145"/>
+                </a:xfrm>
+              </p:grpSpPr>
+              <p:sp>
+                <p:nvSpPr>
+                  <p:cNvPr id="61" name="Abgerundetes Rechteck 60">
+                    <a:extLst>
+                      <a:ext uri="{FF2B5EF4-FFF2-40B4-BE49-F238E27FC236}">
+                        <a16:creationId xmlns:a16="http://schemas.microsoft.com/office/drawing/2014/main" id="{57822617-DA42-AE4C-968C-90ACC3C37857}"/>
+                      </a:ext>
+                    </a:extLst>
+                  </p:cNvPr>
+                  <p:cNvSpPr/>
+                  <p:nvPr/>
+                </p:nvSpPr>
+                <p:spPr>
+                  <a:xfrm>
+                    <a:off x="4781070" y="3744310"/>
+                    <a:ext cx="7303359" cy="1671145"/>
+                  </a:xfrm>
+                  <a:prstGeom prst="roundRect">
+                    <a:avLst/>
+                  </a:prstGeom>
+                  <a:noFill/>
+                  <a:ln w="38100">
+                    <a:solidFill>
+                      <a:schemeClr val="accent6">
+                        <a:lumMod val="50000"/>
+                      </a:schemeClr>
+                    </a:solidFill>
+                  </a:ln>
+                </p:spPr>
+                <p:style>
+                  <a:lnRef idx="2">
+                    <a:schemeClr val="accent1">
+                      <a:shade val="50000"/>
+                    </a:schemeClr>
+                  </a:lnRef>
+                  <a:fillRef idx="1">
+                    <a:schemeClr val="accent1"/>
+                  </a:fillRef>
+                  <a:effectRef idx="0">
+                    <a:schemeClr val="accent1"/>
+                  </a:effectRef>
+                  <a:fontRef idx="minor">
+                    <a:schemeClr val="lt1"/>
+                  </a:fontRef>
+                </p:style>
+                <p:txBody>
+                  <a:bodyPr rtlCol="0" anchor="ctr"/>
+                  <a:lstStyle/>
+                  <a:p>
+                    <a:pPr algn="ctr"/>
+                    <a:endParaRPr lang="de-DE"/>
+                  </a:p>
+                </p:txBody>
+              </p:sp>
+              <p:sp>
+                <p:nvSpPr>
+                  <p:cNvPr id="62" name="Abgerundetes Rechteck 61">
+                    <a:extLst>
+                      <a:ext uri="{FF2B5EF4-FFF2-40B4-BE49-F238E27FC236}">
+                        <a16:creationId xmlns:a16="http://schemas.microsoft.com/office/drawing/2014/main" id="{424509D2-2548-914E-AC01-CEEF67B8F907}"/>
+                      </a:ext>
+                    </a:extLst>
+                  </p:cNvPr>
+                  <p:cNvSpPr/>
+                  <p:nvPr/>
+                </p:nvSpPr>
+                <p:spPr>
+                  <a:xfrm>
+                    <a:off x="5296786" y="4311918"/>
+                    <a:ext cx="1233916" cy="630621"/>
+                  </a:xfrm>
+                  <a:prstGeom prst="roundRect">
+                    <a:avLst/>
+                  </a:prstGeom>
+                  <a:solidFill>
+                    <a:schemeClr val="accent6">
+                      <a:lumMod val="50000"/>
+                    </a:schemeClr>
+                  </a:solidFill>
+                  <a:ln>
+                    <a:solidFill>
+                      <a:schemeClr val="accent6">
+                        <a:lumMod val="50000"/>
+                      </a:schemeClr>
+                    </a:solidFill>
+                  </a:ln>
+                </p:spPr>
+                <p:style>
+                  <a:lnRef idx="2">
+                    <a:schemeClr val="accent1">
+                      <a:shade val="50000"/>
+                    </a:schemeClr>
+                  </a:lnRef>
+                  <a:fillRef idx="1">
+                    <a:schemeClr val="accent1"/>
+                  </a:fillRef>
+                  <a:effectRef idx="0">
+                    <a:schemeClr val="accent1"/>
+                  </a:effectRef>
+                  <a:fontRef idx="minor">
+                    <a:schemeClr val="lt1"/>
+                  </a:fontRef>
+                </p:style>
+                <p:txBody>
+                  <a:bodyPr rtlCol="0" anchor="ctr"/>
+                  <a:lstStyle/>
+                  <a:p>
+                    <a:pPr algn="ctr"/>
+                    <a:r>
+                      <a:rPr lang="de-DE" dirty="0"/>
+                      <a:t>Controller</a:t>
+                    </a:r>
+                  </a:p>
+                </p:txBody>
+              </p:sp>
+              <p:sp>
+                <p:nvSpPr>
+                  <p:cNvPr id="63" name="Abgerundetes Rechteck 62">
+                    <a:extLst>
+                      <a:ext uri="{FF2B5EF4-FFF2-40B4-BE49-F238E27FC236}">
+                        <a16:creationId xmlns:a16="http://schemas.microsoft.com/office/drawing/2014/main" id="{9CCE7034-A4A0-5048-A962-65C7E4056527}"/>
+                      </a:ext>
+                    </a:extLst>
+                  </p:cNvPr>
+                  <p:cNvSpPr/>
+                  <p:nvPr/>
+                </p:nvSpPr>
+                <p:spPr>
+                  <a:xfrm>
+                    <a:off x="8673625" y="4249914"/>
+                    <a:ext cx="1303839" cy="630621"/>
+                  </a:xfrm>
+                  <a:prstGeom prst="roundRect">
+                    <a:avLst/>
+                  </a:prstGeom>
+                  <a:solidFill>
+                    <a:schemeClr val="accent6">
+                      <a:lumMod val="50000"/>
+                    </a:schemeClr>
+                  </a:solidFill>
+                  <a:ln>
+                    <a:solidFill>
+                      <a:schemeClr val="accent6">
+                        <a:lumMod val="50000"/>
+                      </a:schemeClr>
+                    </a:solidFill>
+                  </a:ln>
+                </p:spPr>
+                <p:style>
+                  <a:lnRef idx="2">
+                    <a:schemeClr val="accent1">
+                      <a:shade val="50000"/>
+                    </a:schemeClr>
+                  </a:lnRef>
+                  <a:fillRef idx="1">
+                    <a:schemeClr val="accent1"/>
+                  </a:fillRef>
+                  <a:effectRef idx="0">
+                    <a:schemeClr val="accent1"/>
+                  </a:effectRef>
+                  <a:fontRef idx="minor">
+                    <a:schemeClr val="lt1"/>
+                  </a:fontRef>
+                </p:style>
+                <p:txBody>
+                  <a:bodyPr rtlCol="0" anchor="ctr"/>
+                  <a:lstStyle/>
+                  <a:p>
+                    <a:pPr algn="ctr"/>
+                    <a:r>
+                      <a:rPr lang="de-DE" dirty="0"/>
+                      <a:t>Repository</a:t>
+                    </a:r>
+                  </a:p>
+                </p:txBody>
+              </p:sp>
+              <p:sp>
+                <p:nvSpPr>
+                  <p:cNvPr id="64" name="Abgerundetes Rechteck 63">
+                    <a:extLst>
+                      <a:ext uri="{FF2B5EF4-FFF2-40B4-BE49-F238E27FC236}">
+                        <a16:creationId xmlns:a16="http://schemas.microsoft.com/office/drawing/2014/main" id="{AC7648FC-B9DB-A04B-83B5-43BE7643D311}"/>
+                      </a:ext>
+                    </a:extLst>
+                  </p:cNvPr>
+                  <p:cNvSpPr/>
+                  <p:nvPr/>
+                </p:nvSpPr>
+                <p:spPr>
+                  <a:xfrm>
+                    <a:off x="10205745" y="4264571"/>
+                    <a:ext cx="998485" cy="630621"/>
+                  </a:xfrm>
+                  <a:prstGeom prst="roundRect">
+                    <a:avLst/>
+                  </a:prstGeom>
+                  <a:solidFill>
+                    <a:schemeClr val="accent6">
+                      <a:lumMod val="50000"/>
+                    </a:schemeClr>
+                  </a:solidFill>
+                  <a:ln>
+                    <a:solidFill>
+                      <a:schemeClr val="accent6">
+                        <a:lumMod val="50000"/>
+                      </a:schemeClr>
+                    </a:solidFill>
+                  </a:ln>
+                </p:spPr>
+                <p:style>
+                  <a:lnRef idx="2">
+                    <a:schemeClr val="accent1">
+                      <a:shade val="50000"/>
+                    </a:schemeClr>
+                  </a:lnRef>
+                  <a:fillRef idx="1">
+                    <a:schemeClr val="accent1"/>
+                  </a:fillRef>
+                  <a:effectRef idx="0">
+                    <a:schemeClr val="accent1"/>
+                  </a:effectRef>
+                  <a:fontRef idx="minor">
+                    <a:schemeClr val="lt1"/>
+                  </a:fontRef>
+                </p:style>
+                <p:txBody>
+                  <a:bodyPr rtlCol="0" anchor="ctr"/>
+                  <a:lstStyle/>
+                  <a:p>
+                    <a:pPr algn="ctr"/>
+                    <a:r>
+                      <a:rPr lang="de-DE" dirty="0"/>
+                      <a:t>Model</a:t>
+                    </a:r>
+                  </a:p>
+                </p:txBody>
+              </p:sp>
+              <p:sp>
+                <p:nvSpPr>
+                  <p:cNvPr id="65" name="Textfeld 64">
+                    <a:extLst>
+                      <a:ext uri="{FF2B5EF4-FFF2-40B4-BE49-F238E27FC236}">
+                        <a16:creationId xmlns:a16="http://schemas.microsoft.com/office/drawing/2014/main" id="{F6356836-2B1A-6A47-9629-CFB0EE987CB2}"/>
+                      </a:ext>
+                    </a:extLst>
+                  </p:cNvPr>
+                  <p:cNvSpPr txBox="1"/>
+                  <p:nvPr/>
+                </p:nvSpPr>
+                <p:spPr>
+                  <a:xfrm>
+                    <a:off x="4983030" y="3858434"/>
+                    <a:ext cx="627511" cy="369332"/>
+                  </a:xfrm>
+                  <a:prstGeom prst="rect">
+                    <a:avLst/>
+                  </a:prstGeom>
+                  <a:noFill/>
+                  <a:ln>
+                    <a:noFill/>
+                  </a:ln>
+                </p:spPr>
+                <p:txBody>
+                  <a:bodyPr wrap="square" rtlCol="0">
+                    <a:spAutoFit/>
+                  </a:bodyPr>
+                  <a:lstStyle/>
+                  <a:p>
+                    <a:r>
+                      <a:rPr lang="de-DE" dirty="0"/>
+                      <a:t>Post</a:t>
+                    </a:r>
+                  </a:p>
+                </p:txBody>
+              </p:sp>
+            </p:grpSp>
+            <p:grpSp>
+              <p:nvGrpSpPr>
+                <p:cNvPr id="53" name="Gruppieren 52">
+                  <a:extLst>
+                    <a:ext uri="{FF2B5EF4-FFF2-40B4-BE49-F238E27FC236}">
+                      <a16:creationId xmlns:a16="http://schemas.microsoft.com/office/drawing/2014/main" id="{DF3430D8-DAA8-834E-A567-35AAF177A14A}"/>
+                    </a:ext>
+                  </a:extLst>
+                </p:cNvPr>
+                <p:cNvGrpSpPr/>
+                <p:nvPr/>
+              </p:nvGrpSpPr>
+              <p:grpSpPr>
+                <a:xfrm>
+                  <a:off x="4656995" y="1871978"/>
+                  <a:ext cx="7303359" cy="1671145"/>
+                  <a:chOff x="4781070" y="3744310"/>
+                  <a:chExt cx="7303359" cy="1671145"/>
+                </a:xfrm>
+              </p:grpSpPr>
+              <p:sp>
+                <p:nvSpPr>
+                  <p:cNvPr id="56" name="Abgerundetes Rechteck 55">
+                    <a:extLst>
+                      <a:ext uri="{FF2B5EF4-FFF2-40B4-BE49-F238E27FC236}">
+                        <a16:creationId xmlns:a16="http://schemas.microsoft.com/office/drawing/2014/main" id="{90E36898-BE43-4F42-835B-9F716DC50DAC}"/>
+                      </a:ext>
+                    </a:extLst>
+                  </p:cNvPr>
+                  <p:cNvSpPr/>
+                  <p:nvPr/>
+                </p:nvSpPr>
+                <p:spPr>
+                  <a:xfrm>
+                    <a:off x="4781070" y="3744310"/>
+                    <a:ext cx="7303359" cy="1671145"/>
+                  </a:xfrm>
+                  <a:prstGeom prst="roundRect">
+                    <a:avLst/>
+                  </a:prstGeom>
+                  <a:noFill/>
+                  <a:ln w="38100">
+                    <a:solidFill>
+                      <a:schemeClr val="accent6">
+                        <a:lumMod val="60000"/>
+                        <a:lumOff val="40000"/>
+                      </a:schemeClr>
+                    </a:solidFill>
+                  </a:ln>
+                </p:spPr>
+                <p:style>
+                  <a:lnRef idx="2">
+                    <a:schemeClr val="accent1">
+                      <a:shade val="50000"/>
+                    </a:schemeClr>
+                  </a:lnRef>
+                  <a:fillRef idx="1">
+                    <a:schemeClr val="accent1"/>
+                  </a:fillRef>
+                  <a:effectRef idx="0">
+                    <a:schemeClr val="accent1"/>
+                  </a:effectRef>
+                  <a:fontRef idx="minor">
+                    <a:schemeClr val="lt1"/>
+                  </a:fontRef>
+                </p:style>
+                <p:txBody>
+                  <a:bodyPr rtlCol="0" anchor="ctr"/>
+                  <a:lstStyle/>
+                  <a:p>
+                    <a:pPr algn="ctr"/>
+                    <a:endParaRPr lang="de-DE"/>
+                  </a:p>
+                </p:txBody>
+              </p:sp>
+              <p:sp>
+                <p:nvSpPr>
+                  <p:cNvPr id="57" name="Abgerundetes Rechteck 56">
+                    <a:extLst>
+                      <a:ext uri="{FF2B5EF4-FFF2-40B4-BE49-F238E27FC236}">
+                        <a16:creationId xmlns:a16="http://schemas.microsoft.com/office/drawing/2014/main" id="{E3C9DEA3-4820-8A47-8776-B08CAD3769E7}"/>
+                      </a:ext>
+                    </a:extLst>
+                  </p:cNvPr>
+                  <p:cNvSpPr/>
+                  <p:nvPr/>
+                </p:nvSpPr>
+                <p:spPr>
+                  <a:xfrm>
+                    <a:off x="5296786" y="4311918"/>
+                    <a:ext cx="1233916" cy="630621"/>
+                  </a:xfrm>
+                  <a:prstGeom prst="roundRect">
+                    <a:avLst/>
+                  </a:prstGeom>
+                  <a:solidFill>
+                    <a:schemeClr val="accent6">
+                      <a:lumMod val="60000"/>
+                      <a:lumOff val="40000"/>
+                    </a:schemeClr>
+                  </a:solidFill>
+                  <a:ln>
+                    <a:solidFill>
+                      <a:schemeClr val="accent6">
+                        <a:lumMod val="60000"/>
+                        <a:lumOff val="40000"/>
+                      </a:schemeClr>
+                    </a:solidFill>
+                  </a:ln>
+                </p:spPr>
+                <p:style>
+                  <a:lnRef idx="2">
+                    <a:schemeClr val="accent1">
+                      <a:shade val="50000"/>
+                    </a:schemeClr>
+                  </a:lnRef>
+                  <a:fillRef idx="1">
+                    <a:schemeClr val="accent1"/>
+                  </a:fillRef>
+                  <a:effectRef idx="0">
+                    <a:schemeClr val="accent1"/>
+                  </a:effectRef>
+                  <a:fontRef idx="minor">
+                    <a:schemeClr val="lt1"/>
+                  </a:fontRef>
+                </p:style>
+                <p:txBody>
+                  <a:bodyPr rtlCol="0" anchor="ctr"/>
+                  <a:lstStyle/>
+                  <a:p>
+                    <a:pPr algn="ctr"/>
+                    <a:r>
+                      <a:rPr lang="de-DE" dirty="0"/>
+                      <a:t>Controller</a:t>
+                    </a:r>
+                  </a:p>
+                </p:txBody>
+              </p:sp>
+              <p:sp>
+                <p:nvSpPr>
+                  <p:cNvPr id="58" name="Abgerundetes Rechteck 57">
+                    <a:extLst>
+                      <a:ext uri="{FF2B5EF4-FFF2-40B4-BE49-F238E27FC236}">
+                        <a16:creationId xmlns:a16="http://schemas.microsoft.com/office/drawing/2014/main" id="{1046BF5E-0326-7740-8F94-F34F41AFE61B}"/>
+                      </a:ext>
+                    </a:extLst>
+                  </p:cNvPr>
+                  <p:cNvSpPr/>
+                  <p:nvPr/>
+                </p:nvSpPr>
+                <p:spPr>
+                  <a:xfrm>
+                    <a:off x="8536293" y="4301173"/>
+                    <a:ext cx="1303839" cy="630621"/>
+                  </a:xfrm>
+                  <a:prstGeom prst="roundRect">
+                    <a:avLst/>
+                  </a:prstGeom>
+                  <a:solidFill>
+                    <a:schemeClr val="accent6">
+                      <a:lumMod val="60000"/>
+                      <a:lumOff val="40000"/>
+                    </a:schemeClr>
+                  </a:solidFill>
+                  <a:ln>
+                    <a:solidFill>
+                      <a:schemeClr val="accent6">
+                        <a:lumMod val="60000"/>
+                        <a:lumOff val="40000"/>
+                      </a:schemeClr>
+                    </a:solidFill>
+                  </a:ln>
+                </p:spPr>
+                <p:style>
+                  <a:lnRef idx="2">
+                    <a:schemeClr val="accent1">
+                      <a:shade val="50000"/>
+                    </a:schemeClr>
+                  </a:lnRef>
+                  <a:fillRef idx="1">
+                    <a:schemeClr val="accent1"/>
+                  </a:fillRef>
+                  <a:effectRef idx="0">
+                    <a:schemeClr val="accent1"/>
+                  </a:effectRef>
+                  <a:fontRef idx="minor">
+                    <a:schemeClr val="lt1"/>
+                  </a:fontRef>
+                </p:style>
+                <p:txBody>
+                  <a:bodyPr rtlCol="0" anchor="ctr"/>
+                  <a:lstStyle/>
+                  <a:p>
+                    <a:pPr algn="ctr"/>
+                    <a:r>
+                      <a:rPr lang="de-DE" dirty="0"/>
+                      <a:t>Repository</a:t>
+                    </a:r>
+                  </a:p>
+                </p:txBody>
+              </p:sp>
+              <p:sp>
+                <p:nvSpPr>
+                  <p:cNvPr id="59" name="Abgerundetes Rechteck 58">
+                    <a:extLst>
+                      <a:ext uri="{FF2B5EF4-FFF2-40B4-BE49-F238E27FC236}">
+                        <a16:creationId xmlns:a16="http://schemas.microsoft.com/office/drawing/2014/main" id="{271A8A8C-51AA-FD42-AED5-A0C7B86D4C6A}"/>
+                      </a:ext>
+                    </a:extLst>
+                  </p:cNvPr>
+                  <p:cNvSpPr/>
+                  <p:nvPr/>
+                </p:nvSpPr>
+                <p:spPr>
+                  <a:xfrm>
+                    <a:off x="10205745" y="4264571"/>
+                    <a:ext cx="998485" cy="630621"/>
+                  </a:xfrm>
+                  <a:prstGeom prst="roundRect">
+                    <a:avLst/>
+                  </a:prstGeom>
+                  <a:solidFill>
+                    <a:schemeClr val="accent6">
+                      <a:lumMod val="60000"/>
+                      <a:lumOff val="40000"/>
+                    </a:schemeClr>
+                  </a:solidFill>
+                  <a:ln>
+                    <a:solidFill>
+                      <a:schemeClr val="accent6">
+                        <a:lumMod val="60000"/>
+                        <a:lumOff val="40000"/>
+                      </a:schemeClr>
+                    </a:solidFill>
+                  </a:ln>
+                </p:spPr>
+                <p:style>
+                  <a:lnRef idx="2">
+                    <a:schemeClr val="accent1">
+                      <a:shade val="50000"/>
+                    </a:schemeClr>
+                  </a:lnRef>
+                  <a:fillRef idx="1">
+                    <a:schemeClr val="accent1"/>
+                  </a:fillRef>
+                  <a:effectRef idx="0">
+                    <a:schemeClr val="accent1"/>
+                  </a:effectRef>
+                  <a:fontRef idx="minor">
+                    <a:schemeClr val="lt1"/>
+                  </a:fontRef>
+                </p:style>
+                <p:txBody>
+                  <a:bodyPr rtlCol="0" anchor="ctr"/>
+                  <a:lstStyle/>
+                  <a:p>
+                    <a:pPr algn="ctr"/>
+                    <a:r>
+                      <a:rPr lang="de-DE" dirty="0"/>
+                      <a:t>Model</a:t>
+                    </a:r>
+                  </a:p>
+                </p:txBody>
+              </p:sp>
+              <p:sp>
+                <p:nvSpPr>
+                  <p:cNvPr id="60" name="Textfeld 59">
+                    <a:extLst>
+                      <a:ext uri="{FF2B5EF4-FFF2-40B4-BE49-F238E27FC236}">
+                        <a16:creationId xmlns:a16="http://schemas.microsoft.com/office/drawing/2014/main" id="{35082B0C-5F38-F445-85D2-51E9E7C9941B}"/>
+                      </a:ext>
+                    </a:extLst>
+                  </p:cNvPr>
+                  <p:cNvSpPr txBox="1"/>
+                  <p:nvPr/>
+                </p:nvSpPr>
+                <p:spPr>
+                  <a:xfrm>
+                    <a:off x="4983030" y="3858434"/>
+                    <a:ext cx="1612199" cy="369332"/>
+                  </a:xfrm>
+                  <a:prstGeom prst="rect">
+                    <a:avLst/>
+                  </a:prstGeom>
+                  <a:noFill/>
+                  <a:ln>
+                    <a:noFill/>
+                  </a:ln>
+                </p:spPr>
+                <p:txBody>
+                  <a:bodyPr wrap="square" rtlCol="0">
+                    <a:spAutoFit/>
+                  </a:bodyPr>
+                  <a:lstStyle/>
+                  <a:p>
+                    <a:r>
+                      <a:rPr lang="de-DE" dirty="0"/>
+                      <a:t>Online </a:t>
+                    </a:r>
+                    <a:r>
+                      <a:rPr lang="de-DE" dirty="0" err="1"/>
+                      <a:t>project</a:t>
+                    </a:r>
+                    <a:endParaRPr lang="de-DE" dirty="0"/>
+                  </a:p>
+                </p:txBody>
+              </p:sp>
+            </p:grpSp>
+            <p:cxnSp>
+              <p:nvCxnSpPr>
+                <p:cNvPr id="54" name="Gewinkelte Verbindung 53">
+                  <a:extLst>
+                    <a:ext uri="{FF2B5EF4-FFF2-40B4-BE49-F238E27FC236}">
+                      <a16:creationId xmlns:a16="http://schemas.microsoft.com/office/drawing/2014/main" id="{967BB217-B3E5-DA41-B01E-D68C81971786}"/>
+                    </a:ext>
+                  </a:extLst>
+                </p:cNvPr>
+                <p:cNvCxnSpPr>
+                  <a:cxnSpLocks/>
+                  <a:stCxn id="50" idx="3"/>
+                </p:cNvCxnSpPr>
+                <p:nvPr/>
+              </p:nvCxnSpPr>
+              <p:spPr>
+                <a:xfrm>
+                  <a:off x="1704853" y="3007820"/>
+                  <a:ext cx="3467858" cy="1619408"/>
+                </a:xfrm>
+                <a:prstGeom prst="bentConnector3">
+                  <a:avLst>
+                    <a:gd name="adj1" fmla="val 74806"/>
+                  </a:avLst>
+                </a:prstGeom>
+                <a:ln/>
+              </p:spPr>
+              <p:style>
+                <a:lnRef idx="2">
+                  <a:schemeClr val="dk1"/>
+                </a:lnRef>
+                <a:fillRef idx="0">
+                  <a:schemeClr val="dk1"/>
+                </a:fillRef>
+                <a:effectRef idx="1">
+                  <a:schemeClr val="dk1"/>
+                </a:effectRef>
+                <a:fontRef idx="minor">
+                  <a:schemeClr val="tx1"/>
+                </a:fontRef>
+              </p:style>
+            </p:cxnSp>
+            <p:cxnSp>
+              <p:nvCxnSpPr>
+                <p:cNvPr id="55" name="Gewinkelte Verbindung 54">
+                  <a:extLst>
+                    <a:ext uri="{FF2B5EF4-FFF2-40B4-BE49-F238E27FC236}">
+                      <a16:creationId xmlns:a16="http://schemas.microsoft.com/office/drawing/2014/main" id="{2BFBAB55-AA3E-FE41-90FF-E0C16BF22EBB}"/>
+                    </a:ext>
+                  </a:extLst>
+                </p:cNvPr>
+                <p:cNvCxnSpPr>
+                  <a:cxnSpLocks/>
+                  <a:stCxn id="50" idx="3"/>
+                  <a:endCxn id="57" idx="1"/>
+                </p:cNvCxnSpPr>
+                <p:nvPr/>
+              </p:nvCxnSpPr>
+              <p:spPr>
+                <a:xfrm flipV="1">
+                  <a:off x="1704853" y="2754897"/>
+                  <a:ext cx="3467858" cy="252923"/>
+                </a:xfrm>
+                <a:prstGeom prst="bentConnector3">
+                  <a:avLst>
+                    <a:gd name="adj1" fmla="val 74852"/>
+                  </a:avLst>
+                </a:prstGeom>
+              </p:spPr>
+              <p:style>
+                <a:lnRef idx="2">
+                  <a:schemeClr val="dk1"/>
+                </a:lnRef>
+                <a:fillRef idx="0">
+                  <a:schemeClr val="dk1"/>
+                </a:fillRef>
+                <a:effectRef idx="1">
+                  <a:schemeClr val="dk1"/>
+                </a:effectRef>
+                <a:fontRef idx="minor">
+                  <a:schemeClr val="tx1"/>
+                </a:fontRef>
+              </p:style>
+            </p:cxnSp>
+          </p:grpSp>
+          <p:cxnSp>
+            <p:nvCxnSpPr>
+              <p:cNvPr id="46" name="Gerade Verbindung 45">
+                <a:extLst>
+                  <a:ext uri="{FF2B5EF4-FFF2-40B4-BE49-F238E27FC236}">
+                    <a16:creationId xmlns:a16="http://schemas.microsoft.com/office/drawing/2014/main" id="{22031DD1-2AEF-C746-B468-78155B3F6D0B}"/>
+                  </a:ext>
+                </a:extLst>
+              </p:cNvPr>
+              <p:cNvCxnSpPr>
+                <a:cxnSpLocks/>
+                <a:endCxn id="58" idx="1"/>
+              </p:cNvCxnSpPr>
+              <p:nvPr/>
+            </p:nvCxnSpPr>
+            <p:spPr>
+              <a:xfrm flipV="1">
+                <a:off x="6417985" y="2744151"/>
+                <a:ext cx="1994233" cy="10746"/>
+              </a:xfrm>
+              <a:prstGeom prst="line">
+                <a:avLst/>
+              </a:prstGeom>
+            </p:spPr>
+            <p:style>
+              <a:lnRef idx="2">
+                <a:schemeClr val="dk1"/>
+              </a:lnRef>
+              <a:fillRef idx="0">
+                <a:schemeClr val="dk1"/>
+              </a:fillRef>
+              <a:effectRef idx="1">
+                <a:schemeClr val="dk1"/>
+              </a:effectRef>
+              <a:fontRef idx="minor">
+                <a:schemeClr val="tx1"/>
+              </a:fontRef>
+            </p:style>
+          </p:cxnSp>
+          <p:cxnSp>
+            <p:nvCxnSpPr>
+              <p:cNvPr id="47" name="Gerade Verbindung 46">
+                <a:extLst>
+                  <a:ext uri="{FF2B5EF4-FFF2-40B4-BE49-F238E27FC236}">
+                    <a16:creationId xmlns:a16="http://schemas.microsoft.com/office/drawing/2014/main" id="{AB12D3DD-67BD-F143-8E46-35C13C99E733}"/>
+                  </a:ext>
+                </a:extLst>
+              </p:cNvPr>
+              <p:cNvCxnSpPr>
+                <a:cxnSpLocks/>
+                <a:stCxn id="58" idx="3"/>
+              </p:cNvCxnSpPr>
+              <p:nvPr/>
+            </p:nvCxnSpPr>
+            <p:spPr>
+              <a:xfrm flipV="1">
+                <a:off x="9716057" y="2729595"/>
+                <a:ext cx="350722" cy="14556"/>
+              </a:xfrm>
+              <a:prstGeom prst="line">
+                <a:avLst/>
+              </a:prstGeom>
+            </p:spPr>
+            <p:style>
+              <a:lnRef idx="2">
+                <a:schemeClr val="dk1"/>
+              </a:lnRef>
+              <a:fillRef idx="0">
+                <a:schemeClr val="dk1"/>
+              </a:fillRef>
+              <a:effectRef idx="1">
+                <a:schemeClr val="dk1"/>
+              </a:effectRef>
+              <a:fontRef idx="minor">
+                <a:schemeClr val="tx1"/>
+              </a:fontRef>
+            </p:style>
+          </p:cxnSp>
+          <p:cxnSp>
+            <p:nvCxnSpPr>
+              <p:cNvPr id="48" name="Gerade Verbindung mit Pfeil 47">
+                <a:extLst>
+                  <a:ext uri="{FF2B5EF4-FFF2-40B4-BE49-F238E27FC236}">
+                    <a16:creationId xmlns:a16="http://schemas.microsoft.com/office/drawing/2014/main" id="{DFEA8074-3491-C14C-A674-F8346527AC28}"/>
+                  </a:ext>
+                </a:extLst>
+              </p:cNvPr>
+              <p:cNvCxnSpPr>
+                <a:cxnSpLocks/>
+                <a:stCxn id="51" idx="0"/>
+              </p:cNvCxnSpPr>
+              <p:nvPr/>
+            </p:nvCxnSpPr>
+            <p:spPr>
+              <a:xfrm flipV="1">
+                <a:off x="3296635" y="3007819"/>
+                <a:ext cx="2557" cy="484610"/>
+              </a:xfrm>
+              <a:prstGeom prst="straightConnector1">
+                <a:avLst/>
+              </a:prstGeom>
+              <a:ln>
+                <a:tailEnd type="triangle"/>
+              </a:ln>
+            </p:spPr>
+            <p:style>
+              <a:lnRef idx="1">
+                <a:schemeClr val="dk1"/>
+              </a:lnRef>
+              <a:fillRef idx="0">
+                <a:schemeClr val="dk1"/>
+              </a:fillRef>
+              <a:effectRef idx="0">
+                <a:schemeClr val="dk1"/>
+              </a:effectRef>
+              <a:fontRef idx="minor">
+                <a:schemeClr val="tx1"/>
+              </a:fontRef>
+            </p:style>
+          </p:cxnSp>
+        </p:grpSp>
+      </p:grpSp>
+      <p:cxnSp>
+        <p:nvCxnSpPr>
+          <p:cNvPr id="68" name="Gerade Verbindung 67">
+            <a:extLst>
+              <a:ext uri="{FF2B5EF4-FFF2-40B4-BE49-F238E27FC236}">
+                <a16:creationId xmlns:a16="http://schemas.microsoft.com/office/drawing/2014/main" id="{D5B91583-121C-1648-8BB7-7782540807DC}"/>
+              </a:ext>
+            </a:extLst>
+          </p:cNvPr>
+          <p:cNvCxnSpPr>
+            <a:cxnSpLocks/>
+          </p:cNvCxnSpPr>
+          <p:nvPr/>
+        </p:nvCxnSpPr>
+        <p:spPr>
+          <a:xfrm flipV="1">
+            <a:off x="6628454" y="4256724"/>
+            <a:ext cx="1940849" cy="30820"/>
+          </a:xfrm>
+          <a:prstGeom prst="line">
+            <a:avLst/>
+          </a:prstGeom>
+        </p:spPr>
+        <p:style>
+          <a:lnRef idx="2">
+            <a:schemeClr val="dk1"/>
+          </a:lnRef>
+          <a:fillRef idx="0">
+            <a:schemeClr val="dk1"/>
+          </a:fillRef>
+          <a:effectRef idx="1">
+            <a:schemeClr val="dk1"/>
+          </a:effectRef>
+          <a:fontRef idx="minor">
+            <a:schemeClr val="tx1"/>
+          </a:fontRef>
+        </p:style>
+      </p:cxnSp>
+      <p:sp>
+        <p:nvSpPr>
+          <p:cNvPr id="84" name="Abgerundetes Rechteck 83">
+            <a:extLst>
+              <a:ext uri="{FF2B5EF4-FFF2-40B4-BE49-F238E27FC236}">
+                <a16:creationId xmlns:a16="http://schemas.microsoft.com/office/drawing/2014/main" id="{ABF4FEBC-141F-5646-9F71-553BCBD52BD2}"/>
+              </a:ext>
+            </a:extLst>
+          </p:cNvPr>
+          <p:cNvSpPr/>
+          <p:nvPr/>
+        </p:nvSpPr>
+        <p:spPr>
+          <a:xfrm>
+            <a:off x="6857928" y="3962818"/>
+            <a:ext cx="1295969" cy="564664"/>
+          </a:xfrm>
+          <a:prstGeom prst="roundRect">
+            <a:avLst/>
+          </a:prstGeom>
+          <a:solidFill>
+            <a:schemeClr val="accent6">
+              <a:lumMod val="50000"/>
+            </a:schemeClr>
+          </a:solidFill>
+          <a:ln>
+            <a:solidFill>
+              <a:schemeClr val="accent6">
+                <a:lumMod val="50000"/>
+              </a:schemeClr>
+            </a:solidFill>
+          </a:ln>
+        </p:spPr>
+        <p:style>
+          <a:lnRef idx="2">
+            <a:schemeClr val="accent1">
+              <a:shade val="50000"/>
+            </a:schemeClr>
+          </a:lnRef>
+          <a:fillRef idx="1">
+            <a:schemeClr val="accent1"/>
+          </a:fillRef>
+          <a:effectRef idx="0">
+            <a:schemeClr val="accent1"/>
+          </a:effectRef>
+          <a:fontRef idx="minor">
+            <a:schemeClr val="lt1"/>
+          </a:fontRef>
+        </p:style>
+        <p:txBody>
+          <a:bodyPr rtlCol="0" anchor="ctr"/>
+          <a:lstStyle/>
+          <a:p>
+            <a:pPr algn="ctr"/>
+            <a:r>
+              <a:rPr lang="de-DE" dirty="0"/>
+              <a:t>Service</a:t>
+            </a:r>
+          </a:p>
+        </p:txBody>
+      </p:sp>
+      <p:sp>
+        <p:nvSpPr>
+          <p:cNvPr id="86" name="Abgerundetes Rechteck 85">
+            <a:extLst>
+              <a:ext uri="{FF2B5EF4-FFF2-40B4-BE49-F238E27FC236}">
+                <a16:creationId xmlns:a16="http://schemas.microsoft.com/office/drawing/2014/main" id="{5A0A100C-9361-074A-B236-5CC36E0864CD}"/>
+              </a:ext>
+            </a:extLst>
+          </p:cNvPr>
+          <p:cNvSpPr/>
+          <p:nvPr/>
+        </p:nvSpPr>
+        <p:spPr>
+          <a:xfrm>
+            <a:off x="6795319" y="2328710"/>
+            <a:ext cx="1295969" cy="564664"/>
+          </a:xfrm>
+          <a:prstGeom prst="roundRect">
+            <a:avLst/>
+          </a:prstGeom>
+          <a:solidFill>
+            <a:schemeClr val="accent6">
+              <a:lumMod val="60000"/>
+              <a:lumOff val="40000"/>
+            </a:schemeClr>
+          </a:solidFill>
+          <a:ln>
+            <a:solidFill>
+              <a:schemeClr val="accent6">
+                <a:lumMod val="60000"/>
+                <a:lumOff val="40000"/>
+              </a:schemeClr>
+            </a:solidFill>
+          </a:ln>
+        </p:spPr>
+        <p:style>
+          <a:lnRef idx="2">
+            <a:schemeClr val="accent1">
+              <a:shade val="50000"/>
+            </a:schemeClr>
+          </a:lnRef>
+          <a:fillRef idx="1">
+            <a:schemeClr val="accent1"/>
+          </a:fillRef>
+          <a:effectRef idx="0">
+            <a:schemeClr val="accent1"/>
+          </a:effectRef>
+          <a:fontRef idx="minor">
+            <a:schemeClr val="lt1"/>
+          </a:fontRef>
+        </p:style>
+        <p:txBody>
+          <a:bodyPr rtlCol="0" anchor="ctr"/>
+          <a:lstStyle/>
+          <a:p>
+            <a:pPr algn="ctr"/>
+            <a:r>
+              <a:rPr lang="de-DE" dirty="0"/>
+              <a:t>Service</a:t>
+            </a:r>
+          </a:p>
+        </p:txBody>
+      </p:sp>
     </p:spTree>
     <p:extLst>
       <p:ext uri="{BB962C8B-B14F-4D97-AF65-F5344CB8AC3E}">
@@ -18429,6 +19207,112 @@
   <p:clrMapOvr>
     <a:masterClrMapping/>
   </p:clrMapOvr>
+  <p:timing>
+    <p:tnLst>
+      <p:par>
+        <p:cTn id="1" dur="indefinite" restart="never" nodeType="tmRoot">
+          <p:childTnLst>
+            <p:seq concurrent="1" nextAc="seek">
+              <p:cTn id="2" dur="indefinite" nodeType="mainSeq">
+                <p:childTnLst>
+                  <p:par>
+                    <p:cTn id="3" fill="hold">
+                      <p:stCondLst>
+                        <p:cond delay="indefinite"/>
+                      </p:stCondLst>
+                      <p:childTnLst>
+                        <p:par>
+                          <p:cTn id="4" fill="hold">
+                            <p:stCondLst>
+                              <p:cond delay="0"/>
+                            </p:stCondLst>
+                            <p:childTnLst>
+                              <p:par>
+                                <p:cTn id="5" presetID="1" presetClass="entr" presetSubtype="0" fill="hold" grpId="0" nodeType="clickEffect">
+                                  <p:stCondLst>
+                                    <p:cond delay="0"/>
+                                  </p:stCondLst>
+                                  <p:childTnLst>
+                                    <p:set>
+                                      <p:cBhvr>
+                                        <p:cTn id="6" dur="1" fill="hold">
+                                          <p:stCondLst>
+                                            <p:cond delay="0"/>
+                                          </p:stCondLst>
+                                        </p:cTn>
+                                        <p:tgtEl>
+                                          <p:spTgt spid="86"/>
+                                        </p:tgtEl>
+                                        <p:attrNameLst>
+                                          <p:attrName>style.visibility</p:attrName>
+                                        </p:attrNameLst>
+                                      </p:cBhvr>
+                                      <p:to>
+                                        <p:strVal val="visible"/>
+                                      </p:to>
+                                    </p:set>
+                                  </p:childTnLst>
+                                </p:cTn>
+                              </p:par>
+                              <p:par>
+                                <p:cTn id="7" presetID="1" presetClass="entr" presetSubtype="0" fill="hold" grpId="0" nodeType="withEffect">
+                                  <p:stCondLst>
+                                    <p:cond delay="0"/>
+                                  </p:stCondLst>
+                                  <p:childTnLst>
+                                    <p:set>
+                                      <p:cBhvr>
+                                        <p:cTn id="8" dur="1" fill="hold">
+                                          <p:stCondLst>
+                                            <p:cond delay="0"/>
+                                          </p:stCondLst>
+                                        </p:cTn>
+                                        <p:tgtEl>
+                                          <p:spTgt spid="84"/>
+                                        </p:tgtEl>
+                                        <p:attrNameLst>
+                                          <p:attrName>style.visibility</p:attrName>
+                                        </p:attrNameLst>
+                                      </p:cBhvr>
+                                      <p:to>
+                                        <p:strVal val="visible"/>
+                                      </p:to>
+                                    </p:set>
+                                  </p:childTnLst>
+                                </p:cTn>
+                              </p:par>
+                            </p:childTnLst>
+                          </p:cTn>
+                        </p:par>
+                      </p:childTnLst>
+                    </p:cTn>
+                  </p:par>
+                </p:childTnLst>
+              </p:cTn>
+              <p:prevCondLst>
+                <p:cond evt="onPrev" delay="0">
+                  <p:tgtEl>
+                    <p:sldTgt/>
+                  </p:tgtEl>
+                </p:cond>
+              </p:prevCondLst>
+              <p:nextCondLst>
+                <p:cond evt="onNext" delay="0">
+                  <p:tgtEl>
+                    <p:sldTgt/>
+                  </p:tgtEl>
+                </p:cond>
+              </p:nextCondLst>
+            </p:seq>
+          </p:childTnLst>
+        </p:cTn>
+      </p:par>
+    </p:tnLst>
+    <p:bldLst>
+      <p:bldP spid="84" grpId="0" animBg="1"/>
+      <p:bldP spid="86" grpId="0" animBg="1"/>
+    </p:bldLst>
+  </p:timing>
 </p:sld>
 </file>
 

--- a/Praesentationen/02-Entwurfsphase/Entwurf Präsentation.pptx
+++ b/Praesentationen/02-Entwurfsphase/Entwurf Präsentation.pptx
@@ -139,7 +139,7 @@
 <file path=ppt/revisionInfo.xml><?xml version="1.0" encoding="utf-8"?>
 <p1510:revInfo xmlns:a="http://schemas.openxmlformats.org/drawingml/2006/main" xmlns:r="http://schemas.openxmlformats.org/officeDocument/2006/relationships" xmlns:p1510="http://schemas.microsoft.com/office/powerpoint/2015/10/main">
   <p1510:revLst>
-    <p1510:client id="{B121F1B0-4D08-E747-A677-49BC57413863}" v="28" dt="2022-01-09T09:22:01.694"/>
+    <p1510:client id="{B121F1B0-4D08-E747-A677-49BC57413863}" v="39" dt="2022-01-09T10:10:11.419"/>
   </p1510:revLst>
 </p1510:revInfo>
 </file>
@@ -568,71 +568,14 @@
           <a:p>
             <a:r>
               <a:rPr lang="de-DE" dirty="0"/>
-              <a:t>Aufgabe:</a:t>
+              <a:t>Alles getrennt was getrennt sein muss </a:t>
             </a:r>
           </a:p>
           <a:p>
             <a:r>
               <a:rPr lang="de-DE" dirty="0"/>
-              <a:t> - Dem Repository eine einfache Schnittstelle bereitstellen</a:t>
-            </a:r>
-          </a:p>
-          <a:p>
-            <a:r>
-              <a:rPr lang="de-DE" dirty="0"/>
-              <a:t>   -- Fassade in der RDS API einzige Schnittstelle für Methodenaufrufe</a:t>
-            </a:r>
-            <a:br>
-              <a:rPr lang="de-DE" dirty="0"/>
-            </a:br>
-            <a:r>
-              <a:rPr lang="de-DE" dirty="0"/>
-              <a:t> - Schnittstelle an externe Dienste</a:t>
-            </a:r>
-          </a:p>
-          <a:p>
-            <a:r>
-              <a:rPr lang="de-DE" dirty="0"/>
-              <a:t>   -- </a:t>
-            </a:r>
-            <a:r>
-              <a:rPr lang="de-DE" dirty="0" err="1"/>
-              <a:t>Firebase</a:t>
-            </a:r>
-            <a:endParaRPr lang="de-DE" dirty="0"/>
-          </a:p>
-          <a:p>
-            <a:r>
-              <a:rPr lang="de-DE" dirty="0"/>
-              <a:t>    --- um Nutzende anzumelden</a:t>
-            </a:r>
-          </a:p>
-          <a:p>
-            <a:r>
-              <a:rPr lang="de-DE" dirty="0"/>
-              <a:t>   -- Server</a:t>
-            </a:r>
-          </a:p>
-          <a:p>
-            <a:r>
-              <a:rPr lang="de-DE" dirty="0"/>
-              <a:t>    --- leitet Anfragen an den Server weiter</a:t>
-            </a:r>
-          </a:p>
-          <a:p>
-            <a:r>
-              <a:rPr lang="de-DE" dirty="0"/>
-              <a:t>    --- empfängt Antworten und leitet die weiter an das Repository</a:t>
-            </a:r>
-          </a:p>
-          <a:p>
-            <a:r>
-              <a:rPr lang="de-DE" dirty="0"/>
-              <a:t>     ---- Speichert außerdem einige Rückgabetypen in speziellen Queues -&gt; Besser für Repository</a:t>
-            </a:r>
-          </a:p>
-          <a:p>
-            <a:endParaRPr lang="de-DE" dirty="0"/>
+              <a:t>Kein doppelter Code </a:t>
+            </a:r>
           </a:p>
           <a:p>
             <a:endParaRPr lang="de-DE" dirty="0"/>
@@ -656,6 +599,159 @@
           <a:p>
             <a:fld id="{C2C6D2D8-86AA-475B-8106-1DD72F98FEFF}" type="slidenum">
               <a:rPr lang="de-DE" smtClean="0"/>
+              <a:t>3</a:t>
+            </a:fld>
+            <a:endParaRPr lang="de-DE"/>
+          </a:p>
+        </p:txBody>
+      </p:sp>
+    </p:spTree>
+    <p:extLst>
+      <p:ext uri="{BB962C8B-B14F-4D97-AF65-F5344CB8AC3E}">
+        <p14:creationId xmlns:p14="http://schemas.microsoft.com/office/powerpoint/2010/main" val="1791414030"/>
+      </p:ext>
+    </p:extLst>
+  </p:cSld>
+  <p:clrMapOvr>
+    <a:masterClrMapping/>
+  </p:clrMapOvr>
+</p:notes>
+</file>
+
+<file path=ppt/notesSlides/notesSlide2.xml><?xml version="1.0" encoding="utf-8"?>
+<p:notes xmlns:a="http://schemas.openxmlformats.org/drawingml/2006/main" xmlns:r="http://schemas.openxmlformats.org/officeDocument/2006/relationships" xmlns:p="http://schemas.openxmlformats.org/presentationml/2006/main">
+  <p:cSld>
+    <p:spTree>
+      <p:nvGrpSpPr>
+        <p:cNvPr id="1" name=""/>
+        <p:cNvGrpSpPr/>
+        <p:nvPr/>
+      </p:nvGrpSpPr>
+      <p:grpSpPr>
+        <a:xfrm>
+          <a:off x="0" y="0"/>
+          <a:ext cx="0" cy="0"/>
+          <a:chOff x="0" y="0"/>
+          <a:chExt cx="0" cy="0"/>
+        </a:xfrm>
+      </p:grpSpPr>
+      <p:sp>
+        <p:nvSpPr>
+          <p:cNvPr id="2" name="Folienbildplatzhalter 1"/>
+          <p:cNvSpPr>
+            <a:spLocks noGrp="1" noRot="1" noChangeAspect="1"/>
+          </p:cNvSpPr>
+          <p:nvPr>
+            <p:ph type="sldImg"/>
+          </p:nvPr>
+        </p:nvSpPr>
+        <p:spPr/>
+      </p:sp>
+      <p:sp>
+        <p:nvSpPr>
+          <p:cNvPr id="3" name="Notizenplatzhalter 2"/>
+          <p:cNvSpPr>
+            <a:spLocks noGrp="1"/>
+          </p:cNvSpPr>
+          <p:nvPr>
+            <p:ph type="body" idx="1"/>
+          </p:nvPr>
+        </p:nvSpPr>
+        <p:spPr/>
+        <p:txBody>
+          <a:bodyPr/>
+          <a:lstStyle/>
+          <a:p>
+            <a:r>
+              <a:rPr lang="de-DE" dirty="0"/>
+              <a:t>Aufgabe:</a:t>
+            </a:r>
+          </a:p>
+          <a:p>
+            <a:r>
+              <a:rPr lang="de-DE" dirty="0"/>
+              <a:t> - Dem Repository eine einfache Schnittstelle bereitstellen</a:t>
+            </a:r>
+          </a:p>
+          <a:p>
+            <a:r>
+              <a:rPr lang="de-DE" dirty="0"/>
+              <a:t>   -- Fassade in der RDS API einzige Schnittstelle für Methodenaufrufe</a:t>
+            </a:r>
+            <a:br>
+              <a:rPr lang="de-DE" dirty="0"/>
+            </a:br>
+            <a:r>
+              <a:rPr lang="de-DE" dirty="0"/>
+              <a:t> - Schnittstelle an externe Dienste</a:t>
+            </a:r>
+          </a:p>
+          <a:p>
+            <a:r>
+              <a:rPr lang="de-DE" dirty="0"/>
+              <a:t>   -- </a:t>
+            </a:r>
+            <a:r>
+              <a:rPr lang="de-DE" dirty="0" err="1"/>
+              <a:t>Firebase</a:t>
+            </a:r>
+            <a:endParaRPr lang="de-DE" dirty="0"/>
+          </a:p>
+          <a:p>
+            <a:r>
+              <a:rPr lang="de-DE" dirty="0"/>
+              <a:t>    --- um Nutzende anzumelden</a:t>
+            </a:r>
+          </a:p>
+          <a:p>
+            <a:r>
+              <a:rPr lang="de-DE" dirty="0"/>
+              <a:t>   -- Server</a:t>
+            </a:r>
+          </a:p>
+          <a:p>
+            <a:r>
+              <a:rPr lang="de-DE" dirty="0"/>
+              <a:t>    --- leitet Anfragen an den Server weiter</a:t>
+            </a:r>
+          </a:p>
+          <a:p>
+            <a:r>
+              <a:rPr lang="de-DE" dirty="0"/>
+              <a:t>    --- empfängt Antworten und leitet die weiter an das Repository</a:t>
+            </a:r>
+          </a:p>
+          <a:p>
+            <a:r>
+              <a:rPr lang="de-DE" dirty="0"/>
+              <a:t>     ---- Speichert außerdem einige Rückgabetypen in speziellen Queues -&gt; Besser für Repository</a:t>
+            </a:r>
+          </a:p>
+          <a:p>
+            <a:endParaRPr lang="de-DE" dirty="0"/>
+          </a:p>
+          <a:p>
+            <a:endParaRPr lang="de-DE" dirty="0"/>
+          </a:p>
+        </p:txBody>
+      </p:sp>
+      <p:sp>
+        <p:nvSpPr>
+          <p:cNvPr id="4" name="Foliennummernplatzhalter 3"/>
+          <p:cNvSpPr>
+            <a:spLocks noGrp="1"/>
+          </p:cNvSpPr>
+          <p:nvPr>
+            <p:ph type="sldNum" sz="quarter" idx="5"/>
+          </p:nvPr>
+        </p:nvSpPr>
+        <p:spPr/>
+        <p:txBody>
+          <a:bodyPr/>
+          <a:lstStyle/>
+          <a:p>
+            <a:fld id="{C2C6D2D8-86AA-475B-8106-1DD72F98FEFF}" type="slidenum">
+              <a:rPr lang="de-DE" smtClean="0"/>
               <a:t>8</a:t>
             </a:fld>
             <a:endParaRPr lang="de-DE"/>
@@ -666,6 +762,609 @@
     <p:extLst>
       <p:ext uri="{BB962C8B-B14F-4D97-AF65-F5344CB8AC3E}">
         <p14:creationId xmlns:p14="http://schemas.microsoft.com/office/powerpoint/2010/main" val="690369194"/>
+      </p:ext>
+    </p:extLst>
+  </p:cSld>
+  <p:clrMapOvr>
+    <a:masterClrMapping/>
+  </p:clrMapOvr>
+</p:notes>
+</file>
+
+<file path=ppt/notesSlides/notesSlide3.xml><?xml version="1.0" encoding="utf-8"?>
+<p:notes xmlns:a="http://schemas.openxmlformats.org/drawingml/2006/main" xmlns:r="http://schemas.openxmlformats.org/officeDocument/2006/relationships" xmlns:p="http://schemas.openxmlformats.org/presentationml/2006/main">
+  <p:cSld>
+    <p:spTree>
+      <p:nvGrpSpPr>
+        <p:cNvPr id="1" name=""/>
+        <p:cNvGrpSpPr/>
+        <p:nvPr/>
+      </p:nvGrpSpPr>
+      <p:grpSpPr>
+        <a:xfrm>
+          <a:off x="0" y="0"/>
+          <a:ext cx="0" cy="0"/>
+          <a:chOff x="0" y="0"/>
+          <a:chExt cx="0" cy="0"/>
+        </a:xfrm>
+      </p:grpSpPr>
+      <p:sp>
+        <p:nvSpPr>
+          <p:cNvPr id="2" name="Folienbildplatzhalter 1"/>
+          <p:cNvSpPr>
+            <a:spLocks noGrp="1" noRot="1" noChangeAspect="1"/>
+          </p:cNvSpPr>
+          <p:nvPr>
+            <p:ph type="sldImg"/>
+          </p:nvPr>
+        </p:nvSpPr>
+        <p:spPr/>
+      </p:sp>
+      <p:sp>
+        <p:nvSpPr>
+          <p:cNvPr id="3" name="Notizenplatzhalter 2"/>
+          <p:cNvSpPr>
+            <a:spLocks noGrp="1"/>
+          </p:cNvSpPr>
+          <p:nvPr>
+            <p:ph type="body" idx="1"/>
+          </p:nvPr>
+        </p:nvSpPr>
+        <p:spPr/>
+        <p:txBody>
+          <a:bodyPr/>
+          <a:lstStyle/>
+          <a:p>
+            <a:r>
+              <a:rPr lang="de-DE" dirty="0"/>
+              <a:t>Logik nicht in die „Schnittstelle“ zum Client</a:t>
+            </a:r>
+          </a:p>
+          <a:p>
+            <a:endParaRPr lang="de-DE" dirty="0"/>
+          </a:p>
+          <a:p>
+            <a:endParaRPr lang="de-DE" dirty="0"/>
+          </a:p>
+          <a:p>
+            <a:r>
+              <a:rPr lang="de-DE" dirty="0" err="1"/>
+              <a:t>Abauf</a:t>
+            </a:r>
+            <a:r>
+              <a:rPr lang="de-DE" dirty="0"/>
+              <a:t>: </a:t>
+            </a:r>
+          </a:p>
+          <a:p>
+            <a:pPr marL="171450" indent="-171450">
+              <a:buFontTx/>
+              <a:buChar char="-"/>
+            </a:pPr>
+            <a:r>
+              <a:rPr lang="de-DE" dirty="0"/>
+              <a:t>Client ruft </a:t>
+            </a:r>
+            <a:r>
+              <a:rPr lang="de-DE" dirty="0" err="1"/>
+              <a:t>funktion</a:t>
+            </a:r>
+            <a:r>
+              <a:rPr lang="de-DE" dirty="0"/>
+              <a:t> in Controller auf durch URI</a:t>
+            </a:r>
+          </a:p>
+          <a:p>
+            <a:pPr marL="171450" indent="-171450">
+              <a:buFontTx/>
+              <a:buChar char="-"/>
+            </a:pPr>
+            <a:r>
+              <a:rPr lang="de-DE" dirty="0"/>
+              <a:t>Validierung haut </a:t>
+            </a:r>
+            <a:r>
+              <a:rPr lang="de-DE" dirty="0" err="1"/>
+              <a:t>dazuwischen</a:t>
+            </a:r>
+            <a:r>
+              <a:rPr lang="de-DE" dirty="0"/>
+              <a:t>  </a:t>
+            </a:r>
+            <a:r>
+              <a:rPr lang="de-DE" dirty="0">
+                <a:sym typeface="Wingdings" pitchFamily="2" charset="2"/>
+              </a:rPr>
+              <a:t> in </a:t>
+            </a:r>
+            <a:r>
+              <a:rPr lang="de-DE" dirty="0" err="1">
+                <a:sym typeface="Wingdings" pitchFamily="2" charset="2"/>
+              </a:rPr>
+              <a:t>onlineProjekt</a:t>
+            </a:r>
+            <a:r>
+              <a:rPr lang="de-DE" dirty="0">
+                <a:sym typeface="Wingdings" pitchFamily="2" charset="2"/>
+              </a:rPr>
+              <a:t> auch die zweite Validierung, falls benötigt </a:t>
+            </a:r>
+          </a:p>
+          <a:p>
+            <a:pPr marL="171450" indent="-171450">
+              <a:buFontTx/>
+              <a:buChar char="-"/>
+            </a:pPr>
+            <a:r>
+              <a:rPr lang="de-DE" dirty="0">
+                <a:sym typeface="Wingdings" pitchFamily="2" charset="2"/>
+              </a:rPr>
+              <a:t>In Controller aufgerufen </a:t>
+            </a:r>
+          </a:p>
+          <a:p>
+            <a:pPr marL="171450" indent="-171450">
+              <a:buFontTx/>
+              <a:buChar char="-"/>
+            </a:pPr>
+            <a:r>
+              <a:rPr lang="de-DE" dirty="0">
+                <a:sym typeface="Wingdings" pitchFamily="2" charset="2"/>
+              </a:rPr>
+              <a:t>Ruf dann die </a:t>
+            </a:r>
+            <a:r>
+              <a:rPr lang="de-DE" dirty="0" err="1">
+                <a:sym typeface="Wingdings" pitchFamily="2" charset="2"/>
+              </a:rPr>
+              <a:t>rischtigen</a:t>
+            </a:r>
+            <a:r>
+              <a:rPr lang="de-DE" dirty="0">
+                <a:sym typeface="Wingdings" pitchFamily="2" charset="2"/>
+              </a:rPr>
+              <a:t> </a:t>
+            </a:r>
+            <a:r>
+              <a:rPr lang="de-DE" dirty="0" err="1">
+                <a:sym typeface="Wingdings" pitchFamily="2" charset="2"/>
+              </a:rPr>
+              <a:t>Repos</a:t>
+            </a:r>
+            <a:r>
+              <a:rPr lang="de-DE" dirty="0">
+                <a:sym typeface="Wingdings" pitchFamily="2" charset="2"/>
+              </a:rPr>
+              <a:t> auf</a:t>
+            </a:r>
+          </a:p>
+          <a:p>
+            <a:pPr marL="171450" indent="-171450">
+              <a:buFontTx/>
+              <a:buChar char="-"/>
+            </a:pPr>
+            <a:r>
+              <a:rPr lang="de-DE" dirty="0" err="1">
+                <a:sym typeface="Wingdings" pitchFamily="2" charset="2"/>
+              </a:rPr>
+              <a:t>Repos</a:t>
+            </a:r>
+            <a:r>
+              <a:rPr lang="de-DE" dirty="0">
+                <a:sym typeface="Wingdings" pitchFamily="2" charset="2"/>
+              </a:rPr>
+              <a:t> greifen aus Model bzw. die Tabellen auf</a:t>
+            </a:r>
+          </a:p>
+          <a:p>
+            <a:pPr marL="171450" indent="-171450">
+              <a:buFontTx/>
+              <a:buChar char="-"/>
+            </a:pPr>
+            <a:r>
+              <a:rPr lang="de-DE" dirty="0" err="1">
+                <a:sym typeface="Wingdings" pitchFamily="2" charset="2"/>
+              </a:rPr>
+              <a:t>Repo</a:t>
+            </a:r>
+            <a:r>
+              <a:rPr lang="de-DE" dirty="0">
+                <a:sym typeface="Wingdings" pitchFamily="2" charset="2"/>
+              </a:rPr>
+              <a:t> geben </a:t>
+            </a:r>
+            <a:r>
+              <a:rPr lang="de-DE" dirty="0" err="1">
+                <a:sym typeface="Wingdings" pitchFamily="2" charset="2"/>
+              </a:rPr>
+              <a:t>zeugs</a:t>
+            </a:r>
+            <a:r>
+              <a:rPr lang="de-DE" dirty="0">
+                <a:sym typeface="Wingdings" pitchFamily="2" charset="2"/>
+              </a:rPr>
+              <a:t> passend zurück.</a:t>
+            </a:r>
+          </a:p>
+          <a:p>
+            <a:pPr marL="171450" indent="-171450">
+              <a:buFontTx/>
+              <a:buChar char="-"/>
+            </a:pPr>
+            <a:r>
+              <a:rPr lang="de-DE" dirty="0">
+                <a:sym typeface="Wingdings" pitchFamily="2" charset="2"/>
+              </a:rPr>
+              <a:t>Gibt anfrage an Controller zurück,</a:t>
+            </a:r>
+          </a:p>
+          <a:p>
+            <a:pPr marL="171450" indent="-171450">
+              <a:buFontTx/>
+              <a:buChar char="-"/>
+            </a:pPr>
+            <a:r>
+              <a:rPr lang="de-DE" dirty="0">
+                <a:sym typeface="Wingdings" pitchFamily="2" charset="2"/>
+              </a:rPr>
+              <a:t>Baut Response, gibt sie an den Client zurück</a:t>
+            </a:r>
+          </a:p>
+          <a:p>
+            <a:pPr marL="171450" indent="-171450">
+              <a:buFontTx/>
+              <a:buChar char="-"/>
+            </a:pPr>
+            <a:endParaRPr lang="de-DE" dirty="0">
+              <a:sym typeface="Wingdings" pitchFamily="2" charset="2"/>
+            </a:endParaRPr>
+          </a:p>
+          <a:p>
+            <a:pPr marL="171450" indent="-171450">
+              <a:buFontTx/>
+              <a:buChar char="-"/>
+            </a:pPr>
+            <a:r>
+              <a:rPr lang="de-DE" dirty="0">
+                <a:sym typeface="Wingdings" pitchFamily="2" charset="2"/>
+              </a:rPr>
+              <a:t>Neu:</a:t>
+            </a:r>
+          </a:p>
+          <a:p>
+            <a:pPr marL="171450" marR="0" lvl="0" indent="-171450" algn="l" defTabSz="914400" rtl="0" eaLnBrk="1" fontAlgn="auto" latinLnBrk="0" hangingPunct="1">
+              <a:lnSpc>
+                <a:spcPct val="100000"/>
+              </a:lnSpc>
+              <a:spcBef>
+                <a:spcPts val="0"/>
+              </a:spcBef>
+              <a:spcAft>
+                <a:spcPts val="0"/>
+              </a:spcAft>
+              <a:buClrTx/>
+              <a:buSzTx/>
+              <a:buFontTx/>
+              <a:buChar char="-"/>
+              <a:tabLst/>
+              <a:defRPr/>
+            </a:pPr>
+            <a:r>
+              <a:rPr lang="de-DE" dirty="0"/>
+              <a:t>Problem : </a:t>
+            </a:r>
+            <a:r>
+              <a:rPr lang="de-DE" dirty="0" err="1"/>
+              <a:t>Repositiory</a:t>
+            </a:r>
+            <a:r>
+              <a:rPr lang="de-DE" dirty="0"/>
+              <a:t> nur für eine Tabelle,, Controller nur ein </a:t>
+            </a:r>
+            <a:r>
+              <a:rPr lang="de-DE" dirty="0" err="1"/>
+              <a:t>Repo</a:t>
+            </a:r>
+            <a:endParaRPr lang="de-DE" dirty="0"/>
+          </a:p>
+          <a:p>
+            <a:pPr marL="171450" marR="0" lvl="0" indent="-171450" algn="l" defTabSz="914400" rtl="0" eaLnBrk="1" fontAlgn="auto" latinLnBrk="0" hangingPunct="1">
+              <a:lnSpc>
+                <a:spcPct val="100000"/>
+              </a:lnSpc>
+              <a:spcBef>
+                <a:spcPts val="0"/>
+              </a:spcBef>
+              <a:spcAft>
+                <a:spcPts val="0"/>
+              </a:spcAft>
+              <a:buClrTx/>
+              <a:buSzTx/>
+              <a:buFontTx/>
+              <a:buChar char="-"/>
+              <a:tabLst/>
+              <a:defRPr/>
+            </a:pPr>
+            <a:r>
+              <a:rPr lang="de-DE" dirty="0"/>
+              <a:t>Braucht </a:t>
+            </a:r>
+            <a:r>
+              <a:rPr lang="de-DE" dirty="0" err="1"/>
+              <a:t>infos</a:t>
+            </a:r>
+            <a:r>
+              <a:rPr lang="de-DE" dirty="0"/>
+              <a:t> aus verschiedenen </a:t>
+            </a:r>
+            <a:r>
+              <a:rPr lang="de-DE" dirty="0" err="1"/>
+              <a:t>Repos</a:t>
+            </a:r>
+            <a:r>
+              <a:rPr lang="de-DE" dirty="0"/>
+              <a:t> teils</a:t>
+            </a:r>
+          </a:p>
+          <a:p>
+            <a:pPr marL="171450" marR="0" lvl="0" indent="-171450" algn="l" defTabSz="914400" rtl="0" eaLnBrk="1" fontAlgn="auto" latinLnBrk="0" hangingPunct="1">
+              <a:lnSpc>
+                <a:spcPct val="100000"/>
+              </a:lnSpc>
+              <a:spcBef>
+                <a:spcPts val="0"/>
+              </a:spcBef>
+              <a:spcAft>
+                <a:spcPts val="0"/>
+              </a:spcAft>
+              <a:buClrTx/>
+              <a:buSzTx/>
+              <a:buFontTx/>
+              <a:buChar char="-"/>
+              <a:tabLst/>
+              <a:defRPr/>
+            </a:pPr>
+            <a:r>
+              <a:rPr lang="de-DE" dirty="0"/>
+              <a:t>Service ist </a:t>
+            </a:r>
+            <a:r>
+              <a:rPr lang="de-DE" dirty="0" err="1"/>
+              <a:t>logik</a:t>
+            </a:r>
+            <a:r>
+              <a:rPr lang="de-DE" dirty="0"/>
+              <a:t> dazwischen, kann mehrere </a:t>
+            </a:r>
+            <a:r>
+              <a:rPr lang="de-DE" dirty="0" err="1"/>
+              <a:t>repos</a:t>
+            </a:r>
+            <a:r>
+              <a:rPr lang="de-DE" dirty="0"/>
+              <a:t> verwalten</a:t>
+            </a:r>
+          </a:p>
+          <a:p>
+            <a:pPr marL="171450" indent="-171450">
+              <a:buFontTx/>
+              <a:buChar char="-"/>
+            </a:pPr>
+            <a:endParaRPr lang="de-DE" dirty="0">
+              <a:sym typeface="Wingdings" pitchFamily="2" charset="2"/>
+            </a:endParaRPr>
+          </a:p>
+        </p:txBody>
+      </p:sp>
+      <p:sp>
+        <p:nvSpPr>
+          <p:cNvPr id="4" name="Foliennummernplatzhalter 3"/>
+          <p:cNvSpPr>
+            <a:spLocks noGrp="1"/>
+          </p:cNvSpPr>
+          <p:nvPr>
+            <p:ph type="sldNum" sz="quarter" idx="5"/>
+          </p:nvPr>
+        </p:nvSpPr>
+        <p:spPr/>
+        <p:txBody>
+          <a:bodyPr/>
+          <a:lstStyle/>
+          <a:p>
+            <a:fld id="{C2C6D2D8-86AA-475B-8106-1DD72F98FEFF}" type="slidenum">
+              <a:rPr lang="de-DE" smtClean="0"/>
+              <a:t>9</a:t>
+            </a:fld>
+            <a:endParaRPr lang="de-DE"/>
+          </a:p>
+        </p:txBody>
+      </p:sp>
+    </p:spTree>
+    <p:extLst>
+      <p:ext uri="{BB962C8B-B14F-4D97-AF65-F5344CB8AC3E}">
+        <p14:creationId xmlns:p14="http://schemas.microsoft.com/office/powerpoint/2010/main" val="2880677660"/>
+      </p:ext>
+    </p:extLst>
+  </p:cSld>
+  <p:clrMapOvr>
+    <a:masterClrMapping/>
+  </p:clrMapOvr>
+</p:notes>
+</file>
+
+<file path=ppt/notesSlides/notesSlide4.xml><?xml version="1.0" encoding="utf-8"?>
+<p:notes xmlns:a="http://schemas.openxmlformats.org/drawingml/2006/main" xmlns:r="http://schemas.openxmlformats.org/officeDocument/2006/relationships" xmlns:p="http://schemas.openxmlformats.org/presentationml/2006/main">
+  <p:cSld>
+    <p:spTree>
+      <p:nvGrpSpPr>
+        <p:cNvPr id="1" name=""/>
+        <p:cNvGrpSpPr/>
+        <p:nvPr/>
+      </p:nvGrpSpPr>
+      <p:grpSpPr>
+        <a:xfrm>
+          <a:off x="0" y="0"/>
+          <a:ext cx="0" cy="0"/>
+          <a:chOff x="0" y="0"/>
+          <a:chExt cx="0" cy="0"/>
+        </a:xfrm>
+      </p:grpSpPr>
+      <p:sp>
+        <p:nvSpPr>
+          <p:cNvPr id="2" name="Folienbildplatzhalter 1"/>
+          <p:cNvSpPr>
+            <a:spLocks noGrp="1" noRot="1" noChangeAspect="1"/>
+          </p:cNvSpPr>
+          <p:nvPr>
+            <p:ph type="sldImg"/>
+          </p:nvPr>
+        </p:nvSpPr>
+        <p:spPr/>
+      </p:sp>
+      <p:sp>
+        <p:nvSpPr>
+          <p:cNvPr id="3" name="Notizenplatzhalter 2"/>
+          <p:cNvSpPr>
+            <a:spLocks noGrp="1"/>
+          </p:cNvSpPr>
+          <p:nvPr>
+            <p:ph type="body" idx="1"/>
+          </p:nvPr>
+        </p:nvSpPr>
+        <p:spPr/>
+        <p:txBody>
+          <a:bodyPr/>
+          <a:lstStyle/>
+          <a:p>
+            <a:r>
+              <a:rPr lang="de-DE" dirty="0"/>
+              <a:t>Benutzt </a:t>
+            </a:r>
+            <a:r>
+              <a:rPr lang="de-DE" dirty="0" err="1"/>
+              <a:t>springboot</a:t>
+            </a:r>
+            <a:endParaRPr lang="de-DE" dirty="0"/>
+          </a:p>
+          <a:p>
+            <a:pPr marL="171450" indent="-171450">
+              <a:buFontTx/>
+              <a:buChar char="-"/>
+            </a:pPr>
+            <a:r>
+              <a:rPr lang="de-DE" dirty="0"/>
+              <a:t>Stellt viele </a:t>
+            </a:r>
+            <a:r>
+              <a:rPr lang="de-DE" dirty="0" err="1"/>
+              <a:t>anntationen</a:t>
+            </a:r>
+            <a:r>
+              <a:rPr lang="de-DE" dirty="0"/>
+              <a:t> zur </a:t>
+            </a:r>
+            <a:r>
+              <a:rPr lang="de-DE" dirty="0" err="1"/>
+              <a:t>verfügung</a:t>
+            </a:r>
+            <a:endParaRPr lang="de-DE" dirty="0"/>
+          </a:p>
+          <a:p>
+            <a:pPr marL="171450" indent="-171450">
+              <a:buFontTx/>
+              <a:buChar char="-"/>
+            </a:pPr>
+            <a:r>
+              <a:rPr lang="de-DE" dirty="0"/>
+              <a:t>Spring ist mächtiger, muss mehr selber machen </a:t>
+            </a:r>
+            <a:r>
+              <a:rPr lang="de-DE" dirty="0">
+                <a:sym typeface="Wingdings" pitchFamily="2" charset="2"/>
+              </a:rPr>
+              <a:t> für uns nicht nötig</a:t>
+            </a:r>
+          </a:p>
+          <a:p>
+            <a:pPr marL="171450" indent="-171450">
+              <a:buFontTx/>
+              <a:buChar char="-"/>
+            </a:pPr>
+            <a:endParaRPr lang="de-DE" dirty="0">
+              <a:sym typeface="Wingdings" pitchFamily="2" charset="2"/>
+            </a:endParaRPr>
+          </a:p>
+          <a:p>
+            <a:pPr marL="171450" indent="-171450">
+              <a:buFontTx/>
+              <a:buChar char="-"/>
+            </a:pPr>
+            <a:r>
+              <a:rPr lang="de-DE" dirty="0">
+                <a:sym typeface="Wingdings" pitchFamily="2" charset="2"/>
+              </a:rPr>
+              <a:t>Interessant: </a:t>
+            </a:r>
+          </a:p>
+          <a:p>
+            <a:pPr marL="171450" indent="-171450">
+              <a:buFontTx/>
+              <a:buChar char="-"/>
+            </a:pPr>
+            <a:r>
+              <a:rPr lang="de-DE" dirty="0">
+                <a:sym typeface="Wingdings" pitchFamily="2" charset="2"/>
+              </a:rPr>
+              <a:t>Validierung per Interceptor</a:t>
+            </a:r>
+          </a:p>
+          <a:p>
+            <a:pPr marL="628650" lvl="1" indent="-171450">
+              <a:buFontTx/>
+              <a:buChar char="-"/>
+            </a:pPr>
+            <a:r>
+              <a:rPr lang="de-DE" dirty="0">
+                <a:sym typeface="Wingdings" pitchFamily="2" charset="2"/>
+              </a:rPr>
+              <a:t>Sicher, dass nicht um Validierung herumkommt, wenn </a:t>
+            </a:r>
+            <a:r>
+              <a:rPr lang="de-DE">
+                <a:sym typeface="Wingdings" pitchFamily="2" charset="2"/>
+              </a:rPr>
+              <a:t>nicht gewollt.</a:t>
+            </a:r>
+          </a:p>
+        </p:txBody>
+      </p:sp>
+      <p:sp>
+        <p:nvSpPr>
+          <p:cNvPr id="4" name="Foliennummernplatzhalter 3"/>
+          <p:cNvSpPr>
+            <a:spLocks noGrp="1"/>
+          </p:cNvSpPr>
+          <p:nvPr>
+            <p:ph type="sldNum" sz="quarter" idx="5"/>
+          </p:nvPr>
+        </p:nvSpPr>
+        <p:spPr/>
+        <p:txBody>
+          <a:bodyPr/>
+          <a:lstStyle/>
+          <a:p>
+            <a:fld id="{C2C6D2D8-86AA-475B-8106-1DD72F98FEFF}" type="slidenum">
+              <a:rPr lang="de-DE" smtClean="0"/>
+              <a:t>10</a:t>
+            </a:fld>
+            <a:endParaRPr lang="de-DE"/>
+          </a:p>
+        </p:txBody>
+      </p:sp>
+    </p:spTree>
+    <p:extLst>
+      <p:ext uri="{BB962C8B-B14F-4D97-AF65-F5344CB8AC3E}">
+        <p14:creationId xmlns:p14="http://schemas.microsoft.com/office/powerpoint/2010/main" val="1606875005"/>
       </p:ext>
     </p:extLst>
   </p:cSld>
@@ -10474,6 +11173,116 @@
           </a:p>
         </p:txBody>
       </p:sp>
+      <p:sp>
+        <p:nvSpPr>
+          <p:cNvPr id="17" name="Inhaltsplatzhalter 2">
+            <a:extLst>
+              <a:ext uri="{FF2B5EF4-FFF2-40B4-BE49-F238E27FC236}">
+                <a16:creationId xmlns:a16="http://schemas.microsoft.com/office/drawing/2014/main" id="{CFD9399B-18C3-F74C-BEAC-D4FD6B5F28D7}"/>
+              </a:ext>
+            </a:extLst>
+          </p:cNvPr>
+          <p:cNvSpPr>
+            <a:spLocks noGrp="1"/>
+          </p:cNvSpPr>
+          <p:nvPr>
+            <p:ph idx="1"/>
+          </p:nvPr>
+        </p:nvSpPr>
+        <p:spPr>
+          <a:xfrm>
+            <a:off x="854858" y="1435842"/>
+            <a:ext cx="10515600" cy="4351338"/>
+          </a:xfrm>
+        </p:spPr>
+        <p:txBody>
+          <a:bodyPr/>
+          <a:lstStyle/>
+          <a:p>
+            <a:r>
+              <a:rPr lang="de-DE" dirty="0"/>
+              <a:t>Spring Boot</a:t>
+            </a:r>
+          </a:p>
+          <a:p>
+            <a:pPr marL="457200" lvl="1" indent="0">
+              <a:buNone/>
+            </a:pPr>
+            <a:r>
+              <a:rPr lang="de-DE" dirty="0"/>
+              <a:t>+ weniger </a:t>
+            </a:r>
+            <a:r>
+              <a:rPr lang="de-DE" dirty="0" err="1"/>
+              <a:t>Boilerplatecode</a:t>
+            </a:r>
+            <a:endParaRPr lang="de-DE" dirty="0"/>
+          </a:p>
+          <a:p>
+            <a:pPr marL="457200" lvl="1" indent="0">
+              <a:buNone/>
+            </a:pPr>
+            <a:r>
+              <a:rPr lang="de-DE" dirty="0"/>
+              <a:t>+ speichert persistent </a:t>
+            </a:r>
+          </a:p>
+          <a:p>
+            <a:pPr marL="457200" lvl="1" indent="0">
+              <a:buNone/>
+            </a:pPr>
+            <a:r>
+              <a:rPr lang="de-DE" dirty="0"/>
+              <a:t>+ übersichtlich</a:t>
+            </a:r>
+          </a:p>
+          <a:p>
+            <a:pPr marL="457200" lvl="1" indent="0">
+              <a:buNone/>
+            </a:pPr>
+            <a:endParaRPr lang="de-DE" dirty="0"/>
+          </a:p>
+          <a:p>
+            <a:r>
+              <a:rPr lang="de-DE" dirty="0"/>
+              <a:t>Interceptor zur Validierung</a:t>
+            </a:r>
+          </a:p>
+          <a:p>
+            <a:pPr marL="457200" lvl="1" indent="0">
+              <a:buNone/>
+            </a:pPr>
+            <a:r>
+              <a:rPr lang="de-DE" dirty="0"/>
+              <a:t>+ serverseitiges Interesse</a:t>
+            </a:r>
+          </a:p>
+          <a:p>
+            <a:pPr marL="457200" lvl="1" indent="0">
+              <a:buNone/>
+            </a:pPr>
+            <a:r>
+              <a:rPr lang="de-DE" dirty="0"/>
+              <a:t>+ selbstständige Validierung</a:t>
+            </a:r>
+          </a:p>
+          <a:p>
+            <a:pPr marL="457200" lvl="1" indent="0">
+              <a:buNone/>
+            </a:pPr>
+            <a:endParaRPr lang="de-DE" dirty="0"/>
+          </a:p>
+          <a:p>
+            <a:pPr marL="457200" lvl="1" indent="0">
+              <a:buNone/>
+            </a:pPr>
+            <a:endParaRPr lang="de-DE" dirty="0"/>
+          </a:p>
+          <a:p>
+            <a:endParaRPr lang="de-DE" dirty="0"/>
+          </a:p>
+        </p:txBody>
+      </p:sp>
     </p:spTree>
     <p:extLst>
       <p:ext uri="{BB962C8B-B14F-4D97-AF65-F5344CB8AC3E}">
@@ -17970,10 +18779,10 @@
         </p:nvGrpSpPr>
         <p:grpSpPr>
           <a:xfrm>
-            <a:off x="200491" y="1379479"/>
-            <a:ext cx="11937626" cy="3874696"/>
-            <a:chOff x="128303" y="1379478"/>
-            <a:chExt cx="12010122" cy="4327291"/>
+            <a:off x="200491" y="1131191"/>
+            <a:ext cx="11937627" cy="3923518"/>
+            <a:chOff x="128303" y="1159485"/>
+            <a:chExt cx="12010123" cy="4327291"/>
           </a:xfrm>
         </p:grpSpPr>
         <p:cxnSp>
@@ -18062,10 +18871,10 @@
           </p:nvGrpSpPr>
           <p:grpSpPr>
             <a:xfrm>
-              <a:off x="128303" y="1379478"/>
-              <a:ext cx="12010122" cy="4327291"/>
-              <a:chOff x="128303" y="1379478"/>
-              <a:chExt cx="12010122" cy="4327291"/>
+              <a:off x="128303" y="1159485"/>
+              <a:ext cx="12010123" cy="4327291"/>
+              <a:chOff x="128303" y="1159485"/>
+              <a:chExt cx="12010123" cy="4327291"/>
             </a:xfrm>
           </p:grpSpPr>
           <p:grpSp>
@@ -18082,10 +18891,10 @@
             </p:nvGrpSpPr>
             <p:grpSpPr>
               <a:xfrm>
-                <a:off x="128303" y="1379478"/>
-                <a:ext cx="12010122" cy="4327291"/>
-                <a:chOff x="128303" y="1379478"/>
-                <a:chExt cx="12010122" cy="4327291"/>
+                <a:off x="128303" y="1159485"/>
+                <a:ext cx="12010123" cy="4327291"/>
+                <a:chOff x="128303" y="1159485"/>
+                <a:chExt cx="12010123" cy="4327291"/>
               </a:xfrm>
             </p:grpSpPr>
             <p:sp>
@@ -18102,7 +18911,7 @@
               </p:nvSpPr>
               <p:spPr>
                 <a:xfrm>
-                  <a:off x="2454132" y="1379478"/>
+                  <a:off x="2454133" y="1159485"/>
                   <a:ext cx="9684293" cy="4327291"/>
                 </a:xfrm>
                 <a:prstGeom prst="rect">
@@ -18534,10 +19343,10 @@
               </p:nvGrpSpPr>
               <p:grpSpPr>
                 <a:xfrm>
-                  <a:off x="4656995" y="1871978"/>
-                  <a:ext cx="7303359" cy="1671145"/>
-                  <a:chOff x="4781070" y="3744310"/>
-                  <a:chExt cx="7303359" cy="1671145"/>
+                  <a:off x="4656995" y="1303257"/>
+                  <a:ext cx="7303359" cy="2239866"/>
+                  <a:chOff x="4781070" y="3175589"/>
+                  <a:chExt cx="7303359" cy="2239866"/>
                 </a:xfrm>
               </p:grpSpPr>
               <p:sp>
@@ -18554,8 +19363,8 @@
                 </p:nvSpPr>
                 <p:spPr>
                   <a:xfrm>
-                    <a:off x="4781070" y="3744310"/>
-                    <a:ext cx="7303359" cy="1671145"/>
+                    <a:off x="4781070" y="3175589"/>
+                    <a:ext cx="7303359" cy="2239866"/>
                   </a:xfrm>
                   <a:prstGeom prst="roundRect">
                     <a:avLst/>
@@ -18798,7 +19607,7 @@
                 </p:nvSpPr>
                 <p:spPr>
                   <a:xfrm>
-                    <a:off x="4983030" y="3858434"/>
+                    <a:off x="5008833" y="3208037"/>
                     <a:ext cx="1612199" cy="369332"/>
                   </a:xfrm>
                   <a:prstGeom prst="rect">
@@ -19197,6 +20006,96 @@
           </a:p>
         </p:txBody>
       </p:sp>
+      <p:sp>
+        <p:nvSpPr>
+          <p:cNvPr id="67" name="Abgerundetes Rechteck 66">
+            <a:extLst>
+              <a:ext uri="{FF2B5EF4-FFF2-40B4-BE49-F238E27FC236}">
+                <a16:creationId xmlns:a16="http://schemas.microsoft.com/office/drawing/2014/main" id="{B693A296-9D2F-8E40-A5A0-C4713D146172}"/>
+              </a:ext>
+            </a:extLst>
+          </p:cNvPr>
+          <p:cNvSpPr/>
+          <p:nvPr/>
+        </p:nvSpPr>
+        <p:spPr>
+          <a:xfrm>
+            <a:off x="5214450" y="1655258"/>
+            <a:ext cx="1339135" cy="564664"/>
+          </a:xfrm>
+          <a:prstGeom prst="roundRect">
+            <a:avLst/>
+          </a:prstGeom>
+        </p:spPr>
+        <p:style>
+          <a:lnRef idx="2">
+            <a:schemeClr val="accent1">
+              <a:shade val="50000"/>
+            </a:schemeClr>
+          </a:lnRef>
+          <a:fillRef idx="1">
+            <a:schemeClr val="accent1"/>
+          </a:fillRef>
+          <a:effectRef idx="0">
+            <a:schemeClr val="accent1"/>
+          </a:effectRef>
+          <a:fontRef idx="minor">
+            <a:schemeClr val="lt1"/>
+          </a:fontRef>
+        </p:style>
+        <p:txBody>
+          <a:bodyPr rtlCol="0" anchor="ctr"/>
+          <a:lstStyle/>
+          <a:p>
+            <a:pPr algn="ctr"/>
+            <a:r>
+              <a:rPr lang="de-DE" dirty="0"/>
+              <a:t>Validierung</a:t>
+            </a:r>
+          </a:p>
+        </p:txBody>
+      </p:sp>
+      <p:cxnSp>
+        <p:nvCxnSpPr>
+          <p:cNvPr id="7" name="Gewinkelte Verbindung 6">
+            <a:extLst>
+              <a:ext uri="{FF2B5EF4-FFF2-40B4-BE49-F238E27FC236}">
+                <a16:creationId xmlns:a16="http://schemas.microsoft.com/office/drawing/2014/main" id="{A273B2C7-73B5-BC42-B33D-B55E4086289D}"/>
+              </a:ext>
+            </a:extLst>
+          </p:cNvPr>
+          <p:cNvCxnSpPr>
+            <a:stCxn id="67" idx="1"/>
+          </p:cNvCxnSpPr>
+          <p:nvPr/>
+        </p:nvCxnSpPr>
+        <p:spPr>
+          <a:xfrm rot="10800000" flipV="1">
+            <a:off x="4902590" y="1937589"/>
+            <a:ext cx="311861" cy="640147"/>
+          </a:xfrm>
+          <a:prstGeom prst="bentConnector2">
+            <a:avLst/>
+          </a:prstGeom>
+          <a:ln>
+            <a:tailEnd type="triangle"/>
+          </a:ln>
+        </p:spPr>
+        <p:style>
+          <a:lnRef idx="1">
+            <a:schemeClr val="dk1"/>
+          </a:lnRef>
+          <a:fillRef idx="0">
+            <a:schemeClr val="dk1"/>
+          </a:fillRef>
+          <a:effectRef idx="0">
+            <a:schemeClr val="dk1"/>
+          </a:effectRef>
+          <a:fontRef idx="minor">
+            <a:schemeClr val="tx1"/>
+          </a:fontRef>
+        </p:style>
+      </p:cxnSp>
     </p:spTree>
     <p:extLst>
       <p:ext uri="{BB962C8B-B14F-4D97-AF65-F5344CB8AC3E}">

--- a/Praesentationen/02-Entwurfsphase/Entwurf Präsentation.pptx
+++ b/Praesentationen/02-Entwurfsphase/Entwurf Präsentation.pptx
@@ -255,7 +255,7 @@
           <a:p>
             <a:fld id="{F899D2DC-6997-404A-B859-2EC79104A957}" type="datetimeFigureOut">
               <a:rPr lang="de-DE" smtClean="0"/>
-              <a:t>09.01.22</a:t>
+              <a:t>09.01.2022</a:t>
             </a:fld>
             <a:endParaRPr lang="de-DE"/>
           </a:p>
@@ -413,7 +413,7 @@
           <a:p>
             <a:fld id="{C2C6D2D8-86AA-475B-8106-1DD72F98FEFF}" type="slidenum">
               <a:rPr lang="de-DE" smtClean="0"/>
-              <a:t>‹Nr.›</a:t>
+              <a:t>‹#›</a:t>
             </a:fld>
             <a:endParaRPr lang="de-DE"/>
           </a:p>
@@ -1523,7 +1523,7 @@
           <a:p>
             <a:fld id="{D4A7F7FB-B369-497A-97C2-098805D1A52E}" type="datetimeFigureOut">
               <a:rPr lang="de-DE" smtClean="0"/>
-              <a:t>09.01.22</a:t>
+              <a:t>09.01.2022</a:t>
             </a:fld>
             <a:endParaRPr lang="de-DE"/>
           </a:p>
@@ -1577,7 +1577,7 @@
           <a:p>
             <a:fld id="{16A78056-7FAF-464B-A14F-848C7FC2BB44}" type="slidenum">
               <a:rPr lang="de-DE" smtClean="0"/>
-              <a:t>‹Nr.›</a:t>
+              <a:t>‹#›</a:t>
             </a:fld>
             <a:endParaRPr lang="de-DE"/>
           </a:p>
@@ -1723,7 +1723,7 @@
           <a:p>
             <a:fld id="{D4A7F7FB-B369-497A-97C2-098805D1A52E}" type="datetimeFigureOut">
               <a:rPr lang="de-DE" smtClean="0"/>
-              <a:t>09.01.22</a:t>
+              <a:t>09.01.2022</a:t>
             </a:fld>
             <a:endParaRPr lang="de-DE"/>
           </a:p>
@@ -1777,7 +1777,7 @@
           <a:p>
             <a:fld id="{16A78056-7FAF-464B-A14F-848C7FC2BB44}" type="slidenum">
               <a:rPr lang="de-DE" smtClean="0"/>
-              <a:t>‹Nr.›</a:t>
+              <a:t>‹#›</a:t>
             </a:fld>
             <a:endParaRPr lang="de-DE"/>
           </a:p>
@@ -1933,7 +1933,7 @@
           <a:p>
             <a:fld id="{D4A7F7FB-B369-497A-97C2-098805D1A52E}" type="datetimeFigureOut">
               <a:rPr lang="de-DE" smtClean="0"/>
-              <a:t>09.01.22</a:t>
+              <a:t>09.01.2022</a:t>
             </a:fld>
             <a:endParaRPr lang="de-DE"/>
           </a:p>
@@ -1987,7 +1987,7 @@
           <a:p>
             <a:fld id="{16A78056-7FAF-464B-A14F-848C7FC2BB44}" type="slidenum">
               <a:rPr lang="de-DE" smtClean="0"/>
-              <a:t>‹Nr.›</a:t>
+              <a:t>‹#›</a:t>
             </a:fld>
             <a:endParaRPr lang="de-DE"/>
           </a:p>
@@ -2202,7 +2202,7 @@
           <a:p>
             <a:fld id="{D4A7F7FB-B369-497A-97C2-098805D1A52E}" type="datetimeFigureOut">
               <a:rPr lang="de-DE" smtClean="0"/>
-              <a:t>09.01.22</a:t>
+              <a:t>09.01.2022</a:t>
             </a:fld>
             <a:endParaRPr lang="de-DE"/>
           </a:p>
@@ -2244,7 +2244,7 @@
           <a:p>
             <a:fld id="{16A78056-7FAF-464B-A14F-848C7FC2BB44}" type="slidenum">
               <a:rPr lang="de-DE" smtClean="0"/>
-              <a:t>‹Nr.›</a:t>
+              <a:t>‹#›</a:t>
             </a:fld>
             <a:endParaRPr lang="de-DE"/>
           </a:p>
@@ -2372,7 +2372,7 @@
           <a:p>
             <a:fld id="{D4A7F7FB-B369-497A-97C2-098805D1A52E}" type="datetimeFigureOut">
               <a:rPr lang="de-DE" smtClean="0"/>
-              <a:t>09.01.22</a:t>
+              <a:t>09.01.2022</a:t>
             </a:fld>
             <a:endParaRPr lang="de-DE"/>
           </a:p>
@@ -2414,7 +2414,7 @@
           <a:p>
             <a:fld id="{16A78056-7FAF-464B-A14F-848C7FC2BB44}" type="slidenum">
               <a:rPr lang="de-DE" smtClean="0"/>
-              <a:t>‹Nr.›</a:t>
+              <a:t>‹#›</a:t>
             </a:fld>
             <a:endParaRPr lang="de-DE"/>
           </a:p>
@@ -2629,7 +2629,7 @@
           <a:p>
             <a:fld id="{D4A7F7FB-B369-497A-97C2-098805D1A52E}" type="datetimeFigureOut">
               <a:rPr lang="de-DE" smtClean="0"/>
-              <a:t>09.01.22</a:t>
+              <a:t>09.01.2022</a:t>
             </a:fld>
             <a:endParaRPr lang="de-DE"/>
           </a:p>
@@ -2671,7 +2671,7 @@
           <a:p>
             <a:fld id="{16A78056-7FAF-464B-A14F-848C7FC2BB44}" type="slidenum">
               <a:rPr lang="de-DE" smtClean="0"/>
-              <a:t>‹Nr.›</a:t>
+              <a:t>‹#›</a:t>
             </a:fld>
             <a:endParaRPr lang="de-DE"/>
           </a:p>
@@ -2861,7 +2861,7 @@
           <a:p>
             <a:fld id="{D4A7F7FB-B369-497A-97C2-098805D1A52E}" type="datetimeFigureOut">
               <a:rPr lang="de-DE" smtClean="0"/>
-              <a:t>09.01.22</a:t>
+              <a:t>09.01.2022</a:t>
             </a:fld>
             <a:endParaRPr lang="de-DE"/>
           </a:p>
@@ -2903,7 +2903,7 @@
           <a:p>
             <a:fld id="{16A78056-7FAF-464B-A14F-848C7FC2BB44}" type="slidenum">
               <a:rPr lang="de-DE" smtClean="0"/>
-              <a:t>‹Nr.›</a:t>
+              <a:t>‹#›</a:t>
             </a:fld>
             <a:endParaRPr lang="de-DE"/>
           </a:p>
@@ -3254,7 +3254,7 @@
           <a:p>
             <a:fld id="{D4A7F7FB-B369-497A-97C2-098805D1A52E}" type="datetimeFigureOut">
               <a:rPr lang="de-DE" smtClean="0"/>
-              <a:t>09.01.22</a:t>
+              <a:t>09.01.2022</a:t>
             </a:fld>
             <a:endParaRPr lang="de-DE"/>
           </a:p>
@@ -3296,7 +3296,7 @@
           <a:p>
             <a:fld id="{16A78056-7FAF-464B-A14F-848C7FC2BB44}" type="slidenum">
               <a:rPr lang="de-DE" smtClean="0"/>
-              <a:t>‹Nr.›</a:t>
+              <a:t>‹#›</a:t>
             </a:fld>
             <a:endParaRPr lang="de-DE"/>
           </a:p>
@@ -3372,7 +3372,7 @@
           <a:p>
             <a:fld id="{D4A7F7FB-B369-497A-97C2-098805D1A52E}" type="datetimeFigureOut">
               <a:rPr lang="de-DE" smtClean="0"/>
-              <a:t>09.01.22</a:t>
+              <a:t>09.01.2022</a:t>
             </a:fld>
             <a:endParaRPr lang="de-DE"/>
           </a:p>
@@ -3414,7 +3414,7 @@
           <a:p>
             <a:fld id="{16A78056-7FAF-464B-A14F-848C7FC2BB44}" type="slidenum">
               <a:rPr lang="de-DE" smtClean="0"/>
-              <a:t>‹Nr.›</a:t>
+              <a:t>‹#›</a:t>
             </a:fld>
             <a:endParaRPr lang="de-DE"/>
           </a:p>
@@ -3467,7 +3467,7 @@
           <a:p>
             <a:fld id="{D4A7F7FB-B369-497A-97C2-098805D1A52E}" type="datetimeFigureOut">
               <a:rPr lang="de-DE" smtClean="0"/>
-              <a:t>09.01.22</a:t>
+              <a:t>09.01.2022</a:t>
             </a:fld>
             <a:endParaRPr lang="de-DE"/>
           </a:p>
@@ -3509,7 +3509,7 @@
           <a:p>
             <a:fld id="{16A78056-7FAF-464B-A14F-848C7FC2BB44}" type="slidenum">
               <a:rPr lang="de-DE" smtClean="0"/>
-              <a:t>‹Nr.›</a:t>
+              <a:t>‹#›</a:t>
             </a:fld>
             <a:endParaRPr lang="de-DE"/>
           </a:p>
@@ -3740,7 +3740,7 @@
           <a:p>
             <a:fld id="{D4A7F7FB-B369-497A-97C2-098805D1A52E}" type="datetimeFigureOut">
               <a:rPr lang="de-DE" smtClean="0"/>
-              <a:t>09.01.22</a:t>
+              <a:t>09.01.2022</a:t>
             </a:fld>
             <a:endParaRPr lang="de-DE"/>
           </a:p>
@@ -3782,7 +3782,7 @@
           <a:p>
             <a:fld id="{16A78056-7FAF-464B-A14F-848C7FC2BB44}" type="slidenum">
               <a:rPr lang="de-DE" smtClean="0"/>
-              <a:t>‹Nr.›</a:t>
+              <a:t>‹#›</a:t>
             </a:fld>
             <a:endParaRPr lang="de-DE"/>
           </a:p>
@@ -3928,7 +3928,7 @@
           <a:p>
             <a:fld id="{D4A7F7FB-B369-497A-97C2-098805D1A52E}" type="datetimeFigureOut">
               <a:rPr lang="de-DE" smtClean="0"/>
-              <a:t>09.01.22</a:t>
+              <a:t>09.01.2022</a:t>
             </a:fld>
             <a:endParaRPr lang="de-DE"/>
           </a:p>
@@ -3982,7 +3982,7 @@
           <a:p>
             <a:fld id="{16A78056-7FAF-464B-A14F-848C7FC2BB44}" type="slidenum">
               <a:rPr lang="de-DE" smtClean="0"/>
-              <a:t>‹Nr.›</a:t>
+              <a:t>‹#›</a:t>
             </a:fld>
             <a:endParaRPr lang="de-DE"/>
           </a:p>
@@ -4221,7 +4221,7 @@
           <a:p>
             <a:fld id="{D4A7F7FB-B369-497A-97C2-098805D1A52E}" type="datetimeFigureOut">
               <a:rPr lang="de-DE" smtClean="0"/>
-              <a:t>09.01.22</a:t>
+              <a:t>09.01.2022</a:t>
             </a:fld>
             <a:endParaRPr lang="de-DE"/>
           </a:p>
@@ -4263,7 +4263,7 @@
           <a:p>
             <a:fld id="{16A78056-7FAF-464B-A14F-848C7FC2BB44}" type="slidenum">
               <a:rPr lang="de-DE" smtClean="0"/>
-              <a:t>‹Nr.›</a:t>
+              <a:t>‹#›</a:t>
             </a:fld>
             <a:endParaRPr lang="de-DE"/>
           </a:p>
@@ -4502,7 +4502,7 @@
           <a:p>
             <a:fld id="{D4A7F7FB-B369-497A-97C2-098805D1A52E}" type="datetimeFigureOut">
               <a:rPr lang="de-DE" smtClean="0"/>
-              <a:t>09.01.22</a:t>
+              <a:t>09.01.2022</a:t>
             </a:fld>
             <a:endParaRPr lang="de-DE"/>
           </a:p>
@@ -4544,7 +4544,7 @@
           <a:p>
             <a:fld id="{16A78056-7FAF-464B-A14F-848C7FC2BB44}" type="slidenum">
               <a:rPr lang="de-DE" smtClean="0"/>
-              <a:t>‹Nr.›</a:t>
+              <a:t>‹#›</a:t>
             </a:fld>
             <a:endParaRPr lang="de-DE"/>
           </a:p>
@@ -4694,7 +4694,7 @@
           <a:p>
             <a:fld id="{D4A7F7FB-B369-497A-97C2-098805D1A52E}" type="datetimeFigureOut">
               <a:rPr lang="de-DE" smtClean="0"/>
-              <a:t>09.01.22</a:t>
+              <a:t>09.01.2022</a:t>
             </a:fld>
             <a:endParaRPr lang="de-DE"/>
           </a:p>
@@ -4736,7 +4736,7 @@
           <a:p>
             <a:fld id="{16A78056-7FAF-464B-A14F-848C7FC2BB44}" type="slidenum">
               <a:rPr lang="de-DE" smtClean="0"/>
-              <a:t>‹Nr.›</a:t>
+              <a:t>‹#›</a:t>
             </a:fld>
             <a:endParaRPr lang="de-DE"/>
           </a:p>
@@ -4955,7 +4955,7 @@
           <a:p>
             <a:fld id="{D4A7F7FB-B369-497A-97C2-098805D1A52E}" type="datetimeFigureOut">
               <a:rPr lang="de-DE" smtClean="0"/>
-              <a:t>09.01.22</a:t>
+              <a:t>09.01.2022</a:t>
             </a:fld>
             <a:endParaRPr lang="de-DE"/>
           </a:p>
@@ -4997,7 +4997,7 @@
           <a:p>
             <a:fld id="{16A78056-7FAF-464B-A14F-848C7FC2BB44}" type="slidenum">
               <a:rPr lang="de-DE" smtClean="0"/>
-              <a:t>‹Nr.›</a:t>
+              <a:t>‹#›</a:t>
             </a:fld>
             <a:endParaRPr lang="de-DE"/>
           </a:p>
@@ -5381,7 +5381,7 @@
           <a:p>
             <a:fld id="{D4A7F7FB-B369-497A-97C2-098805D1A52E}" type="datetimeFigureOut">
               <a:rPr lang="de-DE" smtClean="0"/>
-              <a:t>09.01.22</a:t>
+              <a:t>09.01.2022</a:t>
             </a:fld>
             <a:endParaRPr lang="de-DE"/>
           </a:p>
@@ -5423,7 +5423,7 @@
           <a:p>
             <a:fld id="{16A78056-7FAF-464B-A14F-848C7FC2BB44}" type="slidenum">
               <a:rPr lang="de-DE" smtClean="0"/>
-              <a:t>‹Nr.›</a:t>
+              <a:t>‹#›</a:t>
             </a:fld>
             <a:endParaRPr lang="de-DE"/>
           </a:p>
@@ -5927,7 +5927,7 @@
           <a:p>
             <a:fld id="{D4A7F7FB-B369-497A-97C2-098805D1A52E}" type="datetimeFigureOut">
               <a:rPr lang="de-DE" smtClean="0"/>
-              <a:t>09.01.22</a:t>
+              <a:t>09.01.2022</a:t>
             </a:fld>
             <a:endParaRPr lang="de-DE"/>
           </a:p>
@@ -5969,7 +5969,7 @@
           <a:p>
             <a:fld id="{16A78056-7FAF-464B-A14F-848C7FC2BB44}" type="slidenum">
               <a:rPr lang="de-DE" smtClean="0"/>
-              <a:t>‹Nr.›</a:t>
+              <a:t>‹#›</a:t>
             </a:fld>
             <a:endParaRPr lang="de-DE"/>
           </a:p>
@@ -6758,7 +6758,7 @@
           <a:p>
             <a:fld id="{D4A7F7FB-B369-497A-97C2-098805D1A52E}" type="datetimeFigureOut">
               <a:rPr lang="de-DE" smtClean="0"/>
-              <a:t>09.01.22</a:t>
+              <a:t>09.01.2022</a:t>
             </a:fld>
             <a:endParaRPr lang="de-DE"/>
           </a:p>
@@ -6800,7 +6800,7 @@
           <a:p>
             <a:fld id="{16A78056-7FAF-464B-A14F-848C7FC2BB44}" type="slidenum">
               <a:rPr lang="de-DE" smtClean="0"/>
-              <a:t>‹Nr.›</a:t>
+              <a:t>‹#›</a:t>
             </a:fld>
             <a:endParaRPr lang="de-DE"/>
           </a:p>
@@ -6928,7 +6928,7 @@
           <a:p>
             <a:fld id="{D4A7F7FB-B369-497A-97C2-098805D1A52E}" type="datetimeFigureOut">
               <a:rPr lang="de-DE" smtClean="0"/>
-              <a:t>09.01.22</a:t>
+              <a:t>09.01.2022</a:t>
             </a:fld>
             <a:endParaRPr lang="de-DE"/>
           </a:p>
@@ -6970,7 +6970,7 @@
           <a:p>
             <a:fld id="{16A78056-7FAF-464B-A14F-848C7FC2BB44}" type="slidenum">
               <a:rPr lang="de-DE" smtClean="0"/>
-              <a:t>‹Nr.›</a:t>
+              <a:t>‹#›</a:t>
             </a:fld>
             <a:endParaRPr lang="de-DE"/>
           </a:p>
@@ -7108,7 +7108,7 @@
           <a:p>
             <a:fld id="{D4A7F7FB-B369-497A-97C2-098805D1A52E}" type="datetimeFigureOut">
               <a:rPr lang="de-DE" smtClean="0"/>
-              <a:t>09.01.22</a:t>
+              <a:t>09.01.2022</a:t>
             </a:fld>
             <a:endParaRPr lang="de-DE"/>
           </a:p>
@@ -7150,7 +7150,7 @@
           <a:p>
             <a:fld id="{16A78056-7FAF-464B-A14F-848C7FC2BB44}" type="slidenum">
               <a:rPr lang="de-DE" smtClean="0"/>
-              <a:t>‹Nr.›</a:t>
+              <a:t>‹#›</a:t>
             </a:fld>
             <a:endParaRPr lang="de-DE"/>
           </a:p>
@@ -7372,7 +7372,7 @@
           <a:p>
             <a:fld id="{D4A7F7FB-B369-497A-97C2-098805D1A52E}" type="datetimeFigureOut">
               <a:rPr lang="de-DE" smtClean="0"/>
-              <a:t>09.01.22</a:t>
+              <a:t>09.01.2022</a:t>
             </a:fld>
             <a:endParaRPr lang="de-DE"/>
           </a:p>
@@ -7426,7 +7426,7 @@
           <a:p>
             <a:fld id="{16A78056-7FAF-464B-A14F-848C7FC2BB44}" type="slidenum">
               <a:rPr lang="de-DE" smtClean="0"/>
-              <a:t>‹Nr.›</a:t>
+              <a:t>‹#›</a:t>
             </a:fld>
             <a:endParaRPr lang="de-DE"/>
           </a:p>
@@ -7640,7 +7640,7 @@
           <a:p>
             <a:fld id="{D4A7F7FB-B369-497A-97C2-098805D1A52E}" type="datetimeFigureOut">
               <a:rPr lang="de-DE" smtClean="0"/>
-              <a:t>09.01.22</a:t>
+              <a:t>09.01.2022</a:t>
             </a:fld>
             <a:endParaRPr lang="de-DE"/>
           </a:p>
@@ -7694,7 +7694,7 @@
           <a:p>
             <a:fld id="{16A78056-7FAF-464B-A14F-848C7FC2BB44}" type="slidenum">
               <a:rPr lang="de-DE" smtClean="0"/>
-              <a:t>‹Nr.›</a:t>
+              <a:t>‹#›</a:t>
             </a:fld>
             <a:endParaRPr lang="de-DE"/>
           </a:p>
@@ -8055,7 +8055,7 @@
           <a:p>
             <a:fld id="{D4A7F7FB-B369-497A-97C2-098805D1A52E}" type="datetimeFigureOut">
               <a:rPr lang="de-DE" smtClean="0"/>
-              <a:t>09.01.22</a:t>
+              <a:t>09.01.2022</a:t>
             </a:fld>
             <a:endParaRPr lang="de-DE"/>
           </a:p>
@@ -8109,7 +8109,7 @@
           <a:p>
             <a:fld id="{16A78056-7FAF-464B-A14F-848C7FC2BB44}" type="slidenum">
               <a:rPr lang="de-DE" smtClean="0"/>
-              <a:t>‹Nr.›</a:t>
+              <a:t>‹#›</a:t>
             </a:fld>
             <a:endParaRPr lang="de-DE"/>
           </a:p>
@@ -8197,7 +8197,7 @@
           <a:p>
             <a:fld id="{D4A7F7FB-B369-497A-97C2-098805D1A52E}" type="datetimeFigureOut">
               <a:rPr lang="de-DE" smtClean="0"/>
-              <a:t>09.01.22</a:t>
+              <a:t>09.01.2022</a:t>
             </a:fld>
             <a:endParaRPr lang="de-DE"/>
           </a:p>
@@ -8251,7 +8251,7 @@
           <a:p>
             <a:fld id="{16A78056-7FAF-464B-A14F-848C7FC2BB44}" type="slidenum">
               <a:rPr lang="de-DE" smtClean="0"/>
-              <a:t>‹Nr.›</a:t>
+              <a:t>‹#›</a:t>
             </a:fld>
             <a:endParaRPr lang="de-DE"/>
           </a:p>
@@ -8310,7 +8310,7 @@
           <a:p>
             <a:fld id="{D4A7F7FB-B369-497A-97C2-098805D1A52E}" type="datetimeFigureOut">
               <a:rPr lang="de-DE" smtClean="0"/>
-              <a:t>09.01.22</a:t>
+              <a:t>09.01.2022</a:t>
             </a:fld>
             <a:endParaRPr lang="de-DE"/>
           </a:p>
@@ -8364,7 +8364,7 @@
           <a:p>
             <a:fld id="{16A78056-7FAF-464B-A14F-848C7FC2BB44}" type="slidenum">
               <a:rPr lang="de-DE" smtClean="0"/>
-              <a:t>‹Nr.›</a:t>
+              <a:t>‹#›</a:t>
             </a:fld>
             <a:endParaRPr lang="de-DE"/>
           </a:p>
@@ -8623,7 +8623,7 @@
           <a:p>
             <a:fld id="{D4A7F7FB-B369-497A-97C2-098805D1A52E}" type="datetimeFigureOut">
               <a:rPr lang="de-DE" smtClean="0"/>
-              <a:t>09.01.22</a:t>
+              <a:t>09.01.2022</a:t>
             </a:fld>
             <a:endParaRPr lang="de-DE"/>
           </a:p>
@@ -8677,7 +8677,7 @@
           <a:p>
             <a:fld id="{16A78056-7FAF-464B-A14F-848C7FC2BB44}" type="slidenum">
               <a:rPr lang="de-DE" smtClean="0"/>
-              <a:t>‹Nr.›</a:t>
+              <a:t>‹#›</a:t>
             </a:fld>
             <a:endParaRPr lang="de-DE"/>
           </a:p>
@@ -8912,7 +8912,7 @@
           <a:p>
             <a:fld id="{D4A7F7FB-B369-497A-97C2-098805D1A52E}" type="datetimeFigureOut">
               <a:rPr lang="de-DE" smtClean="0"/>
-              <a:t>09.01.22</a:t>
+              <a:t>09.01.2022</a:t>
             </a:fld>
             <a:endParaRPr lang="de-DE"/>
           </a:p>
@@ -8966,7 +8966,7 @@
           <a:p>
             <a:fld id="{16A78056-7FAF-464B-A14F-848C7FC2BB44}" type="slidenum">
               <a:rPr lang="de-DE" smtClean="0"/>
-              <a:t>‹Nr.›</a:t>
+              <a:t>‹#›</a:t>
             </a:fld>
             <a:endParaRPr lang="de-DE"/>
           </a:p>
@@ -9155,7 +9155,7 @@
           <a:p>
             <a:fld id="{D4A7F7FB-B369-497A-97C2-098805D1A52E}" type="datetimeFigureOut">
               <a:rPr lang="de-DE" smtClean="0"/>
-              <a:t>09.01.22</a:t>
+              <a:t>09.01.2022</a:t>
             </a:fld>
             <a:endParaRPr lang="de-DE"/>
           </a:p>
@@ -9245,7 +9245,7 @@
           <a:p>
             <a:fld id="{16A78056-7FAF-464B-A14F-848C7FC2BB44}" type="slidenum">
               <a:rPr lang="de-DE" smtClean="0"/>
-              <a:t>‹Nr.›</a:t>
+              <a:t>‹#›</a:t>
             </a:fld>
             <a:endParaRPr lang="de-DE"/>
           </a:p>
@@ -9734,7 +9734,7 @@
           <a:p>
             <a:fld id="{D4A7F7FB-B369-497A-97C2-098805D1A52E}" type="datetimeFigureOut">
               <a:rPr lang="de-DE" smtClean="0"/>
-              <a:t>09.01.22</a:t>
+              <a:t>09.01.2022</a:t>
             </a:fld>
             <a:endParaRPr lang="de-DE"/>
           </a:p>
@@ -9848,7 +9848,7 @@
           <a:p>
             <a:fld id="{16A78056-7FAF-464B-A14F-848C7FC2BB44}" type="slidenum">
               <a:rPr lang="de-DE" smtClean="0"/>
-              <a:t>‹Nr.›</a:t>
+              <a:t>‹#›</a:t>
             </a:fld>
             <a:endParaRPr lang="de-DE"/>
           </a:p>
@@ -12067,7 +12067,7 @@
         <p:spPr>
           <a:xfrm>
             <a:off x="200491" y="1397500"/>
-            <a:ext cx="4676586" cy="1200329"/>
+            <a:ext cx="4676586" cy="2219197"/>
           </a:xfrm>
           <a:prstGeom prst="rect">
             <a:avLst/>
@@ -12080,34 +12080,48 @@
           </a:bodyPr>
           <a:lstStyle/>
           <a:p>
+            <a:pPr>
+              <a:lnSpc>
+                <a:spcPct val="150000"/>
+              </a:lnSpc>
+            </a:pPr>
+            <a:r>
+              <a:rPr lang="de-DE" sz="2800" dirty="0"/>
+              <a:t>MVVM</a:t>
+            </a:r>
+            <a:endParaRPr lang="de-DE" dirty="0"/>
+          </a:p>
+          <a:p>
             <a:pPr marL="285750" indent="-285750">
-              <a:buFontTx/>
-              <a:buChar char="-"/>
+              <a:lnSpc>
+                <a:spcPct val="150000"/>
+              </a:lnSpc>
+              <a:buFont typeface="Courier New" panose="02070309020205020404" pitchFamily="49" charset="0"/>
+              <a:buChar char="o"/>
             </a:pPr>
             <a:r>
-              <a:rPr lang="de-DE" dirty="0"/>
+              <a:rPr lang="de-DE" sz="2400" dirty="0"/>
               <a:t>Kollaboratives Arbeiten</a:t>
             </a:r>
           </a:p>
           <a:p>
             <a:pPr marL="285750" indent="-285750">
-              <a:buFontTx/>
-              <a:buChar char="-"/>
+              <a:lnSpc>
+                <a:spcPct val="150000"/>
+              </a:lnSpc>
+              <a:buFont typeface="Courier New" panose="02070309020205020404" pitchFamily="49" charset="0"/>
+              <a:buChar char="o"/>
             </a:pPr>
             <a:r>
-              <a:rPr lang="de-DE" dirty="0"/>
+              <a:rPr lang="de-DE" sz="2400" dirty="0"/>
               <a:t>Erleichtertes Testen</a:t>
             </a:r>
           </a:p>
           <a:p>
             <a:pPr marL="285750" indent="-285750">
-              <a:buFontTx/>
-              <a:buChar char="-"/>
-            </a:pPr>
-            <a:endParaRPr lang="de-DE" dirty="0"/>
-          </a:p>
-          <a:p>
-            <a:pPr marL="285750" indent="-285750">
+              <a:lnSpc>
+                <a:spcPct val="150000"/>
+              </a:lnSpc>
               <a:buFontTx/>
               <a:buChar char="-"/>
             </a:pPr>
@@ -14179,8 +14193,8 @@
         </p:nvSpPr>
         <p:spPr>
           <a:xfrm>
-            <a:off x="400295" y="1903365"/>
-            <a:ext cx="4316910" cy="1477328"/>
+            <a:off x="405549" y="1551563"/>
+            <a:ext cx="6594339" cy="3754874"/>
           </a:xfrm>
           <a:prstGeom prst="rect">
             <a:avLst/>
@@ -14193,31 +14207,111 @@
           </a:bodyPr>
           <a:lstStyle/>
           <a:p>
-            <a:r>
-              <a:rPr lang="de-DE" dirty="0"/>
+            <a:pPr marL="457200" indent="-457200">
+              <a:lnSpc>
+                <a:spcPct val="150000"/>
+              </a:lnSpc>
+              <a:buFont typeface="Courier New" panose="02070309020205020404" pitchFamily="49" charset="0"/>
+              <a:buChar char="o"/>
+            </a:pPr>
+            <a:r>
+              <a:rPr lang="de-DE" sz="2800" dirty="0"/>
+              <a:t>Compose</a:t>
+            </a:r>
+          </a:p>
+          <a:p>
+            <a:pPr marL="914400" lvl="1" indent="-457200">
+              <a:lnSpc>
+                <a:spcPct val="150000"/>
+              </a:lnSpc>
+              <a:buFont typeface="Courier New" panose="02070309020205020404" pitchFamily="49" charset="0"/>
+              <a:buChar char="o"/>
+            </a:pPr>
+            <a:r>
+              <a:rPr lang="de-DE" sz="2800" dirty="0"/>
+              <a:t>Weniger code als mit xml</a:t>
+            </a:r>
+          </a:p>
+          <a:p>
+            <a:pPr marL="457200" indent="-457200">
+              <a:lnSpc>
+                <a:spcPct val="150000"/>
+              </a:lnSpc>
+              <a:buFont typeface="Courier New" panose="02070309020205020404" pitchFamily="49" charset="0"/>
+              <a:buChar char="o"/>
+            </a:pPr>
+            <a:r>
+              <a:rPr lang="de-DE" sz="2800" dirty="0"/>
               <a:t>Single activity application</a:t>
             </a:r>
           </a:p>
           <a:p>
-            <a:r>
-              <a:rPr lang="de-DE" dirty="0"/>
-              <a:t>Navigation</a:t>
-            </a:r>
-          </a:p>
-          <a:p>
-            <a:r>
-              <a:rPr lang="de-DE" dirty="0"/>
-              <a:t>Weniger code als mit xml</a:t>
-            </a:r>
-          </a:p>
-          <a:p>
-            <a:endParaRPr lang="de-DE" dirty="0"/>
-          </a:p>
-          <a:p>
-            <a:endParaRPr lang="de-DE" dirty="0"/>
-          </a:p>
-        </p:txBody>
-      </p:sp>
+            <a:pPr marL="457200" indent="-457200">
+              <a:lnSpc>
+                <a:spcPct val="150000"/>
+              </a:lnSpc>
+              <a:buFont typeface="Courier New" panose="02070309020205020404" pitchFamily="49" charset="0"/>
+              <a:buChar char="o"/>
+            </a:pPr>
+            <a:r>
+              <a:rPr lang="de-DE" sz="2800" dirty="0"/>
+              <a:t>Navigation Component</a:t>
+            </a:r>
+          </a:p>
+          <a:p>
+            <a:pPr marL="457200" indent="-457200">
+              <a:lnSpc>
+                <a:spcPct val="150000"/>
+              </a:lnSpc>
+              <a:buFont typeface="Courier New" panose="02070309020205020404" pitchFamily="49" charset="0"/>
+              <a:buChar char="o"/>
+            </a:pPr>
+            <a:r>
+              <a:rPr lang="de-DE" sz="2800" dirty="0"/>
+              <a:t>Flows</a:t>
+            </a:r>
+          </a:p>
+          <a:p>
+            <a:endParaRPr lang="de-DE" sz="2800" dirty="0"/>
+          </a:p>
+        </p:txBody>
+      </p:sp>
+      <p:pic>
+        <p:nvPicPr>
+          <p:cNvPr id="6" name="Picture 5" descr="A screenshot of a computer&#10;&#10;Description automatically generated with medium confidence">
+            <a:extLst>
+              <a:ext uri="{FF2B5EF4-FFF2-40B4-BE49-F238E27FC236}">
+                <a16:creationId xmlns:a16="http://schemas.microsoft.com/office/drawing/2014/main" id="{C03B5305-05A6-4A8B-944B-ED1632780AD1}"/>
+              </a:ext>
+            </a:extLst>
+          </p:cNvPr>
+          <p:cNvPicPr>
+            <a:picLocks noChangeAspect="1"/>
+          </p:cNvPicPr>
+          <p:nvPr/>
+        </p:nvPicPr>
+        <p:blipFill>
+          <a:blip r:embed="rId3">
+            <a:extLst>
+              <a:ext uri="{28A0092B-C50C-407E-A947-70E740481C1C}">
+                <a14:useLocalDpi xmlns:a14="http://schemas.microsoft.com/office/drawing/2010/main" val="0"/>
+              </a:ext>
+            </a:extLst>
+          </a:blip>
+          <a:stretch>
+            <a:fillRect/>
+          </a:stretch>
+        </p:blipFill>
+        <p:spPr>
+          <a:xfrm>
+            <a:off x="8384855" y="2246760"/>
+            <a:ext cx="3807145" cy="2611419"/>
+          </a:xfrm>
+          <a:prstGeom prst="rect">
+            <a:avLst/>
+          </a:prstGeom>
+        </p:spPr>
+      </p:pic>
     </p:spTree>
     <p:extLst>
       <p:ext uri="{BB962C8B-B14F-4D97-AF65-F5344CB8AC3E}">
@@ -14951,6 +15045,110 @@
           </a:p>
         </p:txBody>
       </p:sp>
+      <p:sp>
+        <p:nvSpPr>
+          <p:cNvPr id="16" name="TextBox 15">
+            <a:extLst>
+              <a:ext uri="{FF2B5EF4-FFF2-40B4-BE49-F238E27FC236}">
+                <a16:creationId xmlns:a16="http://schemas.microsoft.com/office/drawing/2014/main" id="{6ED1A6F0-FD00-4DAB-8158-9955BE575132}"/>
+              </a:ext>
+            </a:extLst>
+          </p:cNvPr>
+          <p:cNvSpPr txBox="1"/>
+          <p:nvPr/>
+        </p:nvSpPr>
+        <p:spPr>
+          <a:xfrm>
+            <a:off x="405549" y="1551563"/>
+            <a:ext cx="6594339" cy="2610843"/>
+          </a:xfrm>
+          <a:prstGeom prst="rect">
+            <a:avLst/>
+          </a:prstGeom>
+          <a:noFill/>
+        </p:spPr>
+        <p:txBody>
+          <a:bodyPr wrap="square" rtlCol="0">
+            <a:spAutoFit/>
+          </a:bodyPr>
+          <a:lstStyle/>
+          <a:p>
+            <a:pPr marL="457200" indent="-457200">
+              <a:lnSpc>
+                <a:spcPct val="150000"/>
+              </a:lnSpc>
+              <a:buFont typeface="Courier New" panose="02070309020205020404" pitchFamily="49" charset="0"/>
+              <a:buChar char="o"/>
+            </a:pPr>
+            <a:r>
+              <a:rPr lang="de-DE" sz="2800" dirty="0"/>
+              <a:t>Hält UI State</a:t>
+            </a:r>
+          </a:p>
+          <a:p>
+            <a:pPr marL="457200" indent="-457200">
+              <a:lnSpc>
+                <a:spcPct val="150000"/>
+              </a:lnSpc>
+              <a:buFont typeface="Courier New" panose="02070309020205020404" pitchFamily="49" charset="0"/>
+              <a:buChar char="o"/>
+            </a:pPr>
+            <a:r>
+              <a:rPr lang="de-DE" sz="2800" dirty="0"/>
+              <a:t>Nimmt Events von View Entgegen</a:t>
+            </a:r>
+          </a:p>
+          <a:p>
+            <a:pPr marL="457200" indent="-457200">
+              <a:lnSpc>
+                <a:spcPct val="150000"/>
+              </a:lnSpc>
+              <a:buFont typeface="Courier New" panose="02070309020205020404" pitchFamily="49" charset="0"/>
+              <a:buChar char="o"/>
+            </a:pPr>
+            <a:r>
+              <a:rPr lang="de-DE" sz="2800" dirty="0"/>
+              <a:t>Sendet und erhält persistente Daten vom Repository</a:t>
+            </a:r>
+          </a:p>
+        </p:txBody>
+      </p:sp>
+      <p:pic>
+        <p:nvPicPr>
+          <p:cNvPr id="7" name="Picture 6" descr="Diagram&#10;&#10;Description automatically generated">
+            <a:extLst>
+              <a:ext uri="{FF2B5EF4-FFF2-40B4-BE49-F238E27FC236}">
+                <a16:creationId xmlns:a16="http://schemas.microsoft.com/office/drawing/2014/main" id="{447F8A4A-2EA3-446F-8C7A-4F49B09B344F}"/>
+              </a:ext>
+            </a:extLst>
+          </p:cNvPr>
+          <p:cNvPicPr>
+            <a:picLocks noChangeAspect="1"/>
+          </p:cNvPicPr>
+          <p:nvPr/>
+        </p:nvPicPr>
+        <p:blipFill>
+          <a:blip r:embed="rId2">
+            <a:extLst>
+              <a:ext uri="{28A0092B-C50C-407E-A947-70E740481C1C}">
+                <a14:useLocalDpi xmlns:a14="http://schemas.microsoft.com/office/drawing/2010/main" val="0"/>
+              </a:ext>
+            </a:extLst>
+          </a:blip>
+          <a:stretch>
+            <a:fillRect/>
+          </a:stretch>
+        </p:blipFill>
+        <p:spPr>
+          <a:xfrm>
+            <a:off x="5958513" y="789523"/>
+            <a:ext cx="5603838" cy="2037759"/>
+          </a:xfrm>
+          <a:prstGeom prst="rect">
+            <a:avLst/>
+          </a:prstGeom>
+        </p:spPr>
+      </p:pic>
     </p:spTree>
     <p:extLst>
       <p:ext uri="{BB962C8B-B14F-4D97-AF65-F5344CB8AC3E}">

--- a/Praesentationen/02-Entwurfsphase/Entwurf Präsentation.pptx
+++ b/Praesentationen/02-Entwurfsphase/Entwurf Präsentation.pptx
@@ -142,6 +142,7 @@
 <p1510:revInfo xmlns:a="http://schemas.openxmlformats.org/drawingml/2006/main" xmlns:r="http://schemas.openxmlformats.org/officeDocument/2006/relationships" xmlns:p1510="http://schemas.microsoft.com/office/powerpoint/2015/10/main">
   <p1510:revLst>
     <p1510:client id="{B121F1B0-4D08-E747-A677-49BC57413863}" v="43" dt="2022-01-09T14:35:28.470"/>
+    <p1510:client id="{C067BB00-D62D-434A-8EB6-2D39E9BF5514}" v="1" dt="2022-01-09T15:02:49.410"/>
   </p1510:revLst>
 </p1510:revInfo>
 </file>
@@ -151,10 +152,41 @@
   <pc:docChgLst>
     <pc:chgData name="Ender Merlin" userId="b6c700318fa50b6b" providerId="LiveId" clId="{C067BB00-D62D-434A-8EB6-2D39E9BF5514}"/>
     <pc:docChg chg="modSld">
-      <pc:chgData name="Ender Merlin" userId="b6c700318fa50b6b" providerId="LiveId" clId="{C067BB00-D62D-434A-8EB6-2D39E9BF5514}" dt="2022-01-07T20:52:54.641" v="0" actId="1076"/>
+      <pc:chgData name="Ender Merlin" userId="b6c700318fa50b6b" providerId="LiveId" clId="{C067BB00-D62D-434A-8EB6-2D39E9BF5514}" dt="2022-01-09T15:03:36.677" v="26" actId="1076"/>
       <pc:docMkLst>
         <pc:docMk/>
       </pc:docMkLst>
+      <pc:sldChg chg="addSp modSp mod">
+        <pc:chgData name="Ender Merlin" userId="b6c700318fa50b6b" providerId="LiveId" clId="{C067BB00-D62D-434A-8EB6-2D39E9BF5514}" dt="2022-01-09T15:03:36.677" v="26" actId="1076"/>
+        <pc:sldMkLst>
+          <pc:docMk/>
+          <pc:sldMk cId="3028429449" sldId="258"/>
+        </pc:sldMkLst>
+        <pc:spChg chg="add mod">
+          <ac:chgData name="Ender Merlin" userId="b6c700318fa50b6b" providerId="LiveId" clId="{C067BB00-D62D-434A-8EB6-2D39E9BF5514}" dt="2022-01-09T15:03:36.677" v="26" actId="1076"/>
+          <ac:spMkLst>
+            <pc:docMk/>
+            <pc:sldMk cId="3028429449" sldId="258"/>
+            <ac:spMk id="10" creationId="{8CE7D389-2EE7-45D5-868B-9FA8A6FBF66D}"/>
+          </ac:spMkLst>
+        </pc:spChg>
+        <pc:picChg chg="mod">
+          <ac:chgData name="Ender Merlin" userId="b6c700318fa50b6b" providerId="LiveId" clId="{C067BB00-D62D-434A-8EB6-2D39E9BF5514}" dt="2022-01-09T15:03:27.875" v="24" actId="1076"/>
+          <ac:picMkLst>
+            <pc:docMk/>
+            <pc:sldMk cId="3028429449" sldId="258"/>
+            <ac:picMk id="7" creationId="{D3CA1F16-E51A-4416-B464-C51358BE58E0}"/>
+          </ac:picMkLst>
+        </pc:picChg>
+        <pc:picChg chg="add mod">
+          <ac:chgData name="Ender Merlin" userId="b6c700318fa50b6b" providerId="LiveId" clId="{C067BB00-D62D-434A-8EB6-2D39E9BF5514}" dt="2022-01-09T15:02:09.705" v="4" actId="14100"/>
+          <ac:picMkLst>
+            <pc:docMk/>
+            <pc:sldMk cId="3028429449" sldId="258"/>
+            <ac:picMk id="8" creationId="{EF5A880B-C6A9-414B-8E81-0B6819CB8081}"/>
+          </ac:picMkLst>
+        </pc:picChg>
+      </pc:sldChg>
       <pc:sldChg chg="modSp mod">
         <pc:chgData name="Ender Merlin" userId="b6c700318fa50b6b" providerId="LiveId" clId="{C067BB00-D62D-434A-8EB6-2D39E9BF5514}" dt="2022-01-07T20:52:54.641" v="0" actId="1076"/>
         <pc:sldMkLst>
@@ -257,7 +289,7 @@
           <a:p>
             <a:fld id="{F899D2DC-6997-404A-B859-2EC79104A957}" type="datetimeFigureOut">
               <a:rPr lang="de-DE" smtClean="0"/>
-              <a:t>09.01.22</a:t>
+              <a:t>09.01.2022</a:t>
             </a:fld>
             <a:endParaRPr lang="de-DE"/>
           </a:p>
@@ -1525,7 +1557,7 @@
           <a:p>
             <a:fld id="{D4A7F7FB-B369-497A-97C2-098805D1A52E}" type="datetimeFigureOut">
               <a:rPr lang="de-DE" smtClean="0"/>
-              <a:t>09.01.22</a:t>
+              <a:t>09.01.2022</a:t>
             </a:fld>
             <a:endParaRPr lang="de-DE"/>
           </a:p>
@@ -1725,7 +1757,7 @@
           <a:p>
             <a:fld id="{D4A7F7FB-B369-497A-97C2-098805D1A52E}" type="datetimeFigureOut">
               <a:rPr lang="de-DE" smtClean="0"/>
-              <a:t>09.01.22</a:t>
+              <a:t>09.01.2022</a:t>
             </a:fld>
             <a:endParaRPr lang="de-DE"/>
           </a:p>
@@ -1935,7 +1967,7 @@
           <a:p>
             <a:fld id="{D4A7F7FB-B369-497A-97C2-098805D1A52E}" type="datetimeFigureOut">
               <a:rPr lang="de-DE" smtClean="0"/>
-              <a:t>09.01.22</a:t>
+              <a:t>09.01.2022</a:t>
             </a:fld>
             <a:endParaRPr lang="de-DE"/>
           </a:p>
@@ -2204,7 +2236,7 @@
           <a:p>
             <a:fld id="{D4A7F7FB-B369-497A-97C2-098805D1A52E}" type="datetimeFigureOut">
               <a:rPr lang="de-DE" smtClean="0"/>
-              <a:t>09.01.22</a:t>
+              <a:t>09.01.2022</a:t>
             </a:fld>
             <a:endParaRPr lang="de-DE"/>
           </a:p>
@@ -2374,7 +2406,7 @@
           <a:p>
             <a:fld id="{D4A7F7FB-B369-497A-97C2-098805D1A52E}" type="datetimeFigureOut">
               <a:rPr lang="de-DE" smtClean="0"/>
-              <a:t>09.01.22</a:t>
+              <a:t>09.01.2022</a:t>
             </a:fld>
             <a:endParaRPr lang="de-DE"/>
           </a:p>
@@ -2631,7 +2663,7 @@
           <a:p>
             <a:fld id="{D4A7F7FB-B369-497A-97C2-098805D1A52E}" type="datetimeFigureOut">
               <a:rPr lang="de-DE" smtClean="0"/>
-              <a:t>09.01.22</a:t>
+              <a:t>09.01.2022</a:t>
             </a:fld>
             <a:endParaRPr lang="de-DE"/>
           </a:p>
@@ -2863,7 +2895,7 @@
           <a:p>
             <a:fld id="{D4A7F7FB-B369-497A-97C2-098805D1A52E}" type="datetimeFigureOut">
               <a:rPr lang="de-DE" smtClean="0"/>
-              <a:t>09.01.22</a:t>
+              <a:t>09.01.2022</a:t>
             </a:fld>
             <a:endParaRPr lang="de-DE"/>
           </a:p>
@@ -3256,7 +3288,7 @@
           <a:p>
             <a:fld id="{D4A7F7FB-B369-497A-97C2-098805D1A52E}" type="datetimeFigureOut">
               <a:rPr lang="de-DE" smtClean="0"/>
-              <a:t>09.01.22</a:t>
+              <a:t>09.01.2022</a:t>
             </a:fld>
             <a:endParaRPr lang="de-DE"/>
           </a:p>
@@ -3374,7 +3406,7 @@
           <a:p>
             <a:fld id="{D4A7F7FB-B369-497A-97C2-098805D1A52E}" type="datetimeFigureOut">
               <a:rPr lang="de-DE" smtClean="0"/>
-              <a:t>09.01.22</a:t>
+              <a:t>09.01.2022</a:t>
             </a:fld>
             <a:endParaRPr lang="de-DE"/>
           </a:p>
@@ -3469,7 +3501,7 @@
           <a:p>
             <a:fld id="{D4A7F7FB-B369-497A-97C2-098805D1A52E}" type="datetimeFigureOut">
               <a:rPr lang="de-DE" smtClean="0"/>
-              <a:t>09.01.22</a:t>
+              <a:t>09.01.2022</a:t>
             </a:fld>
             <a:endParaRPr lang="de-DE"/>
           </a:p>
@@ -3742,7 +3774,7 @@
           <a:p>
             <a:fld id="{D4A7F7FB-B369-497A-97C2-098805D1A52E}" type="datetimeFigureOut">
               <a:rPr lang="de-DE" smtClean="0"/>
-              <a:t>09.01.22</a:t>
+              <a:t>09.01.2022</a:t>
             </a:fld>
             <a:endParaRPr lang="de-DE"/>
           </a:p>
@@ -3930,7 +3962,7 @@
           <a:p>
             <a:fld id="{D4A7F7FB-B369-497A-97C2-098805D1A52E}" type="datetimeFigureOut">
               <a:rPr lang="de-DE" smtClean="0"/>
-              <a:t>09.01.22</a:t>
+              <a:t>09.01.2022</a:t>
             </a:fld>
             <a:endParaRPr lang="de-DE"/>
           </a:p>
@@ -4223,7 +4255,7 @@
           <a:p>
             <a:fld id="{D4A7F7FB-B369-497A-97C2-098805D1A52E}" type="datetimeFigureOut">
               <a:rPr lang="de-DE" smtClean="0"/>
-              <a:t>09.01.22</a:t>
+              <a:t>09.01.2022</a:t>
             </a:fld>
             <a:endParaRPr lang="de-DE"/>
           </a:p>
@@ -4504,7 +4536,7 @@
           <a:p>
             <a:fld id="{D4A7F7FB-B369-497A-97C2-098805D1A52E}" type="datetimeFigureOut">
               <a:rPr lang="de-DE" smtClean="0"/>
-              <a:t>09.01.22</a:t>
+              <a:t>09.01.2022</a:t>
             </a:fld>
             <a:endParaRPr lang="de-DE"/>
           </a:p>
@@ -4696,7 +4728,7 @@
           <a:p>
             <a:fld id="{D4A7F7FB-B369-497A-97C2-098805D1A52E}" type="datetimeFigureOut">
               <a:rPr lang="de-DE" smtClean="0"/>
-              <a:t>09.01.22</a:t>
+              <a:t>09.01.2022</a:t>
             </a:fld>
             <a:endParaRPr lang="de-DE"/>
           </a:p>
@@ -4957,7 +4989,7 @@
           <a:p>
             <a:fld id="{D4A7F7FB-B369-497A-97C2-098805D1A52E}" type="datetimeFigureOut">
               <a:rPr lang="de-DE" smtClean="0"/>
-              <a:t>09.01.22</a:t>
+              <a:t>09.01.2022</a:t>
             </a:fld>
             <a:endParaRPr lang="de-DE"/>
           </a:p>
@@ -5383,7 +5415,7 @@
           <a:p>
             <a:fld id="{D4A7F7FB-B369-497A-97C2-098805D1A52E}" type="datetimeFigureOut">
               <a:rPr lang="de-DE" smtClean="0"/>
-              <a:t>09.01.22</a:t>
+              <a:t>09.01.2022</a:t>
             </a:fld>
             <a:endParaRPr lang="de-DE"/>
           </a:p>
@@ -5929,7 +5961,7 @@
           <a:p>
             <a:fld id="{D4A7F7FB-B369-497A-97C2-098805D1A52E}" type="datetimeFigureOut">
               <a:rPr lang="de-DE" smtClean="0"/>
-              <a:t>09.01.22</a:t>
+              <a:t>09.01.2022</a:t>
             </a:fld>
             <a:endParaRPr lang="de-DE"/>
           </a:p>
@@ -6760,7 +6792,7 @@
           <a:p>
             <a:fld id="{D4A7F7FB-B369-497A-97C2-098805D1A52E}" type="datetimeFigureOut">
               <a:rPr lang="de-DE" smtClean="0"/>
-              <a:t>09.01.22</a:t>
+              <a:t>09.01.2022</a:t>
             </a:fld>
             <a:endParaRPr lang="de-DE"/>
           </a:p>
@@ -6930,7 +6962,7 @@
           <a:p>
             <a:fld id="{D4A7F7FB-B369-497A-97C2-098805D1A52E}" type="datetimeFigureOut">
               <a:rPr lang="de-DE" smtClean="0"/>
-              <a:t>09.01.22</a:t>
+              <a:t>09.01.2022</a:t>
             </a:fld>
             <a:endParaRPr lang="de-DE"/>
           </a:p>
@@ -7110,7 +7142,7 @@
           <a:p>
             <a:fld id="{D4A7F7FB-B369-497A-97C2-098805D1A52E}" type="datetimeFigureOut">
               <a:rPr lang="de-DE" smtClean="0"/>
-              <a:t>09.01.22</a:t>
+              <a:t>09.01.2022</a:t>
             </a:fld>
             <a:endParaRPr lang="de-DE"/>
           </a:p>
@@ -7374,7 +7406,7 @@
           <a:p>
             <a:fld id="{D4A7F7FB-B369-497A-97C2-098805D1A52E}" type="datetimeFigureOut">
               <a:rPr lang="de-DE" smtClean="0"/>
-              <a:t>09.01.22</a:t>
+              <a:t>09.01.2022</a:t>
             </a:fld>
             <a:endParaRPr lang="de-DE"/>
           </a:p>
@@ -7642,7 +7674,7 @@
           <a:p>
             <a:fld id="{D4A7F7FB-B369-497A-97C2-098805D1A52E}" type="datetimeFigureOut">
               <a:rPr lang="de-DE" smtClean="0"/>
-              <a:t>09.01.22</a:t>
+              <a:t>09.01.2022</a:t>
             </a:fld>
             <a:endParaRPr lang="de-DE"/>
           </a:p>
@@ -8057,7 +8089,7 @@
           <a:p>
             <a:fld id="{D4A7F7FB-B369-497A-97C2-098805D1A52E}" type="datetimeFigureOut">
               <a:rPr lang="de-DE" smtClean="0"/>
-              <a:t>09.01.22</a:t>
+              <a:t>09.01.2022</a:t>
             </a:fld>
             <a:endParaRPr lang="de-DE"/>
           </a:p>
@@ -8199,7 +8231,7 @@
           <a:p>
             <a:fld id="{D4A7F7FB-B369-497A-97C2-098805D1A52E}" type="datetimeFigureOut">
               <a:rPr lang="de-DE" smtClean="0"/>
-              <a:t>09.01.22</a:t>
+              <a:t>09.01.2022</a:t>
             </a:fld>
             <a:endParaRPr lang="de-DE"/>
           </a:p>
@@ -8312,7 +8344,7 @@
           <a:p>
             <a:fld id="{D4A7F7FB-B369-497A-97C2-098805D1A52E}" type="datetimeFigureOut">
               <a:rPr lang="de-DE" smtClean="0"/>
-              <a:t>09.01.22</a:t>
+              <a:t>09.01.2022</a:t>
             </a:fld>
             <a:endParaRPr lang="de-DE"/>
           </a:p>
@@ -8625,7 +8657,7 @@
           <a:p>
             <a:fld id="{D4A7F7FB-B369-497A-97C2-098805D1A52E}" type="datetimeFigureOut">
               <a:rPr lang="de-DE" smtClean="0"/>
-              <a:t>09.01.22</a:t>
+              <a:t>09.01.2022</a:t>
             </a:fld>
             <a:endParaRPr lang="de-DE"/>
           </a:p>
@@ -8914,7 +8946,7 @@
           <a:p>
             <a:fld id="{D4A7F7FB-B369-497A-97C2-098805D1A52E}" type="datetimeFigureOut">
               <a:rPr lang="de-DE" smtClean="0"/>
-              <a:t>09.01.22</a:t>
+              <a:t>09.01.2022</a:t>
             </a:fld>
             <a:endParaRPr lang="de-DE"/>
           </a:p>
@@ -9157,7 +9189,7 @@
           <a:p>
             <a:fld id="{D4A7F7FB-B369-497A-97C2-098805D1A52E}" type="datetimeFigureOut">
               <a:rPr lang="de-DE" smtClean="0"/>
-              <a:t>09.01.22</a:t>
+              <a:t>09.01.2022</a:t>
             </a:fld>
             <a:endParaRPr lang="de-DE"/>
           </a:p>
@@ -9736,7 +9768,7 @@
           <a:p>
             <a:fld id="{D4A7F7FB-B369-497A-97C2-098805D1A52E}" type="datetimeFigureOut">
               <a:rPr lang="de-DE" smtClean="0"/>
-              <a:t>09.01.22</a:t>
+              <a:t>09.01.2022</a:t>
             </a:fld>
             <a:endParaRPr lang="de-DE"/>
           </a:p>
@@ -15831,7 +15863,7 @@
         </p:blipFill>
         <p:spPr>
           <a:xfrm>
-            <a:off x="5077193" y="823156"/>
+            <a:off x="5077193" y="825537"/>
             <a:ext cx="6723669" cy="5042752"/>
           </a:xfrm>
           <a:prstGeom prst="rect">
@@ -15912,6 +15944,72 @@
               <a:buFontTx/>
               <a:buChar char="-"/>
             </a:pPr>
+            <a:endParaRPr lang="de-DE" dirty="0"/>
+          </a:p>
+        </p:txBody>
+      </p:sp>
+      <p:pic>
+        <p:nvPicPr>
+          <p:cNvPr id="8" name="Grafik 7">
+            <a:extLst>
+              <a:ext uri="{FF2B5EF4-FFF2-40B4-BE49-F238E27FC236}">
+                <a16:creationId xmlns:a16="http://schemas.microsoft.com/office/drawing/2014/main" id="{EF5A880B-C6A9-414B-8E81-0B6819CB8081}"/>
+              </a:ext>
+            </a:extLst>
+          </p:cNvPr>
+          <p:cNvPicPr>
+            <a:picLocks noChangeAspect="1"/>
+          </p:cNvPicPr>
+          <p:nvPr/>
+        </p:nvPicPr>
+        <p:blipFill>
+          <a:blip r:embed="rId3"/>
+          <a:stretch>
+            <a:fillRect/>
+          </a:stretch>
+        </p:blipFill>
+        <p:spPr>
+          <a:xfrm>
+            <a:off x="9985995" y="4496738"/>
+            <a:ext cx="481980" cy="200053"/>
+          </a:xfrm>
+          <a:prstGeom prst="rect">
+            <a:avLst/>
+          </a:prstGeom>
+        </p:spPr>
+      </p:pic>
+      <p:sp>
+        <p:nvSpPr>
+          <p:cNvPr id="10" name="Textfeld 9">
+            <a:extLst>
+              <a:ext uri="{FF2B5EF4-FFF2-40B4-BE49-F238E27FC236}">
+                <a16:creationId xmlns:a16="http://schemas.microsoft.com/office/drawing/2014/main" id="{8CE7D389-2EE7-45D5-868B-9FA8A6FBF66D}"/>
+              </a:ext>
+            </a:extLst>
+          </p:cNvPr>
+          <p:cNvSpPr txBox="1"/>
+          <p:nvPr/>
+        </p:nvSpPr>
+        <p:spPr>
+          <a:xfrm>
+            <a:off x="10007426" y="4473653"/>
+            <a:ext cx="439118" cy="246221"/>
+          </a:xfrm>
+          <a:prstGeom prst="rect">
+            <a:avLst/>
+          </a:prstGeom>
+          <a:noFill/>
+        </p:spPr>
+        <p:txBody>
+          <a:bodyPr wrap="square" rtlCol="0">
+            <a:spAutoFit/>
+          </a:bodyPr>
+          <a:lstStyle/>
+          <a:p>
+            <a:r>
+              <a:rPr lang="de-DE" sz="1000" dirty="0"/>
+              <a:t>REST</a:t>
+            </a:r>
             <a:endParaRPr lang="de-DE" dirty="0"/>
           </a:p>
         </p:txBody>

--- a/Praesentationen/02-Entwurfsphase/Entwurf Präsentation.pptx
+++ b/Praesentationen/02-Entwurfsphase/Entwurf Präsentation.pptx
@@ -289,7 +289,7 @@
           <a:p>
             <a:fld id="{F899D2DC-6997-404A-B859-2EC79104A957}" type="datetimeFigureOut">
               <a:rPr lang="de-DE" smtClean="0"/>
-              <a:t>09.01.2022</a:t>
+              <a:t>10.01.22</a:t>
             </a:fld>
             <a:endParaRPr lang="de-DE"/>
           </a:p>
@@ -1557,7 +1557,7 @@
           <a:p>
             <a:fld id="{D4A7F7FB-B369-497A-97C2-098805D1A52E}" type="datetimeFigureOut">
               <a:rPr lang="de-DE" smtClean="0"/>
-              <a:t>09.01.2022</a:t>
+              <a:t>10.01.22</a:t>
             </a:fld>
             <a:endParaRPr lang="de-DE"/>
           </a:p>
@@ -1757,7 +1757,7 @@
           <a:p>
             <a:fld id="{D4A7F7FB-B369-497A-97C2-098805D1A52E}" type="datetimeFigureOut">
               <a:rPr lang="de-DE" smtClean="0"/>
-              <a:t>09.01.2022</a:t>
+              <a:t>10.01.22</a:t>
             </a:fld>
             <a:endParaRPr lang="de-DE"/>
           </a:p>
@@ -1967,7 +1967,7 @@
           <a:p>
             <a:fld id="{D4A7F7FB-B369-497A-97C2-098805D1A52E}" type="datetimeFigureOut">
               <a:rPr lang="de-DE" smtClean="0"/>
-              <a:t>09.01.2022</a:t>
+              <a:t>10.01.22</a:t>
             </a:fld>
             <a:endParaRPr lang="de-DE"/>
           </a:p>
@@ -2236,7 +2236,7 @@
           <a:p>
             <a:fld id="{D4A7F7FB-B369-497A-97C2-098805D1A52E}" type="datetimeFigureOut">
               <a:rPr lang="de-DE" smtClean="0"/>
-              <a:t>09.01.2022</a:t>
+              <a:t>10.01.22</a:t>
             </a:fld>
             <a:endParaRPr lang="de-DE"/>
           </a:p>
@@ -2406,7 +2406,7 @@
           <a:p>
             <a:fld id="{D4A7F7FB-B369-497A-97C2-098805D1A52E}" type="datetimeFigureOut">
               <a:rPr lang="de-DE" smtClean="0"/>
-              <a:t>09.01.2022</a:t>
+              <a:t>10.01.22</a:t>
             </a:fld>
             <a:endParaRPr lang="de-DE"/>
           </a:p>
@@ -2663,7 +2663,7 @@
           <a:p>
             <a:fld id="{D4A7F7FB-B369-497A-97C2-098805D1A52E}" type="datetimeFigureOut">
               <a:rPr lang="de-DE" smtClean="0"/>
-              <a:t>09.01.2022</a:t>
+              <a:t>10.01.22</a:t>
             </a:fld>
             <a:endParaRPr lang="de-DE"/>
           </a:p>
@@ -2895,7 +2895,7 @@
           <a:p>
             <a:fld id="{D4A7F7FB-B369-497A-97C2-098805D1A52E}" type="datetimeFigureOut">
               <a:rPr lang="de-DE" smtClean="0"/>
-              <a:t>09.01.2022</a:t>
+              <a:t>10.01.22</a:t>
             </a:fld>
             <a:endParaRPr lang="de-DE"/>
           </a:p>
@@ -3288,7 +3288,7 @@
           <a:p>
             <a:fld id="{D4A7F7FB-B369-497A-97C2-098805D1A52E}" type="datetimeFigureOut">
               <a:rPr lang="de-DE" smtClean="0"/>
-              <a:t>09.01.2022</a:t>
+              <a:t>10.01.22</a:t>
             </a:fld>
             <a:endParaRPr lang="de-DE"/>
           </a:p>
@@ -3406,7 +3406,7 @@
           <a:p>
             <a:fld id="{D4A7F7FB-B369-497A-97C2-098805D1A52E}" type="datetimeFigureOut">
               <a:rPr lang="de-DE" smtClean="0"/>
-              <a:t>09.01.2022</a:t>
+              <a:t>10.01.22</a:t>
             </a:fld>
             <a:endParaRPr lang="de-DE"/>
           </a:p>
@@ -3501,7 +3501,7 @@
           <a:p>
             <a:fld id="{D4A7F7FB-B369-497A-97C2-098805D1A52E}" type="datetimeFigureOut">
               <a:rPr lang="de-DE" smtClean="0"/>
-              <a:t>09.01.2022</a:t>
+              <a:t>10.01.22</a:t>
             </a:fld>
             <a:endParaRPr lang="de-DE"/>
           </a:p>
@@ -3774,7 +3774,7 @@
           <a:p>
             <a:fld id="{D4A7F7FB-B369-497A-97C2-098805D1A52E}" type="datetimeFigureOut">
               <a:rPr lang="de-DE" smtClean="0"/>
-              <a:t>09.01.2022</a:t>
+              <a:t>10.01.22</a:t>
             </a:fld>
             <a:endParaRPr lang="de-DE"/>
           </a:p>
@@ -3962,7 +3962,7 @@
           <a:p>
             <a:fld id="{D4A7F7FB-B369-497A-97C2-098805D1A52E}" type="datetimeFigureOut">
               <a:rPr lang="de-DE" smtClean="0"/>
-              <a:t>09.01.2022</a:t>
+              <a:t>10.01.22</a:t>
             </a:fld>
             <a:endParaRPr lang="de-DE"/>
           </a:p>
@@ -4255,7 +4255,7 @@
           <a:p>
             <a:fld id="{D4A7F7FB-B369-497A-97C2-098805D1A52E}" type="datetimeFigureOut">
               <a:rPr lang="de-DE" smtClean="0"/>
-              <a:t>09.01.2022</a:t>
+              <a:t>10.01.22</a:t>
             </a:fld>
             <a:endParaRPr lang="de-DE"/>
           </a:p>
@@ -4536,7 +4536,7 @@
           <a:p>
             <a:fld id="{D4A7F7FB-B369-497A-97C2-098805D1A52E}" type="datetimeFigureOut">
               <a:rPr lang="de-DE" smtClean="0"/>
-              <a:t>09.01.2022</a:t>
+              <a:t>10.01.22</a:t>
             </a:fld>
             <a:endParaRPr lang="de-DE"/>
           </a:p>
@@ -4728,7 +4728,7 @@
           <a:p>
             <a:fld id="{D4A7F7FB-B369-497A-97C2-098805D1A52E}" type="datetimeFigureOut">
               <a:rPr lang="de-DE" smtClean="0"/>
-              <a:t>09.01.2022</a:t>
+              <a:t>10.01.22</a:t>
             </a:fld>
             <a:endParaRPr lang="de-DE"/>
           </a:p>
@@ -4989,7 +4989,7 @@
           <a:p>
             <a:fld id="{D4A7F7FB-B369-497A-97C2-098805D1A52E}" type="datetimeFigureOut">
               <a:rPr lang="de-DE" smtClean="0"/>
-              <a:t>09.01.2022</a:t>
+              <a:t>10.01.22</a:t>
             </a:fld>
             <a:endParaRPr lang="de-DE"/>
           </a:p>
@@ -5415,7 +5415,7 @@
           <a:p>
             <a:fld id="{D4A7F7FB-B369-497A-97C2-098805D1A52E}" type="datetimeFigureOut">
               <a:rPr lang="de-DE" smtClean="0"/>
-              <a:t>09.01.2022</a:t>
+              <a:t>10.01.22</a:t>
             </a:fld>
             <a:endParaRPr lang="de-DE"/>
           </a:p>
@@ -5961,7 +5961,7 @@
           <a:p>
             <a:fld id="{D4A7F7FB-B369-497A-97C2-098805D1A52E}" type="datetimeFigureOut">
               <a:rPr lang="de-DE" smtClean="0"/>
-              <a:t>09.01.2022</a:t>
+              <a:t>10.01.22</a:t>
             </a:fld>
             <a:endParaRPr lang="de-DE"/>
           </a:p>
@@ -6792,7 +6792,7 @@
           <a:p>
             <a:fld id="{D4A7F7FB-B369-497A-97C2-098805D1A52E}" type="datetimeFigureOut">
               <a:rPr lang="de-DE" smtClean="0"/>
-              <a:t>09.01.2022</a:t>
+              <a:t>10.01.22</a:t>
             </a:fld>
             <a:endParaRPr lang="de-DE"/>
           </a:p>
@@ -6962,7 +6962,7 @@
           <a:p>
             <a:fld id="{D4A7F7FB-B369-497A-97C2-098805D1A52E}" type="datetimeFigureOut">
               <a:rPr lang="de-DE" smtClean="0"/>
-              <a:t>09.01.2022</a:t>
+              <a:t>10.01.22</a:t>
             </a:fld>
             <a:endParaRPr lang="de-DE"/>
           </a:p>
@@ -7142,7 +7142,7 @@
           <a:p>
             <a:fld id="{D4A7F7FB-B369-497A-97C2-098805D1A52E}" type="datetimeFigureOut">
               <a:rPr lang="de-DE" smtClean="0"/>
-              <a:t>09.01.2022</a:t>
+              <a:t>10.01.22</a:t>
             </a:fld>
             <a:endParaRPr lang="de-DE"/>
           </a:p>
@@ -7406,7 +7406,7 @@
           <a:p>
             <a:fld id="{D4A7F7FB-B369-497A-97C2-098805D1A52E}" type="datetimeFigureOut">
               <a:rPr lang="de-DE" smtClean="0"/>
-              <a:t>09.01.2022</a:t>
+              <a:t>10.01.22</a:t>
             </a:fld>
             <a:endParaRPr lang="de-DE"/>
           </a:p>
@@ -7674,7 +7674,7 @@
           <a:p>
             <a:fld id="{D4A7F7FB-B369-497A-97C2-098805D1A52E}" type="datetimeFigureOut">
               <a:rPr lang="de-DE" smtClean="0"/>
-              <a:t>09.01.2022</a:t>
+              <a:t>10.01.22</a:t>
             </a:fld>
             <a:endParaRPr lang="de-DE"/>
           </a:p>
@@ -8089,7 +8089,7 @@
           <a:p>
             <a:fld id="{D4A7F7FB-B369-497A-97C2-098805D1A52E}" type="datetimeFigureOut">
               <a:rPr lang="de-DE" smtClean="0"/>
-              <a:t>09.01.2022</a:t>
+              <a:t>10.01.22</a:t>
             </a:fld>
             <a:endParaRPr lang="de-DE"/>
           </a:p>
@@ -8231,7 +8231,7 @@
           <a:p>
             <a:fld id="{D4A7F7FB-B369-497A-97C2-098805D1A52E}" type="datetimeFigureOut">
               <a:rPr lang="de-DE" smtClean="0"/>
-              <a:t>09.01.2022</a:t>
+              <a:t>10.01.22</a:t>
             </a:fld>
             <a:endParaRPr lang="de-DE"/>
           </a:p>
@@ -8344,7 +8344,7 @@
           <a:p>
             <a:fld id="{D4A7F7FB-B369-497A-97C2-098805D1A52E}" type="datetimeFigureOut">
               <a:rPr lang="de-DE" smtClean="0"/>
-              <a:t>09.01.2022</a:t>
+              <a:t>10.01.22</a:t>
             </a:fld>
             <a:endParaRPr lang="de-DE"/>
           </a:p>
@@ -8657,7 +8657,7 @@
           <a:p>
             <a:fld id="{D4A7F7FB-B369-497A-97C2-098805D1A52E}" type="datetimeFigureOut">
               <a:rPr lang="de-DE" smtClean="0"/>
-              <a:t>09.01.2022</a:t>
+              <a:t>10.01.22</a:t>
             </a:fld>
             <a:endParaRPr lang="de-DE"/>
           </a:p>
@@ -8946,7 +8946,7 @@
           <a:p>
             <a:fld id="{D4A7F7FB-B369-497A-97C2-098805D1A52E}" type="datetimeFigureOut">
               <a:rPr lang="de-DE" smtClean="0"/>
-              <a:t>09.01.2022</a:t>
+              <a:t>10.01.22</a:t>
             </a:fld>
             <a:endParaRPr lang="de-DE"/>
           </a:p>
@@ -9189,7 +9189,7 @@
           <a:p>
             <a:fld id="{D4A7F7FB-B369-497A-97C2-098805D1A52E}" type="datetimeFigureOut">
               <a:rPr lang="de-DE" smtClean="0"/>
-              <a:t>09.01.2022</a:t>
+              <a:t>10.01.22</a:t>
             </a:fld>
             <a:endParaRPr lang="de-DE"/>
           </a:p>
@@ -9768,7 +9768,7 @@
           <a:p>
             <a:fld id="{D4A7F7FB-B369-497A-97C2-098805D1A52E}" type="datetimeFigureOut">
               <a:rPr lang="de-DE" smtClean="0"/>
-              <a:t>09.01.2022</a:t>
+              <a:t>10.01.22</a:t>
             </a:fld>
             <a:endParaRPr lang="de-DE"/>
           </a:p>
@@ -15015,7 +15015,9 @@
           </a:xfrm>
         </p:spPr>
         <p:txBody>
-          <a:bodyPr/>
+          <a:bodyPr>
+            <a:normAutofit/>
+          </a:bodyPr>
           <a:lstStyle/>
           <a:p>
             <a:r>
@@ -15033,9 +15035,12 @@
             </a:r>
             <a:r>
               <a:rPr lang="de-DE" dirty="0" err="1"/>
-              <a:t>Boilerplatecode</a:t>
-            </a:r>
-            <a:endParaRPr lang="de-DE" dirty="0"/>
+              <a:t>Boilerplate</a:t>
+            </a:r>
+            <a:r>
+              <a:rPr lang="de-DE" dirty="0"/>
+              <a:t>-code</a:t>
+            </a:r>
           </a:p>
           <a:p>
             <a:pPr marL="457200" lvl="1" indent="0">
@@ -15056,6 +15061,26 @@
             </a:r>
           </a:p>
           <a:p>
+            <a:r>
+              <a:rPr lang="de-DE" dirty="0"/>
+              <a:t>Java</a:t>
+            </a:r>
+          </a:p>
+          <a:p>
+            <a:pPr marL="457200" lvl="1" indent="0">
+              <a:buNone/>
+            </a:pPr>
+            <a:r>
+              <a:rPr lang="de-DE" dirty="0"/>
+              <a:t>+ Linux </a:t>
+            </a:r>
+            <a:r>
+              <a:rPr lang="de-DE" dirty="0" err="1"/>
+              <a:t>plattform</a:t>
+            </a:r>
+            <a:endParaRPr lang="de-DE" dirty="0"/>
+          </a:p>
+          <a:p>
             <a:pPr marL="457200" lvl="1" indent="0">
               <a:buNone/>
             </a:pPr>
@@ -15064,7 +15089,7 @@
           <a:p>
             <a:r>
               <a:rPr lang="de-DE" dirty="0"/>
-              <a:t>Interceptor zur Validierung</a:t>
+              <a:t>Interceptor/Filter zur Validierung</a:t>
             </a:r>
           </a:p>
           <a:p>

--- a/Praesentationen/02-Entwurfsphase/Entwurf Präsentation.pptx
+++ b/Praesentationen/02-Entwurfsphase/Entwurf Präsentation.pptx
@@ -289,7 +289,7 @@
           <a:p>
             <a:fld id="{F899D2DC-6997-404A-B859-2EC79104A957}" type="datetimeFigureOut">
               <a:rPr lang="de-DE" smtClean="0"/>
-              <a:t>10.01.22</a:t>
+              <a:t>10.01.2022</a:t>
             </a:fld>
             <a:endParaRPr lang="de-DE"/>
           </a:p>
@@ -698,73 +698,68 @@
           <a:p>
             <a:r>
               <a:rPr lang="de-DE" dirty="0"/>
-              <a:t>Aufgabe:</a:t>
+              <a:t>Nutzen Room (OO, testbar, liefert schon Observables aus)</a:t>
             </a:r>
           </a:p>
           <a:p>
             <a:r>
               <a:rPr lang="de-DE" dirty="0"/>
-              <a:t> - Dem Repository eine einfache Schnittstelle bereitstellen</a:t>
+              <a:t>Tabelle als JSON, da häufiges Ändern des Datenbankschemas nicht optimal</a:t>
             </a:r>
           </a:p>
           <a:p>
             <a:r>
               <a:rPr lang="de-DE" dirty="0"/>
-              <a:t>   -- Fassade in der RDS API einzige Schnittstelle für Methodenaufrufe</a:t>
-            </a:r>
-            <a:br>
+              <a:t>Kommunikation nach „oben“ über </a:t>
+            </a:r>
+            <a:r>
+              <a:rPr lang="de-DE" dirty="0" err="1"/>
+              <a:t>Flows</a:t>
+            </a:r>
+            <a:r>
               <a:rPr lang="de-DE" dirty="0"/>
-            </a:br>
+              <a:t> -&gt; Repo/</a:t>
+            </a:r>
+            <a:r>
+              <a:rPr lang="de-DE" dirty="0" err="1"/>
+              <a:t>Viewmodel</a:t>
+            </a:r>
             <a:r>
               <a:rPr lang="de-DE" dirty="0"/>
-              <a:t> - Schnittstelle an externe Dienste</a:t>
-            </a:r>
-          </a:p>
-          <a:p>
+              <a:t>/View nicht von </a:t>
+            </a:r>
+            <a:r>
+              <a:rPr lang="de-DE" dirty="0" err="1"/>
+              <a:t>Datenbankimpl</a:t>
+            </a:r>
             <a:r>
               <a:rPr lang="de-DE" dirty="0"/>
-              <a:t>   -- </a:t>
+              <a:t>. Abhängig</a:t>
+            </a:r>
+          </a:p>
+          <a:p>
+            <a:r>
+              <a:rPr lang="de-DE" dirty="0"/>
+              <a:t>Aufgerufen über Repo -&gt; </a:t>
             </a:r>
             <a:r>
               <a:rPr lang="de-DE" dirty="0" err="1"/>
-              <a:t>Firebase</a:t>
-            </a:r>
-            <a:endParaRPr lang="de-DE" dirty="0"/>
-          </a:p>
-          <a:p>
+              <a:t>Viewmodel</a:t>
+            </a:r>
             <a:r>
               <a:rPr lang="de-DE" dirty="0"/>
-              <a:t>    --- um Nutzende anzumelden</a:t>
+              <a:t>/View weiß nichts über interne Speicherung der Daten</a:t>
             </a:r>
           </a:p>
           <a:p>
             <a:r>
               <a:rPr lang="de-DE" dirty="0"/>
-              <a:t>   -- Server</a:t>
-            </a:r>
-          </a:p>
-          <a:p>
-            <a:r>
-              <a:rPr lang="de-DE" dirty="0"/>
-              <a:t>    --- leitet Anfragen an den Server weiter</a:t>
-            </a:r>
-          </a:p>
-          <a:p>
-            <a:r>
-              <a:rPr lang="de-DE" dirty="0"/>
-              <a:t>    --- empfängt Antworten und leitet die weiter an das Repository</a:t>
-            </a:r>
-          </a:p>
-          <a:p>
-            <a:r>
-              <a:rPr lang="de-DE" dirty="0"/>
-              <a:t>     ---- Speichert außerdem einige Rückgabetypen in speziellen Queues -&gt; Besser für Repository</a:t>
-            </a:r>
-          </a:p>
-          <a:p>
-            <a:endParaRPr lang="de-DE" dirty="0"/>
-          </a:p>
-          <a:p>
+              <a:t>Änderungen an Datenbank -&gt; automatisch </a:t>
+            </a:r>
+            <a:r>
+              <a:rPr lang="de-DE"/>
+              <a:t>GUI Update</a:t>
+            </a:r>
             <a:endParaRPr lang="de-DE" dirty="0"/>
           </a:p>
         </p:txBody>
@@ -786,7 +781,7 @@
           <a:p>
             <a:fld id="{C2C6D2D8-86AA-475B-8106-1DD72F98FEFF}" type="slidenum">
               <a:rPr lang="de-DE" smtClean="0"/>
-              <a:t>10</a:t>
+              <a:t>9</a:t>
             </a:fld>
             <a:endParaRPr lang="de-DE"/>
           </a:p>
@@ -795,7 +790,7 @@
     </p:spTree>
     <p:extLst>
       <p:ext uri="{BB962C8B-B14F-4D97-AF65-F5344CB8AC3E}">
-        <p14:creationId xmlns:p14="http://schemas.microsoft.com/office/powerpoint/2010/main" val="690369194"/>
+        <p14:creationId xmlns:p14="http://schemas.microsoft.com/office/powerpoint/2010/main" val="2002201380"/>
       </p:ext>
     </p:extLst>
   </p:cSld>
@@ -851,6 +846,159 @@
           <a:p>
             <a:r>
               <a:rPr lang="de-DE" dirty="0"/>
+              <a:t>Aufgabe:</a:t>
+            </a:r>
+          </a:p>
+          <a:p>
+            <a:r>
+              <a:rPr lang="de-DE" dirty="0"/>
+              <a:t> - Dem Repository eine einfache Schnittstelle bereitstellen</a:t>
+            </a:r>
+          </a:p>
+          <a:p>
+            <a:r>
+              <a:rPr lang="de-DE" dirty="0"/>
+              <a:t>   -- Fassade in der RDS API einzige Schnittstelle für Methodenaufrufe</a:t>
+            </a:r>
+            <a:br>
+              <a:rPr lang="de-DE" dirty="0"/>
+            </a:br>
+            <a:r>
+              <a:rPr lang="de-DE" dirty="0"/>
+              <a:t> - Schnittstelle an externe Dienste</a:t>
+            </a:r>
+          </a:p>
+          <a:p>
+            <a:r>
+              <a:rPr lang="de-DE" dirty="0"/>
+              <a:t>   -- </a:t>
+            </a:r>
+            <a:r>
+              <a:rPr lang="de-DE" dirty="0" err="1"/>
+              <a:t>Firebase</a:t>
+            </a:r>
+            <a:endParaRPr lang="de-DE" dirty="0"/>
+          </a:p>
+          <a:p>
+            <a:r>
+              <a:rPr lang="de-DE" dirty="0"/>
+              <a:t>    --- um Nutzende anzumelden</a:t>
+            </a:r>
+          </a:p>
+          <a:p>
+            <a:r>
+              <a:rPr lang="de-DE" dirty="0"/>
+              <a:t>   -- Server</a:t>
+            </a:r>
+          </a:p>
+          <a:p>
+            <a:r>
+              <a:rPr lang="de-DE" dirty="0"/>
+              <a:t>    --- leitet Anfragen an den Server weiter</a:t>
+            </a:r>
+          </a:p>
+          <a:p>
+            <a:r>
+              <a:rPr lang="de-DE" dirty="0"/>
+              <a:t>    --- empfängt Antworten und leitet die weiter an das Repository</a:t>
+            </a:r>
+          </a:p>
+          <a:p>
+            <a:r>
+              <a:rPr lang="de-DE" dirty="0"/>
+              <a:t>     ---- Speichert außerdem einige Rückgabetypen in speziellen Queues -&gt; Besser für Repository</a:t>
+            </a:r>
+          </a:p>
+          <a:p>
+            <a:endParaRPr lang="de-DE" dirty="0"/>
+          </a:p>
+          <a:p>
+            <a:endParaRPr lang="de-DE" dirty="0"/>
+          </a:p>
+        </p:txBody>
+      </p:sp>
+      <p:sp>
+        <p:nvSpPr>
+          <p:cNvPr id="4" name="Foliennummernplatzhalter 3"/>
+          <p:cNvSpPr>
+            <a:spLocks noGrp="1"/>
+          </p:cNvSpPr>
+          <p:nvPr>
+            <p:ph type="sldNum" sz="quarter" idx="5"/>
+          </p:nvPr>
+        </p:nvSpPr>
+        <p:spPr/>
+        <p:txBody>
+          <a:bodyPr/>
+          <a:lstStyle/>
+          <a:p>
+            <a:fld id="{C2C6D2D8-86AA-475B-8106-1DD72F98FEFF}" type="slidenum">
+              <a:rPr lang="de-DE" smtClean="0"/>
+              <a:t>10</a:t>
+            </a:fld>
+            <a:endParaRPr lang="de-DE"/>
+          </a:p>
+        </p:txBody>
+      </p:sp>
+    </p:spTree>
+    <p:extLst>
+      <p:ext uri="{BB962C8B-B14F-4D97-AF65-F5344CB8AC3E}">
+        <p14:creationId xmlns:p14="http://schemas.microsoft.com/office/powerpoint/2010/main" val="690369194"/>
+      </p:ext>
+    </p:extLst>
+  </p:cSld>
+  <p:clrMapOvr>
+    <a:masterClrMapping/>
+  </p:clrMapOvr>
+</p:notes>
+</file>
+
+<file path=ppt/notesSlides/notesSlide4.xml><?xml version="1.0" encoding="utf-8"?>
+<p:notes xmlns:a="http://schemas.openxmlformats.org/drawingml/2006/main" xmlns:r="http://schemas.openxmlformats.org/officeDocument/2006/relationships" xmlns:p="http://schemas.openxmlformats.org/presentationml/2006/main">
+  <p:cSld>
+    <p:spTree>
+      <p:nvGrpSpPr>
+        <p:cNvPr id="1" name=""/>
+        <p:cNvGrpSpPr/>
+        <p:nvPr/>
+      </p:nvGrpSpPr>
+      <p:grpSpPr>
+        <a:xfrm>
+          <a:off x="0" y="0"/>
+          <a:ext cx="0" cy="0"/>
+          <a:chOff x="0" y="0"/>
+          <a:chExt cx="0" cy="0"/>
+        </a:xfrm>
+      </p:grpSpPr>
+      <p:sp>
+        <p:nvSpPr>
+          <p:cNvPr id="2" name="Folienbildplatzhalter 1"/>
+          <p:cNvSpPr>
+            <a:spLocks noGrp="1" noRot="1" noChangeAspect="1"/>
+          </p:cNvSpPr>
+          <p:nvPr>
+            <p:ph type="sldImg"/>
+          </p:nvPr>
+        </p:nvSpPr>
+        <p:spPr/>
+      </p:sp>
+      <p:sp>
+        <p:nvSpPr>
+          <p:cNvPr id="3" name="Notizenplatzhalter 2"/>
+          <p:cNvSpPr>
+            <a:spLocks noGrp="1"/>
+          </p:cNvSpPr>
+          <p:nvPr>
+            <p:ph type="body" idx="1"/>
+          </p:nvPr>
+        </p:nvSpPr>
+        <p:spPr/>
+        <p:txBody>
+          <a:bodyPr/>
+          <a:lstStyle/>
+          <a:p>
+            <a:r>
+              <a:rPr lang="de-DE" dirty="0"/>
               <a:t>Logik nicht in die „Schnittstelle“ zum Client</a:t>
             </a:r>
           </a:p>
@@ -1226,7 +1374,7 @@
 </p:notes>
 </file>
 
-<file path=ppt/notesSlides/notesSlide4.xml><?xml version="1.0" encoding="utf-8"?>
+<file path=ppt/notesSlides/notesSlide5.xml><?xml version="1.0" encoding="utf-8"?>
 <p:notes xmlns:a="http://schemas.openxmlformats.org/drawingml/2006/main" xmlns:r="http://schemas.openxmlformats.org/officeDocument/2006/relationships" xmlns:p="http://schemas.openxmlformats.org/presentationml/2006/main">
   <p:cSld>
     <p:spTree>
@@ -1557,7 +1705,7 @@
           <a:p>
             <a:fld id="{D4A7F7FB-B369-497A-97C2-098805D1A52E}" type="datetimeFigureOut">
               <a:rPr lang="de-DE" smtClean="0"/>
-              <a:t>10.01.22</a:t>
+              <a:t>10.01.2022</a:t>
             </a:fld>
             <a:endParaRPr lang="de-DE"/>
           </a:p>
@@ -1757,7 +1905,7 @@
           <a:p>
             <a:fld id="{D4A7F7FB-B369-497A-97C2-098805D1A52E}" type="datetimeFigureOut">
               <a:rPr lang="de-DE" smtClean="0"/>
-              <a:t>10.01.22</a:t>
+              <a:t>10.01.2022</a:t>
             </a:fld>
             <a:endParaRPr lang="de-DE"/>
           </a:p>
@@ -1967,7 +2115,7 @@
           <a:p>
             <a:fld id="{D4A7F7FB-B369-497A-97C2-098805D1A52E}" type="datetimeFigureOut">
               <a:rPr lang="de-DE" smtClean="0"/>
-              <a:t>10.01.22</a:t>
+              <a:t>10.01.2022</a:t>
             </a:fld>
             <a:endParaRPr lang="de-DE"/>
           </a:p>
@@ -2236,7 +2384,7 @@
           <a:p>
             <a:fld id="{D4A7F7FB-B369-497A-97C2-098805D1A52E}" type="datetimeFigureOut">
               <a:rPr lang="de-DE" smtClean="0"/>
-              <a:t>10.01.22</a:t>
+              <a:t>10.01.2022</a:t>
             </a:fld>
             <a:endParaRPr lang="de-DE"/>
           </a:p>
@@ -2406,7 +2554,7 @@
           <a:p>
             <a:fld id="{D4A7F7FB-B369-497A-97C2-098805D1A52E}" type="datetimeFigureOut">
               <a:rPr lang="de-DE" smtClean="0"/>
-              <a:t>10.01.22</a:t>
+              <a:t>10.01.2022</a:t>
             </a:fld>
             <a:endParaRPr lang="de-DE"/>
           </a:p>
@@ -2663,7 +2811,7 @@
           <a:p>
             <a:fld id="{D4A7F7FB-B369-497A-97C2-098805D1A52E}" type="datetimeFigureOut">
               <a:rPr lang="de-DE" smtClean="0"/>
-              <a:t>10.01.22</a:t>
+              <a:t>10.01.2022</a:t>
             </a:fld>
             <a:endParaRPr lang="de-DE"/>
           </a:p>
@@ -2895,7 +3043,7 @@
           <a:p>
             <a:fld id="{D4A7F7FB-B369-497A-97C2-098805D1A52E}" type="datetimeFigureOut">
               <a:rPr lang="de-DE" smtClean="0"/>
-              <a:t>10.01.22</a:t>
+              <a:t>10.01.2022</a:t>
             </a:fld>
             <a:endParaRPr lang="de-DE"/>
           </a:p>
@@ -3288,7 +3436,7 @@
           <a:p>
             <a:fld id="{D4A7F7FB-B369-497A-97C2-098805D1A52E}" type="datetimeFigureOut">
               <a:rPr lang="de-DE" smtClean="0"/>
-              <a:t>10.01.22</a:t>
+              <a:t>10.01.2022</a:t>
             </a:fld>
             <a:endParaRPr lang="de-DE"/>
           </a:p>
@@ -3406,7 +3554,7 @@
           <a:p>
             <a:fld id="{D4A7F7FB-B369-497A-97C2-098805D1A52E}" type="datetimeFigureOut">
               <a:rPr lang="de-DE" smtClean="0"/>
-              <a:t>10.01.22</a:t>
+              <a:t>10.01.2022</a:t>
             </a:fld>
             <a:endParaRPr lang="de-DE"/>
           </a:p>
@@ -3501,7 +3649,7 @@
           <a:p>
             <a:fld id="{D4A7F7FB-B369-497A-97C2-098805D1A52E}" type="datetimeFigureOut">
               <a:rPr lang="de-DE" smtClean="0"/>
-              <a:t>10.01.22</a:t>
+              <a:t>10.01.2022</a:t>
             </a:fld>
             <a:endParaRPr lang="de-DE"/>
           </a:p>
@@ -3774,7 +3922,7 @@
           <a:p>
             <a:fld id="{D4A7F7FB-B369-497A-97C2-098805D1A52E}" type="datetimeFigureOut">
               <a:rPr lang="de-DE" smtClean="0"/>
-              <a:t>10.01.22</a:t>
+              <a:t>10.01.2022</a:t>
             </a:fld>
             <a:endParaRPr lang="de-DE"/>
           </a:p>
@@ -3962,7 +4110,7 @@
           <a:p>
             <a:fld id="{D4A7F7FB-B369-497A-97C2-098805D1A52E}" type="datetimeFigureOut">
               <a:rPr lang="de-DE" smtClean="0"/>
-              <a:t>10.01.22</a:t>
+              <a:t>10.01.2022</a:t>
             </a:fld>
             <a:endParaRPr lang="de-DE"/>
           </a:p>
@@ -4255,7 +4403,7 @@
           <a:p>
             <a:fld id="{D4A7F7FB-B369-497A-97C2-098805D1A52E}" type="datetimeFigureOut">
               <a:rPr lang="de-DE" smtClean="0"/>
-              <a:t>10.01.22</a:t>
+              <a:t>10.01.2022</a:t>
             </a:fld>
             <a:endParaRPr lang="de-DE"/>
           </a:p>
@@ -4536,7 +4684,7 @@
           <a:p>
             <a:fld id="{D4A7F7FB-B369-497A-97C2-098805D1A52E}" type="datetimeFigureOut">
               <a:rPr lang="de-DE" smtClean="0"/>
-              <a:t>10.01.22</a:t>
+              <a:t>10.01.2022</a:t>
             </a:fld>
             <a:endParaRPr lang="de-DE"/>
           </a:p>
@@ -4728,7 +4876,7 @@
           <a:p>
             <a:fld id="{D4A7F7FB-B369-497A-97C2-098805D1A52E}" type="datetimeFigureOut">
               <a:rPr lang="de-DE" smtClean="0"/>
-              <a:t>10.01.22</a:t>
+              <a:t>10.01.2022</a:t>
             </a:fld>
             <a:endParaRPr lang="de-DE"/>
           </a:p>
@@ -4989,7 +5137,7 @@
           <a:p>
             <a:fld id="{D4A7F7FB-B369-497A-97C2-098805D1A52E}" type="datetimeFigureOut">
               <a:rPr lang="de-DE" smtClean="0"/>
-              <a:t>10.01.22</a:t>
+              <a:t>10.01.2022</a:t>
             </a:fld>
             <a:endParaRPr lang="de-DE"/>
           </a:p>
@@ -5415,7 +5563,7 @@
           <a:p>
             <a:fld id="{D4A7F7FB-B369-497A-97C2-098805D1A52E}" type="datetimeFigureOut">
               <a:rPr lang="de-DE" smtClean="0"/>
-              <a:t>10.01.22</a:t>
+              <a:t>10.01.2022</a:t>
             </a:fld>
             <a:endParaRPr lang="de-DE"/>
           </a:p>
@@ -5961,7 +6109,7 @@
           <a:p>
             <a:fld id="{D4A7F7FB-B369-497A-97C2-098805D1A52E}" type="datetimeFigureOut">
               <a:rPr lang="de-DE" smtClean="0"/>
-              <a:t>10.01.22</a:t>
+              <a:t>10.01.2022</a:t>
             </a:fld>
             <a:endParaRPr lang="de-DE"/>
           </a:p>
@@ -6792,7 +6940,7 @@
           <a:p>
             <a:fld id="{D4A7F7FB-B369-497A-97C2-098805D1A52E}" type="datetimeFigureOut">
               <a:rPr lang="de-DE" smtClean="0"/>
-              <a:t>10.01.22</a:t>
+              <a:t>10.01.2022</a:t>
             </a:fld>
             <a:endParaRPr lang="de-DE"/>
           </a:p>
@@ -6962,7 +7110,7 @@
           <a:p>
             <a:fld id="{D4A7F7FB-B369-497A-97C2-098805D1A52E}" type="datetimeFigureOut">
               <a:rPr lang="de-DE" smtClean="0"/>
-              <a:t>10.01.22</a:t>
+              <a:t>10.01.2022</a:t>
             </a:fld>
             <a:endParaRPr lang="de-DE"/>
           </a:p>
@@ -7142,7 +7290,7 @@
           <a:p>
             <a:fld id="{D4A7F7FB-B369-497A-97C2-098805D1A52E}" type="datetimeFigureOut">
               <a:rPr lang="de-DE" smtClean="0"/>
-              <a:t>10.01.22</a:t>
+              <a:t>10.01.2022</a:t>
             </a:fld>
             <a:endParaRPr lang="de-DE"/>
           </a:p>
@@ -7406,7 +7554,7 @@
           <a:p>
             <a:fld id="{D4A7F7FB-B369-497A-97C2-098805D1A52E}" type="datetimeFigureOut">
               <a:rPr lang="de-DE" smtClean="0"/>
-              <a:t>10.01.22</a:t>
+              <a:t>10.01.2022</a:t>
             </a:fld>
             <a:endParaRPr lang="de-DE"/>
           </a:p>
@@ -7674,7 +7822,7 @@
           <a:p>
             <a:fld id="{D4A7F7FB-B369-497A-97C2-098805D1A52E}" type="datetimeFigureOut">
               <a:rPr lang="de-DE" smtClean="0"/>
-              <a:t>10.01.22</a:t>
+              <a:t>10.01.2022</a:t>
             </a:fld>
             <a:endParaRPr lang="de-DE"/>
           </a:p>
@@ -8089,7 +8237,7 @@
           <a:p>
             <a:fld id="{D4A7F7FB-B369-497A-97C2-098805D1A52E}" type="datetimeFigureOut">
               <a:rPr lang="de-DE" smtClean="0"/>
-              <a:t>10.01.22</a:t>
+              <a:t>10.01.2022</a:t>
             </a:fld>
             <a:endParaRPr lang="de-DE"/>
           </a:p>
@@ -8231,7 +8379,7 @@
           <a:p>
             <a:fld id="{D4A7F7FB-B369-497A-97C2-098805D1A52E}" type="datetimeFigureOut">
               <a:rPr lang="de-DE" smtClean="0"/>
-              <a:t>10.01.22</a:t>
+              <a:t>10.01.2022</a:t>
             </a:fld>
             <a:endParaRPr lang="de-DE"/>
           </a:p>
@@ -8344,7 +8492,7 @@
           <a:p>
             <a:fld id="{D4A7F7FB-B369-497A-97C2-098805D1A52E}" type="datetimeFigureOut">
               <a:rPr lang="de-DE" smtClean="0"/>
-              <a:t>10.01.22</a:t>
+              <a:t>10.01.2022</a:t>
             </a:fld>
             <a:endParaRPr lang="de-DE"/>
           </a:p>
@@ -8657,7 +8805,7 @@
           <a:p>
             <a:fld id="{D4A7F7FB-B369-497A-97C2-098805D1A52E}" type="datetimeFigureOut">
               <a:rPr lang="de-DE" smtClean="0"/>
-              <a:t>10.01.22</a:t>
+              <a:t>10.01.2022</a:t>
             </a:fld>
             <a:endParaRPr lang="de-DE"/>
           </a:p>
@@ -8946,7 +9094,7 @@
           <a:p>
             <a:fld id="{D4A7F7FB-B369-497A-97C2-098805D1A52E}" type="datetimeFigureOut">
               <a:rPr lang="de-DE" smtClean="0"/>
-              <a:t>10.01.22</a:t>
+              <a:t>10.01.2022</a:t>
             </a:fld>
             <a:endParaRPr lang="de-DE"/>
           </a:p>
@@ -9189,7 +9337,7 @@
           <a:p>
             <a:fld id="{D4A7F7FB-B369-497A-97C2-098805D1A52E}" type="datetimeFigureOut">
               <a:rPr lang="de-DE" smtClean="0"/>
-              <a:t>10.01.22</a:t>
+              <a:t>10.01.2022</a:t>
             </a:fld>
             <a:endParaRPr lang="de-DE"/>
           </a:p>
@@ -9768,7 +9916,7 @@
           <a:p>
             <a:fld id="{D4A7F7FB-B369-497A-97C2-098805D1A52E}" type="datetimeFigureOut">
               <a:rPr lang="de-DE" smtClean="0"/>
-              <a:t>10.01.22</a:t>
+              <a:t>10.01.2022</a:t>
             </a:fld>
             <a:endParaRPr lang="de-DE"/>
           </a:p>
@@ -22360,6 +22508,42 @@
           </a:p>
         </p:txBody>
       </p:sp>
+      <p:pic>
+        <p:nvPicPr>
+          <p:cNvPr id="4" name="Grafik 3">
+            <a:extLst>
+              <a:ext uri="{FF2B5EF4-FFF2-40B4-BE49-F238E27FC236}">
+                <a16:creationId xmlns:a16="http://schemas.microsoft.com/office/drawing/2014/main" id="{5EC3EDBD-A345-4D06-97C6-B3DD0B48518F}"/>
+              </a:ext>
+            </a:extLst>
+          </p:cNvPr>
+          <p:cNvPicPr>
+            <a:picLocks noChangeAspect="1"/>
+          </p:cNvPicPr>
+          <p:nvPr/>
+        </p:nvPicPr>
+        <p:blipFill>
+          <a:blip r:embed="rId3">
+            <a:extLst>
+              <a:ext uri="{28A0092B-C50C-407E-A947-70E740481C1C}">
+                <a14:useLocalDpi xmlns:a14="http://schemas.microsoft.com/office/drawing/2010/main" val="0"/>
+              </a:ext>
+            </a:extLst>
+          </a:blip>
+          <a:stretch>
+            <a:fillRect/>
+          </a:stretch>
+        </p:blipFill>
+        <p:spPr>
+          <a:xfrm>
+            <a:off x="3287653" y="1393031"/>
+            <a:ext cx="5605333" cy="4071937"/>
+          </a:xfrm>
+          <a:prstGeom prst="rect">
+            <a:avLst/>
+          </a:prstGeom>
+        </p:spPr>
+      </p:pic>
     </p:spTree>
     <p:extLst>
       <p:ext uri="{BB962C8B-B14F-4D97-AF65-F5344CB8AC3E}">

--- a/Praesentationen/02-Entwurfsphase/Entwurf Präsentation.pptx
+++ b/Praesentationen/02-Entwurfsphase/Entwurf Präsentation.pptx
@@ -289,7 +289,7 @@
           <a:p>
             <a:fld id="{F899D2DC-6997-404A-B859-2EC79104A957}" type="datetimeFigureOut">
               <a:rPr lang="de-DE" smtClean="0"/>
-              <a:t>10.01.2022</a:t>
+              <a:t>11.01.2022</a:t>
             </a:fld>
             <a:endParaRPr lang="de-DE"/>
           </a:p>
@@ -447,7 +447,7 @@
           <a:p>
             <a:fld id="{C2C6D2D8-86AA-475B-8106-1DD72F98FEFF}" type="slidenum">
               <a:rPr lang="de-DE" smtClean="0"/>
-              <a:t>‹Nr.›</a:t>
+              <a:t>‹#›</a:t>
             </a:fld>
             <a:endParaRPr lang="de-DE"/>
           </a:p>
@@ -575,7 +575,7 @@
       </p:grpSpPr>
       <p:sp>
         <p:nvSpPr>
-          <p:cNvPr id="2" name="Folienbildplatzhalter 1"/>
+          <p:cNvPr id="2" name="Slide Image Placeholder 1"/>
           <p:cNvSpPr>
             <a:spLocks noGrp="1" noRot="1" noChangeAspect="1"/>
           </p:cNvSpPr>
@@ -587,7 +587,7 @@
       </p:sp>
       <p:sp>
         <p:nvSpPr>
-          <p:cNvPr id="3" name="Notizenplatzhalter 2"/>
+          <p:cNvPr id="3" name="Notes Placeholder 2"/>
           <p:cNvSpPr>
             <a:spLocks noGrp="1"/>
           </p:cNvSpPr>
@@ -600,25 +600,70 @@
           <a:bodyPr/>
           <a:lstStyle/>
           <a:p>
+            <a:pPr marL="171450" indent="-171450">
+              <a:buFontTx/>
+              <a:buChar char="-"/>
+            </a:pPr>
             <a:r>
               <a:rPr lang="de-DE" dirty="0"/>
-              <a:t>Alles getrennt was getrennt sein muss </a:t>
-            </a:r>
-          </a:p>
-          <a:p>
+              <a:t>Herzlich willkommen zur Entwurfspräsentation zum PSE Write your own Android App</a:t>
+            </a:r>
+          </a:p>
+          <a:p>
+            <a:pPr marL="171450" indent="-171450">
+              <a:buFontTx/>
+              <a:buChar char="-"/>
+            </a:pPr>
             <a:r>
               <a:rPr lang="de-DE" dirty="0"/>
-              <a:t>Kein doppelter Code </a:t>
-            </a:r>
-          </a:p>
-          <a:p>
-            <a:endParaRPr lang="de-DE" dirty="0"/>
-          </a:p>
-        </p:txBody>
-      </p:sp>
-      <p:sp>
-        <p:nvSpPr>
-          <p:cNvPr id="4" name="Foliennummernplatzhalter 3"/>
+              <a:t>In dieser Präsentation werden wir das bereits Abgegebene Entwurfsdokument besprechen und auf Entwurfsentscheidungen eingehen.</a:t>
+            </a:r>
+          </a:p>
+          <a:p>
+            <a:pPr marL="171450" indent="-171450">
+              <a:buFontTx/>
+              <a:buChar char="-"/>
+            </a:pPr>
+            <a:r>
+              <a:rPr lang="de-DE" dirty="0"/>
+              <a:t>Doch zunächst etwas zur Architektur</a:t>
+            </a:r>
+          </a:p>
+          <a:p>
+            <a:pPr marL="171450" indent="-171450">
+              <a:buFontTx/>
+              <a:buChar char="-"/>
+            </a:pPr>
+            <a:r>
+              <a:rPr lang="de-DE" dirty="0"/>
+              <a:t>Die App kann in einen Sever und in einen Client Teil aufgeteilt werden</a:t>
+            </a:r>
+          </a:p>
+          <a:p>
+            <a:pPr marL="171450" indent="-171450">
+              <a:buFontTx/>
+              <a:buChar char="-"/>
+            </a:pPr>
+            <a:r>
+              <a:rPr lang="de-DE" dirty="0"/>
+              <a:t>Beginnen wir mit dem Client teil</a:t>
+            </a:r>
+          </a:p>
+          <a:p>
+            <a:pPr marL="171450" indent="-171450">
+              <a:buFontTx/>
+              <a:buChar char="-"/>
+            </a:pPr>
+            <a:r>
+              <a:rPr lang="de-DE" dirty="0"/>
+              <a:t>[Nächste Folie]</a:t>
+            </a:r>
+          </a:p>
+        </p:txBody>
+      </p:sp>
+      <p:sp>
+        <p:nvSpPr>
+          <p:cNvPr id="4" name="Slide Number Placeholder 3"/>
           <p:cNvSpPr>
             <a:spLocks noGrp="1"/>
           </p:cNvSpPr>
@@ -633,7 +678,7 @@
           <a:p>
             <a:fld id="{C2C6D2D8-86AA-475B-8106-1DD72F98FEFF}" type="slidenum">
               <a:rPr lang="de-DE" smtClean="0"/>
-              <a:t>3</a:t>
+              <a:t>1</a:t>
             </a:fld>
             <a:endParaRPr lang="de-DE"/>
           </a:p>
@@ -642,7 +687,7 @@
     </p:spTree>
     <p:extLst>
       <p:ext uri="{BB962C8B-B14F-4D97-AF65-F5344CB8AC3E}">
-        <p14:creationId xmlns:p14="http://schemas.microsoft.com/office/powerpoint/2010/main" val="1791414030"/>
+        <p14:creationId xmlns:p14="http://schemas.microsoft.com/office/powerpoint/2010/main" val="939939347"/>
       </p:ext>
     </p:extLst>
   </p:cSld>
@@ -671,7 +716,7 @@
       </p:grpSpPr>
       <p:sp>
         <p:nvSpPr>
-          <p:cNvPr id="2" name="Folienbildplatzhalter 1"/>
+          <p:cNvPr id="2" name="Slide Image Placeholder 1"/>
           <p:cNvSpPr>
             <a:spLocks noGrp="1" noRot="1" noChangeAspect="1"/>
           </p:cNvSpPr>
@@ -683,7 +728,7 @@
       </p:sp>
       <p:sp>
         <p:nvSpPr>
-          <p:cNvPr id="3" name="Notizenplatzhalter 2"/>
+          <p:cNvPr id="3" name="Notes Placeholder 2"/>
           <p:cNvSpPr>
             <a:spLocks noGrp="1"/>
           </p:cNvSpPr>
@@ -696,69 +741,97 @@
           <a:bodyPr/>
           <a:lstStyle/>
           <a:p>
+            <a:pPr marL="171450" indent="-171450">
+              <a:buFontTx/>
+              <a:buChar char="-"/>
+            </a:pPr>
             <a:r>
               <a:rPr lang="de-DE" dirty="0"/>
-              <a:t>Nutzen Room (OO, testbar, liefert schon Observables aus)</a:t>
-            </a:r>
-          </a:p>
-          <a:p>
+              <a:t>Für den Client haben wir das Architekturmuster MVVM gewählt da es</a:t>
+            </a:r>
+          </a:p>
+          <a:p>
+            <a:pPr marL="628650" lvl="1" indent="-171450">
+              <a:buFontTx/>
+              <a:buChar char="-"/>
+            </a:pPr>
             <a:r>
               <a:rPr lang="de-DE" dirty="0"/>
-              <a:t>Tabelle als JSON, da häufiges Ändern des Datenbankschemas nicht optimal</a:t>
-            </a:r>
-          </a:p>
-          <a:p>
-            <a:r>
-              <a:rPr lang="de-DE" dirty="0"/>
-              <a:t>Kommunikation nach „oben“ über </a:t>
-            </a:r>
-            <a:r>
-              <a:rPr lang="de-DE" dirty="0" err="1"/>
-              <a:t>Flows</a:t>
-            </a:r>
-            <a:r>
-              <a:rPr lang="de-DE" dirty="0"/>
-              <a:t> -&gt; Repo/</a:t>
-            </a:r>
-            <a:r>
-              <a:rPr lang="de-DE" dirty="0" err="1"/>
-              <a:t>Viewmodel</a:t>
-            </a:r>
-            <a:r>
-              <a:rPr lang="de-DE" dirty="0"/>
-              <a:t>/View nicht von </a:t>
-            </a:r>
-            <a:r>
-              <a:rPr lang="de-DE" dirty="0" err="1"/>
-              <a:t>Datenbankimpl</a:t>
-            </a:r>
-            <a:r>
-              <a:rPr lang="de-DE" dirty="0"/>
-              <a:t>. Abhängig</a:t>
-            </a:r>
-          </a:p>
-          <a:p>
-            <a:r>
-              <a:rPr lang="de-DE" dirty="0"/>
-              <a:t>Aufgerufen über Repo -&gt; </a:t>
-            </a:r>
-            <a:r>
-              <a:rPr lang="de-DE" dirty="0" err="1"/>
-              <a:t>Viewmodel</a:t>
-            </a:r>
-            <a:r>
-              <a:rPr lang="de-DE" dirty="0"/>
-              <a:t>/View weiß nichts über interne Speicherung der Daten</a:t>
-            </a:r>
-          </a:p>
-          <a:p>
-            <a:r>
-              <a:rPr lang="de-DE" dirty="0"/>
-              <a:t>Änderungen an Datenbank -&gt; automatisch </a:t>
-            </a:r>
-            <a:r>
-              <a:rPr lang="de-DE"/>
-              <a:t>GUI Update</a:t>
+              <a:t>Kollaboratives Arbeiten durch die </a:t>
+            </a:r>
+            <a:r>
+              <a:rPr lang="de-DE" b="0" i="0" dirty="0">
+                <a:solidFill>
+                  <a:srgbClr val="666666"/>
+                </a:solidFill>
+                <a:effectLst/>
+                <a:latin typeface="Verdana" panose="020B0604030504040204" pitchFamily="34" charset="0"/>
+              </a:rPr>
+              <a:t>Entkopplung der Komponenten View, ViewModel und Model erleichtert</a:t>
+            </a:r>
+          </a:p>
+          <a:p>
+            <a:pPr marL="628650" lvl="1" indent="-171450">
+              <a:buFontTx/>
+              <a:buChar char="-"/>
+            </a:pPr>
+            <a:r>
+              <a:rPr lang="de-DE" b="0" i="0" dirty="0">
+                <a:solidFill>
+                  <a:srgbClr val="666666"/>
+                </a:solidFill>
+                <a:effectLst/>
+                <a:latin typeface="Verdana" panose="020B0604030504040204" pitchFamily="34" charset="0"/>
+              </a:rPr>
+              <a:t>Außerdem können Konzepte wie dependency Injection leicht umgesetzt werden</a:t>
+            </a:r>
+          </a:p>
+          <a:p>
+            <a:pPr marL="628650" lvl="1" indent="-171450">
+              <a:buFontTx/>
+              <a:buChar char="-"/>
+            </a:pPr>
+            <a:r>
+              <a:rPr lang="de-DE" b="0" i="0" dirty="0">
+                <a:solidFill>
+                  <a:srgbClr val="666666"/>
+                </a:solidFill>
+                <a:effectLst/>
+                <a:latin typeface="Verdana" panose="020B0604030504040204" pitchFamily="34" charset="0"/>
+              </a:rPr>
+              <a:t>MVVM erleichtert zudem Testen da durch die Entkopplung der Komponenten einzelne bereiche unabhängig getestet werden können. </a:t>
+            </a:r>
+          </a:p>
+          <a:p>
+            <a:pPr marL="628650" lvl="1" indent="-171450">
+              <a:buFontTx/>
+              <a:buChar char="-"/>
+            </a:pPr>
+            <a:r>
+              <a:rPr lang="de-DE" b="0" i="0" dirty="0">
+                <a:solidFill>
+                  <a:srgbClr val="666666"/>
+                </a:solidFill>
+                <a:effectLst/>
+                <a:latin typeface="Verdana" panose="020B0604030504040204" pitchFamily="34" charset="0"/>
+              </a:rPr>
+              <a:t>Durch dependency Injection kann beispielsweise ein Test-Repository in das ViewModel zu testzwecken injected werden</a:t>
+            </a:r>
+          </a:p>
+          <a:p>
+            <a:pPr marL="171450" lvl="0" indent="-171450">
+              <a:buFontTx/>
+              <a:buChar char="-"/>
+            </a:pPr>
+            <a:r>
+              <a:rPr lang="de-DE" b="0" i="0" dirty="0">
+                <a:solidFill>
+                  <a:srgbClr val="666666"/>
+                </a:solidFill>
+                <a:effectLst/>
+                <a:latin typeface="Verdana" panose="020B0604030504040204" pitchFamily="34" charset="0"/>
+              </a:rPr>
+              <a:t>[Nächste Folie]</a:t>
             </a:r>
             <a:endParaRPr lang="de-DE" dirty="0"/>
           </a:p>
@@ -766,7 +839,7 @@
       </p:sp>
       <p:sp>
         <p:nvSpPr>
-          <p:cNvPr id="4" name="Foliennummernplatzhalter 3"/>
+          <p:cNvPr id="4" name="Slide Number Placeholder 3"/>
           <p:cNvSpPr>
             <a:spLocks noGrp="1"/>
           </p:cNvSpPr>
@@ -781,7 +854,7 @@
           <a:p>
             <a:fld id="{C2C6D2D8-86AA-475B-8106-1DD72F98FEFF}" type="slidenum">
               <a:rPr lang="de-DE" smtClean="0"/>
-              <a:t>9</a:t>
+              <a:t>2</a:t>
             </a:fld>
             <a:endParaRPr lang="de-DE"/>
           </a:p>
@@ -790,7 +863,7 @@
     </p:spTree>
     <p:extLst>
       <p:ext uri="{BB962C8B-B14F-4D97-AF65-F5344CB8AC3E}">
-        <p14:creationId xmlns:p14="http://schemas.microsoft.com/office/powerpoint/2010/main" val="2002201380"/>
+        <p14:creationId xmlns:p14="http://schemas.microsoft.com/office/powerpoint/2010/main" val="3318844686"/>
       </p:ext>
     </p:extLst>
   </p:cSld>
@@ -846,71 +919,14 @@
           <a:p>
             <a:r>
               <a:rPr lang="de-DE" dirty="0"/>
-              <a:t>Aufgabe:</a:t>
+              <a:t>Alles getrennt was getrennt sein muss </a:t>
             </a:r>
           </a:p>
           <a:p>
             <a:r>
               <a:rPr lang="de-DE" dirty="0"/>
-              <a:t> - Dem Repository eine einfache Schnittstelle bereitstellen</a:t>
-            </a:r>
-          </a:p>
-          <a:p>
-            <a:r>
-              <a:rPr lang="de-DE" dirty="0"/>
-              <a:t>   -- Fassade in der RDS API einzige Schnittstelle für Methodenaufrufe</a:t>
-            </a:r>
-            <a:br>
-              <a:rPr lang="de-DE" dirty="0"/>
-            </a:br>
-            <a:r>
-              <a:rPr lang="de-DE" dirty="0"/>
-              <a:t> - Schnittstelle an externe Dienste</a:t>
-            </a:r>
-          </a:p>
-          <a:p>
-            <a:r>
-              <a:rPr lang="de-DE" dirty="0"/>
-              <a:t>   -- </a:t>
-            </a:r>
-            <a:r>
-              <a:rPr lang="de-DE" dirty="0" err="1"/>
-              <a:t>Firebase</a:t>
-            </a:r>
-            <a:endParaRPr lang="de-DE" dirty="0"/>
-          </a:p>
-          <a:p>
-            <a:r>
-              <a:rPr lang="de-DE" dirty="0"/>
-              <a:t>    --- um Nutzende anzumelden</a:t>
-            </a:r>
-          </a:p>
-          <a:p>
-            <a:r>
-              <a:rPr lang="de-DE" dirty="0"/>
-              <a:t>   -- Server</a:t>
-            </a:r>
-          </a:p>
-          <a:p>
-            <a:r>
-              <a:rPr lang="de-DE" dirty="0"/>
-              <a:t>    --- leitet Anfragen an den Server weiter</a:t>
-            </a:r>
-          </a:p>
-          <a:p>
-            <a:r>
-              <a:rPr lang="de-DE" dirty="0"/>
-              <a:t>    --- empfängt Antworten und leitet die weiter an das Repository</a:t>
-            </a:r>
-          </a:p>
-          <a:p>
-            <a:r>
-              <a:rPr lang="de-DE" dirty="0"/>
-              <a:t>     ---- Speichert außerdem einige Rückgabetypen in speziellen Queues -&gt; Besser für Repository</a:t>
-            </a:r>
-          </a:p>
-          <a:p>
-            <a:endParaRPr lang="de-DE" dirty="0"/>
+              <a:t>Kein doppelter Code </a:t>
+            </a:r>
           </a:p>
           <a:p>
             <a:endParaRPr lang="de-DE" dirty="0"/>
@@ -934,7 +950,7 @@
           <a:p>
             <a:fld id="{C2C6D2D8-86AA-475B-8106-1DD72F98FEFF}" type="slidenum">
               <a:rPr lang="de-DE" smtClean="0"/>
-              <a:t>10</a:t>
+              <a:t>3</a:t>
             </a:fld>
             <a:endParaRPr lang="de-DE"/>
           </a:p>
@@ -943,7 +959,7 @@
     </p:spTree>
     <p:extLst>
       <p:ext uri="{BB962C8B-B14F-4D97-AF65-F5344CB8AC3E}">
-        <p14:creationId xmlns:p14="http://schemas.microsoft.com/office/powerpoint/2010/main" val="690369194"/>
+        <p14:creationId xmlns:p14="http://schemas.microsoft.com/office/powerpoint/2010/main" val="1791414030"/>
       </p:ext>
     </p:extLst>
   </p:cSld>
@@ -972,6 +988,623 @@
       </p:grpSpPr>
       <p:sp>
         <p:nvSpPr>
+          <p:cNvPr id="2" name="Slide Image Placeholder 1"/>
+          <p:cNvSpPr>
+            <a:spLocks noGrp="1" noRot="1" noChangeAspect="1"/>
+          </p:cNvSpPr>
+          <p:nvPr>
+            <p:ph type="sldImg"/>
+          </p:nvPr>
+        </p:nvSpPr>
+        <p:spPr/>
+      </p:sp>
+      <p:sp>
+        <p:nvSpPr>
+          <p:cNvPr id="3" name="Notes Placeholder 2"/>
+          <p:cNvSpPr>
+            <a:spLocks noGrp="1"/>
+          </p:cNvSpPr>
+          <p:nvPr>
+            <p:ph type="body" idx="1"/>
+          </p:nvPr>
+        </p:nvSpPr>
+        <p:spPr/>
+        <p:txBody>
+          <a:bodyPr/>
+          <a:lstStyle/>
+          <a:p>
+            <a:pPr marL="171450" indent="-171450">
+              <a:buFontTx/>
+              <a:buChar char="-"/>
+            </a:pPr>
+            <a:r>
+              <a:rPr lang="de-DE" dirty="0"/>
+              <a:t>Beginnen wir mit der obersten Komponente von MVVM : Der view</a:t>
+            </a:r>
+          </a:p>
+          <a:p>
+            <a:pPr marL="171450" indent="-171450">
+              <a:buFontTx/>
+              <a:buChar char="-"/>
+            </a:pPr>
+            <a:r>
+              <a:rPr lang="de-DE" dirty="0"/>
+              <a:t>Diese stellt dar mit was der Nutzer interagiert und was er sieht</a:t>
+            </a:r>
+          </a:p>
+          <a:p>
+            <a:pPr marL="171450" indent="-171450">
+              <a:buFontTx/>
+              <a:buChar char="-"/>
+            </a:pPr>
+            <a:r>
+              <a:rPr lang="de-DE" dirty="0"/>
+              <a:t>Die view wird mithilfe vom Jetpack Compose toolkit geschrieben da es weniger code als XML erfordert und eine intuitive, deklarative Kotlin API bietet</a:t>
+            </a:r>
+          </a:p>
+          <a:p>
+            <a:pPr marL="171450" indent="-171450">
+              <a:buFontTx/>
+              <a:buChar char="-"/>
+            </a:pPr>
+            <a:r>
+              <a:rPr lang="de-DE" dirty="0"/>
+              <a:t>Zur Navigation zwischen Screens verwenden wir Andorid‘s Navigation Component, da dieses der Standard für Android Navigation ist</a:t>
+            </a:r>
+          </a:p>
+          <a:p>
+            <a:pPr marL="171450" indent="-171450">
+              <a:buFontTx/>
+              <a:buChar char="-"/>
+            </a:pPr>
+            <a:r>
+              <a:rPr lang="de-DE" dirty="0"/>
+              <a:t>Um Compose und das Navigation Component voll auszunutzen haben wir uns dazu entschieden die View in einer Single Activity Application Architektur zu bauen.</a:t>
+            </a:r>
+          </a:p>
+          <a:p>
+            <a:pPr marL="171450" indent="-171450">
+              <a:buFontTx/>
+              <a:buChar char="-"/>
+            </a:pPr>
+            <a:r>
+              <a:rPr lang="de-DE" dirty="0"/>
+              <a:t>Doch wie genau werden Nutzerinteraktionen bzw. Änderungen im Model nun dargestellt? </a:t>
+            </a:r>
+          </a:p>
+          <a:p>
+            <a:pPr marL="628650" lvl="1" indent="-171450">
+              <a:buFontTx/>
+              <a:buChar char="-"/>
+            </a:pPr>
+            <a:r>
+              <a:rPr lang="de-DE" dirty="0"/>
+              <a:t>Findet eine Nutzerinteraktion statt ruft das dazugehörige Composable eine OnEvent function auf, die dieses Event an das viewModel zur weiteren verarbeitung schickt.</a:t>
+            </a:r>
+          </a:p>
+          <a:p>
+            <a:pPr marL="628650" lvl="1" indent="-171450">
+              <a:buFontTx/>
+              <a:buChar char="-"/>
+            </a:pPr>
+            <a:r>
+              <a:rPr lang="de-DE" dirty="0"/>
+              <a:t>Zudem subscribed die View über das observer pattern bei dem ViewModel und stellt so Änderungen im VIewModel umgehend dar.</a:t>
+            </a:r>
+          </a:p>
+          <a:p>
+            <a:pPr marL="171450" lvl="0" indent="-171450">
+              <a:buFontTx/>
+              <a:buChar char="-"/>
+            </a:pPr>
+            <a:r>
+              <a:rPr lang="de-DE" dirty="0"/>
+              <a:t>[Nächste Folie]</a:t>
+            </a:r>
+          </a:p>
+          <a:p>
+            <a:pPr marL="457200" lvl="1" indent="0">
+              <a:buFontTx/>
+              <a:buNone/>
+            </a:pPr>
+            <a:endParaRPr lang="de-DE" dirty="0"/>
+          </a:p>
+          <a:p>
+            <a:pPr marL="628650" lvl="1" indent="-171450">
+              <a:buFontTx/>
+              <a:buChar char="-"/>
+            </a:pPr>
+            <a:endParaRPr lang="de-DE" dirty="0"/>
+          </a:p>
+          <a:p>
+            <a:pPr marL="171450" indent="-171450">
+              <a:buFontTx/>
+              <a:buChar char="-"/>
+            </a:pPr>
+            <a:endParaRPr lang="de-DE" dirty="0"/>
+          </a:p>
+          <a:p>
+            <a:endParaRPr lang="de-DE" dirty="0"/>
+          </a:p>
+        </p:txBody>
+      </p:sp>
+      <p:sp>
+        <p:nvSpPr>
+          <p:cNvPr id="4" name="Slide Number Placeholder 3"/>
+          <p:cNvSpPr>
+            <a:spLocks noGrp="1"/>
+          </p:cNvSpPr>
+          <p:nvPr>
+            <p:ph type="sldNum" sz="quarter" idx="5"/>
+          </p:nvPr>
+        </p:nvSpPr>
+        <p:spPr/>
+        <p:txBody>
+          <a:bodyPr/>
+          <a:lstStyle/>
+          <a:p>
+            <a:fld id="{C2C6D2D8-86AA-475B-8106-1DD72F98FEFF}" type="slidenum">
+              <a:rPr lang="de-DE" smtClean="0"/>
+              <a:t>4</a:t>
+            </a:fld>
+            <a:endParaRPr lang="de-DE"/>
+          </a:p>
+        </p:txBody>
+      </p:sp>
+    </p:spTree>
+    <p:extLst>
+      <p:ext uri="{BB962C8B-B14F-4D97-AF65-F5344CB8AC3E}">
+        <p14:creationId xmlns:p14="http://schemas.microsoft.com/office/powerpoint/2010/main" val="619536090"/>
+      </p:ext>
+    </p:extLst>
+  </p:cSld>
+  <p:clrMapOvr>
+    <a:masterClrMapping/>
+  </p:clrMapOvr>
+</p:notes>
+</file>
+
+<file path=ppt/notesSlides/notesSlide5.xml><?xml version="1.0" encoding="utf-8"?>
+<p:notes xmlns:a="http://schemas.openxmlformats.org/drawingml/2006/main" xmlns:r="http://schemas.openxmlformats.org/officeDocument/2006/relationships" xmlns:p="http://schemas.openxmlformats.org/presentationml/2006/main">
+  <p:cSld>
+    <p:spTree>
+      <p:nvGrpSpPr>
+        <p:cNvPr id="1" name=""/>
+        <p:cNvGrpSpPr/>
+        <p:nvPr/>
+      </p:nvGrpSpPr>
+      <p:grpSpPr>
+        <a:xfrm>
+          <a:off x="0" y="0"/>
+          <a:ext cx="0" cy="0"/>
+          <a:chOff x="0" y="0"/>
+          <a:chExt cx="0" cy="0"/>
+        </a:xfrm>
+      </p:grpSpPr>
+      <p:sp>
+        <p:nvSpPr>
+          <p:cNvPr id="2" name="Slide Image Placeholder 1"/>
+          <p:cNvSpPr>
+            <a:spLocks noGrp="1" noRot="1" noChangeAspect="1"/>
+          </p:cNvSpPr>
+          <p:nvPr>
+            <p:ph type="sldImg"/>
+          </p:nvPr>
+        </p:nvSpPr>
+        <p:spPr/>
+      </p:sp>
+      <p:sp>
+        <p:nvSpPr>
+          <p:cNvPr id="3" name="Notes Placeholder 2"/>
+          <p:cNvSpPr>
+            <a:spLocks noGrp="1"/>
+          </p:cNvSpPr>
+          <p:nvPr>
+            <p:ph type="body" idx="1"/>
+          </p:nvPr>
+        </p:nvSpPr>
+        <p:spPr/>
+        <p:txBody>
+          <a:bodyPr/>
+          <a:lstStyle/>
+          <a:p>
+            <a:pPr marL="171450" indent="-171450">
+              <a:buFontTx/>
+              <a:buChar char="-"/>
+            </a:pPr>
+            <a:r>
+              <a:rPr lang="de-DE" dirty="0"/>
+              <a:t>Nun weiter zum ViewModel. Das ViewModel hält den State der view.</a:t>
+            </a:r>
+          </a:p>
+          <a:p>
+            <a:pPr marL="171450" indent="-171450">
+              <a:buFontTx/>
+              <a:buChar char="-"/>
+            </a:pPr>
+            <a:r>
+              <a:rPr lang="de-DE" dirty="0"/>
+              <a:t>Sie nimmt wie gesagt Events von der View entgegen und verarbeitet diese. Außerdem sendet und erhält es Persistente Daten zum bzw. vom Repository</a:t>
+            </a:r>
+          </a:p>
+          <a:p>
+            <a:pPr marL="171450" indent="-171450">
+              <a:buFontTx/>
+              <a:buChar char="-"/>
+            </a:pPr>
+            <a:r>
+              <a:rPr lang="de-DE" dirty="0"/>
+              <a:t>Somit fließen Events von der UI zum State-Holder und der aufgrund dieser Events geänderte state fließt zurück zur UI</a:t>
+            </a:r>
+          </a:p>
+          <a:p>
+            <a:pPr marL="171450" indent="-171450">
+              <a:buFontTx/>
+              <a:buChar char="-"/>
+            </a:pPr>
+            <a:r>
+              <a:rPr lang="de-DE" dirty="0"/>
+              <a:t>[Nächste Folie]</a:t>
+            </a:r>
+          </a:p>
+        </p:txBody>
+      </p:sp>
+      <p:sp>
+        <p:nvSpPr>
+          <p:cNvPr id="4" name="Slide Number Placeholder 3"/>
+          <p:cNvSpPr>
+            <a:spLocks noGrp="1"/>
+          </p:cNvSpPr>
+          <p:nvPr>
+            <p:ph type="sldNum" sz="quarter" idx="5"/>
+          </p:nvPr>
+        </p:nvSpPr>
+        <p:spPr/>
+        <p:txBody>
+          <a:bodyPr/>
+          <a:lstStyle/>
+          <a:p>
+            <a:fld id="{C2C6D2D8-86AA-475B-8106-1DD72F98FEFF}" type="slidenum">
+              <a:rPr lang="de-DE" smtClean="0"/>
+              <a:t>5</a:t>
+            </a:fld>
+            <a:endParaRPr lang="de-DE"/>
+          </a:p>
+        </p:txBody>
+      </p:sp>
+    </p:spTree>
+    <p:extLst>
+      <p:ext uri="{BB962C8B-B14F-4D97-AF65-F5344CB8AC3E}">
+        <p14:creationId xmlns:p14="http://schemas.microsoft.com/office/powerpoint/2010/main" val="3478363811"/>
+      </p:ext>
+    </p:extLst>
+  </p:cSld>
+  <p:clrMapOvr>
+    <a:masterClrMapping/>
+  </p:clrMapOvr>
+</p:notes>
+</file>
+
+<file path=ppt/notesSlides/notesSlide6.xml><?xml version="1.0" encoding="utf-8"?>
+<p:notes xmlns:a="http://schemas.openxmlformats.org/drawingml/2006/main" xmlns:r="http://schemas.openxmlformats.org/officeDocument/2006/relationships" xmlns:p="http://schemas.openxmlformats.org/presentationml/2006/main">
+  <p:cSld>
+    <p:spTree>
+      <p:nvGrpSpPr>
+        <p:cNvPr id="1" name=""/>
+        <p:cNvGrpSpPr/>
+        <p:nvPr/>
+      </p:nvGrpSpPr>
+      <p:grpSpPr>
+        <a:xfrm>
+          <a:off x="0" y="0"/>
+          <a:ext cx="0" cy="0"/>
+          <a:chOff x="0" y="0"/>
+          <a:chExt cx="0" cy="0"/>
+        </a:xfrm>
+      </p:grpSpPr>
+      <p:sp>
+        <p:nvSpPr>
+          <p:cNvPr id="2" name="Folienbildplatzhalter 1"/>
+          <p:cNvSpPr>
+            <a:spLocks noGrp="1" noRot="1" noChangeAspect="1"/>
+          </p:cNvSpPr>
+          <p:nvPr>
+            <p:ph type="sldImg"/>
+          </p:nvPr>
+        </p:nvSpPr>
+        <p:spPr/>
+      </p:sp>
+      <p:sp>
+        <p:nvSpPr>
+          <p:cNvPr id="3" name="Notizenplatzhalter 2"/>
+          <p:cNvSpPr>
+            <a:spLocks noGrp="1"/>
+          </p:cNvSpPr>
+          <p:nvPr>
+            <p:ph type="body" idx="1"/>
+          </p:nvPr>
+        </p:nvSpPr>
+        <p:spPr/>
+        <p:txBody>
+          <a:bodyPr/>
+          <a:lstStyle/>
+          <a:p>
+            <a:r>
+              <a:rPr lang="de-DE" dirty="0"/>
+              <a:t>Nutzen Room (OO, testbar, liefert schon Observables aus)</a:t>
+            </a:r>
+          </a:p>
+          <a:p>
+            <a:r>
+              <a:rPr lang="de-DE" dirty="0"/>
+              <a:t>Tabelle als JSON, da häufiges Ändern des Datenbankschemas nicht optimal</a:t>
+            </a:r>
+          </a:p>
+          <a:p>
+            <a:r>
+              <a:rPr lang="de-DE" dirty="0"/>
+              <a:t>Kommunikation nach „oben“ über </a:t>
+            </a:r>
+            <a:r>
+              <a:rPr lang="de-DE" dirty="0" err="1"/>
+              <a:t>Flows</a:t>
+            </a:r>
+            <a:r>
+              <a:rPr lang="de-DE" dirty="0"/>
+              <a:t> -&gt; Repo/</a:t>
+            </a:r>
+            <a:r>
+              <a:rPr lang="de-DE" dirty="0" err="1"/>
+              <a:t>Viewmodel</a:t>
+            </a:r>
+            <a:r>
+              <a:rPr lang="de-DE" dirty="0"/>
+              <a:t>/View nicht von </a:t>
+            </a:r>
+            <a:r>
+              <a:rPr lang="de-DE" dirty="0" err="1"/>
+              <a:t>Datenbankimpl</a:t>
+            </a:r>
+            <a:r>
+              <a:rPr lang="de-DE" dirty="0"/>
+              <a:t>. Abhängig</a:t>
+            </a:r>
+          </a:p>
+          <a:p>
+            <a:r>
+              <a:rPr lang="de-DE" dirty="0"/>
+              <a:t>Aufgerufen über Repo -&gt; </a:t>
+            </a:r>
+            <a:r>
+              <a:rPr lang="de-DE" dirty="0" err="1"/>
+              <a:t>Viewmodel</a:t>
+            </a:r>
+            <a:r>
+              <a:rPr lang="de-DE" dirty="0"/>
+              <a:t>/View weiß nichts über interne Speicherung der Daten</a:t>
+            </a:r>
+          </a:p>
+          <a:p>
+            <a:r>
+              <a:rPr lang="de-DE" dirty="0"/>
+              <a:t>Änderungen an Datenbank -&gt; automatisch </a:t>
+            </a:r>
+            <a:r>
+              <a:rPr lang="de-DE"/>
+              <a:t>GUI Update</a:t>
+            </a:r>
+            <a:endParaRPr lang="de-DE" dirty="0"/>
+          </a:p>
+        </p:txBody>
+      </p:sp>
+      <p:sp>
+        <p:nvSpPr>
+          <p:cNvPr id="4" name="Foliennummernplatzhalter 3"/>
+          <p:cNvSpPr>
+            <a:spLocks noGrp="1"/>
+          </p:cNvSpPr>
+          <p:nvPr>
+            <p:ph type="sldNum" sz="quarter" idx="5"/>
+          </p:nvPr>
+        </p:nvSpPr>
+        <p:spPr/>
+        <p:txBody>
+          <a:bodyPr/>
+          <a:lstStyle/>
+          <a:p>
+            <a:fld id="{C2C6D2D8-86AA-475B-8106-1DD72F98FEFF}" type="slidenum">
+              <a:rPr lang="de-DE" smtClean="0"/>
+              <a:t>9</a:t>
+            </a:fld>
+            <a:endParaRPr lang="de-DE"/>
+          </a:p>
+        </p:txBody>
+      </p:sp>
+    </p:spTree>
+    <p:extLst>
+      <p:ext uri="{BB962C8B-B14F-4D97-AF65-F5344CB8AC3E}">
+        <p14:creationId xmlns:p14="http://schemas.microsoft.com/office/powerpoint/2010/main" val="2002201380"/>
+      </p:ext>
+    </p:extLst>
+  </p:cSld>
+  <p:clrMapOvr>
+    <a:masterClrMapping/>
+  </p:clrMapOvr>
+</p:notes>
+</file>
+
+<file path=ppt/notesSlides/notesSlide7.xml><?xml version="1.0" encoding="utf-8"?>
+<p:notes xmlns:a="http://schemas.openxmlformats.org/drawingml/2006/main" xmlns:r="http://schemas.openxmlformats.org/officeDocument/2006/relationships" xmlns:p="http://schemas.openxmlformats.org/presentationml/2006/main">
+  <p:cSld>
+    <p:spTree>
+      <p:nvGrpSpPr>
+        <p:cNvPr id="1" name=""/>
+        <p:cNvGrpSpPr/>
+        <p:nvPr/>
+      </p:nvGrpSpPr>
+      <p:grpSpPr>
+        <a:xfrm>
+          <a:off x="0" y="0"/>
+          <a:ext cx="0" cy="0"/>
+          <a:chOff x="0" y="0"/>
+          <a:chExt cx="0" cy="0"/>
+        </a:xfrm>
+      </p:grpSpPr>
+      <p:sp>
+        <p:nvSpPr>
+          <p:cNvPr id="2" name="Folienbildplatzhalter 1"/>
+          <p:cNvSpPr>
+            <a:spLocks noGrp="1" noRot="1" noChangeAspect="1"/>
+          </p:cNvSpPr>
+          <p:nvPr>
+            <p:ph type="sldImg"/>
+          </p:nvPr>
+        </p:nvSpPr>
+        <p:spPr/>
+      </p:sp>
+      <p:sp>
+        <p:nvSpPr>
+          <p:cNvPr id="3" name="Notizenplatzhalter 2"/>
+          <p:cNvSpPr>
+            <a:spLocks noGrp="1"/>
+          </p:cNvSpPr>
+          <p:nvPr>
+            <p:ph type="body" idx="1"/>
+          </p:nvPr>
+        </p:nvSpPr>
+        <p:spPr/>
+        <p:txBody>
+          <a:bodyPr/>
+          <a:lstStyle/>
+          <a:p>
+            <a:r>
+              <a:rPr lang="de-DE" dirty="0"/>
+              <a:t>Aufgabe:</a:t>
+            </a:r>
+          </a:p>
+          <a:p>
+            <a:r>
+              <a:rPr lang="de-DE" dirty="0"/>
+              <a:t> - Dem Repository eine einfache Schnittstelle bereitstellen</a:t>
+            </a:r>
+          </a:p>
+          <a:p>
+            <a:r>
+              <a:rPr lang="de-DE" dirty="0"/>
+              <a:t>   -- Fassade in der RDS API einzige Schnittstelle für Methodenaufrufe</a:t>
+            </a:r>
+            <a:br>
+              <a:rPr lang="de-DE" dirty="0"/>
+            </a:br>
+            <a:r>
+              <a:rPr lang="de-DE" dirty="0"/>
+              <a:t> - Schnittstelle an externe Dienste</a:t>
+            </a:r>
+          </a:p>
+          <a:p>
+            <a:r>
+              <a:rPr lang="de-DE" dirty="0"/>
+              <a:t>   -- </a:t>
+            </a:r>
+            <a:r>
+              <a:rPr lang="de-DE" dirty="0" err="1"/>
+              <a:t>Firebase</a:t>
+            </a:r>
+            <a:endParaRPr lang="de-DE" dirty="0"/>
+          </a:p>
+          <a:p>
+            <a:r>
+              <a:rPr lang="de-DE" dirty="0"/>
+              <a:t>    --- um Nutzende anzumelden</a:t>
+            </a:r>
+          </a:p>
+          <a:p>
+            <a:r>
+              <a:rPr lang="de-DE" dirty="0"/>
+              <a:t>   -- Server</a:t>
+            </a:r>
+          </a:p>
+          <a:p>
+            <a:r>
+              <a:rPr lang="de-DE" dirty="0"/>
+              <a:t>    --- leitet Anfragen an den Server weiter</a:t>
+            </a:r>
+          </a:p>
+          <a:p>
+            <a:r>
+              <a:rPr lang="de-DE" dirty="0"/>
+              <a:t>    --- empfängt Antworten und leitet die weiter an das Repository</a:t>
+            </a:r>
+          </a:p>
+          <a:p>
+            <a:r>
+              <a:rPr lang="de-DE" dirty="0"/>
+              <a:t>     ---- Speichert außerdem einige Rückgabetypen in speziellen Queues -&gt; Besser für Repository</a:t>
+            </a:r>
+          </a:p>
+          <a:p>
+            <a:endParaRPr lang="de-DE" dirty="0"/>
+          </a:p>
+          <a:p>
+            <a:endParaRPr lang="de-DE" dirty="0"/>
+          </a:p>
+        </p:txBody>
+      </p:sp>
+      <p:sp>
+        <p:nvSpPr>
+          <p:cNvPr id="4" name="Foliennummernplatzhalter 3"/>
+          <p:cNvSpPr>
+            <a:spLocks noGrp="1"/>
+          </p:cNvSpPr>
+          <p:nvPr>
+            <p:ph type="sldNum" sz="quarter" idx="5"/>
+          </p:nvPr>
+        </p:nvSpPr>
+        <p:spPr/>
+        <p:txBody>
+          <a:bodyPr/>
+          <a:lstStyle/>
+          <a:p>
+            <a:fld id="{C2C6D2D8-86AA-475B-8106-1DD72F98FEFF}" type="slidenum">
+              <a:rPr lang="de-DE" smtClean="0"/>
+              <a:t>10</a:t>
+            </a:fld>
+            <a:endParaRPr lang="de-DE"/>
+          </a:p>
+        </p:txBody>
+      </p:sp>
+    </p:spTree>
+    <p:extLst>
+      <p:ext uri="{BB962C8B-B14F-4D97-AF65-F5344CB8AC3E}">
+        <p14:creationId xmlns:p14="http://schemas.microsoft.com/office/powerpoint/2010/main" val="690369194"/>
+      </p:ext>
+    </p:extLst>
+  </p:cSld>
+  <p:clrMapOvr>
+    <a:masterClrMapping/>
+  </p:clrMapOvr>
+</p:notes>
+</file>
+
+<file path=ppt/notesSlides/notesSlide8.xml><?xml version="1.0" encoding="utf-8"?>
+<p:notes xmlns:a="http://schemas.openxmlformats.org/drawingml/2006/main" xmlns:r="http://schemas.openxmlformats.org/officeDocument/2006/relationships" xmlns:p="http://schemas.openxmlformats.org/presentationml/2006/main">
+  <p:cSld>
+    <p:spTree>
+      <p:nvGrpSpPr>
+        <p:cNvPr id="1" name=""/>
+        <p:cNvGrpSpPr/>
+        <p:nvPr/>
+      </p:nvGrpSpPr>
+      <p:grpSpPr>
+        <a:xfrm>
+          <a:off x="0" y="0"/>
+          <a:ext cx="0" cy="0"/>
+          <a:chOff x="0" y="0"/>
+          <a:chExt cx="0" cy="0"/>
+        </a:xfrm>
+      </p:grpSpPr>
+      <p:sp>
+        <p:nvSpPr>
           <p:cNvPr id="2" name="Folienbildplatzhalter 1"/>
           <p:cNvSpPr>
             <a:spLocks noGrp="1" noRot="1" noChangeAspect="1"/>
@@ -1374,7 +2007,7 @@
 </p:notes>
 </file>
 
-<file path=ppt/notesSlides/notesSlide5.xml><?xml version="1.0" encoding="utf-8"?>
+<file path=ppt/notesSlides/notesSlide9.xml><?xml version="1.0" encoding="utf-8"?>
 <p:notes xmlns:a="http://schemas.openxmlformats.org/drawingml/2006/main" xmlns:r="http://schemas.openxmlformats.org/officeDocument/2006/relationships" xmlns:p="http://schemas.openxmlformats.org/presentationml/2006/main">
   <p:cSld>
     <p:spTree>
@@ -1705,7 +2338,7 @@
           <a:p>
             <a:fld id="{D4A7F7FB-B369-497A-97C2-098805D1A52E}" type="datetimeFigureOut">
               <a:rPr lang="de-DE" smtClean="0"/>
-              <a:t>10.01.2022</a:t>
+              <a:t>11.01.2022</a:t>
             </a:fld>
             <a:endParaRPr lang="de-DE"/>
           </a:p>
@@ -1759,7 +2392,7 @@
           <a:p>
             <a:fld id="{16A78056-7FAF-464B-A14F-848C7FC2BB44}" type="slidenum">
               <a:rPr lang="de-DE" smtClean="0"/>
-              <a:t>‹Nr.›</a:t>
+              <a:t>‹#›</a:t>
             </a:fld>
             <a:endParaRPr lang="de-DE"/>
           </a:p>
@@ -1905,7 +2538,7 @@
           <a:p>
             <a:fld id="{D4A7F7FB-B369-497A-97C2-098805D1A52E}" type="datetimeFigureOut">
               <a:rPr lang="de-DE" smtClean="0"/>
-              <a:t>10.01.2022</a:t>
+              <a:t>11.01.2022</a:t>
             </a:fld>
             <a:endParaRPr lang="de-DE"/>
           </a:p>
@@ -1959,7 +2592,7 @@
           <a:p>
             <a:fld id="{16A78056-7FAF-464B-A14F-848C7FC2BB44}" type="slidenum">
               <a:rPr lang="de-DE" smtClean="0"/>
-              <a:t>‹Nr.›</a:t>
+              <a:t>‹#›</a:t>
             </a:fld>
             <a:endParaRPr lang="de-DE"/>
           </a:p>
@@ -2115,7 +2748,7 @@
           <a:p>
             <a:fld id="{D4A7F7FB-B369-497A-97C2-098805D1A52E}" type="datetimeFigureOut">
               <a:rPr lang="de-DE" smtClean="0"/>
-              <a:t>10.01.2022</a:t>
+              <a:t>11.01.2022</a:t>
             </a:fld>
             <a:endParaRPr lang="de-DE"/>
           </a:p>
@@ -2169,7 +2802,7 @@
           <a:p>
             <a:fld id="{16A78056-7FAF-464B-A14F-848C7FC2BB44}" type="slidenum">
               <a:rPr lang="de-DE" smtClean="0"/>
-              <a:t>‹Nr.›</a:t>
+              <a:t>‹#›</a:t>
             </a:fld>
             <a:endParaRPr lang="de-DE"/>
           </a:p>
@@ -2384,7 +3017,7 @@
           <a:p>
             <a:fld id="{D4A7F7FB-B369-497A-97C2-098805D1A52E}" type="datetimeFigureOut">
               <a:rPr lang="de-DE" smtClean="0"/>
-              <a:t>10.01.2022</a:t>
+              <a:t>11.01.2022</a:t>
             </a:fld>
             <a:endParaRPr lang="de-DE"/>
           </a:p>
@@ -2426,7 +3059,7 @@
           <a:p>
             <a:fld id="{16A78056-7FAF-464B-A14F-848C7FC2BB44}" type="slidenum">
               <a:rPr lang="de-DE" smtClean="0"/>
-              <a:t>‹Nr.›</a:t>
+              <a:t>‹#›</a:t>
             </a:fld>
             <a:endParaRPr lang="de-DE"/>
           </a:p>
@@ -2554,7 +3187,7 @@
           <a:p>
             <a:fld id="{D4A7F7FB-B369-497A-97C2-098805D1A52E}" type="datetimeFigureOut">
               <a:rPr lang="de-DE" smtClean="0"/>
-              <a:t>10.01.2022</a:t>
+              <a:t>11.01.2022</a:t>
             </a:fld>
             <a:endParaRPr lang="de-DE"/>
           </a:p>
@@ -2596,7 +3229,7 @@
           <a:p>
             <a:fld id="{16A78056-7FAF-464B-A14F-848C7FC2BB44}" type="slidenum">
               <a:rPr lang="de-DE" smtClean="0"/>
-              <a:t>‹Nr.›</a:t>
+              <a:t>‹#›</a:t>
             </a:fld>
             <a:endParaRPr lang="de-DE"/>
           </a:p>
@@ -2811,7 +3444,7 @@
           <a:p>
             <a:fld id="{D4A7F7FB-B369-497A-97C2-098805D1A52E}" type="datetimeFigureOut">
               <a:rPr lang="de-DE" smtClean="0"/>
-              <a:t>10.01.2022</a:t>
+              <a:t>11.01.2022</a:t>
             </a:fld>
             <a:endParaRPr lang="de-DE"/>
           </a:p>
@@ -2853,7 +3486,7 @@
           <a:p>
             <a:fld id="{16A78056-7FAF-464B-A14F-848C7FC2BB44}" type="slidenum">
               <a:rPr lang="de-DE" smtClean="0"/>
-              <a:t>‹Nr.›</a:t>
+              <a:t>‹#›</a:t>
             </a:fld>
             <a:endParaRPr lang="de-DE"/>
           </a:p>
@@ -3043,7 +3676,7 @@
           <a:p>
             <a:fld id="{D4A7F7FB-B369-497A-97C2-098805D1A52E}" type="datetimeFigureOut">
               <a:rPr lang="de-DE" smtClean="0"/>
-              <a:t>10.01.2022</a:t>
+              <a:t>11.01.2022</a:t>
             </a:fld>
             <a:endParaRPr lang="de-DE"/>
           </a:p>
@@ -3085,7 +3718,7 @@
           <a:p>
             <a:fld id="{16A78056-7FAF-464B-A14F-848C7FC2BB44}" type="slidenum">
               <a:rPr lang="de-DE" smtClean="0"/>
-              <a:t>‹Nr.›</a:t>
+              <a:t>‹#›</a:t>
             </a:fld>
             <a:endParaRPr lang="de-DE"/>
           </a:p>
@@ -3436,7 +4069,7 @@
           <a:p>
             <a:fld id="{D4A7F7FB-B369-497A-97C2-098805D1A52E}" type="datetimeFigureOut">
               <a:rPr lang="de-DE" smtClean="0"/>
-              <a:t>10.01.2022</a:t>
+              <a:t>11.01.2022</a:t>
             </a:fld>
             <a:endParaRPr lang="de-DE"/>
           </a:p>
@@ -3478,7 +4111,7 @@
           <a:p>
             <a:fld id="{16A78056-7FAF-464B-A14F-848C7FC2BB44}" type="slidenum">
               <a:rPr lang="de-DE" smtClean="0"/>
-              <a:t>‹Nr.›</a:t>
+              <a:t>‹#›</a:t>
             </a:fld>
             <a:endParaRPr lang="de-DE"/>
           </a:p>
@@ -3554,7 +4187,7 @@
           <a:p>
             <a:fld id="{D4A7F7FB-B369-497A-97C2-098805D1A52E}" type="datetimeFigureOut">
               <a:rPr lang="de-DE" smtClean="0"/>
-              <a:t>10.01.2022</a:t>
+              <a:t>11.01.2022</a:t>
             </a:fld>
             <a:endParaRPr lang="de-DE"/>
           </a:p>
@@ -3596,7 +4229,7 @@
           <a:p>
             <a:fld id="{16A78056-7FAF-464B-A14F-848C7FC2BB44}" type="slidenum">
               <a:rPr lang="de-DE" smtClean="0"/>
-              <a:t>‹Nr.›</a:t>
+              <a:t>‹#›</a:t>
             </a:fld>
             <a:endParaRPr lang="de-DE"/>
           </a:p>
@@ -3649,7 +4282,7 @@
           <a:p>
             <a:fld id="{D4A7F7FB-B369-497A-97C2-098805D1A52E}" type="datetimeFigureOut">
               <a:rPr lang="de-DE" smtClean="0"/>
-              <a:t>10.01.2022</a:t>
+              <a:t>11.01.2022</a:t>
             </a:fld>
             <a:endParaRPr lang="de-DE"/>
           </a:p>
@@ -3691,7 +4324,7 @@
           <a:p>
             <a:fld id="{16A78056-7FAF-464B-A14F-848C7FC2BB44}" type="slidenum">
               <a:rPr lang="de-DE" smtClean="0"/>
-              <a:t>‹Nr.›</a:t>
+              <a:t>‹#›</a:t>
             </a:fld>
             <a:endParaRPr lang="de-DE"/>
           </a:p>
@@ -3922,7 +4555,7 @@
           <a:p>
             <a:fld id="{D4A7F7FB-B369-497A-97C2-098805D1A52E}" type="datetimeFigureOut">
               <a:rPr lang="de-DE" smtClean="0"/>
-              <a:t>10.01.2022</a:t>
+              <a:t>11.01.2022</a:t>
             </a:fld>
             <a:endParaRPr lang="de-DE"/>
           </a:p>
@@ -3964,7 +4597,7 @@
           <a:p>
             <a:fld id="{16A78056-7FAF-464B-A14F-848C7FC2BB44}" type="slidenum">
               <a:rPr lang="de-DE" smtClean="0"/>
-              <a:t>‹Nr.›</a:t>
+              <a:t>‹#›</a:t>
             </a:fld>
             <a:endParaRPr lang="de-DE"/>
           </a:p>
@@ -4110,7 +4743,7 @@
           <a:p>
             <a:fld id="{D4A7F7FB-B369-497A-97C2-098805D1A52E}" type="datetimeFigureOut">
               <a:rPr lang="de-DE" smtClean="0"/>
-              <a:t>10.01.2022</a:t>
+              <a:t>11.01.2022</a:t>
             </a:fld>
             <a:endParaRPr lang="de-DE"/>
           </a:p>
@@ -4164,7 +4797,7 @@
           <a:p>
             <a:fld id="{16A78056-7FAF-464B-A14F-848C7FC2BB44}" type="slidenum">
               <a:rPr lang="de-DE" smtClean="0"/>
-              <a:t>‹Nr.›</a:t>
+              <a:t>‹#›</a:t>
             </a:fld>
             <a:endParaRPr lang="de-DE"/>
           </a:p>
@@ -4403,7 +5036,7 @@
           <a:p>
             <a:fld id="{D4A7F7FB-B369-497A-97C2-098805D1A52E}" type="datetimeFigureOut">
               <a:rPr lang="de-DE" smtClean="0"/>
-              <a:t>10.01.2022</a:t>
+              <a:t>11.01.2022</a:t>
             </a:fld>
             <a:endParaRPr lang="de-DE"/>
           </a:p>
@@ -4445,7 +5078,7 @@
           <a:p>
             <a:fld id="{16A78056-7FAF-464B-A14F-848C7FC2BB44}" type="slidenum">
               <a:rPr lang="de-DE" smtClean="0"/>
-              <a:t>‹Nr.›</a:t>
+              <a:t>‹#›</a:t>
             </a:fld>
             <a:endParaRPr lang="de-DE"/>
           </a:p>
@@ -4684,7 +5317,7 @@
           <a:p>
             <a:fld id="{D4A7F7FB-B369-497A-97C2-098805D1A52E}" type="datetimeFigureOut">
               <a:rPr lang="de-DE" smtClean="0"/>
-              <a:t>10.01.2022</a:t>
+              <a:t>11.01.2022</a:t>
             </a:fld>
             <a:endParaRPr lang="de-DE"/>
           </a:p>
@@ -4726,7 +5359,7 @@
           <a:p>
             <a:fld id="{16A78056-7FAF-464B-A14F-848C7FC2BB44}" type="slidenum">
               <a:rPr lang="de-DE" smtClean="0"/>
-              <a:t>‹Nr.›</a:t>
+              <a:t>‹#›</a:t>
             </a:fld>
             <a:endParaRPr lang="de-DE"/>
           </a:p>
@@ -4876,7 +5509,7 @@
           <a:p>
             <a:fld id="{D4A7F7FB-B369-497A-97C2-098805D1A52E}" type="datetimeFigureOut">
               <a:rPr lang="de-DE" smtClean="0"/>
-              <a:t>10.01.2022</a:t>
+              <a:t>11.01.2022</a:t>
             </a:fld>
             <a:endParaRPr lang="de-DE"/>
           </a:p>
@@ -4918,7 +5551,7 @@
           <a:p>
             <a:fld id="{16A78056-7FAF-464B-A14F-848C7FC2BB44}" type="slidenum">
               <a:rPr lang="de-DE" smtClean="0"/>
-              <a:t>‹Nr.›</a:t>
+              <a:t>‹#›</a:t>
             </a:fld>
             <a:endParaRPr lang="de-DE"/>
           </a:p>
@@ -5137,7 +5770,7 @@
           <a:p>
             <a:fld id="{D4A7F7FB-B369-497A-97C2-098805D1A52E}" type="datetimeFigureOut">
               <a:rPr lang="de-DE" smtClean="0"/>
-              <a:t>10.01.2022</a:t>
+              <a:t>11.01.2022</a:t>
             </a:fld>
             <a:endParaRPr lang="de-DE"/>
           </a:p>
@@ -5179,7 +5812,7 @@
           <a:p>
             <a:fld id="{16A78056-7FAF-464B-A14F-848C7FC2BB44}" type="slidenum">
               <a:rPr lang="de-DE" smtClean="0"/>
-              <a:t>‹Nr.›</a:t>
+              <a:t>‹#›</a:t>
             </a:fld>
             <a:endParaRPr lang="de-DE"/>
           </a:p>
@@ -5563,7 +6196,7 @@
           <a:p>
             <a:fld id="{D4A7F7FB-B369-497A-97C2-098805D1A52E}" type="datetimeFigureOut">
               <a:rPr lang="de-DE" smtClean="0"/>
-              <a:t>10.01.2022</a:t>
+              <a:t>11.01.2022</a:t>
             </a:fld>
             <a:endParaRPr lang="de-DE"/>
           </a:p>
@@ -5605,7 +6238,7 @@
           <a:p>
             <a:fld id="{16A78056-7FAF-464B-A14F-848C7FC2BB44}" type="slidenum">
               <a:rPr lang="de-DE" smtClean="0"/>
-              <a:t>‹Nr.›</a:t>
+              <a:t>‹#›</a:t>
             </a:fld>
             <a:endParaRPr lang="de-DE"/>
           </a:p>
@@ -6109,7 +6742,7 @@
           <a:p>
             <a:fld id="{D4A7F7FB-B369-497A-97C2-098805D1A52E}" type="datetimeFigureOut">
               <a:rPr lang="de-DE" smtClean="0"/>
-              <a:t>10.01.2022</a:t>
+              <a:t>11.01.2022</a:t>
             </a:fld>
             <a:endParaRPr lang="de-DE"/>
           </a:p>
@@ -6151,7 +6784,7 @@
           <a:p>
             <a:fld id="{16A78056-7FAF-464B-A14F-848C7FC2BB44}" type="slidenum">
               <a:rPr lang="de-DE" smtClean="0"/>
-              <a:t>‹Nr.›</a:t>
+              <a:t>‹#›</a:t>
             </a:fld>
             <a:endParaRPr lang="de-DE"/>
           </a:p>
@@ -6940,7 +7573,7 @@
           <a:p>
             <a:fld id="{D4A7F7FB-B369-497A-97C2-098805D1A52E}" type="datetimeFigureOut">
               <a:rPr lang="de-DE" smtClean="0"/>
-              <a:t>10.01.2022</a:t>
+              <a:t>11.01.2022</a:t>
             </a:fld>
             <a:endParaRPr lang="de-DE"/>
           </a:p>
@@ -6982,7 +7615,7 @@
           <a:p>
             <a:fld id="{16A78056-7FAF-464B-A14F-848C7FC2BB44}" type="slidenum">
               <a:rPr lang="de-DE" smtClean="0"/>
-              <a:t>‹Nr.›</a:t>
+              <a:t>‹#›</a:t>
             </a:fld>
             <a:endParaRPr lang="de-DE"/>
           </a:p>
@@ -7110,7 +7743,7 @@
           <a:p>
             <a:fld id="{D4A7F7FB-B369-497A-97C2-098805D1A52E}" type="datetimeFigureOut">
               <a:rPr lang="de-DE" smtClean="0"/>
-              <a:t>10.01.2022</a:t>
+              <a:t>11.01.2022</a:t>
             </a:fld>
             <a:endParaRPr lang="de-DE"/>
           </a:p>
@@ -7152,7 +7785,7 @@
           <a:p>
             <a:fld id="{16A78056-7FAF-464B-A14F-848C7FC2BB44}" type="slidenum">
               <a:rPr lang="de-DE" smtClean="0"/>
-              <a:t>‹Nr.›</a:t>
+              <a:t>‹#›</a:t>
             </a:fld>
             <a:endParaRPr lang="de-DE"/>
           </a:p>
@@ -7290,7 +7923,7 @@
           <a:p>
             <a:fld id="{D4A7F7FB-B369-497A-97C2-098805D1A52E}" type="datetimeFigureOut">
               <a:rPr lang="de-DE" smtClean="0"/>
-              <a:t>10.01.2022</a:t>
+              <a:t>11.01.2022</a:t>
             </a:fld>
             <a:endParaRPr lang="de-DE"/>
           </a:p>
@@ -7332,7 +7965,7 @@
           <a:p>
             <a:fld id="{16A78056-7FAF-464B-A14F-848C7FC2BB44}" type="slidenum">
               <a:rPr lang="de-DE" smtClean="0"/>
-              <a:t>‹Nr.›</a:t>
+              <a:t>‹#›</a:t>
             </a:fld>
             <a:endParaRPr lang="de-DE"/>
           </a:p>
@@ -7554,7 +8187,7 @@
           <a:p>
             <a:fld id="{D4A7F7FB-B369-497A-97C2-098805D1A52E}" type="datetimeFigureOut">
               <a:rPr lang="de-DE" smtClean="0"/>
-              <a:t>10.01.2022</a:t>
+              <a:t>11.01.2022</a:t>
             </a:fld>
             <a:endParaRPr lang="de-DE"/>
           </a:p>
@@ -7608,7 +8241,7 @@
           <a:p>
             <a:fld id="{16A78056-7FAF-464B-A14F-848C7FC2BB44}" type="slidenum">
               <a:rPr lang="de-DE" smtClean="0"/>
-              <a:t>‹Nr.›</a:t>
+              <a:t>‹#›</a:t>
             </a:fld>
             <a:endParaRPr lang="de-DE"/>
           </a:p>
@@ -7822,7 +8455,7 @@
           <a:p>
             <a:fld id="{D4A7F7FB-B369-497A-97C2-098805D1A52E}" type="datetimeFigureOut">
               <a:rPr lang="de-DE" smtClean="0"/>
-              <a:t>10.01.2022</a:t>
+              <a:t>11.01.2022</a:t>
             </a:fld>
             <a:endParaRPr lang="de-DE"/>
           </a:p>
@@ -7876,7 +8509,7 @@
           <a:p>
             <a:fld id="{16A78056-7FAF-464B-A14F-848C7FC2BB44}" type="slidenum">
               <a:rPr lang="de-DE" smtClean="0"/>
-              <a:t>‹Nr.›</a:t>
+              <a:t>‹#›</a:t>
             </a:fld>
             <a:endParaRPr lang="de-DE"/>
           </a:p>
@@ -8237,7 +8870,7 @@
           <a:p>
             <a:fld id="{D4A7F7FB-B369-497A-97C2-098805D1A52E}" type="datetimeFigureOut">
               <a:rPr lang="de-DE" smtClean="0"/>
-              <a:t>10.01.2022</a:t>
+              <a:t>11.01.2022</a:t>
             </a:fld>
             <a:endParaRPr lang="de-DE"/>
           </a:p>
@@ -8291,7 +8924,7 @@
           <a:p>
             <a:fld id="{16A78056-7FAF-464B-A14F-848C7FC2BB44}" type="slidenum">
               <a:rPr lang="de-DE" smtClean="0"/>
-              <a:t>‹Nr.›</a:t>
+              <a:t>‹#›</a:t>
             </a:fld>
             <a:endParaRPr lang="de-DE"/>
           </a:p>
@@ -8379,7 +9012,7 @@
           <a:p>
             <a:fld id="{D4A7F7FB-B369-497A-97C2-098805D1A52E}" type="datetimeFigureOut">
               <a:rPr lang="de-DE" smtClean="0"/>
-              <a:t>10.01.2022</a:t>
+              <a:t>11.01.2022</a:t>
             </a:fld>
             <a:endParaRPr lang="de-DE"/>
           </a:p>
@@ -8433,7 +9066,7 @@
           <a:p>
             <a:fld id="{16A78056-7FAF-464B-A14F-848C7FC2BB44}" type="slidenum">
               <a:rPr lang="de-DE" smtClean="0"/>
-              <a:t>‹Nr.›</a:t>
+              <a:t>‹#›</a:t>
             </a:fld>
             <a:endParaRPr lang="de-DE"/>
           </a:p>
@@ -8492,7 +9125,7 @@
           <a:p>
             <a:fld id="{D4A7F7FB-B369-497A-97C2-098805D1A52E}" type="datetimeFigureOut">
               <a:rPr lang="de-DE" smtClean="0"/>
-              <a:t>10.01.2022</a:t>
+              <a:t>11.01.2022</a:t>
             </a:fld>
             <a:endParaRPr lang="de-DE"/>
           </a:p>
@@ -8546,7 +9179,7 @@
           <a:p>
             <a:fld id="{16A78056-7FAF-464B-A14F-848C7FC2BB44}" type="slidenum">
               <a:rPr lang="de-DE" smtClean="0"/>
-              <a:t>‹Nr.›</a:t>
+              <a:t>‹#›</a:t>
             </a:fld>
             <a:endParaRPr lang="de-DE"/>
           </a:p>
@@ -8805,7 +9438,7 @@
           <a:p>
             <a:fld id="{D4A7F7FB-B369-497A-97C2-098805D1A52E}" type="datetimeFigureOut">
               <a:rPr lang="de-DE" smtClean="0"/>
-              <a:t>10.01.2022</a:t>
+              <a:t>11.01.2022</a:t>
             </a:fld>
             <a:endParaRPr lang="de-DE"/>
           </a:p>
@@ -8859,7 +9492,7 @@
           <a:p>
             <a:fld id="{16A78056-7FAF-464B-A14F-848C7FC2BB44}" type="slidenum">
               <a:rPr lang="de-DE" smtClean="0"/>
-              <a:t>‹Nr.›</a:t>
+              <a:t>‹#›</a:t>
             </a:fld>
             <a:endParaRPr lang="de-DE"/>
           </a:p>
@@ -9094,7 +9727,7 @@
           <a:p>
             <a:fld id="{D4A7F7FB-B369-497A-97C2-098805D1A52E}" type="datetimeFigureOut">
               <a:rPr lang="de-DE" smtClean="0"/>
-              <a:t>10.01.2022</a:t>
+              <a:t>11.01.2022</a:t>
             </a:fld>
             <a:endParaRPr lang="de-DE"/>
           </a:p>
@@ -9148,7 +9781,7 @@
           <a:p>
             <a:fld id="{16A78056-7FAF-464B-A14F-848C7FC2BB44}" type="slidenum">
               <a:rPr lang="de-DE" smtClean="0"/>
-              <a:t>‹Nr.›</a:t>
+              <a:t>‹#›</a:t>
             </a:fld>
             <a:endParaRPr lang="de-DE"/>
           </a:p>
@@ -9337,7 +9970,7 @@
           <a:p>
             <a:fld id="{D4A7F7FB-B369-497A-97C2-098805D1A52E}" type="datetimeFigureOut">
               <a:rPr lang="de-DE" smtClean="0"/>
-              <a:t>10.01.2022</a:t>
+              <a:t>11.01.2022</a:t>
             </a:fld>
             <a:endParaRPr lang="de-DE"/>
           </a:p>
@@ -9427,7 +10060,7 @@
           <a:p>
             <a:fld id="{16A78056-7FAF-464B-A14F-848C7FC2BB44}" type="slidenum">
               <a:rPr lang="de-DE" smtClean="0"/>
-              <a:t>‹Nr.›</a:t>
+              <a:t>‹#›</a:t>
             </a:fld>
             <a:endParaRPr lang="de-DE"/>
           </a:p>
@@ -9916,7 +10549,7 @@
           <a:p>
             <a:fld id="{D4A7F7FB-B369-497A-97C2-098805D1A52E}" type="datetimeFigureOut">
               <a:rPr lang="de-DE" smtClean="0"/>
-              <a:t>10.01.2022</a:t>
+              <a:t>11.01.2022</a:t>
             </a:fld>
             <a:endParaRPr lang="de-DE"/>
           </a:p>
@@ -10030,7 +10663,7 @@
           <a:p>
             <a:fld id="{16A78056-7FAF-464B-A14F-848C7FC2BB44}" type="slidenum">
               <a:rPr lang="de-DE" smtClean="0"/>
-              <a:t>‹Nr.›</a:t>
+              <a:t>‹#›</a:t>
             </a:fld>
             <a:endParaRPr lang="de-DE"/>
           </a:p>
@@ -10541,15 +11174,13 @@
           </a:bodyPr>
           <a:lstStyle/>
           <a:p>
+            <a:endParaRPr lang="de-DE" sz="1600" dirty="0"/>
+          </a:p>
+          <a:p>
             <a:r>
               <a:rPr lang="de-DE" sz="1600" dirty="0"/>
-              <a:t>Anton </a:t>
-            </a:r>
-            <a:r>
-              <a:rPr lang="de-DE" sz="1600" dirty="0" err="1"/>
-              <a:t>Kadelbach</a:t>
-            </a:r>
-            <a:endParaRPr lang="de-DE" sz="1600" dirty="0"/>
+              <a:t>Anton Kadelbach</a:t>
+            </a:r>
           </a:p>
           <a:p>
             <a:r>
@@ -10654,39 +11285,6 @@
       </p:grpSpPr>
       <p:sp>
         <p:nvSpPr>
-          <p:cNvPr id="2" name="Title 1">
-            <a:extLst>
-              <a:ext uri="{FF2B5EF4-FFF2-40B4-BE49-F238E27FC236}">
-                <a16:creationId xmlns:a16="http://schemas.microsoft.com/office/drawing/2014/main" id="{9B551790-362A-4367-BB74-D0F9B1D9FF2E}"/>
-              </a:ext>
-            </a:extLst>
-          </p:cNvPr>
-          <p:cNvSpPr>
-            <a:spLocks noGrp="1"/>
-          </p:cNvSpPr>
-          <p:nvPr>
-            <p:ph type="title"/>
-          </p:nvPr>
-        </p:nvSpPr>
-        <p:spPr>
-          <a:xfrm>
-            <a:off x="200491" y="271992"/>
-            <a:ext cx="10990349" cy="1325563"/>
-          </a:xfrm>
-        </p:spPr>
-        <p:txBody>
-          <a:bodyPr/>
-          <a:lstStyle/>
-          <a:p>
-            <a:r>
-              <a:rPr lang="de-DE" dirty="0"/>
-              <a:t>Remote Data Source </a:t>
-            </a:r>
-          </a:p>
-        </p:txBody>
-      </p:sp>
-      <p:sp>
-        <p:nvSpPr>
           <p:cNvPr id="70" name="TextBox 69">
             <a:extLst>
               <a:ext uri="{FF2B5EF4-FFF2-40B4-BE49-F238E27FC236}">
@@ -11851,6 +12449,60 @@
           </a:prstGeom>
         </p:spPr>
       </p:pic>
+      <p:sp>
+        <p:nvSpPr>
+          <p:cNvPr id="30" name="Title 1">
+            <a:extLst>
+              <a:ext uri="{FF2B5EF4-FFF2-40B4-BE49-F238E27FC236}">
+                <a16:creationId xmlns:a16="http://schemas.microsoft.com/office/drawing/2014/main" id="{D91C0943-D116-4EBA-A70C-F83F959D2178}"/>
+              </a:ext>
+            </a:extLst>
+          </p:cNvPr>
+          <p:cNvSpPr txBox="1">
+            <a:spLocks/>
+          </p:cNvSpPr>
+          <p:nvPr/>
+        </p:nvSpPr>
+        <p:spPr>
+          <a:xfrm>
+            <a:off x="200491" y="271992"/>
+            <a:ext cx="6221027" cy="842105"/>
+          </a:xfrm>
+          <a:prstGeom prst="rect">
+            <a:avLst/>
+          </a:prstGeom>
+        </p:spPr>
+        <p:txBody>
+          <a:bodyPr vert="horz" lIns="91440" tIns="45720" rIns="91440" bIns="45720" rtlCol="0" anchor="ctr">
+            <a:normAutofit/>
+          </a:bodyPr>
+          <a:lstStyle>
+            <a:lvl1pPr algn="l" defTabSz="914400" rtl="0" eaLnBrk="1" latinLnBrk="0" hangingPunct="1">
+              <a:lnSpc>
+                <a:spcPct val="90000"/>
+              </a:lnSpc>
+              <a:spcBef>
+                <a:spcPct val="0"/>
+              </a:spcBef>
+              <a:buNone/>
+              <a:defRPr sz="4400" kern="1200">
+                <a:solidFill>
+                  <a:schemeClr val="tx1"/>
+                </a:solidFill>
+                <a:latin typeface="+mj-lt"/>
+                <a:ea typeface="+mj-ea"/>
+                <a:cs typeface="+mj-cs"/>
+              </a:defRPr>
+            </a:lvl1pPr>
+          </a:lstStyle>
+          <a:p>
+            <a:r>
+              <a:rPr lang="de-DE" dirty="0"/>
+              <a:t>Remote Data Source </a:t>
+            </a:r>
+          </a:p>
+        </p:txBody>
+      </p:sp>
     </p:spTree>
     <p:extLst>
       <p:ext uri="{BB962C8B-B14F-4D97-AF65-F5344CB8AC3E}">
@@ -12267,39 +12919,6 @@
           <a:chExt cx="0" cy="0"/>
         </a:xfrm>
       </p:grpSpPr>
-      <p:sp>
-        <p:nvSpPr>
-          <p:cNvPr id="2" name="Title 1">
-            <a:extLst>
-              <a:ext uri="{FF2B5EF4-FFF2-40B4-BE49-F238E27FC236}">
-                <a16:creationId xmlns:a16="http://schemas.microsoft.com/office/drawing/2014/main" id="{9B551790-362A-4367-BB74-D0F9B1D9FF2E}"/>
-              </a:ext>
-            </a:extLst>
-          </p:cNvPr>
-          <p:cNvSpPr>
-            <a:spLocks noGrp="1"/>
-          </p:cNvSpPr>
-          <p:nvPr>
-            <p:ph type="title"/>
-          </p:nvPr>
-        </p:nvSpPr>
-        <p:spPr>
-          <a:xfrm>
-            <a:off x="200491" y="271992"/>
-            <a:ext cx="10990349" cy="1325563"/>
-          </a:xfrm>
-        </p:spPr>
-        <p:txBody>
-          <a:bodyPr/>
-          <a:lstStyle/>
-          <a:p>
-            <a:r>
-              <a:rPr lang="de-DE" dirty="0"/>
-              <a:t>Server</a:t>
-            </a:r>
-          </a:p>
-        </p:txBody>
-      </p:sp>
       <p:sp>
         <p:nvSpPr>
           <p:cNvPr id="70" name="TextBox 69">
@@ -14301,6 +14920,60 @@
           </a:fontRef>
         </p:style>
       </p:cxnSp>
+      <p:sp>
+        <p:nvSpPr>
+          <p:cNvPr id="66" name="Title 1">
+            <a:extLst>
+              <a:ext uri="{FF2B5EF4-FFF2-40B4-BE49-F238E27FC236}">
+                <a16:creationId xmlns:a16="http://schemas.microsoft.com/office/drawing/2014/main" id="{E3D69552-2E6E-4720-BE04-67DB24AFBCC7}"/>
+              </a:ext>
+            </a:extLst>
+          </p:cNvPr>
+          <p:cNvSpPr txBox="1">
+            <a:spLocks/>
+          </p:cNvSpPr>
+          <p:nvPr/>
+        </p:nvSpPr>
+        <p:spPr>
+          <a:xfrm>
+            <a:off x="200491" y="271992"/>
+            <a:ext cx="6221027" cy="842105"/>
+          </a:xfrm>
+          <a:prstGeom prst="rect">
+            <a:avLst/>
+          </a:prstGeom>
+        </p:spPr>
+        <p:txBody>
+          <a:bodyPr vert="horz" lIns="91440" tIns="45720" rIns="91440" bIns="45720" rtlCol="0" anchor="ctr">
+            <a:normAutofit/>
+          </a:bodyPr>
+          <a:lstStyle>
+            <a:lvl1pPr algn="l" defTabSz="914400" rtl="0" eaLnBrk="1" latinLnBrk="0" hangingPunct="1">
+              <a:lnSpc>
+                <a:spcPct val="90000"/>
+              </a:lnSpc>
+              <a:spcBef>
+                <a:spcPct val="0"/>
+              </a:spcBef>
+              <a:buNone/>
+              <a:defRPr sz="4400" kern="1200">
+                <a:solidFill>
+                  <a:schemeClr val="tx1"/>
+                </a:solidFill>
+                <a:latin typeface="+mj-lt"/>
+                <a:ea typeface="+mj-ea"/>
+                <a:cs typeface="+mj-cs"/>
+              </a:defRPr>
+            </a:lvl1pPr>
+          </a:lstStyle>
+          <a:p>
+            <a:r>
+              <a:rPr lang="de-DE" dirty="0"/>
+              <a:t>Server</a:t>
+            </a:r>
+          </a:p>
+        </p:txBody>
+      </p:sp>
     </p:spTree>
     <p:extLst>
       <p:ext uri="{BB962C8B-B14F-4D97-AF65-F5344CB8AC3E}">
@@ -14439,39 +15112,6 @@
       </p:grpSpPr>
       <p:sp>
         <p:nvSpPr>
-          <p:cNvPr id="2" name="Title 1">
-            <a:extLst>
-              <a:ext uri="{FF2B5EF4-FFF2-40B4-BE49-F238E27FC236}">
-                <a16:creationId xmlns:a16="http://schemas.microsoft.com/office/drawing/2014/main" id="{9B551790-362A-4367-BB74-D0F9B1D9FF2E}"/>
-              </a:ext>
-            </a:extLst>
-          </p:cNvPr>
-          <p:cNvSpPr>
-            <a:spLocks noGrp="1"/>
-          </p:cNvSpPr>
-          <p:nvPr>
-            <p:ph type="title"/>
-          </p:nvPr>
-        </p:nvSpPr>
-        <p:spPr>
-          <a:xfrm>
-            <a:off x="200491" y="271992"/>
-            <a:ext cx="10990349" cy="1325563"/>
-          </a:xfrm>
-        </p:spPr>
-        <p:txBody>
-          <a:bodyPr/>
-          <a:lstStyle/>
-          <a:p>
-            <a:r>
-              <a:rPr lang="de-DE" dirty="0"/>
-              <a:t>Server</a:t>
-            </a:r>
-          </a:p>
-        </p:txBody>
-      </p:sp>
-      <p:sp>
-        <p:nvSpPr>
           <p:cNvPr id="70" name="TextBox 69">
             <a:extLst>
               <a:ext uri="{FF2B5EF4-FFF2-40B4-BE49-F238E27FC236}">
@@ -15142,34 +15782,92 @@
       </p:sp>
       <p:sp>
         <p:nvSpPr>
-          <p:cNvPr id="17" name="Inhaltsplatzhalter 2">
-            <a:extLst>
-              <a:ext uri="{FF2B5EF4-FFF2-40B4-BE49-F238E27FC236}">
-                <a16:creationId xmlns:a16="http://schemas.microsoft.com/office/drawing/2014/main" id="{CFD9399B-18C3-F74C-BEAC-D4FD6B5F28D7}"/>
-              </a:ext>
-            </a:extLst>
-          </p:cNvPr>
-          <p:cNvSpPr>
-            <a:spLocks noGrp="1"/>
+          <p:cNvPr id="18" name="Title 1">
+            <a:extLst>
+              <a:ext uri="{FF2B5EF4-FFF2-40B4-BE49-F238E27FC236}">
+                <a16:creationId xmlns:a16="http://schemas.microsoft.com/office/drawing/2014/main" id="{019AE8AF-58FA-460F-8A70-59E011BD8A3F}"/>
+              </a:ext>
+            </a:extLst>
+          </p:cNvPr>
+          <p:cNvSpPr txBox="1">
+            <a:spLocks/>
           </p:cNvSpPr>
-          <p:nvPr>
-            <p:ph idx="1"/>
-          </p:nvPr>
-        </p:nvSpPr>
-        <p:spPr>
-          <a:xfrm>
-            <a:off x="854858" y="1435842"/>
-            <a:ext cx="10515600" cy="4351338"/>
-          </a:xfrm>
-        </p:spPr>
-        <p:txBody>
-          <a:bodyPr>
+          <p:nvPr/>
+        </p:nvSpPr>
+        <p:spPr>
+          <a:xfrm>
+            <a:off x="200491" y="271992"/>
+            <a:ext cx="10990349" cy="842105"/>
+          </a:xfrm>
+          <a:prstGeom prst="rect">
+            <a:avLst/>
+          </a:prstGeom>
+        </p:spPr>
+        <p:txBody>
+          <a:bodyPr vert="horz" lIns="91440" tIns="45720" rIns="91440" bIns="45720" rtlCol="0" anchor="ctr">
             <a:normAutofit/>
           </a:bodyPr>
-          <a:lstStyle/>
+          <a:lstStyle>
+            <a:lvl1pPr algn="l" defTabSz="914400" rtl="0" eaLnBrk="1" latinLnBrk="0" hangingPunct="1">
+              <a:lnSpc>
+                <a:spcPct val="90000"/>
+              </a:lnSpc>
+              <a:spcBef>
+                <a:spcPct val="0"/>
+              </a:spcBef>
+              <a:buNone/>
+              <a:defRPr sz="4400" kern="1200">
+                <a:solidFill>
+                  <a:schemeClr val="tx1"/>
+                </a:solidFill>
+                <a:latin typeface="+mj-lt"/>
+                <a:ea typeface="+mj-ea"/>
+                <a:cs typeface="+mj-cs"/>
+              </a:defRPr>
+            </a:lvl1pPr>
+          </a:lstStyle>
           <a:p>
             <a:r>
               <a:rPr lang="de-DE" dirty="0"/>
+              <a:t>Server</a:t>
+            </a:r>
+          </a:p>
+        </p:txBody>
+      </p:sp>
+      <p:sp>
+        <p:nvSpPr>
+          <p:cNvPr id="19" name="TextBox 18">
+            <a:extLst>
+              <a:ext uri="{FF2B5EF4-FFF2-40B4-BE49-F238E27FC236}">
+                <a16:creationId xmlns:a16="http://schemas.microsoft.com/office/drawing/2014/main" id="{F2556FF5-000B-4C38-81B1-71877751836C}"/>
+              </a:ext>
+            </a:extLst>
+          </p:cNvPr>
+          <p:cNvSpPr txBox="1"/>
+          <p:nvPr/>
+        </p:nvSpPr>
+        <p:spPr>
+          <a:xfrm>
+            <a:off x="200490" y="1114097"/>
+            <a:ext cx="7761096" cy="3416320"/>
+          </a:xfrm>
+          <a:prstGeom prst="rect">
+            <a:avLst/>
+          </a:prstGeom>
+          <a:noFill/>
+        </p:spPr>
+        <p:txBody>
+          <a:bodyPr wrap="square" rtlCol="0">
+            <a:spAutoFit/>
+          </a:bodyPr>
+          <a:lstStyle/>
+          <a:p>
+            <a:pPr marL="342900" indent="-342900">
+              <a:buFont typeface="Courier New" panose="02070309020205020404" pitchFamily="49" charset="0"/>
+              <a:buChar char="o"/>
+            </a:pPr>
+            <a:r>
+              <a:rPr lang="de-DE" sz="2400" dirty="0"/>
               <a:t>Spring Boot</a:t>
             </a:r>
           </a:p>
@@ -15178,16 +15876,8 @@
               <a:buNone/>
             </a:pPr>
             <a:r>
-              <a:rPr lang="de-DE" dirty="0"/>
-              <a:t>+ weniger </a:t>
-            </a:r>
-            <a:r>
-              <a:rPr lang="de-DE" dirty="0" err="1"/>
-              <a:t>Boilerplate</a:t>
-            </a:r>
-            <a:r>
-              <a:rPr lang="de-DE" dirty="0"/>
-              <a:t>-code</a:t>
+              <a:rPr lang="de-DE" sz="2400" dirty="0"/>
+              <a:t>+ weniger Boilerplate-code</a:t>
             </a:r>
           </a:p>
           <a:p>
@@ -15195,7 +15885,7 @@
               <a:buNone/>
             </a:pPr>
             <a:r>
-              <a:rPr lang="de-DE" dirty="0"/>
+              <a:rPr lang="de-DE" sz="2400" dirty="0"/>
               <a:t>+ speichert persistent </a:t>
             </a:r>
           </a:p>
@@ -15204,13 +15894,17 @@
               <a:buNone/>
             </a:pPr>
             <a:r>
-              <a:rPr lang="de-DE" dirty="0"/>
+              <a:rPr lang="de-DE" sz="2400" dirty="0"/>
               <a:t>+ übersichtlich</a:t>
             </a:r>
           </a:p>
           <a:p>
-            <a:r>
-              <a:rPr lang="de-DE" dirty="0"/>
+            <a:pPr marL="342900" indent="-342900">
+              <a:buFont typeface="Courier New" panose="02070309020205020404" pitchFamily="49" charset="0"/>
+              <a:buChar char="o"/>
+            </a:pPr>
+            <a:r>
+              <a:rPr lang="de-DE" sz="2400" dirty="0"/>
               <a:t>Java</a:t>
             </a:r>
           </a:p>
@@ -15219,25 +15913,27 @@
               <a:buNone/>
             </a:pPr>
             <a:r>
-              <a:rPr lang="de-DE" dirty="0"/>
-              <a:t>+ Linux </a:t>
-            </a:r>
-            <a:r>
-              <a:rPr lang="de-DE" dirty="0" err="1"/>
-              <a:t>plattform</a:t>
-            </a:r>
-            <a:endParaRPr lang="de-DE" dirty="0"/>
+              <a:rPr lang="de-DE" sz="2400" dirty="0"/>
+              <a:t>+ Linux plattform</a:t>
+            </a:r>
+          </a:p>
+          <a:p>
+            <a:pPr marL="342900" indent="-342900">
+              <a:buFont typeface="Courier New" panose="02070309020205020404" pitchFamily="49" charset="0"/>
+              <a:buChar char="o"/>
+            </a:pPr>
+            <a:r>
+              <a:rPr lang="de-DE" sz="2400" dirty="0"/>
+              <a:t>Interceptor/Filter zur Validierung</a:t>
+            </a:r>
           </a:p>
           <a:p>
             <a:pPr marL="457200" lvl="1" indent="0">
               <a:buNone/>
             </a:pPr>
-            <a:endParaRPr lang="de-DE" dirty="0"/>
-          </a:p>
-          <a:p>
-            <a:r>
-              <a:rPr lang="de-DE" dirty="0"/>
-              <a:t>Interceptor/Filter zur Validierung</a:t>
+            <a:r>
+              <a:rPr lang="de-DE" sz="2400" dirty="0"/>
+              <a:t>+ serverseitiges Interesse</a:t>
             </a:r>
           </a:p>
           <a:p>
@@ -15245,33 +15941,9 @@
               <a:buNone/>
             </a:pPr>
             <a:r>
-              <a:rPr lang="de-DE" dirty="0"/>
-              <a:t>+ serverseitiges Interesse</a:t>
-            </a:r>
-          </a:p>
-          <a:p>
-            <a:pPr marL="457200" lvl="1" indent="0">
-              <a:buNone/>
-            </a:pPr>
-            <a:r>
-              <a:rPr lang="de-DE" dirty="0"/>
+              <a:rPr lang="de-DE" sz="2400" dirty="0"/>
               <a:t>+ selbstständige Validierung</a:t>
             </a:r>
-          </a:p>
-          <a:p>
-            <a:pPr marL="457200" lvl="1" indent="0">
-              <a:buNone/>
-            </a:pPr>
-            <a:endParaRPr lang="de-DE" dirty="0"/>
-          </a:p>
-          <a:p>
-            <a:pPr marL="457200" lvl="1" indent="0">
-              <a:buNone/>
-            </a:pPr>
-            <a:endParaRPr lang="de-DE" dirty="0"/>
-          </a:p>
-          <a:p>
-            <a:endParaRPr lang="de-DE" dirty="0"/>
           </a:p>
         </p:txBody>
       </p:sp>
@@ -15324,7 +15996,7 @@
         <p:spPr>
           <a:xfrm>
             <a:off x="200491" y="271992"/>
-            <a:ext cx="10990349" cy="1325563"/>
+            <a:ext cx="10990349" cy="842105"/>
           </a:xfrm>
         </p:spPr>
         <p:txBody>
@@ -16023,7 +16695,7 @@
           <p:nvPr/>
         </p:nvPicPr>
         <p:blipFill>
-          <a:blip r:embed="rId2">
+          <a:blip r:embed="rId3">
             <a:extLst>
               <a:ext uri="{28A0092B-C50C-407E-A947-70E740481C1C}">
                 <a14:useLocalDpi xmlns:a14="http://schemas.microsoft.com/office/drawing/2010/main" val="0"/>
@@ -16058,8 +16730,8 @@
         </p:nvSpPr>
         <p:spPr>
           <a:xfrm>
-            <a:off x="200491" y="1397500"/>
-            <a:ext cx="4676586" cy="2219197"/>
+            <a:off x="200491" y="1114097"/>
+            <a:ext cx="4676586" cy="2537618"/>
           </a:xfrm>
           <a:prstGeom prst="rect">
             <a:avLst/>
@@ -16078,10 +16750,10 @@
               </a:lnSpc>
             </a:pPr>
             <a:r>
-              <a:rPr lang="de-DE" sz="2800" dirty="0"/>
+              <a:rPr lang="de-DE" sz="3200" dirty="0"/>
               <a:t>MVVM</a:t>
             </a:r>
-            <a:endParaRPr lang="de-DE" dirty="0"/>
+            <a:endParaRPr lang="de-DE" sz="2000" dirty="0"/>
           </a:p>
           <a:p>
             <a:pPr marL="285750" indent="-285750">
@@ -16092,7 +16764,7 @@
               <a:buChar char="o"/>
             </a:pPr>
             <a:r>
-              <a:rPr lang="de-DE" sz="2400" dirty="0"/>
+              <a:rPr lang="de-DE" sz="2800" dirty="0"/>
               <a:t>Kollaboratives Arbeiten</a:t>
             </a:r>
           </a:p>
@@ -16105,7 +16777,7 @@
               <a:buChar char="o"/>
             </a:pPr>
             <a:r>
-              <a:rPr lang="de-DE" sz="2400" dirty="0"/>
+              <a:rPr lang="de-DE" sz="2800" dirty="0"/>
               <a:t>Erleichtertes Testen</a:t>
             </a:r>
           </a:p>
@@ -16117,7 +16789,7 @@
               <a:buFontTx/>
               <a:buChar char="-"/>
             </a:pPr>
-            <a:endParaRPr lang="de-DE" dirty="0"/>
+            <a:endParaRPr lang="de-DE" sz="2000" dirty="0"/>
           </a:p>
         </p:txBody>
       </p:sp>
@@ -16136,7 +16808,7 @@
           <p:nvPr/>
         </p:nvPicPr>
         <p:blipFill>
-          <a:blip r:embed="rId3"/>
+          <a:blip r:embed="rId4"/>
           <a:stretch>
             <a:fillRect/>
           </a:stretch>
@@ -16219,39 +16891,6 @@
       </p:grpSpPr>
       <p:sp>
         <p:nvSpPr>
-          <p:cNvPr id="2" name="Title 1">
-            <a:extLst>
-              <a:ext uri="{FF2B5EF4-FFF2-40B4-BE49-F238E27FC236}">
-                <a16:creationId xmlns:a16="http://schemas.microsoft.com/office/drawing/2014/main" id="{9B551790-362A-4367-BB74-D0F9B1D9FF2E}"/>
-              </a:ext>
-            </a:extLst>
-          </p:cNvPr>
-          <p:cNvSpPr>
-            <a:spLocks noGrp="1"/>
-          </p:cNvSpPr>
-          <p:nvPr>
-            <p:ph type="title"/>
-          </p:nvPr>
-        </p:nvSpPr>
-        <p:spPr>
-          <a:xfrm>
-            <a:off x="200491" y="271992"/>
-            <a:ext cx="10990349" cy="1325563"/>
-          </a:xfrm>
-        </p:spPr>
-        <p:txBody>
-          <a:bodyPr/>
-          <a:lstStyle/>
-          <a:p>
-            <a:r>
-              <a:rPr lang="de-DE" dirty="0"/>
-              <a:t>Server Architektur</a:t>
-            </a:r>
-          </a:p>
-        </p:txBody>
-      </p:sp>
-      <p:sp>
-        <p:nvSpPr>
           <p:cNvPr id="96" name="TextBox 95">
             <a:extLst>
               <a:ext uri="{FF2B5EF4-FFF2-40B4-BE49-F238E27FC236}">
@@ -17411,10 +18050,64 @@
       </p:sp>
       <p:sp>
         <p:nvSpPr>
-          <p:cNvPr id="18" name="Textfeld 17">
-            <a:extLst>
-              <a:ext uri="{FF2B5EF4-FFF2-40B4-BE49-F238E27FC236}">
-                <a16:creationId xmlns:a16="http://schemas.microsoft.com/office/drawing/2014/main" id="{4C1E68CB-28C8-5341-91B6-E049230BA1A0}"/>
+          <p:cNvPr id="27" name="Title 1">
+            <a:extLst>
+              <a:ext uri="{FF2B5EF4-FFF2-40B4-BE49-F238E27FC236}">
+                <a16:creationId xmlns:a16="http://schemas.microsoft.com/office/drawing/2014/main" id="{C38F601A-BF24-4320-90A3-56A2DD860FC6}"/>
+              </a:ext>
+            </a:extLst>
+          </p:cNvPr>
+          <p:cNvSpPr txBox="1">
+            <a:spLocks/>
+          </p:cNvSpPr>
+          <p:nvPr/>
+        </p:nvSpPr>
+        <p:spPr>
+          <a:xfrm>
+            <a:off x="200491" y="271992"/>
+            <a:ext cx="10990349" cy="842105"/>
+          </a:xfrm>
+          <a:prstGeom prst="rect">
+            <a:avLst/>
+          </a:prstGeom>
+        </p:spPr>
+        <p:txBody>
+          <a:bodyPr vert="horz" lIns="91440" tIns="45720" rIns="91440" bIns="45720" rtlCol="0" anchor="ctr">
+            <a:normAutofit/>
+          </a:bodyPr>
+          <a:lstStyle>
+            <a:lvl1pPr algn="l" defTabSz="914400" rtl="0" eaLnBrk="1" latinLnBrk="0" hangingPunct="1">
+              <a:lnSpc>
+                <a:spcPct val="90000"/>
+              </a:lnSpc>
+              <a:spcBef>
+                <a:spcPct val="0"/>
+              </a:spcBef>
+              <a:buNone/>
+              <a:defRPr sz="4400" kern="1200">
+                <a:solidFill>
+                  <a:schemeClr val="tx1"/>
+                </a:solidFill>
+                <a:latin typeface="+mj-lt"/>
+                <a:ea typeface="+mj-ea"/>
+                <a:cs typeface="+mj-cs"/>
+              </a:defRPr>
+            </a:lvl1pPr>
+          </a:lstStyle>
+          <a:p>
+            <a:r>
+              <a:rPr lang="de-DE" dirty="0"/>
+              <a:t>Server Architektur</a:t>
+            </a:r>
+          </a:p>
+        </p:txBody>
+      </p:sp>
+      <p:sp>
+        <p:nvSpPr>
+          <p:cNvPr id="29" name="TextBox 28">
+            <a:extLst>
+              <a:ext uri="{FF2B5EF4-FFF2-40B4-BE49-F238E27FC236}">
+                <a16:creationId xmlns:a16="http://schemas.microsoft.com/office/drawing/2014/main" id="{1BEA9583-A3B7-427E-96A5-3DF5B35356B7}"/>
               </a:ext>
             </a:extLst>
           </p:cNvPr>
@@ -17423,8 +18116,8 @@
         </p:nvSpPr>
         <p:spPr>
           <a:xfrm>
-            <a:off x="491490" y="1508760"/>
-            <a:ext cx="4366260" cy="923330"/>
+            <a:off x="200491" y="1114097"/>
+            <a:ext cx="4676586" cy="3257174"/>
           </a:xfrm>
           <a:prstGeom prst="rect">
             <a:avLst/>
@@ -17437,32 +18130,41 @@
           </a:bodyPr>
           <a:lstStyle/>
           <a:p>
-            <a:pPr marL="285750" indent="-285750">
-              <a:buFont typeface="Arial" panose="020B0604020202020204" pitchFamily="34" charset="0"/>
-              <a:buChar char="•"/>
+            <a:pPr marL="342900" indent="-342900">
+              <a:lnSpc>
+                <a:spcPct val="150000"/>
+              </a:lnSpc>
+              <a:buFont typeface="Courier New" panose="02070309020205020404" pitchFamily="49" charset="0"/>
+              <a:buChar char="o"/>
             </a:pPr>
             <a:r>
-              <a:rPr lang="de-DE" dirty="0"/>
+              <a:rPr lang="de-DE" sz="2800" dirty="0"/>
               <a:t>Schichtenarchitektur</a:t>
             </a:r>
           </a:p>
           <a:p>
-            <a:pPr marL="285750" indent="-285750">
-              <a:buFont typeface="Arial" panose="020B0604020202020204" pitchFamily="34" charset="0"/>
-              <a:buChar char="•"/>
+            <a:pPr marL="342900" indent="-342900">
+              <a:lnSpc>
+                <a:spcPct val="150000"/>
+              </a:lnSpc>
+              <a:buFont typeface="Courier New" panose="02070309020205020404" pitchFamily="49" charset="0"/>
+              <a:buChar char="o"/>
             </a:pPr>
             <a:r>
-              <a:rPr lang="de-DE" dirty="0"/>
+              <a:rPr lang="de-DE" sz="2800" dirty="0"/>
               <a:t>Getrennt nach Anwendungen</a:t>
             </a:r>
           </a:p>
           <a:p>
-            <a:pPr marL="285750" indent="-285750">
-              <a:buFont typeface="Arial" panose="020B0604020202020204" pitchFamily="34" charset="0"/>
-              <a:buChar char="•"/>
+            <a:pPr marL="342900" indent="-342900">
+              <a:lnSpc>
+                <a:spcPct val="150000"/>
+              </a:lnSpc>
+              <a:buFont typeface="Courier New" panose="02070309020205020404" pitchFamily="49" charset="0"/>
+              <a:buChar char="o"/>
             </a:pPr>
             <a:r>
-              <a:rPr lang="de-DE" dirty="0"/>
+              <a:rPr lang="de-DE" sz="2800" dirty="0"/>
               <a:t>Gemeinsame Schicht für Login </a:t>
             </a:r>
           </a:p>
@@ -17500,39 +18202,6 @@
       </p:grpSpPr>
       <p:sp>
         <p:nvSpPr>
-          <p:cNvPr id="2" name="Title 1">
-            <a:extLst>
-              <a:ext uri="{FF2B5EF4-FFF2-40B4-BE49-F238E27FC236}">
-                <a16:creationId xmlns:a16="http://schemas.microsoft.com/office/drawing/2014/main" id="{9B551790-362A-4367-BB74-D0F9B1D9FF2E}"/>
-              </a:ext>
-            </a:extLst>
-          </p:cNvPr>
-          <p:cNvSpPr>
-            <a:spLocks noGrp="1"/>
-          </p:cNvSpPr>
-          <p:nvPr>
-            <p:ph type="title"/>
-          </p:nvPr>
-        </p:nvSpPr>
-        <p:spPr>
-          <a:xfrm>
-            <a:off x="200491" y="271992"/>
-            <a:ext cx="10990349" cy="1325563"/>
-          </a:xfrm>
-        </p:spPr>
-        <p:txBody>
-          <a:bodyPr/>
-          <a:lstStyle/>
-          <a:p>
-            <a:r>
-              <a:rPr lang="de-DE" dirty="0"/>
-              <a:t>View</a:t>
-            </a:r>
-          </a:p>
-        </p:txBody>
-      </p:sp>
-      <p:sp>
-        <p:nvSpPr>
           <p:cNvPr id="78" name="TextBox 77">
             <a:extLst>
               <a:ext uri="{FF2B5EF4-FFF2-40B4-BE49-F238E27FC236}">
@@ -18216,7 +18885,7 @@
           <p:nvPr/>
         </p:nvPicPr>
         <p:blipFill>
-          <a:blip r:embed="rId2">
+          <a:blip r:embed="rId3">
             <a:extLst>
               <a:ext uri="{28A0092B-C50C-407E-A947-70E740481C1C}">
                 <a14:useLocalDpi xmlns:a14="http://schemas.microsoft.com/office/drawing/2010/main" val="0"/>
@@ -18237,12 +18906,102 @@
           </a:prstGeom>
         </p:spPr>
       </p:pic>
-      <p:sp>
-        <p:nvSpPr>
-          <p:cNvPr id="5" name="TextBox 4">
-            <a:extLst>
-              <a:ext uri="{FF2B5EF4-FFF2-40B4-BE49-F238E27FC236}">
-                <a16:creationId xmlns:a16="http://schemas.microsoft.com/office/drawing/2014/main" id="{0250CC27-88CA-42FC-B319-8772B4047E59}"/>
+      <p:pic>
+        <p:nvPicPr>
+          <p:cNvPr id="6" name="Picture 5" descr="A screenshot of a computer&#10;&#10;Description automatically generated with medium confidence">
+            <a:extLst>
+              <a:ext uri="{FF2B5EF4-FFF2-40B4-BE49-F238E27FC236}">
+                <a16:creationId xmlns:a16="http://schemas.microsoft.com/office/drawing/2014/main" id="{C03B5305-05A6-4A8B-944B-ED1632780AD1}"/>
+              </a:ext>
+            </a:extLst>
+          </p:cNvPr>
+          <p:cNvPicPr>
+            <a:picLocks noChangeAspect="1"/>
+          </p:cNvPicPr>
+          <p:nvPr/>
+        </p:nvPicPr>
+        <p:blipFill>
+          <a:blip r:embed="rId4">
+            <a:extLst>
+              <a:ext uri="{28A0092B-C50C-407E-A947-70E740481C1C}">
+                <a14:useLocalDpi xmlns:a14="http://schemas.microsoft.com/office/drawing/2010/main" val="0"/>
+              </a:ext>
+            </a:extLst>
+          </a:blip>
+          <a:stretch>
+            <a:fillRect/>
+          </a:stretch>
+        </p:blipFill>
+        <p:spPr>
+          <a:xfrm>
+            <a:off x="8257401" y="2950659"/>
+            <a:ext cx="3807145" cy="2611419"/>
+          </a:xfrm>
+          <a:prstGeom prst="rect">
+            <a:avLst/>
+          </a:prstGeom>
+        </p:spPr>
+      </p:pic>
+      <p:sp>
+        <p:nvSpPr>
+          <p:cNvPr id="19" name="Title 1">
+            <a:extLst>
+              <a:ext uri="{FF2B5EF4-FFF2-40B4-BE49-F238E27FC236}">
+                <a16:creationId xmlns:a16="http://schemas.microsoft.com/office/drawing/2014/main" id="{4B815C18-2566-471A-89DE-B9523F99F30D}"/>
+              </a:ext>
+            </a:extLst>
+          </p:cNvPr>
+          <p:cNvSpPr txBox="1">
+            <a:spLocks/>
+          </p:cNvSpPr>
+          <p:nvPr/>
+        </p:nvSpPr>
+        <p:spPr>
+          <a:xfrm>
+            <a:off x="209021" y="271992"/>
+            <a:ext cx="10981819" cy="842105"/>
+          </a:xfrm>
+          <a:prstGeom prst="rect">
+            <a:avLst/>
+          </a:prstGeom>
+        </p:spPr>
+        <p:txBody>
+          <a:bodyPr vert="horz" lIns="91440" tIns="45720" rIns="91440" bIns="45720" rtlCol="0" anchor="ctr">
+            <a:normAutofit/>
+          </a:bodyPr>
+          <a:lstStyle>
+            <a:lvl1pPr algn="l" defTabSz="914400" rtl="0" eaLnBrk="1" latinLnBrk="0" hangingPunct="1">
+              <a:lnSpc>
+                <a:spcPct val="90000"/>
+              </a:lnSpc>
+              <a:spcBef>
+                <a:spcPct val="0"/>
+              </a:spcBef>
+              <a:buNone/>
+              <a:defRPr sz="4400" kern="1200">
+                <a:solidFill>
+                  <a:schemeClr val="tx1"/>
+                </a:solidFill>
+                <a:latin typeface="+mj-lt"/>
+                <a:ea typeface="+mj-ea"/>
+                <a:cs typeface="+mj-cs"/>
+              </a:defRPr>
+            </a:lvl1pPr>
+          </a:lstStyle>
+          <a:p>
+            <a:r>
+              <a:rPr lang="de-DE" dirty="0"/>
+              <a:t>View</a:t>
+            </a:r>
+          </a:p>
+        </p:txBody>
+      </p:sp>
+      <p:sp>
+        <p:nvSpPr>
+          <p:cNvPr id="20" name="TextBox 19">
+            <a:extLst>
+              <a:ext uri="{FF2B5EF4-FFF2-40B4-BE49-F238E27FC236}">
+                <a16:creationId xmlns:a16="http://schemas.microsoft.com/office/drawing/2014/main" id="{C3B2B856-BF8A-4AB5-BBBF-7B8F721FC84D}"/>
               </a:ext>
             </a:extLst>
           </p:cNvPr>
@@ -18251,8 +19010,8 @@
         </p:nvSpPr>
         <p:spPr>
           <a:xfrm>
-            <a:off x="405549" y="1551563"/>
-            <a:ext cx="6594339" cy="3754874"/>
+            <a:off x="200491" y="1114097"/>
+            <a:ext cx="5495174" cy="3257174"/>
           </a:xfrm>
           <a:prstGeom prst="rect">
             <a:avLst/>
@@ -18282,12 +19041,12 @@
               <a:lnSpc>
                 <a:spcPct val="150000"/>
               </a:lnSpc>
-              <a:buFont typeface="Courier New" panose="02070309020205020404" pitchFamily="49" charset="0"/>
-              <a:buChar char="o"/>
+              <a:buFont typeface="Wingdings" panose="05000000000000000000" pitchFamily="2" charset="2"/>
+              <a:buChar char="Ø"/>
             </a:pPr>
             <a:r>
               <a:rPr lang="de-DE" sz="2800" dirty="0"/>
-              <a:t>Weniger code als mit xml</a:t>
+              <a:t>Weniger code als mit XML</a:t>
             </a:r>
           </a:p>
           <a:p>
@@ -18300,7 +19059,7 @@
             </a:pPr>
             <a:r>
               <a:rPr lang="de-DE" sz="2800" dirty="0"/>
-              <a:t>Single activity application</a:t>
+              <a:t>Navigation Component</a:t>
             </a:r>
           </a:p>
           <a:p>
@@ -18313,7 +19072,7 @@
             </a:pPr>
             <a:r>
               <a:rPr lang="de-DE" sz="2800" dirty="0"/>
-              <a:t>Navigation Component</a:t>
+              <a:t>Single activity application</a:t>
             </a:r>
           </a:p>
           <a:p>
@@ -18326,50 +19085,11 @@
             </a:pPr>
             <a:r>
               <a:rPr lang="de-DE" sz="2800" dirty="0"/>
-              <a:t>Flows</a:t>
-            </a:r>
-          </a:p>
-          <a:p>
-            <a:endParaRPr lang="de-DE" sz="2800" dirty="0"/>
-          </a:p>
-        </p:txBody>
-      </p:sp>
-      <p:pic>
-        <p:nvPicPr>
-          <p:cNvPr id="6" name="Picture 5" descr="A screenshot of a computer&#10;&#10;Description automatically generated with medium confidence">
-            <a:extLst>
-              <a:ext uri="{FF2B5EF4-FFF2-40B4-BE49-F238E27FC236}">
-                <a16:creationId xmlns:a16="http://schemas.microsoft.com/office/drawing/2014/main" id="{C03B5305-05A6-4A8B-944B-ED1632780AD1}"/>
-              </a:ext>
-            </a:extLst>
-          </p:cNvPr>
-          <p:cNvPicPr>
-            <a:picLocks noChangeAspect="1"/>
-          </p:cNvPicPr>
-          <p:nvPr/>
-        </p:nvPicPr>
-        <p:blipFill>
-          <a:blip r:embed="rId3">
-            <a:extLst>
-              <a:ext uri="{28A0092B-C50C-407E-A947-70E740481C1C}">
-                <a14:useLocalDpi xmlns:a14="http://schemas.microsoft.com/office/drawing/2010/main" val="0"/>
-              </a:ext>
-            </a:extLst>
-          </a:blip>
-          <a:stretch>
-            <a:fillRect/>
-          </a:stretch>
-        </p:blipFill>
-        <p:spPr>
-          <a:xfrm>
-            <a:off x="8384855" y="2246760"/>
-            <a:ext cx="3807145" cy="2611419"/>
-          </a:xfrm>
-          <a:prstGeom prst="rect">
-            <a:avLst/>
-          </a:prstGeom>
-        </p:spPr>
-      </p:pic>
+              <a:t>Events / Obserable Pattern</a:t>
+            </a:r>
+          </a:p>
+        </p:txBody>
+      </p:sp>
     </p:spTree>
     <p:extLst>
       <p:ext uri="{BB962C8B-B14F-4D97-AF65-F5344CB8AC3E}">
@@ -18402,39 +19122,6 @@
       </p:grpSpPr>
       <p:sp>
         <p:nvSpPr>
-          <p:cNvPr id="2" name="Title 1">
-            <a:extLst>
-              <a:ext uri="{FF2B5EF4-FFF2-40B4-BE49-F238E27FC236}">
-                <a16:creationId xmlns:a16="http://schemas.microsoft.com/office/drawing/2014/main" id="{9B551790-362A-4367-BB74-D0F9B1D9FF2E}"/>
-              </a:ext>
-            </a:extLst>
-          </p:cNvPr>
-          <p:cNvSpPr>
-            <a:spLocks noGrp="1"/>
-          </p:cNvSpPr>
-          <p:nvPr>
-            <p:ph type="title"/>
-          </p:nvPr>
-        </p:nvSpPr>
-        <p:spPr>
-          <a:xfrm>
-            <a:off x="200491" y="271992"/>
-            <a:ext cx="10990349" cy="1325563"/>
-          </a:xfrm>
-        </p:spPr>
-        <p:txBody>
-          <a:bodyPr/>
-          <a:lstStyle/>
-          <a:p>
-            <a:r>
-              <a:rPr lang="de-DE" dirty="0"/>
-              <a:t>View Model</a:t>
-            </a:r>
-          </a:p>
-        </p:txBody>
-      </p:sp>
-      <p:sp>
-        <p:nvSpPr>
           <p:cNvPr id="69" name="TextBox 68">
             <a:extLst>
               <a:ext uri="{FF2B5EF4-FFF2-40B4-BE49-F238E27FC236}">
@@ -19103,12 +19790,138 @@
           </a:p>
         </p:txBody>
       </p:sp>
-      <p:sp>
-        <p:nvSpPr>
-          <p:cNvPr id="16" name="TextBox 15">
-            <a:extLst>
-              <a:ext uri="{FF2B5EF4-FFF2-40B4-BE49-F238E27FC236}">
-                <a16:creationId xmlns:a16="http://schemas.microsoft.com/office/drawing/2014/main" id="{6ED1A6F0-FD00-4DAB-8158-9955BE575132}"/>
+      <p:pic>
+        <p:nvPicPr>
+          <p:cNvPr id="7" name="Picture 6" descr="Diagram&#10;&#10;Description automatically generated">
+            <a:extLst>
+              <a:ext uri="{FF2B5EF4-FFF2-40B4-BE49-F238E27FC236}">
+                <a16:creationId xmlns:a16="http://schemas.microsoft.com/office/drawing/2014/main" id="{447F8A4A-2EA3-446F-8C7A-4F49B09B344F}"/>
+              </a:ext>
+            </a:extLst>
+          </p:cNvPr>
+          <p:cNvPicPr>
+            <a:picLocks noChangeAspect="1"/>
+          </p:cNvPicPr>
+          <p:nvPr/>
+        </p:nvPicPr>
+        <p:blipFill>
+          <a:blip r:embed="rId3">
+            <a:extLst>
+              <a:ext uri="{28A0092B-C50C-407E-A947-70E740481C1C}">
+                <a14:useLocalDpi xmlns:a14="http://schemas.microsoft.com/office/drawing/2010/main" val="0"/>
+              </a:ext>
+            </a:extLst>
+          </a:blip>
+          <a:stretch>
+            <a:fillRect/>
+          </a:stretch>
+        </p:blipFill>
+        <p:spPr>
+          <a:xfrm>
+            <a:off x="5958513" y="789523"/>
+            <a:ext cx="5603838" cy="2037759"/>
+          </a:xfrm>
+          <a:prstGeom prst="rect">
+            <a:avLst/>
+          </a:prstGeom>
+        </p:spPr>
+      </p:pic>
+      <p:pic>
+        <p:nvPicPr>
+          <p:cNvPr id="18" name="Picture 17" descr="A screenshot of a computer&#10;&#10;Description automatically generated with medium confidence">
+            <a:extLst>
+              <a:ext uri="{FF2B5EF4-FFF2-40B4-BE49-F238E27FC236}">
+                <a16:creationId xmlns:a16="http://schemas.microsoft.com/office/drawing/2014/main" id="{B923F17F-0AE5-4B3B-9480-C7FCE1C78DF8}"/>
+              </a:ext>
+            </a:extLst>
+          </p:cNvPr>
+          <p:cNvPicPr>
+            <a:picLocks noChangeAspect="1"/>
+          </p:cNvPicPr>
+          <p:nvPr/>
+        </p:nvPicPr>
+        <p:blipFill>
+          <a:blip r:embed="rId4">
+            <a:extLst>
+              <a:ext uri="{28A0092B-C50C-407E-A947-70E740481C1C}">
+                <a14:useLocalDpi xmlns:a14="http://schemas.microsoft.com/office/drawing/2010/main" val="0"/>
+              </a:ext>
+            </a:extLst>
+          </a:blip>
+          <a:stretch>
+            <a:fillRect/>
+          </a:stretch>
+        </p:blipFill>
+        <p:spPr>
+          <a:xfrm>
+            <a:off x="8257401" y="2950659"/>
+            <a:ext cx="3807145" cy="2611419"/>
+          </a:xfrm>
+          <a:prstGeom prst="rect">
+            <a:avLst/>
+          </a:prstGeom>
+        </p:spPr>
+      </p:pic>
+      <p:sp>
+        <p:nvSpPr>
+          <p:cNvPr id="19" name="Title 1">
+            <a:extLst>
+              <a:ext uri="{FF2B5EF4-FFF2-40B4-BE49-F238E27FC236}">
+                <a16:creationId xmlns:a16="http://schemas.microsoft.com/office/drawing/2014/main" id="{7CE90532-4D86-4BA0-9015-F02CFCF7DD90}"/>
+              </a:ext>
+            </a:extLst>
+          </p:cNvPr>
+          <p:cNvSpPr txBox="1">
+            <a:spLocks/>
+          </p:cNvSpPr>
+          <p:nvPr/>
+        </p:nvSpPr>
+        <p:spPr>
+          <a:xfrm>
+            <a:off x="200491" y="271992"/>
+            <a:ext cx="10990349" cy="842105"/>
+          </a:xfrm>
+          <a:prstGeom prst="rect">
+            <a:avLst/>
+          </a:prstGeom>
+        </p:spPr>
+        <p:txBody>
+          <a:bodyPr vert="horz" lIns="91440" tIns="45720" rIns="91440" bIns="45720" rtlCol="0" anchor="ctr">
+            <a:normAutofit/>
+          </a:bodyPr>
+          <a:lstStyle>
+            <a:lvl1pPr algn="l" defTabSz="914400" rtl="0" eaLnBrk="1" latinLnBrk="0" hangingPunct="1">
+              <a:lnSpc>
+                <a:spcPct val="90000"/>
+              </a:lnSpc>
+              <a:spcBef>
+                <a:spcPct val="0"/>
+              </a:spcBef>
+              <a:buNone/>
+              <a:defRPr sz="4400" kern="1200">
+                <a:solidFill>
+                  <a:schemeClr val="tx1"/>
+                </a:solidFill>
+                <a:latin typeface="+mj-lt"/>
+                <a:ea typeface="+mj-ea"/>
+                <a:cs typeface="+mj-cs"/>
+              </a:defRPr>
+            </a:lvl1pPr>
+          </a:lstStyle>
+          <a:p>
+            <a:r>
+              <a:rPr lang="de-DE" dirty="0"/>
+              <a:t>View Model</a:t>
+            </a:r>
+          </a:p>
+        </p:txBody>
+      </p:sp>
+      <p:sp>
+        <p:nvSpPr>
+          <p:cNvPr id="20" name="TextBox 19">
+            <a:extLst>
+              <a:ext uri="{FF2B5EF4-FFF2-40B4-BE49-F238E27FC236}">
+                <a16:creationId xmlns:a16="http://schemas.microsoft.com/office/drawing/2014/main" id="{11CB311F-E036-4076-AD6A-E31AE83EF755}"/>
               </a:ext>
             </a:extLst>
           </p:cNvPr>
@@ -19117,8 +19930,8 @@
         </p:nvSpPr>
         <p:spPr>
           <a:xfrm>
-            <a:off x="405549" y="1551563"/>
-            <a:ext cx="6594339" cy="2610843"/>
+            <a:off x="200490" y="1114097"/>
+            <a:ext cx="5664282" cy="2610843"/>
           </a:xfrm>
           <a:prstGeom prst="rect">
             <a:avLst/>
@@ -19171,42 +19984,6 @@
           </a:p>
         </p:txBody>
       </p:sp>
-      <p:pic>
-        <p:nvPicPr>
-          <p:cNvPr id="7" name="Picture 6" descr="Diagram&#10;&#10;Description automatically generated">
-            <a:extLst>
-              <a:ext uri="{FF2B5EF4-FFF2-40B4-BE49-F238E27FC236}">
-                <a16:creationId xmlns:a16="http://schemas.microsoft.com/office/drawing/2014/main" id="{447F8A4A-2EA3-446F-8C7A-4F49B09B344F}"/>
-              </a:ext>
-            </a:extLst>
-          </p:cNvPr>
-          <p:cNvPicPr>
-            <a:picLocks noChangeAspect="1"/>
-          </p:cNvPicPr>
-          <p:nvPr/>
-        </p:nvPicPr>
-        <p:blipFill>
-          <a:blip r:embed="rId2">
-            <a:extLst>
-              <a:ext uri="{28A0092B-C50C-407E-A947-70E740481C1C}">
-                <a14:useLocalDpi xmlns:a14="http://schemas.microsoft.com/office/drawing/2010/main" val="0"/>
-              </a:ext>
-            </a:extLst>
-          </a:blip>
-          <a:stretch>
-            <a:fillRect/>
-          </a:stretch>
-        </p:blipFill>
-        <p:spPr>
-          <a:xfrm>
-            <a:off x="5958513" y="789523"/>
-            <a:ext cx="5603838" cy="2037759"/>
-          </a:xfrm>
-          <a:prstGeom prst="rect">
-            <a:avLst/>
-          </a:prstGeom>
-        </p:spPr>
-      </p:pic>
     </p:spTree>
     <p:extLst>
       <p:ext uri="{BB962C8B-B14F-4D97-AF65-F5344CB8AC3E}">
@@ -19239,39 +20016,6 @@
       </p:grpSpPr>
       <p:sp>
         <p:nvSpPr>
-          <p:cNvPr id="2" name="Title 1">
-            <a:extLst>
-              <a:ext uri="{FF2B5EF4-FFF2-40B4-BE49-F238E27FC236}">
-                <a16:creationId xmlns:a16="http://schemas.microsoft.com/office/drawing/2014/main" id="{9B551790-362A-4367-BB74-D0F9B1D9FF2E}"/>
-              </a:ext>
-            </a:extLst>
-          </p:cNvPr>
-          <p:cNvSpPr>
-            <a:spLocks noGrp="1"/>
-          </p:cNvSpPr>
-          <p:nvPr>
-            <p:ph type="title"/>
-          </p:nvPr>
-        </p:nvSpPr>
-        <p:spPr>
-          <a:xfrm>
-            <a:off x="200491" y="271992"/>
-            <a:ext cx="10990349" cy="1325563"/>
-          </a:xfrm>
-        </p:spPr>
-        <p:txBody>
-          <a:bodyPr/>
-          <a:lstStyle/>
-          <a:p>
-            <a:r>
-              <a:rPr lang="de-DE" dirty="0"/>
-              <a:t>Repository</a:t>
-            </a:r>
-          </a:p>
-        </p:txBody>
-      </p:sp>
-      <p:sp>
-        <p:nvSpPr>
           <p:cNvPr id="69" name="TextBox 68">
             <a:extLst>
               <a:ext uri="{FF2B5EF4-FFF2-40B4-BE49-F238E27FC236}">
@@ -19942,43 +20686,82 @@
       </p:sp>
       <p:sp>
         <p:nvSpPr>
-          <p:cNvPr id="17" name="CustomShape 15">
-            <a:extLst>
-              <a:ext uri="{FF2B5EF4-FFF2-40B4-BE49-F238E27FC236}">
-                <a16:creationId xmlns:a16="http://schemas.microsoft.com/office/drawing/2014/main" id="{41DF1B58-C339-A840-9B8A-CCA067520180}"/>
-              </a:ext>
-            </a:extLst>
-          </p:cNvPr>
-          <p:cNvSpPr/>
+          <p:cNvPr id="18" name="Title 1">
+            <a:extLst>
+              <a:ext uri="{FF2B5EF4-FFF2-40B4-BE49-F238E27FC236}">
+                <a16:creationId xmlns:a16="http://schemas.microsoft.com/office/drawing/2014/main" id="{5EAE7982-27D2-4B71-9C08-DC6351569B51}"/>
+              </a:ext>
+            </a:extLst>
+          </p:cNvPr>
+          <p:cNvSpPr txBox="1">
+            <a:spLocks/>
+          </p:cNvSpPr>
           <p:nvPr/>
         </p:nvSpPr>
         <p:spPr>
           <a:xfrm>
-            <a:off x="689370" y="1597555"/>
-            <a:ext cx="8158095" cy="3242704"/>
+            <a:off x="200491" y="271992"/>
+            <a:ext cx="10990349" cy="842105"/>
+          </a:xfrm>
+          <a:prstGeom prst="rect">
+            <a:avLst/>
+          </a:prstGeom>
+        </p:spPr>
+        <p:txBody>
+          <a:bodyPr vert="horz" lIns="91440" tIns="45720" rIns="91440" bIns="45720" rtlCol="0" anchor="ctr">
+            <a:normAutofit/>
+          </a:bodyPr>
+          <a:lstStyle>
+            <a:lvl1pPr algn="l" defTabSz="914400" rtl="0" eaLnBrk="1" latinLnBrk="0" hangingPunct="1">
+              <a:lnSpc>
+                <a:spcPct val="90000"/>
+              </a:lnSpc>
+              <a:spcBef>
+                <a:spcPct val="0"/>
+              </a:spcBef>
+              <a:buNone/>
+              <a:defRPr sz="4400" kern="1200">
+                <a:solidFill>
+                  <a:schemeClr val="tx1"/>
+                </a:solidFill>
+                <a:latin typeface="+mj-lt"/>
+                <a:ea typeface="+mj-ea"/>
+                <a:cs typeface="+mj-cs"/>
+              </a:defRPr>
+            </a:lvl1pPr>
+          </a:lstStyle>
+          <a:p>
+            <a:r>
+              <a:rPr lang="de-DE" dirty="0"/>
+              <a:t>Repository</a:t>
+            </a:r>
+          </a:p>
+        </p:txBody>
+      </p:sp>
+      <p:sp>
+        <p:nvSpPr>
+          <p:cNvPr id="19" name="TextBox 18">
+            <a:extLst>
+              <a:ext uri="{FF2B5EF4-FFF2-40B4-BE49-F238E27FC236}">
+                <a16:creationId xmlns:a16="http://schemas.microsoft.com/office/drawing/2014/main" id="{7130FF63-5C99-445C-8DB2-FA7651309C9B}"/>
+              </a:ext>
+            </a:extLst>
+          </p:cNvPr>
+          <p:cNvSpPr txBox="1"/>
+          <p:nvPr/>
+        </p:nvSpPr>
+        <p:spPr>
+          <a:xfrm>
+            <a:off x="200490" y="1114097"/>
+            <a:ext cx="7761096" cy="3244158"/>
           </a:xfrm>
           <a:prstGeom prst="rect">
             <a:avLst/>
           </a:prstGeom>
           <a:noFill/>
-          <a:ln>
-            <a:noFill/>
-          </a:ln>
-        </p:spPr>
-        <p:style>
-          <a:lnRef idx="0">
-            <a:scrgbClr r="0" g="0" b="0"/>
-          </a:lnRef>
-          <a:fillRef idx="0">
-            <a:scrgbClr r="0" g="0" b="0"/>
-          </a:fillRef>
-          <a:effectRef idx="0">
-            <a:scrgbClr r="0" g="0" b="0"/>
-          </a:effectRef>
-          <a:fontRef idx="minor"/>
-        </p:style>
-        <p:txBody>
-          <a:bodyPr wrap="square" lIns="90000" tIns="45000" rIns="90000" bIns="45000">
+        </p:spPr>
+        <p:txBody>
+          <a:bodyPr wrap="square" rtlCol="0">
             <a:spAutoFit/>
           </a:bodyPr>
           <a:lstStyle/>
@@ -19998,13 +20781,10 @@
                 <a:solidFill>
                   <a:srgbClr val="000000"/>
                 </a:solidFill>
-                <a:latin typeface="Calibri"/>
               </a:rPr>
               <a:t>Verdeckt Daten des Models und der RDM</a:t>
             </a:r>
-            <a:endParaRPr lang="de-DE" sz="2800" b="0" strike="noStrike" spc="-1" dirty="0">
-              <a:latin typeface="Arial"/>
-            </a:endParaRPr>
+            <a:endParaRPr lang="de-DE" sz="2800" b="0" strike="noStrike" spc="-1" dirty="0"/>
           </a:p>
           <a:p>
             <a:pPr marL="914400" lvl="1" indent="-456840">
@@ -20022,13 +20802,10 @@
                 <a:solidFill>
                   <a:srgbClr val="000000"/>
                 </a:solidFill>
-                <a:latin typeface="Calibri"/>
               </a:rPr>
               <a:t>Posts, Projekte</a:t>
             </a:r>
-            <a:endParaRPr lang="de-DE" sz="2800" b="0" strike="noStrike" spc="-1" dirty="0">
-              <a:latin typeface="Arial"/>
-            </a:endParaRPr>
+            <a:endParaRPr lang="de-DE" sz="2800" b="0" strike="noStrike" spc="-1" dirty="0"/>
           </a:p>
           <a:p>
             <a:pPr marL="457200" indent="-456840">
@@ -20046,7 +20823,6 @@
                 <a:solidFill>
                   <a:srgbClr val="000000"/>
                 </a:solidFill>
-                <a:latin typeface="Calibri"/>
               </a:rPr>
               <a:t>Command System</a:t>
             </a:r>
@@ -20054,7 +20830,6 @@
               <a:solidFill>
                 <a:srgbClr val="000000"/>
               </a:solidFill>
-              <a:latin typeface="Arial"/>
             </a:endParaRPr>
           </a:p>
           <a:p>
@@ -20073,7 +20848,6 @@
                 <a:solidFill>
                   <a:srgbClr val="000000"/>
                 </a:solidFill>
-                <a:latin typeface="Arial"/>
               </a:rPr>
               <a:t>e</a:t>
             </a:r>
@@ -20082,13 +20856,10 @@
                 <a:solidFill>
                   <a:srgbClr val="000000"/>
                 </a:solidFill>
-                <a:latin typeface="Arial"/>
               </a:rPr>
               <a:t>rmöglicht Änderungen an Models auf verschiedenen Endgeräten</a:t>
             </a:r>
-            <a:endParaRPr lang="de-DE" sz="2800" b="0" strike="noStrike" spc="-1" dirty="0">
-              <a:latin typeface="Arial"/>
-            </a:endParaRPr>
+            <a:endParaRPr lang="de-DE" sz="2800" b="0" strike="noStrike" spc="-1" dirty="0"/>
           </a:p>
         </p:txBody>
       </p:sp>
@@ -20124,39 +20895,6 @@
       </p:grpSpPr>
       <p:sp>
         <p:nvSpPr>
-          <p:cNvPr id="2" name="Title 1">
-            <a:extLst>
-              <a:ext uri="{FF2B5EF4-FFF2-40B4-BE49-F238E27FC236}">
-                <a16:creationId xmlns:a16="http://schemas.microsoft.com/office/drawing/2014/main" id="{9B551790-362A-4367-BB74-D0F9B1D9FF2E}"/>
-              </a:ext>
-            </a:extLst>
-          </p:cNvPr>
-          <p:cNvSpPr>
-            <a:spLocks noGrp="1"/>
-          </p:cNvSpPr>
-          <p:nvPr>
-            <p:ph type="title"/>
-          </p:nvPr>
-        </p:nvSpPr>
-        <p:spPr>
-          <a:xfrm>
-            <a:off x="200491" y="271992"/>
-            <a:ext cx="10990349" cy="1325563"/>
-          </a:xfrm>
-        </p:spPr>
-        <p:txBody>
-          <a:bodyPr/>
-          <a:lstStyle/>
-          <a:p>
-            <a:r>
-              <a:rPr lang="de-DE" dirty="0"/>
-              <a:t>Repository – Command System</a:t>
-            </a:r>
-          </a:p>
-        </p:txBody>
-      </p:sp>
-      <p:sp>
-        <p:nvSpPr>
           <p:cNvPr id="69" name="TextBox 68">
             <a:extLst>
               <a:ext uri="{FF2B5EF4-FFF2-40B4-BE49-F238E27FC236}">
@@ -20827,43 +21565,82 @@
       </p:sp>
       <p:sp>
         <p:nvSpPr>
-          <p:cNvPr id="17" name="CustomShape 15">
-            <a:extLst>
-              <a:ext uri="{FF2B5EF4-FFF2-40B4-BE49-F238E27FC236}">
-                <a16:creationId xmlns:a16="http://schemas.microsoft.com/office/drawing/2014/main" id="{41DF1B58-C339-A840-9B8A-CCA067520180}"/>
-              </a:ext>
-            </a:extLst>
-          </p:cNvPr>
-          <p:cNvSpPr/>
+          <p:cNvPr id="18" name="Title 1">
+            <a:extLst>
+              <a:ext uri="{FF2B5EF4-FFF2-40B4-BE49-F238E27FC236}">
+                <a16:creationId xmlns:a16="http://schemas.microsoft.com/office/drawing/2014/main" id="{88DB4047-597E-473E-BAFC-DC2216C4B68D}"/>
+              </a:ext>
+            </a:extLst>
+          </p:cNvPr>
+          <p:cNvSpPr txBox="1">
+            <a:spLocks/>
+          </p:cNvSpPr>
           <p:nvPr/>
         </p:nvSpPr>
         <p:spPr>
           <a:xfrm>
-            <a:off x="689370" y="1597555"/>
-            <a:ext cx="10659438" cy="1950042"/>
+            <a:off x="200491" y="271992"/>
+            <a:ext cx="10990349" cy="842105"/>
+          </a:xfrm>
+          <a:prstGeom prst="rect">
+            <a:avLst/>
+          </a:prstGeom>
+        </p:spPr>
+        <p:txBody>
+          <a:bodyPr vert="horz" lIns="91440" tIns="45720" rIns="91440" bIns="45720" rtlCol="0" anchor="ctr">
+            <a:normAutofit/>
+          </a:bodyPr>
+          <a:lstStyle>
+            <a:lvl1pPr algn="l" defTabSz="914400" rtl="0" eaLnBrk="1" latinLnBrk="0" hangingPunct="1">
+              <a:lnSpc>
+                <a:spcPct val="90000"/>
+              </a:lnSpc>
+              <a:spcBef>
+                <a:spcPct val="0"/>
+              </a:spcBef>
+              <a:buNone/>
+              <a:defRPr sz="4400" kern="1200">
+                <a:solidFill>
+                  <a:schemeClr val="tx1"/>
+                </a:solidFill>
+                <a:latin typeface="+mj-lt"/>
+                <a:ea typeface="+mj-ea"/>
+                <a:cs typeface="+mj-cs"/>
+              </a:defRPr>
+            </a:lvl1pPr>
+          </a:lstStyle>
+          <a:p>
+            <a:r>
+              <a:rPr lang="de-DE" dirty="0"/>
+              <a:t>Repository – Command System</a:t>
+            </a:r>
+          </a:p>
+        </p:txBody>
+      </p:sp>
+      <p:sp>
+        <p:nvSpPr>
+          <p:cNvPr id="19" name="TextBox 18">
+            <a:extLst>
+              <a:ext uri="{FF2B5EF4-FFF2-40B4-BE49-F238E27FC236}">
+                <a16:creationId xmlns:a16="http://schemas.microsoft.com/office/drawing/2014/main" id="{BF734421-EC18-425D-BAE9-B193D01042E7}"/>
+              </a:ext>
+            </a:extLst>
+          </p:cNvPr>
+          <p:cNvSpPr txBox="1"/>
+          <p:nvPr/>
+        </p:nvSpPr>
+        <p:spPr>
+          <a:xfrm>
+            <a:off x="200490" y="1114097"/>
+            <a:ext cx="7761096" cy="2597827"/>
           </a:xfrm>
           <a:prstGeom prst="rect">
             <a:avLst/>
           </a:prstGeom>
           <a:noFill/>
-          <a:ln>
-            <a:noFill/>
-          </a:ln>
-        </p:spPr>
-        <p:style>
-          <a:lnRef idx="0">
-            <a:scrgbClr r="0" g="0" b="0"/>
-          </a:lnRef>
-          <a:fillRef idx="0">
-            <a:scrgbClr r="0" g="0" b="0"/>
-          </a:fillRef>
-          <a:effectRef idx="0">
-            <a:scrgbClr r="0" g="0" b="0"/>
-          </a:effectRef>
-          <a:fontRef idx="minor"/>
-        </p:style>
-        <p:txBody>
-          <a:bodyPr wrap="square" lIns="90000" tIns="45000" rIns="90000" bIns="45000">
+        </p:spPr>
+        <p:txBody>
+          <a:bodyPr wrap="square" rtlCol="0">
             <a:spAutoFit/>
           </a:bodyPr>
           <a:lstStyle/>
@@ -20879,15 +21656,11 @@
               <a:buChar char="o"/>
             </a:pPr>
             <a:r>
-              <a:rPr lang="de-DE" sz="2800" b="0" strike="noStrike" spc="-1" dirty="0">
-                <a:latin typeface="Arial"/>
-              </a:rPr>
+              <a:rPr lang="de-DE" sz="2800" b="0" strike="noStrike" spc="-1" dirty="0"/>
               <a:t>Abgegebener </a:t>
             </a:r>
             <a:r>
-              <a:rPr lang="de-DE" sz="2800" spc="-1" dirty="0">
-                <a:latin typeface="Arial"/>
-              </a:rPr>
+              <a:rPr lang="de-DE" sz="2800" spc="-1" dirty="0"/>
               <a:t>Entwurf unbrauchbar</a:t>
             </a:r>
           </a:p>
@@ -20903,28 +21676,16 @@
               <a:buChar char="o"/>
             </a:pPr>
             <a:r>
-              <a:rPr lang="de-DE" sz="2800" spc="-1" dirty="0">
-                <a:latin typeface="Arial"/>
-              </a:rPr>
+              <a:rPr lang="de-DE" sz="2800" spc="-1" dirty="0"/>
               <a:t>Falsche Annahme: </a:t>
-            </a:r>
-            <a:r>
-              <a:rPr lang="de-DE" sz="2800" spc="-1" dirty="0" err="1">
-                <a:solidFill>
-                  <a:srgbClr val="FF0000"/>
-                </a:solidFill>
-                <a:latin typeface="Arial"/>
-              </a:rPr>
-              <a:t>Gson</a:t>
             </a:r>
             <a:r>
               <a:rPr lang="de-DE" sz="2800" spc="-1" dirty="0">
                 <a:solidFill>
                   <a:srgbClr val="FF0000"/>
                 </a:solidFill>
-                <a:latin typeface="Arial"/>
               </a:rPr>
-              <a:t> funktioniert nur mit Datenklassen</a:t>
+              <a:t>Gson funktioniert nur mit Datenklassen</a:t>
             </a:r>
           </a:p>
           <a:p>
@@ -20939,20 +21700,9 @@
               <a:buChar char="o"/>
             </a:pPr>
             <a:r>
-              <a:rPr lang="de-DE" sz="2800" spc="-1" dirty="0">
-                <a:latin typeface="Arial"/>
-              </a:rPr>
-              <a:t>Trennung in Datenklassen und </a:t>
-            </a:r>
-            <a:r>
-              <a:rPr lang="de-DE" sz="2800" spc="-1" dirty="0" err="1">
-                <a:latin typeface="Arial"/>
-              </a:rPr>
-              <a:t>Enum</a:t>
-            </a:r>
-            <a:endParaRPr lang="de-DE" sz="2800" spc="-1" dirty="0">
-              <a:latin typeface="Arial"/>
-            </a:endParaRPr>
+              <a:rPr lang="de-DE" sz="2800" spc="-1" dirty="0"/>
+              <a:t>Trennung in Datenklassen und Enum</a:t>
+            </a:r>
           </a:p>
         </p:txBody>
       </p:sp>
@@ -20988,39 +21738,6 @@
       </p:grpSpPr>
       <p:sp>
         <p:nvSpPr>
-          <p:cNvPr id="2" name="Title 1">
-            <a:extLst>
-              <a:ext uri="{FF2B5EF4-FFF2-40B4-BE49-F238E27FC236}">
-                <a16:creationId xmlns:a16="http://schemas.microsoft.com/office/drawing/2014/main" id="{9B551790-362A-4367-BB74-D0F9B1D9FF2E}"/>
-              </a:ext>
-            </a:extLst>
-          </p:cNvPr>
-          <p:cNvSpPr>
-            <a:spLocks noGrp="1"/>
-          </p:cNvSpPr>
-          <p:nvPr>
-            <p:ph type="title"/>
-          </p:nvPr>
-        </p:nvSpPr>
-        <p:spPr>
-          <a:xfrm>
-            <a:off x="200491" y="271992"/>
-            <a:ext cx="10990349" cy="1325563"/>
-          </a:xfrm>
-        </p:spPr>
-        <p:txBody>
-          <a:bodyPr/>
-          <a:lstStyle/>
-          <a:p>
-            <a:r>
-              <a:rPr lang="de-DE" dirty="0"/>
-              <a:t>Repository – Command System</a:t>
-            </a:r>
-          </a:p>
-        </p:txBody>
-      </p:sp>
-      <p:sp>
-        <p:nvSpPr>
           <p:cNvPr id="69" name="TextBox 68">
             <a:extLst>
               <a:ext uri="{FF2B5EF4-FFF2-40B4-BE49-F238E27FC236}">
@@ -21691,43 +22408,82 @@
       </p:sp>
       <p:sp>
         <p:nvSpPr>
-          <p:cNvPr id="17" name="CustomShape 15">
-            <a:extLst>
-              <a:ext uri="{FF2B5EF4-FFF2-40B4-BE49-F238E27FC236}">
-                <a16:creationId xmlns:a16="http://schemas.microsoft.com/office/drawing/2014/main" id="{41DF1B58-C339-A840-9B8A-CCA067520180}"/>
-              </a:ext>
-            </a:extLst>
-          </p:cNvPr>
-          <p:cNvSpPr/>
+          <p:cNvPr id="20" name="Title 1">
+            <a:extLst>
+              <a:ext uri="{FF2B5EF4-FFF2-40B4-BE49-F238E27FC236}">
+                <a16:creationId xmlns:a16="http://schemas.microsoft.com/office/drawing/2014/main" id="{5555B00F-7056-4905-8276-E19E1B0CAB14}"/>
+              </a:ext>
+            </a:extLst>
+          </p:cNvPr>
+          <p:cNvSpPr txBox="1">
+            <a:spLocks/>
+          </p:cNvSpPr>
           <p:nvPr/>
         </p:nvSpPr>
         <p:spPr>
           <a:xfrm>
-            <a:off x="689370" y="1597555"/>
-            <a:ext cx="8158095" cy="1313971"/>
+            <a:off x="200491" y="271992"/>
+            <a:ext cx="10990349" cy="842105"/>
+          </a:xfrm>
+          <a:prstGeom prst="rect">
+            <a:avLst/>
+          </a:prstGeom>
+        </p:spPr>
+        <p:txBody>
+          <a:bodyPr vert="horz" lIns="91440" tIns="45720" rIns="91440" bIns="45720" rtlCol="0" anchor="ctr">
+            <a:normAutofit/>
+          </a:bodyPr>
+          <a:lstStyle>
+            <a:lvl1pPr algn="l" defTabSz="914400" rtl="0" eaLnBrk="1" latinLnBrk="0" hangingPunct="1">
+              <a:lnSpc>
+                <a:spcPct val="90000"/>
+              </a:lnSpc>
+              <a:spcBef>
+                <a:spcPct val="0"/>
+              </a:spcBef>
+              <a:buNone/>
+              <a:defRPr sz="4400" kern="1200">
+                <a:solidFill>
+                  <a:schemeClr val="tx1"/>
+                </a:solidFill>
+                <a:latin typeface="+mj-lt"/>
+                <a:ea typeface="+mj-ea"/>
+                <a:cs typeface="+mj-cs"/>
+              </a:defRPr>
+            </a:lvl1pPr>
+          </a:lstStyle>
+          <a:p>
+            <a:r>
+              <a:rPr lang="de-DE" dirty="0"/>
+              <a:t>Repository – Command System</a:t>
+            </a:r>
+          </a:p>
+        </p:txBody>
+      </p:sp>
+      <p:sp>
+        <p:nvSpPr>
+          <p:cNvPr id="21" name="TextBox 20">
+            <a:extLst>
+              <a:ext uri="{FF2B5EF4-FFF2-40B4-BE49-F238E27FC236}">
+                <a16:creationId xmlns:a16="http://schemas.microsoft.com/office/drawing/2014/main" id="{9473A88C-7149-4223-BEF7-EFAE6F13C952}"/>
+              </a:ext>
+            </a:extLst>
+          </p:cNvPr>
+          <p:cNvSpPr txBox="1"/>
+          <p:nvPr/>
+        </p:nvSpPr>
+        <p:spPr>
+          <a:xfrm>
+            <a:off x="200490" y="1114097"/>
+            <a:ext cx="7761096" cy="1318181"/>
           </a:xfrm>
           <a:prstGeom prst="rect">
             <a:avLst/>
           </a:prstGeom>
           <a:noFill/>
-          <a:ln>
-            <a:noFill/>
-          </a:ln>
-        </p:spPr>
-        <p:style>
-          <a:lnRef idx="0">
-            <a:scrgbClr r="0" g="0" b="0"/>
-          </a:lnRef>
-          <a:fillRef idx="0">
-            <a:scrgbClr r="0" g="0" b="0"/>
-          </a:fillRef>
-          <a:effectRef idx="0">
-            <a:scrgbClr r="0" g="0" b="0"/>
-          </a:effectRef>
-          <a:fontRef idx="minor"/>
-        </p:style>
-        <p:txBody>
-          <a:bodyPr wrap="square" lIns="90000" tIns="45000" rIns="90000" bIns="45000">
+        </p:spPr>
+        <p:txBody>
+          <a:bodyPr wrap="square" rtlCol="0">
             <a:spAutoFit/>
           </a:bodyPr>
           <a:lstStyle/>
@@ -21747,13 +22503,10 @@
                 <a:solidFill>
                   <a:srgbClr val="000000"/>
                 </a:solidFill>
-                <a:latin typeface="Calibri"/>
               </a:rPr>
               <a:t>Neuer Entwurf</a:t>
             </a:r>
-            <a:endParaRPr lang="de-DE" sz="2800" b="0" strike="noStrike" spc="-1" dirty="0">
-              <a:latin typeface="Arial"/>
-            </a:endParaRPr>
+            <a:endParaRPr lang="de-DE" sz="2800" b="0" strike="noStrike" spc="-1" dirty="0"/>
           </a:p>
           <a:p>
             <a:pPr marL="914400" lvl="1" indent="-456840">
@@ -21767,9 +22520,7 @@
               <a:buChar char="o"/>
             </a:pPr>
             <a:r>
-              <a:rPr lang="de-DE" sz="2800" b="0" strike="noStrike" spc="-1" dirty="0">
-                <a:latin typeface="Arial"/>
-              </a:rPr>
+              <a:rPr lang="de-DE" sz="2800" b="0" strike="noStrike" spc="-1" dirty="0"/>
               <a:t>Befehle eigene Klassen</a:t>
             </a:r>
           </a:p>
@@ -21807,39 +22558,6 @@
       </p:grpSpPr>
       <p:sp>
         <p:nvSpPr>
-          <p:cNvPr id="2" name="Title 1">
-            <a:extLst>
-              <a:ext uri="{FF2B5EF4-FFF2-40B4-BE49-F238E27FC236}">
-                <a16:creationId xmlns:a16="http://schemas.microsoft.com/office/drawing/2014/main" id="{9B551790-362A-4367-BB74-D0F9B1D9FF2E}"/>
-              </a:ext>
-            </a:extLst>
-          </p:cNvPr>
-          <p:cNvSpPr>
-            <a:spLocks noGrp="1"/>
-          </p:cNvSpPr>
-          <p:nvPr>
-            <p:ph type="title"/>
-          </p:nvPr>
-        </p:nvSpPr>
-        <p:spPr>
-          <a:xfrm>
-            <a:off x="200491" y="271992"/>
-            <a:ext cx="10990349" cy="1325563"/>
-          </a:xfrm>
-        </p:spPr>
-        <p:txBody>
-          <a:bodyPr/>
-          <a:lstStyle/>
-          <a:p>
-            <a:r>
-              <a:rPr lang="de-DE" dirty="0"/>
-              <a:t>Datenbank</a:t>
-            </a:r>
-          </a:p>
-        </p:txBody>
-      </p:sp>
-      <p:sp>
-        <p:nvSpPr>
           <p:cNvPr id="69" name="TextBox 68">
             <a:extLst>
               <a:ext uri="{FF2B5EF4-FFF2-40B4-BE49-F238E27FC236}">
@@ -22544,6 +23262,60 @@
           </a:prstGeom>
         </p:spPr>
       </p:pic>
+      <p:sp>
+        <p:nvSpPr>
+          <p:cNvPr id="17" name="Title 1">
+            <a:extLst>
+              <a:ext uri="{FF2B5EF4-FFF2-40B4-BE49-F238E27FC236}">
+                <a16:creationId xmlns:a16="http://schemas.microsoft.com/office/drawing/2014/main" id="{0B4C355A-8D18-47E5-AFA9-C0C6338B9B00}"/>
+              </a:ext>
+            </a:extLst>
+          </p:cNvPr>
+          <p:cNvSpPr txBox="1">
+            <a:spLocks/>
+          </p:cNvSpPr>
+          <p:nvPr/>
+        </p:nvSpPr>
+        <p:spPr>
+          <a:xfrm>
+            <a:off x="200491" y="271992"/>
+            <a:ext cx="7713799" cy="842105"/>
+          </a:xfrm>
+          <a:prstGeom prst="rect">
+            <a:avLst/>
+          </a:prstGeom>
+        </p:spPr>
+        <p:txBody>
+          <a:bodyPr vert="horz" lIns="91440" tIns="45720" rIns="91440" bIns="45720" rtlCol="0" anchor="ctr">
+            <a:normAutofit/>
+          </a:bodyPr>
+          <a:lstStyle>
+            <a:lvl1pPr algn="l" defTabSz="914400" rtl="0" eaLnBrk="1" latinLnBrk="0" hangingPunct="1">
+              <a:lnSpc>
+                <a:spcPct val="90000"/>
+              </a:lnSpc>
+              <a:spcBef>
+                <a:spcPct val="0"/>
+              </a:spcBef>
+              <a:buNone/>
+              <a:defRPr sz="4400" kern="1200">
+                <a:solidFill>
+                  <a:schemeClr val="tx1"/>
+                </a:solidFill>
+                <a:latin typeface="+mj-lt"/>
+                <a:ea typeface="+mj-ea"/>
+                <a:cs typeface="+mj-cs"/>
+              </a:defRPr>
+            </a:lvl1pPr>
+          </a:lstStyle>
+          <a:p>
+            <a:r>
+              <a:rPr lang="de-DE" dirty="0"/>
+              <a:t>Datenbank</a:t>
+            </a:r>
+          </a:p>
+        </p:txBody>
+      </p:sp>
     </p:spTree>
     <p:extLst>
       <p:ext uri="{BB962C8B-B14F-4D97-AF65-F5344CB8AC3E}">

--- a/Praesentationen/02-Entwurfsphase/Entwurf Präsentation.pptx
+++ b/Praesentationen/02-Entwurfsphase/Entwurf Präsentation.pptx
@@ -6,7 +6,7 @@
     <p:sldMasterId id="2147483737" r:id="rId2"/>
   </p:sldMasterIdLst>
   <p:notesMasterIdLst>
-    <p:notesMasterId r:id="rId15"/>
+    <p:notesMasterId r:id="rId16"/>
   </p:notesMasterIdLst>
   <p:sldIdLst>
     <p:sldId id="256" r:id="rId3"/>
@@ -17,10 +17,11 @@
     <p:sldId id="262" r:id="rId8"/>
     <p:sldId id="268" r:id="rId9"/>
     <p:sldId id="269" r:id="rId10"/>
-    <p:sldId id="263" r:id="rId11"/>
-    <p:sldId id="265" r:id="rId12"/>
-    <p:sldId id="266" r:id="rId13"/>
-    <p:sldId id="267" r:id="rId14"/>
+    <p:sldId id="270" r:id="rId11"/>
+    <p:sldId id="263" r:id="rId12"/>
+    <p:sldId id="265" r:id="rId13"/>
+    <p:sldId id="266" r:id="rId14"/>
+    <p:sldId id="267" r:id="rId15"/>
   </p:sldIdLst>
   <p:sldSz cx="12192000" cy="6858000"/>
   <p:notesSz cx="6858000" cy="9144000"/>
@@ -289,7 +290,7 @@
           <a:p>
             <a:fld id="{F899D2DC-6997-404A-B859-2EC79104A957}" type="datetimeFigureOut">
               <a:rPr lang="de-DE" smtClean="0"/>
-              <a:t>10.01.2022</a:t>
+              <a:t>11.01.22</a:t>
             </a:fld>
             <a:endParaRPr lang="de-DE"/>
           </a:p>
@@ -575,7 +576,7 @@
       </p:grpSpPr>
       <p:sp>
         <p:nvSpPr>
-          <p:cNvPr id="2" name="Folienbildplatzhalter 1"/>
+          <p:cNvPr id="2" name="Slide Image Placeholder 1"/>
           <p:cNvSpPr>
             <a:spLocks noGrp="1" noRot="1" noChangeAspect="1"/>
           </p:cNvSpPr>
@@ -587,7 +588,7 @@
       </p:sp>
       <p:sp>
         <p:nvSpPr>
-          <p:cNvPr id="3" name="Notizenplatzhalter 2"/>
+          <p:cNvPr id="3" name="Notes Placeholder 2"/>
           <p:cNvSpPr>
             <a:spLocks noGrp="1"/>
           </p:cNvSpPr>
@@ -600,25 +601,70 @@
           <a:bodyPr/>
           <a:lstStyle/>
           <a:p>
+            <a:pPr marL="171450" indent="-171450">
+              <a:buFontTx/>
+              <a:buChar char="-"/>
+            </a:pPr>
             <a:r>
               <a:rPr lang="de-DE" dirty="0"/>
-              <a:t>Alles getrennt was getrennt sein muss </a:t>
-            </a:r>
-          </a:p>
-          <a:p>
+              <a:t>Herzlich willkommen zur Entwurfspräsentation zum PSE Write your own Android App</a:t>
+            </a:r>
+          </a:p>
+          <a:p>
+            <a:pPr marL="171450" indent="-171450">
+              <a:buFontTx/>
+              <a:buChar char="-"/>
+            </a:pPr>
             <a:r>
               <a:rPr lang="de-DE" dirty="0"/>
-              <a:t>Kein doppelter Code </a:t>
-            </a:r>
-          </a:p>
-          <a:p>
-            <a:endParaRPr lang="de-DE" dirty="0"/>
-          </a:p>
-        </p:txBody>
-      </p:sp>
-      <p:sp>
-        <p:nvSpPr>
-          <p:cNvPr id="4" name="Foliennummernplatzhalter 3"/>
+              <a:t>In dieser Präsentation werden wir das bereits Abgegebene Entwurfsdokument besprechen und auf Entwurfsentscheidungen eingehen.</a:t>
+            </a:r>
+          </a:p>
+          <a:p>
+            <a:pPr marL="171450" indent="-171450">
+              <a:buFontTx/>
+              <a:buChar char="-"/>
+            </a:pPr>
+            <a:r>
+              <a:rPr lang="de-DE" dirty="0"/>
+              <a:t>Doch zunächst etwas zur Architektur</a:t>
+            </a:r>
+          </a:p>
+          <a:p>
+            <a:pPr marL="171450" indent="-171450">
+              <a:buFontTx/>
+              <a:buChar char="-"/>
+            </a:pPr>
+            <a:r>
+              <a:rPr lang="de-DE" dirty="0"/>
+              <a:t>Die App kann in einen Sever und in einen Client Teil aufgeteilt werden</a:t>
+            </a:r>
+          </a:p>
+          <a:p>
+            <a:pPr marL="171450" indent="-171450">
+              <a:buFontTx/>
+              <a:buChar char="-"/>
+            </a:pPr>
+            <a:r>
+              <a:rPr lang="de-DE" dirty="0"/>
+              <a:t>Beginnen wir mit dem Client teil</a:t>
+            </a:r>
+          </a:p>
+          <a:p>
+            <a:pPr marL="171450" indent="-171450">
+              <a:buFontTx/>
+              <a:buChar char="-"/>
+            </a:pPr>
+            <a:r>
+              <a:rPr lang="de-DE" dirty="0"/>
+              <a:t>[Nächste Folie]</a:t>
+            </a:r>
+          </a:p>
+        </p:txBody>
+      </p:sp>
+      <p:sp>
+        <p:nvSpPr>
+          <p:cNvPr id="4" name="Slide Number Placeholder 3"/>
           <p:cNvSpPr>
             <a:spLocks noGrp="1"/>
           </p:cNvSpPr>
@@ -633,7 +679,7 @@
           <a:p>
             <a:fld id="{C2C6D2D8-86AA-475B-8106-1DD72F98FEFF}" type="slidenum">
               <a:rPr lang="de-DE" smtClean="0"/>
-              <a:t>3</a:t>
+              <a:t>1</a:t>
             </a:fld>
             <a:endParaRPr lang="de-DE"/>
           </a:p>
@@ -642,7 +688,7 @@
     </p:spTree>
     <p:extLst>
       <p:ext uri="{BB962C8B-B14F-4D97-AF65-F5344CB8AC3E}">
-        <p14:creationId xmlns:p14="http://schemas.microsoft.com/office/powerpoint/2010/main" val="1791414030"/>
+        <p14:creationId xmlns:p14="http://schemas.microsoft.com/office/powerpoint/2010/main" val="939939347"/>
       </p:ext>
     </p:extLst>
   </p:cSld>
@@ -671,7 +717,7 @@
       </p:grpSpPr>
       <p:sp>
         <p:nvSpPr>
-          <p:cNvPr id="2" name="Folienbildplatzhalter 1"/>
+          <p:cNvPr id="2" name="Slide Image Placeholder 1"/>
           <p:cNvSpPr>
             <a:spLocks noGrp="1" noRot="1" noChangeAspect="1"/>
           </p:cNvSpPr>
@@ -683,7 +729,7 @@
       </p:sp>
       <p:sp>
         <p:nvSpPr>
-          <p:cNvPr id="3" name="Notizenplatzhalter 2"/>
+          <p:cNvPr id="3" name="Notes Placeholder 2"/>
           <p:cNvSpPr>
             <a:spLocks noGrp="1"/>
           </p:cNvSpPr>
@@ -696,69 +742,97 @@
           <a:bodyPr/>
           <a:lstStyle/>
           <a:p>
+            <a:pPr marL="171450" indent="-171450">
+              <a:buFontTx/>
+              <a:buChar char="-"/>
+            </a:pPr>
             <a:r>
               <a:rPr lang="de-DE" dirty="0"/>
-              <a:t>Nutzen Room (OO, testbar, liefert schon Observables aus)</a:t>
-            </a:r>
-          </a:p>
-          <a:p>
+              <a:t>Für den Client haben wir das Architekturmuster MVVM gewählt da es</a:t>
+            </a:r>
+          </a:p>
+          <a:p>
+            <a:pPr marL="628650" lvl="1" indent="-171450">
+              <a:buFontTx/>
+              <a:buChar char="-"/>
+            </a:pPr>
             <a:r>
               <a:rPr lang="de-DE" dirty="0"/>
-              <a:t>Tabelle als JSON, da häufiges Ändern des Datenbankschemas nicht optimal</a:t>
-            </a:r>
-          </a:p>
-          <a:p>
-            <a:r>
-              <a:rPr lang="de-DE" dirty="0"/>
-              <a:t>Kommunikation nach „oben“ über </a:t>
-            </a:r>
-            <a:r>
-              <a:rPr lang="de-DE" dirty="0" err="1"/>
-              <a:t>Flows</a:t>
-            </a:r>
-            <a:r>
-              <a:rPr lang="de-DE" dirty="0"/>
-              <a:t> -&gt; Repo/</a:t>
-            </a:r>
-            <a:r>
-              <a:rPr lang="de-DE" dirty="0" err="1"/>
-              <a:t>Viewmodel</a:t>
-            </a:r>
-            <a:r>
-              <a:rPr lang="de-DE" dirty="0"/>
-              <a:t>/View nicht von </a:t>
-            </a:r>
-            <a:r>
-              <a:rPr lang="de-DE" dirty="0" err="1"/>
-              <a:t>Datenbankimpl</a:t>
-            </a:r>
-            <a:r>
-              <a:rPr lang="de-DE" dirty="0"/>
-              <a:t>. Abhängig</a:t>
-            </a:r>
-          </a:p>
-          <a:p>
-            <a:r>
-              <a:rPr lang="de-DE" dirty="0"/>
-              <a:t>Aufgerufen über Repo -&gt; </a:t>
-            </a:r>
-            <a:r>
-              <a:rPr lang="de-DE" dirty="0" err="1"/>
-              <a:t>Viewmodel</a:t>
-            </a:r>
-            <a:r>
-              <a:rPr lang="de-DE" dirty="0"/>
-              <a:t>/View weiß nichts über interne Speicherung der Daten</a:t>
-            </a:r>
-          </a:p>
-          <a:p>
-            <a:r>
-              <a:rPr lang="de-DE" dirty="0"/>
-              <a:t>Änderungen an Datenbank -&gt; automatisch </a:t>
-            </a:r>
-            <a:r>
-              <a:rPr lang="de-DE"/>
-              <a:t>GUI Update</a:t>
+              <a:t>Kollaboratives Arbeiten durch die </a:t>
+            </a:r>
+            <a:r>
+              <a:rPr lang="de-DE" b="0" i="0" dirty="0">
+                <a:solidFill>
+                  <a:srgbClr val="666666"/>
+                </a:solidFill>
+                <a:effectLst/>
+                <a:latin typeface="Verdana" panose="020B0604030504040204" pitchFamily="34" charset="0"/>
+              </a:rPr>
+              <a:t>Entkopplung der Komponenten View, ViewModel und Model erleichtert</a:t>
+            </a:r>
+          </a:p>
+          <a:p>
+            <a:pPr marL="628650" lvl="1" indent="-171450">
+              <a:buFontTx/>
+              <a:buChar char="-"/>
+            </a:pPr>
+            <a:r>
+              <a:rPr lang="de-DE" b="0" i="0" dirty="0">
+                <a:solidFill>
+                  <a:srgbClr val="666666"/>
+                </a:solidFill>
+                <a:effectLst/>
+                <a:latin typeface="Verdana" panose="020B0604030504040204" pitchFamily="34" charset="0"/>
+              </a:rPr>
+              <a:t>Außerdem können Konzepte wie dependency Injection leicht umgesetzt werden</a:t>
+            </a:r>
+          </a:p>
+          <a:p>
+            <a:pPr marL="628650" lvl="1" indent="-171450">
+              <a:buFontTx/>
+              <a:buChar char="-"/>
+            </a:pPr>
+            <a:r>
+              <a:rPr lang="de-DE" b="0" i="0" dirty="0">
+                <a:solidFill>
+                  <a:srgbClr val="666666"/>
+                </a:solidFill>
+                <a:effectLst/>
+                <a:latin typeface="Verdana" panose="020B0604030504040204" pitchFamily="34" charset="0"/>
+              </a:rPr>
+              <a:t>MVVM erleichtert zudem Testen da durch die Entkopplung der Komponenten einzelne bereiche unabhängig getestet werden können. </a:t>
+            </a:r>
+          </a:p>
+          <a:p>
+            <a:pPr marL="628650" lvl="1" indent="-171450">
+              <a:buFontTx/>
+              <a:buChar char="-"/>
+            </a:pPr>
+            <a:r>
+              <a:rPr lang="de-DE" b="0" i="0" dirty="0">
+                <a:solidFill>
+                  <a:srgbClr val="666666"/>
+                </a:solidFill>
+                <a:effectLst/>
+                <a:latin typeface="Verdana" panose="020B0604030504040204" pitchFamily="34" charset="0"/>
+              </a:rPr>
+              <a:t>Durch dependency Injection kann beispielsweise ein Test-Repository in das ViewModel zu testzwecken injected werden</a:t>
+            </a:r>
+          </a:p>
+          <a:p>
+            <a:pPr marL="171450" lvl="0" indent="-171450">
+              <a:buFontTx/>
+              <a:buChar char="-"/>
+            </a:pPr>
+            <a:r>
+              <a:rPr lang="de-DE" b="0" i="0" dirty="0">
+                <a:solidFill>
+                  <a:srgbClr val="666666"/>
+                </a:solidFill>
+                <a:effectLst/>
+                <a:latin typeface="Verdana" panose="020B0604030504040204" pitchFamily="34" charset="0"/>
+              </a:rPr>
+              <a:t>[Nächste Folie]</a:t>
             </a:r>
             <a:endParaRPr lang="de-DE" dirty="0"/>
           </a:p>
@@ -766,7 +840,7 @@
       </p:sp>
       <p:sp>
         <p:nvSpPr>
-          <p:cNvPr id="4" name="Foliennummernplatzhalter 3"/>
+          <p:cNvPr id="4" name="Slide Number Placeholder 3"/>
           <p:cNvSpPr>
             <a:spLocks noGrp="1"/>
           </p:cNvSpPr>
@@ -781,7 +855,7 @@
           <a:p>
             <a:fld id="{C2C6D2D8-86AA-475B-8106-1DD72F98FEFF}" type="slidenum">
               <a:rPr lang="de-DE" smtClean="0"/>
-              <a:t>9</a:t>
+              <a:t>2</a:t>
             </a:fld>
             <a:endParaRPr lang="de-DE"/>
           </a:p>
@@ -790,7 +864,7 @@
     </p:spTree>
     <p:extLst>
       <p:ext uri="{BB962C8B-B14F-4D97-AF65-F5344CB8AC3E}">
-        <p14:creationId xmlns:p14="http://schemas.microsoft.com/office/powerpoint/2010/main" val="2002201380"/>
+        <p14:creationId xmlns:p14="http://schemas.microsoft.com/office/powerpoint/2010/main" val="3318844686"/>
       </p:ext>
     </p:extLst>
   </p:cSld>
@@ -846,71 +920,14 @@
           <a:p>
             <a:r>
               <a:rPr lang="de-DE" dirty="0"/>
-              <a:t>Aufgabe:</a:t>
+              <a:t>Alles getrennt was getrennt sein muss </a:t>
             </a:r>
           </a:p>
           <a:p>
             <a:r>
               <a:rPr lang="de-DE" dirty="0"/>
-              <a:t> - Dem Repository eine einfache Schnittstelle bereitstellen</a:t>
-            </a:r>
-          </a:p>
-          <a:p>
-            <a:r>
-              <a:rPr lang="de-DE" dirty="0"/>
-              <a:t>   -- Fassade in der RDS API einzige Schnittstelle für Methodenaufrufe</a:t>
-            </a:r>
-            <a:br>
-              <a:rPr lang="de-DE" dirty="0"/>
-            </a:br>
-            <a:r>
-              <a:rPr lang="de-DE" dirty="0"/>
-              <a:t> - Schnittstelle an externe Dienste</a:t>
-            </a:r>
-          </a:p>
-          <a:p>
-            <a:r>
-              <a:rPr lang="de-DE" dirty="0"/>
-              <a:t>   -- </a:t>
-            </a:r>
-            <a:r>
-              <a:rPr lang="de-DE" dirty="0" err="1"/>
-              <a:t>Firebase</a:t>
-            </a:r>
-            <a:endParaRPr lang="de-DE" dirty="0"/>
-          </a:p>
-          <a:p>
-            <a:r>
-              <a:rPr lang="de-DE" dirty="0"/>
-              <a:t>    --- um Nutzende anzumelden</a:t>
-            </a:r>
-          </a:p>
-          <a:p>
-            <a:r>
-              <a:rPr lang="de-DE" dirty="0"/>
-              <a:t>   -- Server</a:t>
-            </a:r>
-          </a:p>
-          <a:p>
-            <a:r>
-              <a:rPr lang="de-DE" dirty="0"/>
-              <a:t>    --- leitet Anfragen an den Server weiter</a:t>
-            </a:r>
-          </a:p>
-          <a:p>
-            <a:r>
-              <a:rPr lang="de-DE" dirty="0"/>
-              <a:t>    --- empfängt Antworten und leitet die weiter an das Repository</a:t>
-            </a:r>
-          </a:p>
-          <a:p>
-            <a:r>
-              <a:rPr lang="de-DE" dirty="0"/>
-              <a:t>     ---- Speichert außerdem einige Rückgabetypen in speziellen Queues -&gt; Besser für Repository</a:t>
-            </a:r>
-          </a:p>
-          <a:p>
-            <a:endParaRPr lang="de-DE" dirty="0"/>
+              <a:t>Kein doppelter Code </a:t>
+            </a:r>
           </a:p>
           <a:p>
             <a:endParaRPr lang="de-DE" dirty="0"/>
@@ -934,7 +951,7 @@
           <a:p>
             <a:fld id="{C2C6D2D8-86AA-475B-8106-1DD72F98FEFF}" type="slidenum">
               <a:rPr lang="de-DE" smtClean="0"/>
-              <a:t>10</a:t>
+              <a:t>3</a:t>
             </a:fld>
             <a:endParaRPr lang="de-DE"/>
           </a:p>
@@ -943,7 +960,7 @@
     </p:spTree>
     <p:extLst>
       <p:ext uri="{BB962C8B-B14F-4D97-AF65-F5344CB8AC3E}">
-        <p14:creationId xmlns:p14="http://schemas.microsoft.com/office/powerpoint/2010/main" val="690369194"/>
+        <p14:creationId xmlns:p14="http://schemas.microsoft.com/office/powerpoint/2010/main" val="1791414030"/>
       </p:ext>
     </p:extLst>
   </p:cSld>
@@ -972,7 +989,7 @@
       </p:grpSpPr>
       <p:sp>
         <p:nvSpPr>
-          <p:cNvPr id="2" name="Folienbildplatzhalter 1"/>
+          <p:cNvPr id="2" name="Slide Image Placeholder 1"/>
           <p:cNvSpPr>
             <a:spLocks noGrp="1" noRot="1" noChangeAspect="1"/>
           </p:cNvSpPr>
@@ -984,7 +1001,7 @@
       </p:sp>
       <p:sp>
         <p:nvSpPr>
-          <p:cNvPr id="3" name="Notizenplatzhalter 2"/>
+          <p:cNvPr id="3" name="Notes Placeholder 2"/>
           <p:cNvSpPr>
             <a:spLocks noGrp="1"/>
           </p:cNvSpPr>
@@ -997,43 +1014,13 @@
           <a:bodyPr/>
           <a:lstStyle/>
           <a:p>
-            <a:r>
-              <a:rPr lang="de-DE" dirty="0"/>
-              <a:t>Logik nicht in die „Schnittstelle“ zum Client</a:t>
-            </a:r>
-          </a:p>
-          <a:p>
-            <a:endParaRPr lang="de-DE" dirty="0"/>
-          </a:p>
-          <a:p>
-            <a:endParaRPr lang="de-DE" dirty="0"/>
-          </a:p>
-          <a:p>
-            <a:r>
-              <a:rPr lang="de-DE" dirty="0" err="1"/>
-              <a:t>Abauf</a:t>
-            </a:r>
-            <a:r>
-              <a:rPr lang="de-DE" dirty="0"/>
-              <a:t>: </a:t>
-            </a:r>
-          </a:p>
-          <a:p>
             <a:pPr marL="171450" indent="-171450">
               <a:buFontTx/>
               <a:buChar char="-"/>
             </a:pPr>
             <a:r>
               <a:rPr lang="de-DE" dirty="0"/>
-              <a:t>Client ruft </a:t>
-            </a:r>
-            <a:r>
-              <a:rPr lang="de-DE" dirty="0" err="1"/>
-              <a:t>funktion</a:t>
-            </a:r>
-            <a:r>
-              <a:rPr lang="de-DE" dirty="0"/>
-              <a:t> in Controller auf durch URI</a:t>
+              <a:t>Beginnen wir mit der obersten Komponente von MVVM : Der view</a:t>
             </a:r>
           </a:p>
           <a:p>
@@ -1043,33 +1030,7 @@
             </a:pPr>
             <a:r>
               <a:rPr lang="de-DE" dirty="0"/>
-              <a:t>Validierung haut </a:t>
-            </a:r>
-            <a:r>
-              <a:rPr lang="de-DE" dirty="0" err="1"/>
-              <a:t>dazuwischen</a:t>
-            </a:r>
-            <a:r>
-              <a:rPr lang="de-DE" dirty="0"/>
-              <a:t>  </a:t>
-            </a:r>
-            <a:r>
-              <a:rPr lang="de-DE" dirty="0">
-                <a:sym typeface="Wingdings" pitchFamily="2" charset="2"/>
-              </a:rPr>
-              <a:t> in </a:t>
-            </a:r>
-            <a:r>
-              <a:rPr lang="de-DE" dirty="0" err="1">
-                <a:sym typeface="Wingdings" pitchFamily="2" charset="2"/>
-              </a:rPr>
-              <a:t>onlineProjekt</a:t>
-            </a:r>
-            <a:r>
-              <a:rPr lang="de-DE" dirty="0">
-                <a:sym typeface="Wingdings" pitchFamily="2" charset="2"/>
-              </a:rPr>
-              <a:t> auch die zweite Validierung, falls benötigt </a:t>
+              <a:t>Diese stellt dar mit was der Nutzer interagiert und was er sieht</a:t>
             </a:r>
           </a:p>
           <a:p>
@@ -1078,10 +1039,8 @@
               <a:buChar char="-"/>
             </a:pPr>
             <a:r>
-              <a:rPr lang="de-DE" dirty="0">
-                <a:sym typeface="Wingdings" pitchFamily="2" charset="2"/>
-              </a:rPr>
-              <a:t>In Controller aufgerufen </a:t>
+              <a:rPr lang="de-DE" dirty="0"/>
+              <a:t>Die view wird mithilfe vom Jetpack Compose toolkit geschrieben da es weniger code als XML erfordert und eine intuitive, deklarative Kotlin API bietet</a:t>
             </a:r>
           </a:p>
           <a:p>
@@ -1090,34 +1049,8 @@
               <a:buChar char="-"/>
             </a:pPr>
             <a:r>
-              <a:rPr lang="de-DE" dirty="0">
-                <a:sym typeface="Wingdings" pitchFamily="2" charset="2"/>
-              </a:rPr>
-              <a:t>Ruf dann die </a:t>
-            </a:r>
-            <a:r>
-              <a:rPr lang="de-DE" dirty="0" err="1">
-                <a:sym typeface="Wingdings" pitchFamily="2" charset="2"/>
-              </a:rPr>
-              <a:t>rischtigen</a:t>
-            </a:r>
-            <a:r>
-              <a:rPr lang="de-DE" dirty="0">
-                <a:sym typeface="Wingdings" pitchFamily="2" charset="2"/>
-              </a:rPr>
-              <a:t> </a:t>
-            </a:r>
-            <a:r>
-              <a:rPr lang="de-DE" dirty="0" err="1">
-                <a:sym typeface="Wingdings" pitchFamily="2" charset="2"/>
-              </a:rPr>
-              <a:t>Repos</a:t>
-            </a:r>
-            <a:r>
-              <a:rPr lang="de-DE" dirty="0">
-                <a:sym typeface="Wingdings" pitchFamily="2" charset="2"/>
-              </a:rPr>
-              <a:t> auf</a:t>
+              <a:rPr lang="de-DE" dirty="0"/>
+              <a:t>Zur Navigation zwischen Screens verwenden wir Andorid‘s Navigation Component, da dieses der Standard für Android Navigation ist</a:t>
             </a:r>
           </a:p>
           <a:p>
@@ -1126,16 +1059,8 @@
               <a:buChar char="-"/>
             </a:pPr>
             <a:r>
-              <a:rPr lang="de-DE" dirty="0" err="1">
-                <a:sym typeface="Wingdings" pitchFamily="2" charset="2"/>
-              </a:rPr>
-              <a:t>Repos</a:t>
-            </a:r>
-            <a:r>
-              <a:rPr lang="de-DE" dirty="0">
-                <a:sym typeface="Wingdings" pitchFamily="2" charset="2"/>
-              </a:rPr>
-              <a:t> greifen aus Model bzw. die Tabellen auf</a:t>
+              <a:rPr lang="de-DE" dirty="0"/>
+              <a:t>Um Compose und das Navigation Component voll auszunutzen haben wir uns dazu entschieden die View in einer Single Activity Application Architektur zu bauen.</a:t>
             </a:r>
           </a:p>
           <a:p>
@@ -1144,203 +1069,69 @@
               <a:buChar char="-"/>
             </a:pPr>
             <a:r>
-              <a:rPr lang="de-DE" dirty="0" err="1">
-                <a:sym typeface="Wingdings" pitchFamily="2" charset="2"/>
-              </a:rPr>
-              <a:t>Repo</a:t>
-            </a:r>
-            <a:r>
-              <a:rPr lang="de-DE" dirty="0">
-                <a:sym typeface="Wingdings" pitchFamily="2" charset="2"/>
-              </a:rPr>
-              <a:t> geben </a:t>
-            </a:r>
-            <a:r>
-              <a:rPr lang="de-DE" dirty="0" err="1">
-                <a:sym typeface="Wingdings" pitchFamily="2" charset="2"/>
-              </a:rPr>
-              <a:t>zeugs</a:t>
-            </a:r>
-            <a:r>
-              <a:rPr lang="de-DE" dirty="0">
-                <a:sym typeface="Wingdings" pitchFamily="2" charset="2"/>
-              </a:rPr>
-              <a:t> passend zurück.</a:t>
-            </a:r>
+              <a:rPr lang="de-DE" dirty="0"/>
+              <a:t>Doch wie genau werden Nutzerinteraktionen bzw. Änderungen im Model nun dargestellt? </a:t>
+            </a:r>
+          </a:p>
+          <a:p>
+            <a:pPr marL="628650" lvl="1" indent="-171450">
+              <a:buFontTx/>
+              <a:buChar char="-"/>
+            </a:pPr>
+            <a:r>
+              <a:rPr lang="de-DE" dirty="0"/>
+              <a:t>Findet eine Nutzerinteraktion statt ruft das dazugehörige Composable eine OnEvent function auf, die dieses Event an das viewModel zur weiteren verarbeitung schickt.</a:t>
+            </a:r>
+          </a:p>
+          <a:p>
+            <a:pPr marL="628650" lvl="1" indent="-171450">
+              <a:buFontTx/>
+              <a:buChar char="-"/>
+            </a:pPr>
+            <a:r>
+              <a:rPr lang="de-DE" dirty="0"/>
+              <a:t>Zudem subscribed die View über das observer pattern bei dem ViewModel und stellt so Änderungen im VIewModel umgehend dar.</a:t>
+            </a:r>
+          </a:p>
+          <a:p>
+            <a:pPr marL="171450" lvl="0" indent="-171450">
+              <a:buFontTx/>
+              <a:buChar char="-"/>
+            </a:pPr>
+            <a:r>
+              <a:rPr lang="de-DE" dirty="0"/>
+              <a:t>[Nächste Folie]</a:t>
+            </a:r>
+          </a:p>
+          <a:p>
+            <a:pPr marL="457200" lvl="1" indent="0">
+              <a:buFontTx/>
+              <a:buNone/>
+            </a:pPr>
+            <a:endParaRPr lang="de-DE" dirty="0"/>
+          </a:p>
+          <a:p>
+            <a:pPr marL="628650" lvl="1" indent="-171450">
+              <a:buFontTx/>
+              <a:buChar char="-"/>
+            </a:pPr>
+            <a:endParaRPr lang="de-DE" dirty="0"/>
           </a:p>
           <a:p>
             <a:pPr marL="171450" indent="-171450">
               <a:buFontTx/>
               <a:buChar char="-"/>
             </a:pPr>
-            <a:r>
-              <a:rPr lang="de-DE" dirty="0">
-                <a:sym typeface="Wingdings" pitchFamily="2" charset="2"/>
-              </a:rPr>
-              <a:t>Gibt anfrage an Controller zurück,</a:t>
-            </a:r>
-          </a:p>
-          <a:p>
-            <a:pPr marL="171450" indent="-171450">
-              <a:buFontTx/>
-              <a:buChar char="-"/>
-            </a:pPr>
-            <a:r>
-              <a:rPr lang="de-DE" dirty="0">
-                <a:sym typeface="Wingdings" pitchFamily="2" charset="2"/>
-              </a:rPr>
-              <a:t>Baut Response, gibt sie an den Client zurück</a:t>
-            </a:r>
-          </a:p>
-          <a:p>
-            <a:pPr marL="171450" indent="-171450">
-              <a:buFontTx/>
-              <a:buChar char="-"/>
-            </a:pPr>
-            <a:endParaRPr lang="de-DE" dirty="0">
-              <a:sym typeface="Wingdings" pitchFamily="2" charset="2"/>
-            </a:endParaRPr>
-          </a:p>
-          <a:p>
-            <a:pPr marL="171450" indent="-171450">
-              <a:buFontTx/>
-              <a:buChar char="-"/>
-            </a:pPr>
-            <a:r>
-              <a:rPr lang="de-DE" dirty="0">
-                <a:sym typeface="Wingdings" pitchFamily="2" charset="2"/>
-              </a:rPr>
-              <a:t>Neu:</a:t>
-            </a:r>
-          </a:p>
-          <a:p>
-            <a:pPr marL="171450" marR="0" lvl="0" indent="-171450" algn="l" defTabSz="914400" rtl="0" eaLnBrk="1" fontAlgn="auto" latinLnBrk="0" hangingPunct="1">
-              <a:lnSpc>
-                <a:spcPct val="100000"/>
-              </a:lnSpc>
-              <a:spcBef>
-                <a:spcPts val="0"/>
-              </a:spcBef>
-              <a:spcAft>
-                <a:spcPts val="0"/>
-              </a:spcAft>
-              <a:buClrTx/>
-              <a:buSzTx/>
-              <a:buFontTx/>
-              <a:buChar char="-"/>
-              <a:tabLst/>
-              <a:defRPr/>
-            </a:pPr>
-            <a:r>
-              <a:rPr lang="de-DE" dirty="0"/>
-              <a:t>Problem : </a:t>
-            </a:r>
-            <a:r>
-              <a:rPr lang="de-DE" dirty="0" err="1"/>
-              <a:t>Repositiory</a:t>
-            </a:r>
-            <a:r>
-              <a:rPr lang="de-DE" dirty="0"/>
-              <a:t> nur für eine Tabelle,, Controller nur ein </a:t>
-            </a:r>
-            <a:r>
-              <a:rPr lang="de-DE" dirty="0" err="1"/>
-              <a:t>Repo</a:t>
-            </a:r>
             <a:endParaRPr lang="de-DE" dirty="0"/>
           </a:p>
           <a:p>
-            <a:pPr marL="171450" marR="0" lvl="0" indent="-171450" algn="l" defTabSz="914400" rtl="0" eaLnBrk="1" fontAlgn="auto" latinLnBrk="0" hangingPunct="1">
-              <a:lnSpc>
-                <a:spcPct val="100000"/>
-              </a:lnSpc>
-              <a:spcBef>
-                <a:spcPts val="0"/>
-              </a:spcBef>
-              <a:spcAft>
-                <a:spcPts val="0"/>
-              </a:spcAft>
-              <a:buClrTx/>
-              <a:buSzTx/>
-              <a:buFontTx/>
-              <a:buChar char="-"/>
-              <a:tabLst/>
-              <a:defRPr/>
-            </a:pPr>
-            <a:r>
-              <a:rPr lang="de-DE" dirty="0"/>
-              <a:t>Braucht </a:t>
-            </a:r>
-            <a:r>
-              <a:rPr lang="de-DE" dirty="0" err="1"/>
-              <a:t>infos</a:t>
-            </a:r>
-            <a:r>
-              <a:rPr lang="de-DE" dirty="0"/>
-              <a:t> aus verschiedenen </a:t>
-            </a:r>
-            <a:r>
-              <a:rPr lang="de-DE" dirty="0" err="1"/>
-              <a:t>Repos</a:t>
-            </a:r>
-            <a:r>
-              <a:rPr lang="de-DE" dirty="0"/>
-              <a:t> teils</a:t>
-            </a:r>
-          </a:p>
-          <a:p>
-            <a:pPr marL="171450" marR="0" lvl="0" indent="-171450" algn="l" defTabSz="914400" rtl="0" eaLnBrk="1" fontAlgn="auto" latinLnBrk="0" hangingPunct="1">
-              <a:lnSpc>
-                <a:spcPct val="100000"/>
-              </a:lnSpc>
-              <a:spcBef>
-                <a:spcPts val="0"/>
-              </a:spcBef>
-              <a:spcAft>
-                <a:spcPts val="0"/>
-              </a:spcAft>
-              <a:buClrTx/>
-              <a:buSzTx/>
-              <a:buFontTx/>
-              <a:buChar char="-"/>
-              <a:tabLst/>
-              <a:defRPr/>
-            </a:pPr>
-            <a:r>
-              <a:rPr lang="de-DE" dirty="0"/>
-              <a:t>Service ist </a:t>
-            </a:r>
-            <a:r>
-              <a:rPr lang="de-DE" dirty="0" err="1"/>
-              <a:t>logik</a:t>
-            </a:r>
-            <a:r>
-              <a:rPr lang="de-DE" dirty="0"/>
-              <a:t> dazwischen, kann mehrere </a:t>
-            </a:r>
-            <a:r>
-              <a:rPr lang="de-DE" dirty="0" err="1"/>
-              <a:t>repos</a:t>
-            </a:r>
-            <a:r>
-              <a:rPr lang="de-DE" dirty="0"/>
-              <a:t> verwalten</a:t>
-            </a:r>
-          </a:p>
-          <a:p>
-            <a:pPr marL="171450" indent="-171450">
-              <a:buFontTx/>
-              <a:buChar char="-"/>
-            </a:pPr>
-            <a:endParaRPr lang="de-DE" dirty="0">
-              <a:sym typeface="Wingdings" pitchFamily="2" charset="2"/>
-            </a:endParaRPr>
-          </a:p>
-        </p:txBody>
-      </p:sp>
-      <p:sp>
-        <p:nvSpPr>
-          <p:cNvPr id="4" name="Foliennummernplatzhalter 3"/>
+            <a:endParaRPr lang="de-DE" dirty="0"/>
+          </a:p>
+        </p:txBody>
+      </p:sp>
+      <p:sp>
+        <p:nvSpPr>
+          <p:cNvPr id="4" name="Slide Number Placeholder 3"/>
           <p:cNvSpPr>
             <a:spLocks noGrp="1"/>
           </p:cNvSpPr>
@@ -1355,7 +1146,7 @@
           <a:p>
             <a:fld id="{C2C6D2D8-86AA-475B-8106-1DD72F98FEFF}" type="slidenum">
               <a:rPr lang="de-DE" smtClean="0"/>
-              <a:t>11</a:t>
+              <a:t>4</a:t>
             </a:fld>
             <a:endParaRPr lang="de-DE"/>
           </a:p>
@@ -1364,7 +1155,7 @@
     </p:spTree>
     <p:extLst>
       <p:ext uri="{BB962C8B-B14F-4D97-AF65-F5344CB8AC3E}">
-        <p14:creationId xmlns:p14="http://schemas.microsoft.com/office/powerpoint/2010/main" val="2880677660"/>
+        <p14:creationId xmlns:p14="http://schemas.microsoft.com/office/powerpoint/2010/main" val="619536090"/>
       </p:ext>
     </p:extLst>
   </p:cSld>
@@ -1393,6 +1184,127 @@
       </p:grpSpPr>
       <p:sp>
         <p:nvSpPr>
+          <p:cNvPr id="2" name="Slide Image Placeholder 1"/>
+          <p:cNvSpPr>
+            <a:spLocks noGrp="1" noRot="1" noChangeAspect="1"/>
+          </p:cNvSpPr>
+          <p:nvPr>
+            <p:ph type="sldImg"/>
+          </p:nvPr>
+        </p:nvSpPr>
+        <p:spPr/>
+      </p:sp>
+      <p:sp>
+        <p:nvSpPr>
+          <p:cNvPr id="3" name="Notes Placeholder 2"/>
+          <p:cNvSpPr>
+            <a:spLocks noGrp="1"/>
+          </p:cNvSpPr>
+          <p:nvPr>
+            <p:ph type="body" idx="1"/>
+          </p:nvPr>
+        </p:nvSpPr>
+        <p:spPr/>
+        <p:txBody>
+          <a:bodyPr/>
+          <a:lstStyle/>
+          <a:p>
+            <a:pPr marL="171450" indent="-171450">
+              <a:buFontTx/>
+              <a:buChar char="-"/>
+            </a:pPr>
+            <a:r>
+              <a:rPr lang="de-DE" dirty="0"/>
+              <a:t>Nun weiter zum ViewModel. Das ViewModel hält den State der view.</a:t>
+            </a:r>
+          </a:p>
+          <a:p>
+            <a:pPr marL="171450" indent="-171450">
+              <a:buFontTx/>
+              <a:buChar char="-"/>
+            </a:pPr>
+            <a:r>
+              <a:rPr lang="de-DE" dirty="0"/>
+              <a:t>Sie nimmt wie gesagt Events von der View entgegen und verarbeitet diese. Außerdem sendet und erhält es Persistente Daten zum bzw. vom Repository</a:t>
+            </a:r>
+          </a:p>
+          <a:p>
+            <a:pPr marL="171450" indent="-171450">
+              <a:buFontTx/>
+              <a:buChar char="-"/>
+            </a:pPr>
+            <a:r>
+              <a:rPr lang="de-DE" dirty="0"/>
+              <a:t>Somit fließen Events von der UI zum State-Holder und der aufgrund dieser Events geänderte state fließt zurück zur UI</a:t>
+            </a:r>
+          </a:p>
+          <a:p>
+            <a:pPr marL="171450" indent="-171450">
+              <a:buFontTx/>
+              <a:buChar char="-"/>
+            </a:pPr>
+            <a:r>
+              <a:rPr lang="de-DE" dirty="0"/>
+              <a:t>[Nächste Folie]</a:t>
+            </a:r>
+          </a:p>
+        </p:txBody>
+      </p:sp>
+      <p:sp>
+        <p:nvSpPr>
+          <p:cNvPr id="4" name="Slide Number Placeholder 3"/>
+          <p:cNvSpPr>
+            <a:spLocks noGrp="1"/>
+          </p:cNvSpPr>
+          <p:nvPr>
+            <p:ph type="sldNum" sz="quarter" idx="5"/>
+          </p:nvPr>
+        </p:nvSpPr>
+        <p:spPr/>
+        <p:txBody>
+          <a:bodyPr/>
+          <a:lstStyle/>
+          <a:p>
+            <a:fld id="{C2C6D2D8-86AA-475B-8106-1DD72F98FEFF}" type="slidenum">
+              <a:rPr lang="de-DE" smtClean="0"/>
+              <a:t>5</a:t>
+            </a:fld>
+            <a:endParaRPr lang="de-DE"/>
+          </a:p>
+        </p:txBody>
+      </p:sp>
+    </p:spTree>
+    <p:extLst>
+      <p:ext uri="{BB962C8B-B14F-4D97-AF65-F5344CB8AC3E}">
+        <p14:creationId xmlns:p14="http://schemas.microsoft.com/office/powerpoint/2010/main" val="3478363811"/>
+      </p:ext>
+    </p:extLst>
+  </p:cSld>
+  <p:clrMapOvr>
+    <a:masterClrMapping/>
+  </p:clrMapOvr>
+</p:notes>
+</file>
+
+<file path=ppt/notesSlides/notesSlide6.xml><?xml version="1.0" encoding="utf-8"?>
+<p:notes xmlns:a="http://schemas.openxmlformats.org/drawingml/2006/main" xmlns:r="http://schemas.openxmlformats.org/officeDocument/2006/relationships" xmlns:p="http://schemas.openxmlformats.org/presentationml/2006/main">
+  <p:cSld>
+    <p:spTree>
+      <p:nvGrpSpPr>
+        <p:cNvPr id="1" name=""/>
+        <p:cNvGrpSpPr/>
+        <p:nvPr/>
+      </p:nvGrpSpPr>
+      <p:grpSpPr>
+        <a:xfrm>
+          <a:off x="0" y="0"/>
+          <a:ext cx="0" cy="0"/>
+          <a:chOff x="0" y="0"/>
+          <a:chExt cx="0" cy="0"/>
+        </a:xfrm>
+      </p:grpSpPr>
+      <p:sp>
+        <p:nvSpPr>
           <p:cNvPr id="2" name="Folienbildplatzhalter 1"/>
           <p:cNvSpPr>
             <a:spLocks noGrp="1" noRot="1" noChangeAspect="1"/>
@@ -1420,13 +1332,325 @@
           <a:p>
             <a:r>
               <a:rPr lang="de-DE" dirty="0"/>
-              <a:t>Benutzt </a:t>
+              <a:t>Nutzen Room (OO, testbar, liefert schon Observables aus)</a:t>
+            </a:r>
+          </a:p>
+          <a:p>
+            <a:r>
+              <a:rPr lang="de-DE" dirty="0"/>
+              <a:t>Tabelle als JSON, da häufiges Ändern des Datenbankschemas nicht optimal</a:t>
+            </a:r>
+          </a:p>
+          <a:p>
+            <a:r>
+              <a:rPr lang="de-DE" dirty="0"/>
+              <a:t>Kommunikation nach „oben“ über </a:t>
             </a:r>
             <a:r>
               <a:rPr lang="de-DE" dirty="0" err="1"/>
-              <a:t>springboot</a:t>
+              <a:t>Flows</a:t>
+            </a:r>
+            <a:r>
+              <a:rPr lang="de-DE" dirty="0"/>
+              <a:t> -&gt; Repo/</a:t>
+            </a:r>
+            <a:r>
+              <a:rPr lang="de-DE" dirty="0" err="1"/>
+              <a:t>Viewmodel</a:t>
+            </a:r>
+            <a:r>
+              <a:rPr lang="de-DE" dirty="0"/>
+              <a:t>/View nicht von </a:t>
+            </a:r>
+            <a:r>
+              <a:rPr lang="de-DE" dirty="0" err="1"/>
+              <a:t>Datenbankimpl</a:t>
+            </a:r>
+            <a:r>
+              <a:rPr lang="de-DE" dirty="0"/>
+              <a:t>. Abhängig</a:t>
+            </a:r>
+          </a:p>
+          <a:p>
+            <a:r>
+              <a:rPr lang="de-DE" dirty="0"/>
+              <a:t>Aufgerufen über Repo -&gt; </a:t>
+            </a:r>
+            <a:r>
+              <a:rPr lang="de-DE" dirty="0" err="1"/>
+              <a:t>Viewmodel</a:t>
+            </a:r>
+            <a:r>
+              <a:rPr lang="de-DE" dirty="0"/>
+              <a:t>/View weiß nichts über interne Speicherung der Daten</a:t>
+            </a:r>
+          </a:p>
+          <a:p>
+            <a:r>
+              <a:rPr lang="de-DE" dirty="0"/>
+              <a:t>Änderungen an Datenbank -&gt; automatisch </a:t>
+            </a:r>
+            <a:r>
+              <a:rPr lang="de-DE"/>
+              <a:t>GUI Update</a:t>
             </a:r>
             <a:endParaRPr lang="de-DE" dirty="0"/>
+          </a:p>
+        </p:txBody>
+      </p:sp>
+      <p:sp>
+        <p:nvSpPr>
+          <p:cNvPr id="4" name="Foliennummernplatzhalter 3"/>
+          <p:cNvSpPr>
+            <a:spLocks noGrp="1"/>
+          </p:cNvSpPr>
+          <p:nvPr>
+            <p:ph type="sldNum" sz="quarter" idx="5"/>
+          </p:nvPr>
+        </p:nvSpPr>
+        <p:spPr/>
+        <p:txBody>
+          <a:bodyPr/>
+          <a:lstStyle/>
+          <a:p>
+            <a:fld id="{C2C6D2D8-86AA-475B-8106-1DD72F98FEFF}" type="slidenum">
+              <a:rPr lang="de-DE" smtClean="0"/>
+              <a:t>10</a:t>
+            </a:fld>
+            <a:endParaRPr lang="de-DE"/>
+          </a:p>
+        </p:txBody>
+      </p:sp>
+    </p:spTree>
+    <p:extLst>
+      <p:ext uri="{BB962C8B-B14F-4D97-AF65-F5344CB8AC3E}">
+        <p14:creationId xmlns:p14="http://schemas.microsoft.com/office/powerpoint/2010/main" val="2002201380"/>
+      </p:ext>
+    </p:extLst>
+  </p:cSld>
+  <p:clrMapOvr>
+    <a:masterClrMapping/>
+  </p:clrMapOvr>
+</p:notes>
+</file>
+
+<file path=ppt/notesSlides/notesSlide7.xml><?xml version="1.0" encoding="utf-8"?>
+<p:notes xmlns:a="http://schemas.openxmlformats.org/drawingml/2006/main" xmlns:r="http://schemas.openxmlformats.org/officeDocument/2006/relationships" xmlns:p="http://schemas.openxmlformats.org/presentationml/2006/main">
+  <p:cSld>
+    <p:spTree>
+      <p:nvGrpSpPr>
+        <p:cNvPr id="1" name=""/>
+        <p:cNvGrpSpPr/>
+        <p:nvPr/>
+      </p:nvGrpSpPr>
+      <p:grpSpPr>
+        <a:xfrm>
+          <a:off x="0" y="0"/>
+          <a:ext cx="0" cy="0"/>
+          <a:chOff x="0" y="0"/>
+          <a:chExt cx="0" cy="0"/>
+        </a:xfrm>
+      </p:grpSpPr>
+      <p:sp>
+        <p:nvSpPr>
+          <p:cNvPr id="2" name="Folienbildplatzhalter 1"/>
+          <p:cNvSpPr>
+            <a:spLocks noGrp="1" noRot="1" noChangeAspect="1"/>
+          </p:cNvSpPr>
+          <p:nvPr>
+            <p:ph type="sldImg"/>
+          </p:nvPr>
+        </p:nvSpPr>
+        <p:spPr/>
+      </p:sp>
+      <p:sp>
+        <p:nvSpPr>
+          <p:cNvPr id="3" name="Notizenplatzhalter 2"/>
+          <p:cNvSpPr>
+            <a:spLocks noGrp="1"/>
+          </p:cNvSpPr>
+          <p:nvPr>
+            <p:ph type="body" idx="1"/>
+          </p:nvPr>
+        </p:nvSpPr>
+        <p:spPr/>
+        <p:txBody>
+          <a:bodyPr/>
+          <a:lstStyle/>
+          <a:p>
+            <a:r>
+              <a:rPr lang="de-DE" dirty="0"/>
+              <a:t>Aufgabe:</a:t>
+            </a:r>
+          </a:p>
+          <a:p>
+            <a:r>
+              <a:rPr lang="de-DE" dirty="0"/>
+              <a:t> - Dem Repository eine einfache Schnittstelle bereitstellen</a:t>
+            </a:r>
+          </a:p>
+          <a:p>
+            <a:r>
+              <a:rPr lang="de-DE" dirty="0"/>
+              <a:t>   -- Fassade in der RDS API einzige Schnittstelle für Methodenaufrufe</a:t>
+            </a:r>
+            <a:br>
+              <a:rPr lang="de-DE" dirty="0"/>
+            </a:br>
+            <a:r>
+              <a:rPr lang="de-DE" dirty="0"/>
+              <a:t> - Schnittstelle an externe Dienste</a:t>
+            </a:r>
+          </a:p>
+          <a:p>
+            <a:r>
+              <a:rPr lang="de-DE" dirty="0"/>
+              <a:t>   -- </a:t>
+            </a:r>
+            <a:r>
+              <a:rPr lang="de-DE" dirty="0" err="1"/>
+              <a:t>Firebase</a:t>
+            </a:r>
+            <a:endParaRPr lang="de-DE" dirty="0"/>
+          </a:p>
+          <a:p>
+            <a:r>
+              <a:rPr lang="de-DE" dirty="0"/>
+              <a:t>    --- um Nutzende anzumelden</a:t>
+            </a:r>
+          </a:p>
+          <a:p>
+            <a:r>
+              <a:rPr lang="de-DE" dirty="0"/>
+              <a:t>   -- Server</a:t>
+            </a:r>
+          </a:p>
+          <a:p>
+            <a:r>
+              <a:rPr lang="de-DE" dirty="0"/>
+              <a:t>    --- leitet Anfragen an den Server weiter</a:t>
+            </a:r>
+          </a:p>
+          <a:p>
+            <a:r>
+              <a:rPr lang="de-DE" dirty="0"/>
+              <a:t>    --- empfängt Antworten und leitet die weiter an das Repository</a:t>
+            </a:r>
+          </a:p>
+          <a:p>
+            <a:r>
+              <a:rPr lang="de-DE" dirty="0"/>
+              <a:t>     ---- Speichert außerdem einige Rückgabetypen in speziellen Queues -&gt; Besser für Repository</a:t>
+            </a:r>
+          </a:p>
+          <a:p>
+            <a:endParaRPr lang="de-DE" dirty="0"/>
+          </a:p>
+          <a:p>
+            <a:endParaRPr lang="de-DE" dirty="0"/>
+          </a:p>
+        </p:txBody>
+      </p:sp>
+      <p:sp>
+        <p:nvSpPr>
+          <p:cNvPr id="4" name="Foliennummernplatzhalter 3"/>
+          <p:cNvSpPr>
+            <a:spLocks noGrp="1"/>
+          </p:cNvSpPr>
+          <p:nvPr>
+            <p:ph type="sldNum" sz="quarter" idx="5"/>
+          </p:nvPr>
+        </p:nvSpPr>
+        <p:spPr/>
+        <p:txBody>
+          <a:bodyPr/>
+          <a:lstStyle/>
+          <a:p>
+            <a:fld id="{C2C6D2D8-86AA-475B-8106-1DD72F98FEFF}" type="slidenum">
+              <a:rPr lang="de-DE" smtClean="0"/>
+              <a:t>11</a:t>
+            </a:fld>
+            <a:endParaRPr lang="de-DE"/>
+          </a:p>
+        </p:txBody>
+      </p:sp>
+    </p:spTree>
+    <p:extLst>
+      <p:ext uri="{BB962C8B-B14F-4D97-AF65-F5344CB8AC3E}">
+        <p14:creationId xmlns:p14="http://schemas.microsoft.com/office/powerpoint/2010/main" val="690369194"/>
+      </p:ext>
+    </p:extLst>
+  </p:cSld>
+  <p:clrMapOvr>
+    <a:masterClrMapping/>
+  </p:clrMapOvr>
+</p:notes>
+</file>
+
+<file path=ppt/notesSlides/notesSlide8.xml><?xml version="1.0" encoding="utf-8"?>
+<p:notes xmlns:a="http://schemas.openxmlformats.org/drawingml/2006/main" xmlns:r="http://schemas.openxmlformats.org/officeDocument/2006/relationships" xmlns:p="http://schemas.openxmlformats.org/presentationml/2006/main">
+  <p:cSld>
+    <p:spTree>
+      <p:nvGrpSpPr>
+        <p:cNvPr id="1" name=""/>
+        <p:cNvGrpSpPr/>
+        <p:nvPr/>
+      </p:nvGrpSpPr>
+      <p:grpSpPr>
+        <a:xfrm>
+          <a:off x="0" y="0"/>
+          <a:ext cx="0" cy="0"/>
+          <a:chOff x="0" y="0"/>
+          <a:chExt cx="0" cy="0"/>
+        </a:xfrm>
+      </p:grpSpPr>
+      <p:sp>
+        <p:nvSpPr>
+          <p:cNvPr id="2" name="Folienbildplatzhalter 1"/>
+          <p:cNvSpPr>
+            <a:spLocks noGrp="1" noRot="1" noChangeAspect="1"/>
+          </p:cNvSpPr>
+          <p:nvPr>
+            <p:ph type="sldImg"/>
+          </p:nvPr>
+        </p:nvSpPr>
+        <p:spPr/>
+      </p:sp>
+      <p:sp>
+        <p:nvSpPr>
+          <p:cNvPr id="3" name="Notizenplatzhalter 2"/>
+          <p:cNvSpPr>
+            <a:spLocks noGrp="1"/>
+          </p:cNvSpPr>
+          <p:nvPr>
+            <p:ph type="body" idx="1"/>
+          </p:nvPr>
+        </p:nvSpPr>
+        <p:spPr/>
+        <p:txBody>
+          <a:bodyPr/>
+          <a:lstStyle/>
+          <a:p>
+            <a:r>
+              <a:rPr lang="de-DE" dirty="0"/>
+              <a:t>Logik nicht in die „Schnittstelle“ zum Client</a:t>
+            </a:r>
+          </a:p>
+          <a:p>
+            <a:endParaRPr lang="de-DE" dirty="0"/>
+          </a:p>
+          <a:p>
+            <a:endParaRPr lang="de-DE" dirty="0"/>
+          </a:p>
+          <a:p>
+            <a:r>
+              <a:rPr lang="de-DE" dirty="0" err="1"/>
+              <a:t>Abauf</a:t>
+            </a:r>
+            <a:r>
+              <a:rPr lang="de-DE" dirty="0"/>
+              <a:t>: </a:t>
+            </a:r>
           </a:p>
           <a:p>
             <a:pPr marL="171450" indent="-171450">
@@ -1435,21 +1659,16 @@
             </a:pPr>
             <a:r>
               <a:rPr lang="de-DE" dirty="0"/>
-              <a:t>Stellt viele </a:t>
+              <a:t>Client ruft </a:t>
             </a:r>
             <a:r>
               <a:rPr lang="de-DE" dirty="0" err="1"/>
-              <a:t>anntationen</a:t>
+              <a:t>funktion</a:t>
             </a:r>
             <a:r>
               <a:rPr lang="de-DE" dirty="0"/>
-              <a:t> zur </a:t>
-            </a:r>
-            <a:r>
-              <a:rPr lang="de-DE" dirty="0" err="1"/>
-              <a:t>verfügung</a:t>
-            </a:r>
-            <a:endParaRPr lang="de-DE" dirty="0"/>
+              <a:t> in Controller auf durch URI</a:t>
+            </a:r>
           </a:p>
           <a:p>
             <a:pPr marL="171450" indent="-171450">
@@ -1458,13 +1677,153 @@
             </a:pPr>
             <a:r>
               <a:rPr lang="de-DE" dirty="0"/>
-              <a:t>Spring ist mächtiger, muss mehr selber machen </a:t>
+              <a:t>Validierung haut </a:t>
+            </a:r>
+            <a:r>
+              <a:rPr lang="de-DE" dirty="0" err="1"/>
+              <a:t>dazuwischen</a:t>
+            </a:r>
+            <a:r>
+              <a:rPr lang="de-DE" dirty="0"/>
+              <a:t>  </a:t>
             </a:r>
             <a:r>
               <a:rPr lang="de-DE" dirty="0">
                 <a:sym typeface="Wingdings" pitchFamily="2" charset="2"/>
               </a:rPr>
-              <a:t> für uns nicht nötig</a:t>
+              <a:t> in </a:t>
+            </a:r>
+            <a:r>
+              <a:rPr lang="de-DE" dirty="0" err="1">
+                <a:sym typeface="Wingdings" pitchFamily="2" charset="2"/>
+              </a:rPr>
+              <a:t>onlineProjekt</a:t>
+            </a:r>
+            <a:r>
+              <a:rPr lang="de-DE" dirty="0">
+                <a:sym typeface="Wingdings" pitchFamily="2" charset="2"/>
+              </a:rPr>
+              <a:t> auch die zweite Validierung, falls benötigt </a:t>
+            </a:r>
+          </a:p>
+          <a:p>
+            <a:pPr marL="171450" indent="-171450">
+              <a:buFontTx/>
+              <a:buChar char="-"/>
+            </a:pPr>
+            <a:r>
+              <a:rPr lang="de-DE" dirty="0">
+                <a:sym typeface="Wingdings" pitchFamily="2" charset="2"/>
+              </a:rPr>
+              <a:t>In Controller aufgerufen </a:t>
+            </a:r>
+          </a:p>
+          <a:p>
+            <a:pPr marL="171450" indent="-171450">
+              <a:buFontTx/>
+              <a:buChar char="-"/>
+            </a:pPr>
+            <a:r>
+              <a:rPr lang="de-DE" dirty="0">
+                <a:sym typeface="Wingdings" pitchFamily="2" charset="2"/>
+              </a:rPr>
+              <a:t>Ruf dann die </a:t>
+            </a:r>
+            <a:r>
+              <a:rPr lang="de-DE" dirty="0" err="1">
+                <a:sym typeface="Wingdings" pitchFamily="2" charset="2"/>
+              </a:rPr>
+              <a:t>rischtigen</a:t>
+            </a:r>
+            <a:r>
+              <a:rPr lang="de-DE" dirty="0">
+                <a:sym typeface="Wingdings" pitchFamily="2" charset="2"/>
+              </a:rPr>
+              <a:t> </a:t>
+            </a:r>
+            <a:r>
+              <a:rPr lang="de-DE" dirty="0" err="1">
+                <a:sym typeface="Wingdings" pitchFamily="2" charset="2"/>
+              </a:rPr>
+              <a:t>Repos</a:t>
+            </a:r>
+            <a:r>
+              <a:rPr lang="de-DE" dirty="0">
+                <a:sym typeface="Wingdings" pitchFamily="2" charset="2"/>
+              </a:rPr>
+              <a:t> auf</a:t>
+            </a:r>
+          </a:p>
+          <a:p>
+            <a:pPr marL="171450" indent="-171450">
+              <a:buFontTx/>
+              <a:buChar char="-"/>
+            </a:pPr>
+            <a:r>
+              <a:rPr lang="de-DE" dirty="0" err="1">
+                <a:sym typeface="Wingdings" pitchFamily="2" charset="2"/>
+              </a:rPr>
+              <a:t>Repos</a:t>
+            </a:r>
+            <a:r>
+              <a:rPr lang="de-DE" dirty="0">
+                <a:sym typeface="Wingdings" pitchFamily="2" charset="2"/>
+              </a:rPr>
+              <a:t> greifen aus Model bzw. die Tabellen auf</a:t>
+            </a:r>
+          </a:p>
+          <a:p>
+            <a:pPr marL="171450" indent="-171450">
+              <a:buFontTx/>
+              <a:buChar char="-"/>
+            </a:pPr>
+            <a:r>
+              <a:rPr lang="de-DE" dirty="0" err="1">
+                <a:sym typeface="Wingdings" pitchFamily="2" charset="2"/>
+              </a:rPr>
+              <a:t>Repo</a:t>
+            </a:r>
+            <a:r>
+              <a:rPr lang="de-DE" dirty="0">
+                <a:sym typeface="Wingdings" pitchFamily="2" charset="2"/>
+              </a:rPr>
+              <a:t> geben </a:t>
+            </a:r>
+            <a:r>
+              <a:rPr lang="de-DE" dirty="0" err="1">
+                <a:sym typeface="Wingdings" pitchFamily="2" charset="2"/>
+              </a:rPr>
+              <a:t>zeugs</a:t>
+            </a:r>
+            <a:r>
+              <a:rPr lang="de-DE" dirty="0">
+                <a:sym typeface="Wingdings" pitchFamily="2" charset="2"/>
+              </a:rPr>
+              <a:t> passend zurück.</a:t>
+            </a:r>
+          </a:p>
+          <a:p>
+            <a:pPr marL="171450" indent="-171450">
+              <a:buFontTx/>
+              <a:buChar char="-"/>
+            </a:pPr>
+            <a:r>
+              <a:rPr lang="de-DE" dirty="0">
+                <a:sym typeface="Wingdings" pitchFamily="2" charset="2"/>
+              </a:rPr>
+              <a:t>Gibt anfrage an Controller zurück,</a:t>
+            </a:r>
+          </a:p>
+          <a:p>
+            <a:pPr marL="171450" indent="-171450">
+              <a:buFontTx/>
+              <a:buChar char="-"/>
+            </a:pPr>
+            <a:r>
+              <a:rPr lang="de-DE" dirty="0">
+                <a:sym typeface="Wingdings" pitchFamily="2" charset="2"/>
+              </a:rPr>
+              <a:t>Baut Response, gibt sie an den Client zurück</a:t>
             </a:r>
           </a:p>
           <a:p>
@@ -1485,7 +1844,121 @@
               <a:rPr lang="de-DE" dirty="0">
                 <a:sym typeface="Wingdings" pitchFamily="2" charset="2"/>
               </a:rPr>
-              <a:t>Interessant: </a:t>
+              <a:t>Neu:</a:t>
+            </a:r>
+          </a:p>
+          <a:p>
+            <a:pPr marL="171450" marR="0" lvl="0" indent="-171450" algn="l" defTabSz="914400" rtl="0" eaLnBrk="1" fontAlgn="auto" latinLnBrk="0" hangingPunct="1">
+              <a:lnSpc>
+                <a:spcPct val="100000"/>
+              </a:lnSpc>
+              <a:spcBef>
+                <a:spcPts val="0"/>
+              </a:spcBef>
+              <a:spcAft>
+                <a:spcPts val="0"/>
+              </a:spcAft>
+              <a:buClrTx/>
+              <a:buSzTx/>
+              <a:buFontTx/>
+              <a:buChar char="-"/>
+              <a:tabLst/>
+              <a:defRPr/>
+            </a:pPr>
+            <a:r>
+              <a:rPr lang="de-DE" dirty="0"/>
+              <a:t>Problem : </a:t>
+            </a:r>
+            <a:r>
+              <a:rPr lang="de-DE" dirty="0" err="1"/>
+              <a:t>Repositiory</a:t>
+            </a:r>
+            <a:r>
+              <a:rPr lang="de-DE" dirty="0"/>
+              <a:t> nur für eine Tabelle,, Controller nur ein </a:t>
+            </a:r>
+            <a:r>
+              <a:rPr lang="de-DE" dirty="0" err="1"/>
+              <a:t>Repo</a:t>
+            </a:r>
+            <a:endParaRPr lang="de-DE" dirty="0"/>
+          </a:p>
+          <a:p>
+            <a:pPr marL="171450" marR="0" lvl="0" indent="-171450" algn="l" defTabSz="914400" rtl="0" eaLnBrk="1" fontAlgn="auto" latinLnBrk="0" hangingPunct="1">
+              <a:lnSpc>
+                <a:spcPct val="100000"/>
+              </a:lnSpc>
+              <a:spcBef>
+                <a:spcPts val="0"/>
+              </a:spcBef>
+              <a:spcAft>
+                <a:spcPts val="0"/>
+              </a:spcAft>
+              <a:buClrTx/>
+              <a:buSzTx/>
+              <a:buFontTx/>
+              <a:buChar char="-"/>
+              <a:tabLst/>
+              <a:defRPr/>
+            </a:pPr>
+            <a:r>
+              <a:rPr lang="de-DE" dirty="0"/>
+              <a:t>Braucht </a:t>
+            </a:r>
+            <a:r>
+              <a:rPr lang="de-DE" dirty="0" err="1"/>
+              <a:t>infos</a:t>
+            </a:r>
+            <a:r>
+              <a:rPr lang="de-DE" dirty="0"/>
+              <a:t> aus verschiedenen </a:t>
+            </a:r>
+            <a:r>
+              <a:rPr lang="de-DE" dirty="0" err="1"/>
+              <a:t>Repos</a:t>
+            </a:r>
+            <a:r>
+              <a:rPr lang="de-DE" dirty="0"/>
+              <a:t> teils</a:t>
+            </a:r>
+          </a:p>
+          <a:p>
+            <a:pPr marL="171450" marR="0" lvl="0" indent="-171450" algn="l" defTabSz="914400" rtl="0" eaLnBrk="1" fontAlgn="auto" latinLnBrk="0" hangingPunct="1">
+              <a:lnSpc>
+                <a:spcPct val="100000"/>
+              </a:lnSpc>
+              <a:spcBef>
+                <a:spcPts val="0"/>
+              </a:spcBef>
+              <a:spcAft>
+                <a:spcPts val="0"/>
+              </a:spcAft>
+              <a:buClrTx/>
+              <a:buSzTx/>
+              <a:buFontTx/>
+              <a:buChar char="-"/>
+              <a:tabLst/>
+              <a:defRPr/>
+            </a:pPr>
+            <a:r>
+              <a:rPr lang="de-DE" dirty="0"/>
+              <a:t>Service ist </a:t>
+            </a:r>
+            <a:r>
+              <a:rPr lang="de-DE" dirty="0" err="1"/>
+              <a:t>logik</a:t>
+            </a:r>
+            <a:r>
+              <a:rPr lang="de-DE" dirty="0"/>
+              <a:t> dazwischen, kann mehrere </a:t>
+            </a:r>
+            <a:r>
+              <a:rPr lang="de-DE" dirty="0" err="1"/>
+              <a:t>repos</a:t>
+            </a:r>
+            <a:r>
+              <a:rPr lang="de-DE" dirty="0"/>
+              <a:t> verwalten</a:t>
             </a:r>
           </a:p>
           <a:p>
@@ -1493,30 +1966,9 @@
               <a:buFontTx/>
               <a:buChar char="-"/>
             </a:pPr>
-            <a:r>
-              <a:rPr lang="de-DE" dirty="0">
-                <a:sym typeface="Wingdings" pitchFamily="2" charset="2"/>
-              </a:rPr>
-              <a:t>Validierung per Interceptor</a:t>
-            </a:r>
-          </a:p>
-          <a:p>
-            <a:pPr marL="628650" lvl="1" indent="-171450">
-              <a:buFontTx/>
-              <a:buChar char="-"/>
-            </a:pPr>
-            <a:r>
-              <a:rPr lang="de-DE" dirty="0">
-                <a:sym typeface="Wingdings" pitchFamily="2" charset="2"/>
-              </a:rPr>
-              <a:t>Sicher, dass nicht um Validierung herumkommt, wenn </a:t>
-            </a:r>
-            <a:r>
-              <a:rPr lang="de-DE">
-                <a:sym typeface="Wingdings" pitchFamily="2" charset="2"/>
-              </a:rPr>
-              <a:t>nicht gewollt.</a:t>
-            </a:r>
+            <a:endParaRPr lang="de-DE" dirty="0">
+              <a:sym typeface="Wingdings" pitchFamily="2" charset="2"/>
+            </a:endParaRPr>
           </a:p>
         </p:txBody>
       </p:sp>
@@ -1538,6 +1990,188 @@
             <a:fld id="{C2C6D2D8-86AA-475B-8106-1DD72F98FEFF}" type="slidenum">
               <a:rPr lang="de-DE" smtClean="0"/>
               <a:t>12</a:t>
+            </a:fld>
+            <a:endParaRPr lang="de-DE"/>
+          </a:p>
+        </p:txBody>
+      </p:sp>
+    </p:spTree>
+    <p:extLst>
+      <p:ext uri="{BB962C8B-B14F-4D97-AF65-F5344CB8AC3E}">
+        <p14:creationId xmlns:p14="http://schemas.microsoft.com/office/powerpoint/2010/main" val="2880677660"/>
+      </p:ext>
+    </p:extLst>
+  </p:cSld>
+  <p:clrMapOvr>
+    <a:masterClrMapping/>
+  </p:clrMapOvr>
+</p:notes>
+</file>
+
+<file path=ppt/notesSlides/notesSlide9.xml><?xml version="1.0" encoding="utf-8"?>
+<p:notes xmlns:a="http://schemas.openxmlformats.org/drawingml/2006/main" xmlns:r="http://schemas.openxmlformats.org/officeDocument/2006/relationships" xmlns:p="http://schemas.openxmlformats.org/presentationml/2006/main">
+  <p:cSld>
+    <p:spTree>
+      <p:nvGrpSpPr>
+        <p:cNvPr id="1" name=""/>
+        <p:cNvGrpSpPr/>
+        <p:nvPr/>
+      </p:nvGrpSpPr>
+      <p:grpSpPr>
+        <a:xfrm>
+          <a:off x="0" y="0"/>
+          <a:ext cx="0" cy="0"/>
+          <a:chOff x="0" y="0"/>
+          <a:chExt cx="0" cy="0"/>
+        </a:xfrm>
+      </p:grpSpPr>
+      <p:sp>
+        <p:nvSpPr>
+          <p:cNvPr id="2" name="Folienbildplatzhalter 1"/>
+          <p:cNvSpPr>
+            <a:spLocks noGrp="1" noRot="1" noChangeAspect="1"/>
+          </p:cNvSpPr>
+          <p:nvPr>
+            <p:ph type="sldImg"/>
+          </p:nvPr>
+        </p:nvSpPr>
+        <p:spPr/>
+      </p:sp>
+      <p:sp>
+        <p:nvSpPr>
+          <p:cNvPr id="3" name="Notizenplatzhalter 2"/>
+          <p:cNvSpPr>
+            <a:spLocks noGrp="1"/>
+          </p:cNvSpPr>
+          <p:nvPr>
+            <p:ph type="body" idx="1"/>
+          </p:nvPr>
+        </p:nvSpPr>
+        <p:spPr/>
+        <p:txBody>
+          <a:bodyPr/>
+          <a:lstStyle/>
+          <a:p>
+            <a:r>
+              <a:rPr lang="de-DE" dirty="0"/>
+              <a:t>Benutzt </a:t>
+            </a:r>
+            <a:r>
+              <a:rPr lang="de-DE" dirty="0" err="1"/>
+              <a:t>springboot</a:t>
+            </a:r>
+            <a:endParaRPr lang="de-DE" dirty="0"/>
+          </a:p>
+          <a:p>
+            <a:pPr marL="171450" indent="-171450">
+              <a:buFontTx/>
+              <a:buChar char="-"/>
+            </a:pPr>
+            <a:r>
+              <a:rPr lang="de-DE" dirty="0"/>
+              <a:t>Stellt viele </a:t>
+            </a:r>
+            <a:r>
+              <a:rPr lang="de-DE" dirty="0" err="1"/>
+              <a:t>anntationen</a:t>
+            </a:r>
+            <a:r>
+              <a:rPr lang="de-DE" dirty="0"/>
+              <a:t> zur </a:t>
+            </a:r>
+            <a:r>
+              <a:rPr lang="de-DE" dirty="0" err="1"/>
+              <a:t>verfügung</a:t>
+            </a:r>
+            <a:endParaRPr lang="de-DE" dirty="0"/>
+          </a:p>
+          <a:p>
+            <a:pPr marL="171450" indent="-171450">
+              <a:buFontTx/>
+              <a:buChar char="-"/>
+            </a:pPr>
+            <a:r>
+              <a:rPr lang="de-DE" dirty="0"/>
+              <a:t>Spring ist mächtiger, muss mehr selber machen </a:t>
+            </a:r>
+            <a:r>
+              <a:rPr lang="de-DE" dirty="0">
+                <a:sym typeface="Wingdings" pitchFamily="2" charset="2"/>
+              </a:rPr>
+              <a:t> für uns nicht nötig</a:t>
+            </a:r>
+          </a:p>
+          <a:p>
+            <a:pPr marL="171450" indent="-171450">
+              <a:buFontTx/>
+              <a:buChar char="-"/>
+            </a:pPr>
+            <a:endParaRPr lang="de-DE" dirty="0">
+              <a:sym typeface="Wingdings" pitchFamily="2" charset="2"/>
+            </a:endParaRPr>
+          </a:p>
+          <a:p>
+            <a:pPr marL="171450" indent="-171450">
+              <a:buFontTx/>
+              <a:buChar char="-"/>
+            </a:pPr>
+            <a:r>
+              <a:rPr lang="de-DE" dirty="0">
+                <a:sym typeface="Wingdings" pitchFamily="2" charset="2"/>
+              </a:rPr>
+              <a:t>Interessant: </a:t>
+            </a:r>
+          </a:p>
+          <a:p>
+            <a:pPr marL="171450" indent="-171450">
+              <a:buFontTx/>
+              <a:buChar char="-"/>
+            </a:pPr>
+            <a:r>
+              <a:rPr lang="de-DE" dirty="0">
+                <a:sym typeface="Wingdings" pitchFamily="2" charset="2"/>
+              </a:rPr>
+              <a:t>Validierung per Interceptor</a:t>
+            </a:r>
+          </a:p>
+          <a:p>
+            <a:pPr marL="628650" lvl="1" indent="-171450">
+              <a:buFontTx/>
+              <a:buChar char="-"/>
+            </a:pPr>
+            <a:r>
+              <a:rPr lang="de-DE" dirty="0">
+                <a:sym typeface="Wingdings" pitchFamily="2" charset="2"/>
+              </a:rPr>
+              <a:t>Sicher, dass nicht um Validierung herumkommt, wenn </a:t>
+            </a:r>
+            <a:r>
+              <a:rPr lang="de-DE">
+                <a:sym typeface="Wingdings" pitchFamily="2" charset="2"/>
+              </a:rPr>
+              <a:t>nicht gewollt.</a:t>
+            </a:r>
+          </a:p>
+        </p:txBody>
+      </p:sp>
+      <p:sp>
+        <p:nvSpPr>
+          <p:cNvPr id="4" name="Foliennummernplatzhalter 3"/>
+          <p:cNvSpPr>
+            <a:spLocks noGrp="1"/>
+          </p:cNvSpPr>
+          <p:nvPr>
+            <p:ph type="sldNum" sz="quarter" idx="5"/>
+          </p:nvPr>
+        </p:nvSpPr>
+        <p:spPr/>
+        <p:txBody>
+          <a:bodyPr/>
+          <a:lstStyle/>
+          <a:p>
+            <a:fld id="{C2C6D2D8-86AA-475B-8106-1DD72F98FEFF}" type="slidenum">
+              <a:rPr lang="de-DE" smtClean="0"/>
+              <a:t>13</a:t>
             </a:fld>
             <a:endParaRPr lang="de-DE"/>
           </a:p>
@@ -1705,7 +2339,7 @@
           <a:p>
             <a:fld id="{D4A7F7FB-B369-497A-97C2-098805D1A52E}" type="datetimeFigureOut">
               <a:rPr lang="de-DE" smtClean="0"/>
-              <a:t>10.01.2022</a:t>
+              <a:t>11.01.22</a:t>
             </a:fld>
             <a:endParaRPr lang="de-DE"/>
           </a:p>
@@ -1905,7 +2539,7 @@
           <a:p>
             <a:fld id="{D4A7F7FB-B369-497A-97C2-098805D1A52E}" type="datetimeFigureOut">
               <a:rPr lang="de-DE" smtClean="0"/>
-              <a:t>10.01.2022</a:t>
+              <a:t>11.01.22</a:t>
             </a:fld>
             <a:endParaRPr lang="de-DE"/>
           </a:p>
@@ -2115,7 +2749,7 @@
           <a:p>
             <a:fld id="{D4A7F7FB-B369-497A-97C2-098805D1A52E}" type="datetimeFigureOut">
               <a:rPr lang="de-DE" smtClean="0"/>
-              <a:t>10.01.2022</a:t>
+              <a:t>11.01.22</a:t>
             </a:fld>
             <a:endParaRPr lang="de-DE"/>
           </a:p>
@@ -2384,7 +3018,7 @@
           <a:p>
             <a:fld id="{D4A7F7FB-B369-497A-97C2-098805D1A52E}" type="datetimeFigureOut">
               <a:rPr lang="de-DE" smtClean="0"/>
-              <a:t>10.01.2022</a:t>
+              <a:t>11.01.22</a:t>
             </a:fld>
             <a:endParaRPr lang="de-DE"/>
           </a:p>
@@ -2554,7 +3188,7 @@
           <a:p>
             <a:fld id="{D4A7F7FB-B369-497A-97C2-098805D1A52E}" type="datetimeFigureOut">
               <a:rPr lang="de-DE" smtClean="0"/>
-              <a:t>10.01.2022</a:t>
+              <a:t>11.01.22</a:t>
             </a:fld>
             <a:endParaRPr lang="de-DE"/>
           </a:p>
@@ -2811,7 +3445,7 @@
           <a:p>
             <a:fld id="{D4A7F7FB-B369-497A-97C2-098805D1A52E}" type="datetimeFigureOut">
               <a:rPr lang="de-DE" smtClean="0"/>
-              <a:t>10.01.2022</a:t>
+              <a:t>11.01.22</a:t>
             </a:fld>
             <a:endParaRPr lang="de-DE"/>
           </a:p>
@@ -3043,7 +3677,7 @@
           <a:p>
             <a:fld id="{D4A7F7FB-B369-497A-97C2-098805D1A52E}" type="datetimeFigureOut">
               <a:rPr lang="de-DE" smtClean="0"/>
-              <a:t>10.01.2022</a:t>
+              <a:t>11.01.22</a:t>
             </a:fld>
             <a:endParaRPr lang="de-DE"/>
           </a:p>
@@ -3436,7 +4070,7 @@
           <a:p>
             <a:fld id="{D4A7F7FB-B369-497A-97C2-098805D1A52E}" type="datetimeFigureOut">
               <a:rPr lang="de-DE" smtClean="0"/>
-              <a:t>10.01.2022</a:t>
+              <a:t>11.01.22</a:t>
             </a:fld>
             <a:endParaRPr lang="de-DE"/>
           </a:p>
@@ -3554,7 +4188,7 @@
           <a:p>
             <a:fld id="{D4A7F7FB-B369-497A-97C2-098805D1A52E}" type="datetimeFigureOut">
               <a:rPr lang="de-DE" smtClean="0"/>
-              <a:t>10.01.2022</a:t>
+              <a:t>11.01.22</a:t>
             </a:fld>
             <a:endParaRPr lang="de-DE"/>
           </a:p>
@@ -3649,7 +4283,7 @@
           <a:p>
             <a:fld id="{D4A7F7FB-B369-497A-97C2-098805D1A52E}" type="datetimeFigureOut">
               <a:rPr lang="de-DE" smtClean="0"/>
-              <a:t>10.01.2022</a:t>
+              <a:t>11.01.22</a:t>
             </a:fld>
             <a:endParaRPr lang="de-DE"/>
           </a:p>
@@ -3922,7 +4556,7 @@
           <a:p>
             <a:fld id="{D4A7F7FB-B369-497A-97C2-098805D1A52E}" type="datetimeFigureOut">
               <a:rPr lang="de-DE" smtClean="0"/>
-              <a:t>10.01.2022</a:t>
+              <a:t>11.01.22</a:t>
             </a:fld>
             <a:endParaRPr lang="de-DE"/>
           </a:p>
@@ -4110,7 +4744,7 @@
           <a:p>
             <a:fld id="{D4A7F7FB-B369-497A-97C2-098805D1A52E}" type="datetimeFigureOut">
               <a:rPr lang="de-DE" smtClean="0"/>
-              <a:t>10.01.2022</a:t>
+              <a:t>11.01.22</a:t>
             </a:fld>
             <a:endParaRPr lang="de-DE"/>
           </a:p>
@@ -4403,7 +5037,7 @@
           <a:p>
             <a:fld id="{D4A7F7FB-B369-497A-97C2-098805D1A52E}" type="datetimeFigureOut">
               <a:rPr lang="de-DE" smtClean="0"/>
-              <a:t>10.01.2022</a:t>
+              <a:t>11.01.22</a:t>
             </a:fld>
             <a:endParaRPr lang="de-DE"/>
           </a:p>
@@ -4684,7 +5318,7 @@
           <a:p>
             <a:fld id="{D4A7F7FB-B369-497A-97C2-098805D1A52E}" type="datetimeFigureOut">
               <a:rPr lang="de-DE" smtClean="0"/>
-              <a:t>10.01.2022</a:t>
+              <a:t>11.01.22</a:t>
             </a:fld>
             <a:endParaRPr lang="de-DE"/>
           </a:p>
@@ -4876,7 +5510,7 @@
           <a:p>
             <a:fld id="{D4A7F7FB-B369-497A-97C2-098805D1A52E}" type="datetimeFigureOut">
               <a:rPr lang="de-DE" smtClean="0"/>
-              <a:t>10.01.2022</a:t>
+              <a:t>11.01.22</a:t>
             </a:fld>
             <a:endParaRPr lang="de-DE"/>
           </a:p>
@@ -5137,7 +5771,7 @@
           <a:p>
             <a:fld id="{D4A7F7FB-B369-497A-97C2-098805D1A52E}" type="datetimeFigureOut">
               <a:rPr lang="de-DE" smtClean="0"/>
-              <a:t>10.01.2022</a:t>
+              <a:t>11.01.22</a:t>
             </a:fld>
             <a:endParaRPr lang="de-DE"/>
           </a:p>
@@ -5563,7 +6197,7 @@
           <a:p>
             <a:fld id="{D4A7F7FB-B369-497A-97C2-098805D1A52E}" type="datetimeFigureOut">
               <a:rPr lang="de-DE" smtClean="0"/>
-              <a:t>10.01.2022</a:t>
+              <a:t>11.01.22</a:t>
             </a:fld>
             <a:endParaRPr lang="de-DE"/>
           </a:p>
@@ -6109,7 +6743,7 @@
           <a:p>
             <a:fld id="{D4A7F7FB-B369-497A-97C2-098805D1A52E}" type="datetimeFigureOut">
               <a:rPr lang="de-DE" smtClean="0"/>
-              <a:t>10.01.2022</a:t>
+              <a:t>11.01.22</a:t>
             </a:fld>
             <a:endParaRPr lang="de-DE"/>
           </a:p>
@@ -6940,7 +7574,7 @@
           <a:p>
             <a:fld id="{D4A7F7FB-B369-497A-97C2-098805D1A52E}" type="datetimeFigureOut">
               <a:rPr lang="de-DE" smtClean="0"/>
-              <a:t>10.01.2022</a:t>
+              <a:t>11.01.22</a:t>
             </a:fld>
             <a:endParaRPr lang="de-DE"/>
           </a:p>
@@ -7110,7 +7744,7 @@
           <a:p>
             <a:fld id="{D4A7F7FB-B369-497A-97C2-098805D1A52E}" type="datetimeFigureOut">
               <a:rPr lang="de-DE" smtClean="0"/>
-              <a:t>10.01.2022</a:t>
+              <a:t>11.01.22</a:t>
             </a:fld>
             <a:endParaRPr lang="de-DE"/>
           </a:p>
@@ -7290,7 +7924,7 @@
           <a:p>
             <a:fld id="{D4A7F7FB-B369-497A-97C2-098805D1A52E}" type="datetimeFigureOut">
               <a:rPr lang="de-DE" smtClean="0"/>
-              <a:t>10.01.2022</a:t>
+              <a:t>11.01.22</a:t>
             </a:fld>
             <a:endParaRPr lang="de-DE"/>
           </a:p>
@@ -7554,7 +8188,7 @@
           <a:p>
             <a:fld id="{D4A7F7FB-B369-497A-97C2-098805D1A52E}" type="datetimeFigureOut">
               <a:rPr lang="de-DE" smtClean="0"/>
-              <a:t>10.01.2022</a:t>
+              <a:t>11.01.22</a:t>
             </a:fld>
             <a:endParaRPr lang="de-DE"/>
           </a:p>
@@ -7822,7 +8456,7 @@
           <a:p>
             <a:fld id="{D4A7F7FB-B369-497A-97C2-098805D1A52E}" type="datetimeFigureOut">
               <a:rPr lang="de-DE" smtClean="0"/>
-              <a:t>10.01.2022</a:t>
+              <a:t>11.01.22</a:t>
             </a:fld>
             <a:endParaRPr lang="de-DE"/>
           </a:p>
@@ -8237,7 +8871,7 @@
           <a:p>
             <a:fld id="{D4A7F7FB-B369-497A-97C2-098805D1A52E}" type="datetimeFigureOut">
               <a:rPr lang="de-DE" smtClean="0"/>
-              <a:t>10.01.2022</a:t>
+              <a:t>11.01.22</a:t>
             </a:fld>
             <a:endParaRPr lang="de-DE"/>
           </a:p>
@@ -8379,7 +9013,7 @@
           <a:p>
             <a:fld id="{D4A7F7FB-B369-497A-97C2-098805D1A52E}" type="datetimeFigureOut">
               <a:rPr lang="de-DE" smtClean="0"/>
-              <a:t>10.01.2022</a:t>
+              <a:t>11.01.22</a:t>
             </a:fld>
             <a:endParaRPr lang="de-DE"/>
           </a:p>
@@ -8492,7 +9126,7 @@
           <a:p>
             <a:fld id="{D4A7F7FB-B369-497A-97C2-098805D1A52E}" type="datetimeFigureOut">
               <a:rPr lang="de-DE" smtClean="0"/>
-              <a:t>10.01.2022</a:t>
+              <a:t>11.01.22</a:t>
             </a:fld>
             <a:endParaRPr lang="de-DE"/>
           </a:p>
@@ -8805,7 +9439,7 @@
           <a:p>
             <a:fld id="{D4A7F7FB-B369-497A-97C2-098805D1A52E}" type="datetimeFigureOut">
               <a:rPr lang="de-DE" smtClean="0"/>
-              <a:t>10.01.2022</a:t>
+              <a:t>11.01.22</a:t>
             </a:fld>
             <a:endParaRPr lang="de-DE"/>
           </a:p>
@@ -9094,7 +9728,7 @@
           <a:p>
             <a:fld id="{D4A7F7FB-B369-497A-97C2-098805D1A52E}" type="datetimeFigureOut">
               <a:rPr lang="de-DE" smtClean="0"/>
-              <a:t>10.01.2022</a:t>
+              <a:t>11.01.22</a:t>
             </a:fld>
             <a:endParaRPr lang="de-DE"/>
           </a:p>
@@ -9337,7 +9971,7 @@
           <a:p>
             <a:fld id="{D4A7F7FB-B369-497A-97C2-098805D1A52E}" type="datetimeFigureOut">
               <a:rPr lang="de-DE" smtClean="0"/>
-              <a:t>10.01.2022</a:t>
+              <a:t>11.01.22</a:t>
             </a:fld>
             <a:endParaRPr lang="de-DE"/>
           </a:p>
@@ -9916,7 +10550,7 @@
           <a:p>
             <a:fld id="{D4A7F7FB-B369-497A-97C2-098805D1A52E}" type="datetimeFigureOut">
               <a:rPr lang="de-DE" smtClean="0"/>
-              <a:t>10.01.2022</a:t>
+              <a:t>11.01.22</a:t>
             </a:fld>
             <a:endParaRPr lang="de-DE"/>
           </a:p>
@@ -10541,15 +11175,13 @@
           </a:bodyPr>
           <a:lstStyle/>
           <a:p>
+            <a:endParaRPr lang="de-DE" sz="1600" dirty="0"/>
+          </a:p>
+          <a:p>
             <a:r>
               <a:rPr lang="de-DE" sz="1600" dirty="0"/>
-              <a:t>Anton </a:t>
-            </a:r>
-            <a:r>
-              <a:rPr lang="de-DE" sz="1600" dirty="0" err="1"/>
-              <a:t>Kadelbach</a:t>
-            </a:r>
-            <a:endParaRPr lang="de-DE" sz="1600" dirty="0"/>
+              <a:t>Anton Kadelbach</a:t>
+            </a:r>
           </a:p>
           <a:p>
             <a:r>
@@ -10654,43 +11286,10 @@
       </p:grpSpPr>
       <p:sp>
         <p:nvSpPr>
-          <p:cNvPr id="2" name="Title 1">
-            <a:extLst>
-              <a:ext uri="{FF2B5EF4-FFF2-40B4-BE49-F238E27FC236}">
-                <a16:creationId xmlns:a16="http://schemas.microsoft.com/office/drawing/2014/main" id="{9B551790-362A-4367-BB74-D0F9B1D9FF2E}"/>
-              </a:ext>
-            </a:extLst>
-          </p:cNvPr>
-          <p:cNvSpPr>
-            <a:spLocks noGrp="1"/>
-          </p:cNvSpPr>
-          <p:nvPr>
-            <p:ph type="title"/>
-          </p:nvPr>
-        </p:nvSpPr>
-        <p:spPr>
-          <a:xfrm>
-            <a:off x="200491" y="271992"/>
-            <a:ext cx="10990349" cy="1325563"/>
-          </a:xfrm>
-        </p:spPr>
-        <p:txBody>
-          <a:bodyPr/>
-          <a:lstStyle/>
-          <a:p>
-            <a:r>
-              <a:rPr lang="de-DE" dirty="0"/>
-              <a:t>Remote Data Source </a:t>
-            </a:r>
-          </a:p>
-        </p:txBody>
-      </p:sp>
-      <p:sp>
-        <p:nvSpPr>
-          <p:cNvPr id="70" name="TextBox 69">
-            <a:extLst>
-              <a:ext uri="{FF2B5EF4-FFF2-40B4-BE49-F238E27FC236}">
-                <a16:creationId xmlns:a16="http://schemas.microsoft.com/office/drawing/2014/main" id="{E9212C38-A499-4BAD-A826-37E72B5F0436}"/>
+          <p:cNvPr id="69" name="TextBox 68">
+            <a:extLst>
+              <a:ext uri="{FF2B5EF4-FFF2-40B4-BE49-F238E27FC236}">
+                <a16:creationId xmlns:a16="http://schemas.microsoft.com/office/drawing/2014/main" id="{F1D5532E-D73C-424F-B8A9-9D7626521541}"/>
               </a:ext>
             </a:extLst>
           </p:cNvPr>
@@ -10722,10 +11321,10 @@
       </p:sp>
       <p:sp>
         <p:nvSpPr>
-          <p:cNvPr id="72" name="Oval 71">
-            <a:extLst>
-              <a:ext uri="{FF2B5EF4-FFF2-40B4-BE49-F238E27FC236}">
-                <a16:creationId xmlns:a16="http://schemas.microsoft.com/office/drawing/2014/main" id="{7718907B-DA49-47A1-8F85-523C1C0E452F}"/>
+          <p:cNvPr id="71" name="Oval 70">
+            <a:extLst>
+              <a:ext uri="{FF2B5EF4-FFF2-40B4-BE49-F238E27FC236}">
+                <a16:creationId xmlns:a16="http://schemas.microsoft.com/office/drawing/2014/main" id="{CD44FCE5-A5CF-49E0-AC24-82F5526B5A7C}"/>
               </a:ext>
             </a:extLst>
           </p:cNvPr>
@@ -10781,10 +11380,10 @@
       </p:sp>
       <p:sp>
         <p:nvSpPr>
-          <p:cNvPr id="73" name="Oval 72">
-            <a:extLst>
-              <a:ext uri="{FF2B5EF4-FFF2-40B4-BE49-F238E27FC236}">
-                <a16:creationId xmlns:a16="http://schemas.microsoft.com/office/drawing/2014/main" id="{94DD478B-6695-416C-B777-62503FB7DB71}"/>
+          <p:cNvPr id="72" name="Oval 71">
+            <a:extLst>
+              <a:ext uri="{FF2B5EF4-FFF2-40B4-BE49-F238E27FC236}">
+                <a16:creationId xmlns:a16="http://schemas.microsoft.com/office/drawing/2014/main" id="{4D7E2618-0823-412F-ADB8-D41D4564C140}"/>
               </a:ext>
             </a:extLst>
           </p:cNvPr>
@@ -10840,10 +11439,10 @@
       </p:sp>
       <p:sp>
         <p:nvSpPr>
-          <p:cNvPr id="74" name="Oval 73">
-            <a:extLst>
-              <a:ext uri="{FF2B5EF4-FFF2-40B4-BE49-F238E27FC236}">
-                <a16:creationId xmlns:a16="http://schemas.microsoft.com/office/drawing/2014/main" id="{3CDA2640-724C-4FDB-8F41-293DB2ECD465}"/>
+          <p:cNvPr id="73" name="Oval 72">
+            <a:extLst>
+              <a:ext uri="{FF2B5EF4-FFF2-40B4-BE49-F238E27FC236}">
+                <a16:creationId xmlns:a16="http://schemas.microsoft.com/office/drawing/2014/main" id="{BBB92BCB-49E0-455B-915F-3B59DB82C8DA}"/>
               </a:ext>
             </a:extLst>
           </p:cNvPr>
@@ -10899,10 +11498,10 @@
       </p:sp>
       <p:sp>
         <p:nvSpPr>
-          <p:cNvPr id="75" name="Oval 74">
-            <a:extLst>
-              <a:ext uri="{FF2B5EF4-FFF2-40B4-BE49-F238E27FC236}">
-                <a16:creationId xmlns:a16="http://schemas.microsoft.com/office/drawing/2014/main" id="{6111478F-3ADA-4F2B-8293-0B8C28C21281}"/>
+          <p:cNvPr id="74" name="Oval 73">
+            <a:extLst>
+              <a:ext uri="{FF2B5EF4-FFF2-40B4-BE49-F238E27FC236}">
+                <a16:creationId xmlns:a16="http://schemas.microsoft.com/office/drawing/2014/main" id="{58915D95-A707-401E-9295-3F3923BE5B34}"/>
               </a:ext>
             </a:extLst>
           </p:cNvPr>
@@ -10958,10 +11557,10 @@
       </p:sp>
       <p:sp>
         <p:nvSpPr>
-          <p:cNvPr id="76" name="Oval 75">
-            <a:extLst>
-              <a:ext uri="{FF2B5EF4-FFF2-40B4-BE49-F238E27FC236}">
-                <a16:creationId xmlns:a16="http://schemas.microsoft.com/office/drawing/2014/main" id="{6F1D8BBC-2824-419D-844D-88B18CEF2A16}"/>
+          <p:cNvPr id="75" name="Oval 74">
+            <a:extLst>
+              <a:ext uri="{FF2B5EF4-FFF2-40B4-BE49-F238E27FC236}">
+                <a16:creationId xmlns:a16="http://schemas.microsoft.com/office/drawing/2014/main" id="{A5961780-4915-4A60-BD41-E0B728A4E0A8}"/>
               </a:ext>
             </a:extLst>
           </p:cNvPr>
@@ -10971,6 +11570,64 @@
         <p:spPr>
           <a:xfrm>
             <a:off x="6267088" y="6378317"/>
+            <a:ext cx="109184" cy="110307"/>
+          </a:xfrm>
+          <a:prstGeom prst="ellipse">
+            <a:avLst/>
+          </a:prstGeom>
+          <a:solidFill>
+            <a:schemeClr val="accent1">
+              <a:lumMod val="75000"/>
+            </a:schemeClr>
+          </a:solidFill>
+          <a:ln>
+            <a:solidFill>
+              <a:schemeClr val="accent1">
+                <a:lumMod val="75000"/>
+              </a:schemeClr>
+            </a:solidFill>
+          </a:ln>
+        </p:spPr>
+        <p:style>
+          <a:lnRef idx="2">
+            <a:schemeClr val="accent1">
+              <a:shade val="50000"/>
+            </a:schemeClr>
+          </a:lnRef>
+          <a:fillRef idx="1">
+            <a:schemeClr val="accent1"/>
+          </a:fillRef>
+          <a:effectRef idx="0">
+            <a:schemeClr val="accent1"/>
+          </a:effectRef>
+          <a:fontRef idx="minor">
+            <a:schemeClr val="lt1"/>
+          </a:fontRef>
+        </p:style>
+        <p:txBody>
+          <a:bodyPr rtlCol="0" anchor="ctr"/>
+          <a:lstStyle/>
+          <a:p>
+            <a:pPr algn="ctr"/>
+            <a:endParaRPr lang="de-DE"/>
+          </a:p>
+        </p:txBody>
+      </p:sp>
+      <p:sp>
+        <p:nvSpPr>
+          <p:cNvPr id="76" name="Oval 75">
+            <a:extLst>
+              <a:ext uri="{FF2B5EF4-FFF2-40B4-BE49-F238E27FC236}">
+                <a16:creationId xmlns:a16="http://schemas.microsoft.com/office/drawing/2014/main" id="{3782A6B9-4A46-42C3-B169-FE5802E5174C}"/>
+              </a:ext>
+            </a:extLst>
+          </p:cNvPr>
+          <p:cNvSpPr/>
+          <p:nvPr/>
+        </p:nvSpPr>
+        <p:spPr>
+          <a:xfrm>
+            <a:off x="6421518" y="6378317"/>
             <a:ext cx="109184" cy="110307"/>
           </a:xfrm>
           <a:prstGeom prst="ellipse">
@@ -11020,7 +11677,7 @@
           <p:cNvPr id="77" name="Oval 76">
             <a:extLst>
               <a:ext uri="{FF2B5EF4-FFF2-40B4-BE49-F238E27FC236}">
-                <a16:creationId xmlns:a16="http://schemas.microsoft.com/office/drawing/2014/main" id="{A3953E42-BA25-4054-992E-6AF524F58563}"/>
+                <a16:creationId xmlns:a16="http://schemas.microsoft.com/office/drawing/2014/main" id="{730CE9F0-C647-4531-8BAA-5C817BA0E4D3}"/>
               </a:ext>
             </a:extLst>
           </p:cNvPr>
@@ -11029,7 +11686,7 @@
         </p:nvSpPr>
         <p:spPr>
           <a:xfrm>
-            <a:off x="6421518" y="6378317"/>
+            <a:off x="11453167" y="6378317"/>
             <a:ext cx="109184" cy="110307"/>
           </a:xfrm>
           <a:prstGeom prst="ellipse">
@@ -11037,7 +11694,8 @@
           </a:prstGeom>
           <a:solidFill>
             <a:schemeClr val="accent1">
-              <a:lumMod val="75000"/>
+              <a:lumMod val="20000"/>
+              <a:lumOff val="80000"/>
             </a:schemeClr>
           </a:solidFill>
           <a:ln>
@@ -11078,7 +11736,7 @@
           <p:cNvPr id="78" name="Oval 77">
             <a:extLst>
               <a:ext uri="{FF2B5EF4-FFF2-40B4-BE49-F238E27FC236}">
-                <a16:creationId xmlns:a16="http://schemas.microsoft.com/office/drawing/2014/main" id="{06C8DA4C-AF7A-4090-9CD2-6D2B09A596BE}"/>
+                <a16:creationId xmlns:a16="http://schemas.microsoft.com/office/drawing/2014/main" id="{2C76D19E-13FA-4F68-B22B-12F987F62723}"/>
               </a:ext>
             </a:extLst>
           </p:cNvPr>
@@ -11087,7 +11745,7 @@
         </p:nvSpPr>
         <p:spPr>
           <a:xfrm>
-            <a:off x="11453167" y="6378317"/>
+            <a:off x="11623916" y="6378317"/>
             <a:ext cx="109184" cy="110307"/>
           </a:xfrm>
           <a:prstGeom prst="ellipse">
@@ -11134,10 +11792,115 @@
       </p:sp>
       <p:sp>
         <p:nvSpPr>
-          <p:cNvPr id="79" name="Oval 78">
-            <a:extLst>
-              <a:ext uri="{FF2B5EF4-FFF2-40B4-BE49-F238E27FC236}">
-                <a16:creationId xmlns:a16="http://schemas.microsoft.com/office/drawing/2014/main" id="{A808A39F-7520-4EAF-AE02-305FB7ADD568}"/>
+          <p:cNvPr id="79" name="TextBox 78">
+            <a:extLst>
+              <a:ext uri="{FF2B5EF4-FFF2-40B4-BE49-F238E27FC236}">
+                <a16:creationId xmlns:a16="http://schemas.microsoft.com/office/drawing/2014/main" id="{FF5FE8B2-E21D-43A5-B006-775ED3FA390E}"/>
+              </a:ext>
+            </a:extLst>
+          </p:cNvPr>
+          <p:cNvSpPr txBox="1"/>
+          <p:nvPr/>
+        </p:nvSpPr>
+        <p:spPr>
+          <a:xfrm>
+            <a:off x="-5559" y="6001892"/>
+            <a:ext cx="1389859" cy="338554"/>
+          </a:xfrm>
+          <a:prstGeom prst="rect">
+            <a:avLst/>
+          </a:prstGeom>
+          <a:noFill/>
+        </p:spPr>
+        <p:txBody>
+          <a:bodyPr wrap="square" rtlCol="0">
+            <a:spAutoFit/>
+          </a:bodyPr>
+          <a:lstStyle/>
+          <a:p>
+            <a:r>
+              <a:rPr lang="de-DE" sz="1600" dirty="0"/>
+              <a:t>Architektur</a:t>
+            </a:r>
+          </a:p>
+        </p:txBody>
+      </p:sp>
+      <p:sp>
+        <p:nvSpPr>
+          <p:cNvPr id="80" name="TextBox 79">
+            <a:extLst>
+              <a:ext uri="{FF2B5EF4-FFF2-40B4-BE49-F238E27FC236}">
+                <a16:creationId xmlns:a16="http://schemas.microsoft.com/office/drawing/2014/main" id="{BD5CACF8-8943-41A1-BB9A-6B910E5DE77D}"/>
+              </a:ext>
+            </a:extLst>
+          </p:cNvPr>
+          <p:cNvSpPr txBox="1"/>
+          <p:nvPr/>
+        </p:nvSpPr>
+        <p:spPr>
+          <a:xfrm>
+            <a:off x="11348808" y="6001892"/>
+            <a:ext cx="789310" cy="338554"/>
+          </a:xfrm>
+          <a:prstGeom prst="rect">
+            <a:avLst/>
+          </a:prstGeom>
+          <a:noFill/>
+        </p:spPr>
+        <p:txBody>
+          <a:bodyPr wrap="square" rtlCol="0">
+            <a:spAutoFit/>
+          </a:bodyPr>
+          <a:lstStyle/>
+          <a:p>
+            <a:r>
+              <a:rPr lang="de-DE" sz="1600" dirty="0"/>
+              <a:t>Server</a:t>
+            </a:r>
+          </a:p>
+        </p:txBody>
+      </p:sp>
+      <p:sp>
+        <p:nvSpPr>
+          <p:cNvPr id="81" name="TextBox 80">
+            <a:extLst>
+              <a:ext uri="{FF2B5EF4-FFF2-40B4-BE49-F238E27FC236}">
+                <a16:creationId xmlns:a16="http://schemas.microsoft.com/office/drawing/2014/main" id="{5270A4C5-10DC-4361-9D26-8D8B9A68AE4D}"/>
+              </a:ext>
+            </a:extLst>
+          </p:cNvPr>
+          <p:cNvSpPr txBox="1"/>
+          <p:nvPr/>
+        </p:nvSpPr>
+        <p:spPr>
+          <a:xfrm>
+            <a:off x="5695665" y="6001892"/>
+            <a:ext cx="789310" cy="338554"/>
+          </a:xfrm>
+          <a:prstGeom prst="rect">
+            <a:avLst/>
+          </a:prstGeom>
+          <a:noFill/>
+        </p:spPr>
+        <p:txBody>
+          <a:bodyPr wrap="square" rtlCol="0">
+            <a:spAutoFit/>
+          </a:bodyPr>
+          <a:lstStyle/>
+          <a:p>
+            <a:r>
+              <a:rPr lang="de-DE" sz="1600" dirty="0"/>
+              <a:t>MVVM</a:t>
+            </a:r>
+          </a:p>
+        </p:txBody>
+      </p:sp>
+      <p:sp>
+        <p:nvSpPr>
+          <p:cNvPr id="82" name="Oval 81">
+            <a:extLst>
+              <a:ext uri="{FF2B5EF4-FFF2-40B4-BE49-F238E27FC236}">
+                <a16:creationId xmlns:a16="http://schemas.microsoft.com/office/drawing/2014/main" id="{96B0FEF8-D4B9-4895-9C12-F9AC1264AB7A}"/>
               </a:ext>
             </a:extLst>
           </p:cNvPr>
@@ -11146,7 +11909,7 @@
         </p:nvSpPr>
         <p:spPr>
           <a:xfrm>
-            <a:off x="11623916" y="6378317"/>
+            <a:off x="99837" y="6378339"/>
             <a:ext cx="109184" cy="110307"/>
           </a:xfrm>
           <a:prstGeom prst="ellipse">
@@ -11191,12 +11954,132 @@
           </a:p>
         </p:txBody>
       </p:sp>
-      <p:sp>
-        <p:nvSpPr>
-          <p:cNvPr id="80" name="TextBox 79">
-            <a:extLst>
-              <a:ext uri="{FF2B5EF4-FFF2-40B4-BE49-F238E27FC236}">
-                <a16:creationId xmlns:a16="http://schemas.microsoft.com/office/drawing/2014/main" id="{FEB41088-24D0-47DD-8A6A-88984BD0E208}"/>
+      <p:pic>
+        <p:nvPicPr>
+          <p:cNvPr id="4" name="Grafik 3">
+            <a:extLst>
+              <a:ext uri="{FF2B5EF4-FFF2-40B4-BE49-F238E27FC236}">
+                <a16:creationId xmlns:a16="http://schemas.microsoft.com/office/drawing/2014/main" id="{5EC3EDBD-A345-4D06-97C6-B3DD0B48518F}"/>
+              </a:ext>
+            </a:extLst>
+          </p:cNvPr>
+          <p:cNvPicPr>
+            <a:picLocks noChangeAspect="1"/>
+          </p:cNvPicPr>
+          <p:nvPr/>
+        </p:nvPicPr>
+        <p:blipFill>
+          <a:blip r:embed="rId3">
+            <a:extLst>
+              <a:ext uri="{28A0092B-C50C-407E-A947-70E740481C1C}">
+                <a14:useLocalDpi xmlns:a14="http://schemas.microsoft.com/office/drawing/2010/main" val="0"/>
+              </a:ext>
+            </a:extLst>
+          </a:blip>
+          <a:stretch>
+            <a:fillRect/>
+          </a:stretch>
+        </p:blipFill>
+        <p:spPr>
+          <a:xfrm>
+            <a:off x="3287653" y="1393031"/>
+            <a:ext cx="5605333" cy="4071937"/>
+          </a:xfrm>
+          <a:prstGeom prst="rect">
+            <a:avLst/>
+          </a:prstGeom>
+        </p:spPr>
+      </p:pic>
+      <p:sp>
+        <p:nvSpPr>
+          <p:cNvPr id="17" name="Title 1">
+            <a:extLst>
+              <a:ext uri="{FF2B5EF4-FFF2-40B4-BE49-F238E27FC236}">
+                <a16:creationId xmlns:a16="http://schemas.microsoft.com/office/drawing/2014/main" id="{0B4C355A-8D18-47E5-AFA9-C0C6338B9B00}"/>
+              </a:ext>
+            </a:extLst>
+          </p:cNvPr>
+          <p:cNvSpPr txBox="1">
+            <a:spLocks/>
+          </p:cNvSpPr>
+          <p:nvPr/>
+        </p:nvSpPr>
+        <p:spPr>
+          <a:xfrm>
+            <a:off x="200491" y="271992"/>
+            <a:ext cx="7713799" cy="842105"/>
+          </a:xfrm>
+          <a:prstGeom prst="rect">
+            <a:avLst/>
+          </a:prstGeom>
+        </p:spPr>
+        <p:txBody>
+          <a:bodyPr vert="horz" lIns="91440" tIns="45720" rIns="91440" bIns="45720" rtlCol="0" anchor="ctr">
+            <a:normAutofit/>
+          </a:bodyPr>
+          <a:lstStyle>
+            <a:lvl1pPr algn="l" defTabSz="914400" rtl="0" eaLnBrk="1" latinLnBrk="0" hangingPunct="1">
+              <a:lnSpc>
+                <a:spcPct val="90000"/>
+              </a:lnSpc>
+              <a:spcBef>
+                <a:spcPct val="0"/>
+              </a:spcBef>
+              <a:buNone/>
+              <a:defRPr sz="4400" kern="1200">
+                <a:solidFill>
+                  <a:schemeClr val="tx1"/>
+                </a:solidFill>
+                <a:latin typeface="+mj-lt"/>
+                <a:ea typeface="+mj-ea"/>
+                <a:cs typeface="+mj-cs"/>
+              </a:defRPr>
+            </a:lvl1pPr>
+          </a:lstStyle>
+          <a:p>
+            <a:r>
+              <a:rPr lang="de-DE" dirty="0"/>
+              <a:t>Datenbank</a:t>
+            </a:r>
+          </a:p>
+        </p:txBody>
+      </p:sp>
+    </p:spTree>
+    <p:extLst>
+      <p:ext uri="{BB962C8B-B14F-4D97-AF65-F5344CB8AC3E}">
+        <p14:creationId xmlns:p14="http://schemas.microsoft.com/office/powerpoint/2010/main" val="1816610635"/>
+      </p:ext>
+    </p:extLst>
+  </p:cSld>
+  <p:clrMapOvr>
+    <a:masterClrMapping/>
+  </p:clrMapOvr>
+</p:sld>
+</file>
+
+<file path=ppt/slides/slide11.xml><?xml version="1.0" encoding="utf-8"?>
+<p:sld xmlns:a="http://schemas.openxmlformats.org/drawingml/2006/main" xmlns:r="http://schemas.openxmlformats.org/officeDocument/2006/relationships" xmlns:p="http://schemas.openxmlformats.org/presentationml/2006/main">
+  <p:cSld>
+    <p:spTree>
+      <p:nvGrpSpPr>
+        <p:cNvPr id="1" name=""/>
+        <p:cNvGrpSpPr/>
+        <p:nvPr/>
+      </p:nvGrpSpPr>
+      <p:grpSpPr>
+        <a:xfrm>
+          <a:off x="0" y="0"/>
+          <a:ext cx="0" cy="0"/>
+          <a:chOff x="0" y="0"/>
+          <a:chExt cx="0" cy="0"/>
+        </a:xfrm>
+      </p:grpSpPr>
+      <p:sp>
+        <p:nvSpPr>
+          <p:cNvPr id="70" name="TextBox 69">
+            <a:extLst>
+              <a:ext uri="{FF2B5EF4-FFF2-40B4-BE49-F238E27FC236}">
+                <a16:creationId xmlns:a16="http://schemas.microsoft.com/office/drawing/2014/main" id="{E9212C38-A499-4BAD-A826-37E72B5F0436}"/>
               </a:ext>
             </a:extLst>
           </p:cNvPr>
@@ -11205,8 +12088,8 @@
         </p:nvSpPr>
         <p:spPr>
           <a:xfrm>
-            <a:off x="-5559" y="6001892"/>
-            <a:ext cx="1389859" cy="338554"/>
+            <a:off x="-1" y="6488646"/>
+            <a:ext cx="3176617" cy="338554"/>
           </a:xfrm>
           <a:prstGeom prst="rect">
             <a:avLst/>
@@ -11221,87 +12104,17 @@
           <a:p>
             <a:r>
               <a:rPr lang="de-DE" sz="1600" dirty="0"/>
-              <a:t>Architektur</a:t>
-            </a:r>
-          </a:p>
-        </p:txBody>
-      </p:sp>
-      <p:sp>
-        <p:nvSpPr>
-          <p:cNvPr id="81" name="TextBox 80">
-            <a:extLst>
-              <a:ext uri="{FF2B5EF4-FFF2-40B4-BE49-F238E27FC236}">
-                <a16:creationId xmlns:a16="http://schemas.microsoft.com/office/drawing/2014/main" id="{BAD6F237-6CF9-453D-B459-E0CDAFE38C40}"/>
-              </a:ext>
-            </a:extLst>
-          </p:cNvPr>
-          <p:cNvSpPr txBox="1"/>
-          <p:nvPr/>
-        </p:nvSpPr>
-        <p:spPr>
-          <a:xfrm>
-            <a:off x="11348808" y="6001892"/>
-            <a:ext cx="789310" cy="338554"/>
-          </a:xfrm>
-          <a:prstGeom prst="rect">
-            <a:avLst/>
-          </a:prstGeom>
-          <a:noFill/>
-        </p:spPr>
-        <p:txBody>
-          <a:bodyPr wrap="square" rtlCol="0">
-            <a:spAutoFit/>
-          </a:bodyPr>
-          <a:lstStyle/>
-          <a:p>
-            <a:r>
-              <a:rPr lang="de-DE" sz="1600" dirty="0"/>
-              <a:t>Server</a:t>
-            </a:r>
-          </a:p>
-        </p:txBody>
-      </p:sp>
-      <p:sp>
-        <p:nvSpPr>
-          <p:cNvPr id="82" name="TextBox 81">
-            <a:extLst>
-              <a:ext uri="{FF2B5EF4-FFF2-40B4-BE49-F238E27FC236}">
-                <a16:creationId xmlns:a16="http://schemas.microsoft.com/office/drawing/2014/main" id="{5DF827D4-4168-464E-8775-61D633BC529C}"/>
-              </a:ext>
-            </a:extLst>
-          </p:cNvPr>
-          <p:cNvSpPr txBox="1"/>
-          <p:nvPr/>
-        </p:nvSpPr>
-        <p:spPr>
-          <a:xfrm>
-            <a:off x="5695665" y="6001892"/>
-            <a:ext cx="789310" cy="338554"/>
-          </a:xfrm>
-          <a:prstGeom prst="rect">
-            <a:avLst/>
-          </a:prstGeom>
-          <a:noFill/>
-        </p:spPr>
-        <p:txBody>
-          <a:bodyPr wrap="square" rtlCol="0">
-            <a:spAutoFit/>
-          </a:bodyPr>
-          <a:lstStyle/>
-          <a:p>
-            <a:r>
-              <a:rPr lang="de-DE" sz="1600" dirty="0"/>
-              <a:t>MVVM</a:t>
-            </a:r>
-          </a:p>
-        </p:txBody>
-      </p:sp>
-      <p:sp>
-        <p:nvSpPr>
-          <p:cNvPr id="83" name="Oval 82">
-            <a:extLst>
-              <a:ext uri="{FF2B5EF4-FFF2-40B4-BE49-F238E27FC236}">
-                <a16:creationId xmlns:a16="http://schemas.microsoft.com/office/drawing/2014/main" id="{A9740EDE-6F46-4FFD-991E-F3EDC877EE76}"/>
+              <a:t>Gruppe 2 - DailyData</a:t>
+            </a:r>
+          </a:p>
+        </p:txBody>
+      </p:sp>
+      <p:sp>
+        <p:nvSpPr>
+          <p:cNvPr id="72" name="Oval 71">
+            <a:extLst>
+              <a:ext uri="{FF2B5EF4-FFF2-40B4-BE49-F238E27FC236}">
+                <a16:creationId xmlns:a16="http://schemas.microsoft.com/office/drawing/2014/main" id="{7718907B-DA49-47A1-8F85-523C1C0E452F}"/>
               </a:ext>
             </a:extLst>
           </p:cNvPr>
@@ -11310,7 +12123,7 @@
         </p:nvSpPr>
         <p:spPr>
           <a:xfrm>
-            <a:off x="99837" y="6378339"/>
+            <a:off x="254267" y="6378338"/>
             <a:ext cx="109184" cy="110307"/>
           </a:xfrm>
           <a:prstGeom prst="ellipse">
@@ -11355,6 +12168,582 @@
           </a:p>
         </p:txBody>
       </p:sp>
+      <p:sp>
+        <p:nvSpPr>
+          <p:cNvPr id="73" name="Oval 72">
+            <a:extLst>
+              <a:ext uri="{FF2B5EF4-FFF2-40B4-BE49-F238E27FC236}">
+                <a16:creationId xmlns:a16="http://schemas.microsoft.com/office/drawing/2014/main" id="{94DD478B-6695-416C-B777-62503FB7DB71}"/>
+              </a:ext>
+            </a:extLst>
+          </p:cNvPr>
+          <p:cNvSpPr/>
+          <p:nvPr/>
+        </p:nvSpPr>
+        <p:spPr>
+          <a:xfrm>
+            <a:off x="5803798" y="6378319"/>
+            <a:ext cx="109184" cy="110307"/>
+          </a:xfrm>
+          <a:prstGeom prst="ellipse">
+            <a:avLst/>
+          </a:prstGeom>
+          <a:solidFill>
+            <a:schemeClr val="accent1">
+              <a:lumMod val="20000"/>
+              <a:lumOff val="80000"/>
+            </a:schemeClr>
+          </a:solidFill>
+          <a:ln>
+            <a:solidFill>
+              <a:schemeClr val="accent1">
+                <a:lumMod val="75000"/>
+              </a:schemeClr>
+            </a:solidFill>
+          </a:ln>
+        </p:spPr>
+        <p:style>
+          <a:lnRef idx="2">
+            <a:schemeClr val="accent1">
+              <a:shade val="50000"/>
+            </a:schemeClr>
+          </a:lnRef>
+          <a:fillRef idx="1">
+            <a:schemeClr val="accent1"/>
+          </a:fillRef>
+          <a:effectRef idx="0">
+            <a:schemeClr val="accent1"/>
+          </a:effectRef>
+          <a:fontRef idx="minor">
+            <a:schemeClr val="lt1"/>
+          </a:fontRef>
+        </p:style>
+        <p:txBody>
+          <a:bodyPr rtlCol="0" anchor="ctr"/>
+          <a:lstStyle/>
+          <a:p>
+            <a:pPr algn="ctr"/>
+            <a:endParaRPr lang="de-DE"/>
+          </a:p>
+        </p:txBody>
+      </p:sp>
+      <p:sp>
+        <p:nvSpPr>
+          <p:cNvPr id="74" name="Oval 73">
+            <a:extLst>
+              <a:ext uri="{FF2B5EF4-FFF2-40B4-BE49-F238E27FC236}">
+                <a16:creationId xmlns:a16="http://schemas.microsoft.com/office/drawing/2014/main" id="{3CDA2640-724C-4FDB-8F41-293DB2ECD465}"/>
+              </a:ext>
+            </a:extLst>
+          </p:cNvPr>
+          <p:cNvSpPr/>
+          <p:nvPr/>
+        </p:nvSpPr>
+        <p:spPr>
+          <a:xfrm>
+            <a:off x="5958228" y="6378318"/>
+            <a:ext cx="109184" cy="110307"/>
+          </a:xfrm>
+          <a:prstGeom prst="ellipse">
+            <a:avLst/>
+          </a:prstGeom>
+          <a:solidFill>
+            <a:schemeClr val="accent1">
+              <a:lumMod val="20000"/>
+              <a:lumOff val="80000"/>
+            </a:schemeClr>
+          </a:solidFill>
+          <a:ln>
+            <a:solidFill>
+              <a:schemeClr val="accent1">
+                <a:lumMod val="75000"/>
+              </a:schemeClr>
+            </a:solidFill>
+          </a:ln>
+        </p:spPr>
+        <p:style>
+          <a:lnRef idx="2">
+            <a:schemeClr val="accent1">
+              <a:shade val="50000"/>
+            </a:schemeClr>
+          </a:lnRef>
+          <a:fillRef idx="1">
+            <a:schemeClr val="accent1"/>
+          </a:fillRef>
+          <a:effectRef idx="0">
+            <a:schemeClr val="accent1"/>
+          </a:effectRef>
+          <a:fontRef idx="minor">
+            <a:schemeClr val="lt1"/>
+          </a:fontRef>
+        </p:style>
+        <p:txBody>
+          <a:bodyPr rtlCol="0" anchor="ctr"/>
+          <a:lstStyle/>
+          <a:p>
+            <a:pPr algn="ctr"/>
+            <a:endParaRPr lang="de-DE"/>
+          </a:p>
+        </p:txBody>
+      </p:sp>
+      <p:sp>
+        <p:nvSpPr>
+          <p:cNvPr id="75" name="Oval 74">
+            <a:extLst>
+              <a:ext uri="{FF2B5EF4-FFF2-40B4-BE49-F238E27FC236}">
+                <a16:creationId xmlns:a16="http://schemas.microsoft.com/office/drawing/2014/main" id="{6111478F-3ADA-4F2B-8293-0B8C28C21281}"/>
+              </a:ext>
+            </a:extLst>
+          </p:cNvPr>
+          <p:cNvSpPr/>
+          <p:nvPr/>
+        </p:nvSpPr>
+        <p:spPr>
+          <a:xfrm>
+            <a:off x="6112658" y="6378318"/>
+            <a:ext cx="109184" cy="110307"/>
+          </a:xfrm>
+          <a:prstGeom prst="ellipse">
+            <a:avLst/>
+          </a:prstGeom>
+          <a:solidFill>
+            <a:schemeClr val="accent1">
+              <a:lumMod val="20000"/>
+              <a:lumOff val="80000"/>
+            </a:schemeClr>
+          </a:solidFill>
+          <a:ln>
+            <a:solidFill>
+              <a:schemeClr val="accent1">
+                <a:lumMod val="75000"/>
+              </a:schemeClr>
+            </a:solidFill>
+          </a:ln>
+        </p:spPr>
+        <p:style>
+          <a:lnRef idx="2">
+            <a:schemeClr val="accent1">
+              <a:shade val="50000"/>
+            </a:schemeClr>
+          </a:lnRef>
+          <a:fillRef idx="1">
+            <a:schemeClr val="accent1"/>
+          </a:fillRef>
+          <a:effectRef idx="0">
+            <a:schemeClr val="accent1"/>
+          </a:effectRef>
+          <a:fontRef idx="minor">
+            <a:schemeClr val="lt1"/>
+          </a:fontRef>
+        </p:style>
+        <p:txBody>
+          <a:bodyPr rtlCol="0" anchor="ctr"/>
+          <a:lstStyle/>
+          <a:p>
+            <a:pPr algn="ctr"/>
+            <a:endParaRPr lang="de-DE"/>
+          </a:p>
+        </p:txBody>
+      </p:sp>
+      <p:sp>
+        <p:nvSpPr>
+          <p:cNvPr id="76" name="Oval 75">
+            <a:extLst>
+              <a:ext uri="{FF2B5EF4-FFF2-40B4-BE49-F238E27FC236}">
+                <a16:creationId xmlns:a16="http://schemas.microsoft.com/office/drawing/2014/main" id="{6F1D8BBC-2824-419D-844D-88B18CEF2A16}"/>
+              </a:ext>
+            </a:extLst>
+          </p:cNvPr>
+          <p:cNvSpPr/>
+          <p:nvPr/>
+        </p:nvSpPr>
+        <p:spPr>
+          <a:xfrm>
+            <a:off x="6267088" y="6378317"/>
+            <a:ext cx="109184" cy="110307"/>
+          </a:xfrm>
+          <a:prstGeom prst="ellipse">
+            <a:avLst/>
+          </a:prstGeom>
+          <a:solidFill>
+            <a:schemeClr val="accent1">
+              <a:lumMod val="20000"/>
+              <a:lumOff val="80000"/>
+            </a:schemeClr>
+          </a:solidFill>
+          <a:ln>
+            <a:solidFill>
+              <a:schemeClr val="accent1">
+                <a:lumMod val="75000"/>
+              </a:schemeClr>
+            </a:solidFill>
+          </a:ln>
+        </p:spPr>
+        <p:style>
+          <a:lnRef idx="2">
+            <a:schemeClr val="accent1">
+              <a:shade val="50000"/>
+            </a:schemeClr>
+          </a:lnRef>
+          <a:fillRef idx="1">
+            <a:schemeClr val="accent1"/>
+          </a:fillRef>
+          <a:effectRef idx="0">
+            <a:schemeClr val="accent1"/>
+          </a:effectRef>
+          <a:fontRef idx="minor">
+            <a:schemeClr val="lt1"/>
+          </a:fontRef>
+        </p:style>
+        <p:txBody>
+          <a:bodyPr rtlCol="0" anchor="ctr"/>
+          <a:lstStyle/>
+          <a:p>
+            <a:pPr algn="ctr"/>
+            <a:endParaRPr lang="de-DE"/>
+          </a:p>
+        </p:txBody>
+      </p:sp>
+      <p:sp>
+        <p:nvSpPr>
+          <p:cNvPr id="77" name="Oval 76">
+            <a:extLst>
+              <a:ext uri="{FF2B5EF4-FFF2-40B4-BE49-F238E27FC236}">
+                <a16:creationId xmlns:a16="http://schemas.microsoft.com/office/drawing/2014/main" id="{A3953E42-BA25-4054-992E-6AF524F58563}"/>
+              </a:ext>
+            </a:extLst>
+          </p:cNvPr>
+          <p:cNvSpPr/>
+          <p:nvPr/>
+        </p:nvSpPr>
+        <p:spPr>
+          <a:xfrm>
+            <a:off x="6421518" y="6378317"/>
+            <a:ext cx="109184" cy="110307"/>
+          </a:xfrm>
+          <a:prstGeom prst="ellipse">
+            <a:avLst/>
+          </a:prstGeom>
+          <a:solidFill>
+            <a:schemeClr val="accent1">
+              <a:lumMod val="75000"/>
+            </a:schemeClr>
+          </a:solidFill>
+          <a:ln>
+            <a:solidFill>
+              <a:schemeClr val="accent1">
+                <a:lumMod val="75000"/>
+              </a:schemeClr>
+            </a:solidFill>
+          </a:ln>
+        </p:spPr>
+        <p:style>
+          <a:lnRef idx="2">
+            <a:schemeClr val="accent1">
+              <a:shade val="50000"/>
+            </a:schemeClr>
+          </a:lnRef>
+          <a:fillRef idx="1">
+            <a:schemeClr val="accent1"/>
+          </a:fillRef>
+          <a:effectRef idx="0">
+            <a:schemeClr val="accent1"/>
+          </a:effectRef>
+          <a:fontRef idx="minor">
+            <a:schemeClr val="lt1"/>
+          </a:fontRef>
+        </p:style>
+        <p:txBody>
+          <a:bodyPr rtlCol="0" anchor="ctr"/>
+          <a:lstStyle/>
+          <a:p>
+            <a:pPr algn="ctr"/>
+            <a:endParaRPr lang="de-DE"/>
+          </a:p>
+        </p:txBody>
+      </p:sp>
+      <p:sp>
+        <p:nvSpPr>
+          <p:cNvPr id="78" name="Oval 77">
+            <a:extLst>
+              <a:ext uri="{FF2B5EF4-FFF2-40B4-BE49-F238E27FC236}">
+                <a16:creationId xmlns:a16="http://schemas.microsoft.com/office/drawing/2014/main" id="{06C8DA4C-AF7A-4090-9CD2-6D2B09A596BE}"/>
+              </a:ext>
+            </a:extLst>
+          </p:cNvPr>
+          <p:cNvSpPr/>
+          <p:nvPr/>
+        </p:nvSpPr>
+        <p:spPr>
+          <a:xfrm>
+            <a:off x="11453167" y="6378317"/>
+            <a:ext cx="109184" cy="110307"/>
+          </a:xfrm>
+          <a:prstGeom prst="ellipse">
+            <a:avLst/>
+          </a:prstGeom>
+          <a:solidFill>
+            <a:schemeClr val="accent1">
+              <a:lumMod val="20000"/>
+              <a:lumOff val="80000"/>
+            </a:schemeClr>
+          </a:solidFill>
+          <a:ln>
+            <a:solidFill>
+              <a:schemeClr val="accent1">
+                <a:lumMod val="75000"/>
+              </a:schemeClr>
+            </a:solidFill>
+          </a:ln>
+        </p:spPr>
+        <p:style>
+          <a:lnRef idx="2">
+            <a:schemeClr val="accent1">
+              <a:shade val="50000"/>
+            </a:schemeClr>
+          </a:lnRef>
+          <a:fillRef idx="1">
+            <a:schemeClr val="accent1"/>
+          </a:fillRef>
+          <a:effectRef idx="0">
+            <a:schemeClr val="accent1"/>
+          </a:effectRef>
+          <a:fontRef idx="minor">
+            <a:schemeClr val="lt1"/>
+          </a:fontRef>
+        </p:style>
+        <p:txBody>
+          <a:bodyPr rtlCol="0" anchor="ctr"/>
+          <a:lstStyle/>
+          <a:p>
+            <a:pPr algn="ctr"/>
+            <a:endParaRPr lang="de-DE"/>
+          </a:p>
+        </p:txBody>
+      </p:sp>
+      <p:sp>
+        <p:nvSpPr>
+          <p:cNvPr id="79" name="Oval 78">
+            <a:extLst>
+              <a:ext uri="{FF2B5EF4-FFF2-40B4-BE49-F238E27FC236}">
+                <a16:creationId xmlns:a16="http://schemas.microsoft.com/office/drawing/2014/main" id="{A808A39F-7520-4EAF-AE02-305FB7ADD568}"/>
+              </a:ext>
+            </a:extLst>
+          </p:cNvPr>
+          <p:cNvSpPr/>
+          <p:nvPr/>
+        </p:nvSpPr>
+        <p:spPr>
+          <a:xfrm>
+            <a:off x="11623916" y="6378317"/>
+            <a:ext cx="109184" cy="110307"/>
+          </a:xfrm>
+          <a:prstGeom prst="ellipse">
+            <a:avLst/>
+          </a:prstGeom>
+          <a:solidFill>
+            <a:schemeClr val="accent1">
+              <a:lumMod val="20000"/>
+              <a:lumOff val="80000"/>
+            </a:schemeClr>
+          </a:solidFill>
+          <a:ln>
+            <a:solidFill>
+              <a:schemeClr val="accent1">
+                <a:lumMod val="75000"/>
+              </a:schemeClr>
+            </a:solidFill>
+          </a:ln>
+        </p:spPr>
+        <p:style>
+          <a:lnRef idx="2">
+            <a:schemeClr val="accent1">
+              <a:shade val="50000"/>
+            </a:schemeClr>
+          </a:lnRef>
+          <a:fillRef idx="1">
+            <a:schemeClr val="accent1"/>
+          </a:fillRef>
+          <a:effectRef idx="0">
+            <a:schemeClr val="accent1"/>
+          </a:effectRef>
+          <a:fontRef idx="minor">
+            <a:schemeClr val="lt1"/>
+          </a:fontRef>
+        </p:style>
+        <p:txBody>
+          <a:bodyPr rtlCol="0" anchor="ctr"/>
+          <a:lstStyle/>
+          <a:p>
+            <a:pPr algn="ctr"/>
+            <a:endParaRPr lang="de-DE"/>
+          </a:p>
+        </p:txBody>
+      </p:sp>
+      <p:sp>
+        <p:nvSpPr>
+          <p:cNvPr id="80" name="TextBox 79">
+            <a:extLst>
+              <a:ext uri="{FF2B5EF4-FFF2-40B4-BE49-F238E27FC236}">
+                <a16:creationId xmlns:a16="http://schemas.microsoft.com/office/drawing/2014/main" id="{FEB41088-24D0-47DD-8A6A-88984BD0E208}"/>
+              </a:ext>
+            </a:extLst>
+          </p:cNvPr>
+          <p:cNvSpPr txBox="1"/>
+          <p:nvPr/>
+        </p:nvSpPr>
+        <p:spPr>
+          <a:xfrm>
+            <a:off x="-5559" y="6001892"/>
+            <a:ext cx="1389859" cy="338554"/>
+          </a:xfrm>
+          <a:prstGeom prst="rect">
+            <a:avLst/>
+          </a:prstGeom>
+          <a:noFill/>
+        </p:spPr>
+        <p:txBody>
+          <a:bodyPr wrap="square" rtlCol="0">
+            <a:spAutoFit/>
+          </a:bodyPr>
+          <a:lstStyle/>
+          <a:p>
+            <a:r>
+              <a:rPr lang="de-DE" sz="1600" dirty="0"/>
+              <a:t>Architektur</a:t>
+            </a:r>
+          </a:p>
+        </p:txBody>
+      </p:sp>
+      <p:sp>
+        <p:nvSpPr>
+          <p:cNvPr id="81" name="TextBox 80">
+            <a:extLst>
+              <a:ext uri="{FF2B5EF4-FFF2-40B4-BE49-F238E27FC236}">
+                <a16:creationId xmlns:a16="http://schemas.microsoft.com/office/drawing/2014/main" id="{BAD6F237-6CF9-453D-B459-E0CDAFE38C40}"/>
+              </a:ext>
+            </a:extLst>
+          </p:cNvPr>
+          <p:cNvSpPr txBox="1"/>
+          <p:nvPr/>
+        </p:nvSpPr>
+        <p:spPr>
+          <a:xfrm>
+            <a:off x="11348808" y="6001892"/>
+            <a:ext cx="789310" cy="338554"/>
+          </a:xfrm>
+          <a:prstGeom prst="rect">
+            <a:avLst/>
+          </a:prstGeom>
+          <a:noFill/>
+        </p:spPr>
+        <p:txBody>
+          <a:bodyPr wrap="square" rtlCol="0">
+            <a:spAutoFit/>
+          </a:bodyPr>
+          <a:lstStyle/>
+          <a:p>
+            <a:r>
+              <a:rPr lang="de-DE" sz="1600" dirty="0"/>
+              <a:t>Server</a:t>
+            </a:r>
+          </a:p>
+        </p:txBody>
+      </p:sp>
+      <p:sp>
+        <p:nvSpPr>
+          <p:cNvPr id="82" name="TextBox 81">
+            <a:extLst>
+              <a:ext uri="{FF2B5EF4-FFF2-40B4-BE49-F238E27FC236}">
+                <a16:creationId xmlns:a16="http://schemas.microsoft.com/office/drawing/2014/main" id="{5DF827D4-4168-464E-8775-61D633BC529C}"/>
+              </a:ext>
+            </a:extLst>
+          </p:cNvPr>
+          <p:cNvSpPr txBox="1"/>
+          <p:nvPr/>
+        </p:nvSpPr>
+        <p:spPr>
+          <a:xfrm>
+            <a:off x="5695665" y="6001892"/>
+            <a:ext cx="789310" cy="338554"/>
+          </a:xfrm>
+          <a:prstGeom prst="rect">
+            <a:avLst/>
+          </a:prstGeom>
+          <a:noFill/>
+        </p:spPr>
+        <p:txBody>
+          <a:bodyPr wrap="square" rtlCol="0">
+            <a:spAutoFit/>
+          </a:bodyPr>
+          <a:lstStyle/>
+          <a:p>
+            <a:r>
+              <a:rPr lang="de-DE" sz="1600" dirty="0"/>
+              <a:t>MVVM</a:t>
+            </a:r>
+          </a:p>
+        </p:txBody>
+      </p:sp>
+      <p:sp>
+        <p:nvSpPr>
+          <p:cNvPr id="83" name="Oval 82">
+            <a:extLst>
+              <a:ext uri="{FF2B5EF4-FFF2-40B4-BE49-F238E27FC236}">
+                <a16:creationId xmlns:a16="http://schemas.microsoft.com/office/drawing/2014/main" id="{A9740EDE-6F46-4FFD-991E-F3EDC877EE76}"/>
+              </a:ext>
+            </a:extLst>
+          </p:cNvPr>
+          <p:cNvSpPr/>
+          <p:nvPr/>
+        </p:nvSpPr>
+        <p:spPr>
+          <a:xfrm>
+            <a:off x="99837" y="6378339"/>
+            <a:ext cx="109184" cy="110307"/>
+          </a:xfrm>
+          <a:prstGeom prst="ellipse">
+            <a:avLst/>
+          </a:prstGeom>
+          <a:solidFill>
+            <a:schemeClr val="accent1">
+              <a:lumMod val="20000"/>
+              <a:lumOff val="80000"/>
+            </a:schemeClr>
+          </a:solidFill>
+          <a:ln>
+            <a:solidFill>
+              <a:schemeClr val="accent1">
+                <a:lumMod val="75000"/>
+              </a:schemeClr>
+            </a:solidFill>
+          </a:ln>
+        </p:spPr>
+        <p:style>
+          <a:lnRef idx="2">
+            <a:schemeClr val="accent1">
+              <a:shade val="50000"/>
+            </a:schemeClr>
+          </a:lnRef>
+          <a:fillRef idx="1">
+            <a:schemeClr val="accent1"/>
+          </a:fillRef>
+          <a:effectRef idx="0">
+            <a:schemeClr val="accent1"/>
+          </a:effectRef>
+          <a:fontRef idx="minor">
+            <a:schemeClr val="lt1"/>
+          </a:fontRef>
+        </p:style>
+        <p:txBody>
+          <a:bodyPr rtlCol="0" anchor="ctr"/>
+          <a:lstStyle/>
+          <a:p>
+            <a:pPr algn="ctr"/>
+            <a:endParaRPr lang="de-DE"/>
+          </a:p>
+        </p:txBody>
+      </p:sp>
       <p:pic>
         <p:nvPicPr>
           <p:cNvPr id="4" name="Grafik 3" descr="Cloudcomputing Silhouette">
@@ -11851,6 +13240,60 @@
           </a:prstGeom>
         </p:spPr>
       </p:pic>
+      <p:sp>
+        <p:nvSpPr>
+          <p:cNvPr id="30" name="Title 1">
+            <a:extLst>
+              <a:ext uri="{FF2B5EF4-FFF2-40B4-BE49-F238E27FC236}">
+                <a16:creationId xmlns:a16="http://schemas.microsoft.com/office/drawing/2014/main" id="{D91C0943-D116-4EBA-A70C-F83F959D2178}"/>
+              </a:ext>
+            </a:extLst>
+          </p:cNvPr>
+          <p:cNvSpPr txBox="1">
+            <a:spLocks/>
+          </p:cNvSpPr>
+          <p:nvPr/>
+        </p:nvSpPr>
+        <p:spPr>
+          <a:xfrm>
+            <a:off x="200491" y="271992"/>
+            <a:ext cx="6221027" cy="842105"/>
+          </a:xfrm>
+          <a:prstGeom prst="rect">
+            <a:avLst/>
+          </a:prstGeom>
+        </p:spPr>
+        <p:txBody>
+          <a:bodyPr vert="horz" lIns="91440" tIns="45720" rIns="91440" bIns="45720" rtlCol="0" anchor="ctr">
+            <a:normAutofit/>
+          </a:bodyPr>
+          <a:lstStyle>
+            <a:lvl1pPr algn="l" defTabSz="914400" rtl="0" eaLnBrk="1" latinLnBrk="0" hangingPunct="1">
+              <a:lnSpc>
+                <a:spcPct val="90000"/>
+              </a:lnSpc>
+              <a:spcBef>
+                <a:spcPct val="0"/>
+              </a:spcBef>
+              <a:buNone/>
+              <a:defRPr sz="4400" kern="1200">
+                <a:solidFill>
+                  <a:schemeClr val="tx1"/>
+                </a:solidFill>
+                <a:latin typeface="+mj-lt"/>
+                <a:ea typeface="+mj-ea"/>
+                <a:cs typeface="+mj-cs"/>
+              </a:defRPr>
+            </a:lvl1pPr>
+          </a:lstStyle>
+          <a:p>
+            <a:r>
+              <a:rPr lang="de-DE" dirty="0"/>
+              <a:t>Remote Data Source </a:t>
+            </a:r>
+          </a:p>
+        </p:txBody>
+      </p:sp>
     </p:spTree>
     <p:extLst>
       <p:ext uri="{BB962C8B-B14F-4D97-AF65-F5344CB8AC3E}">
@@ -12250,7 +13693,7 @@
 </p:sld>
 </file>
 
-<file path=ppt/slides/slide11.xml><?xml version="1.0" encoding="utf-8"?>
+<file path=ppt/slides/slide12.xml><?xml version="1.0" encoding="utf-8"?>
 <p:sld xmlns:a="http://schemas.openxmlformats.org/drawingml/2006/main" xmlns:r="http://schemas.openxmlformats.org/officeDocument/2006/relationships" xmlns:p="http://schemas.openxmlformats.org/presentationml/2006/main">
   <p:cSld>
     <p:spTree>
@@ -12267,39 +13710,6 @@
           <a:chExt cx="0" cy="0"/>
         </a:xfrm>
       </p:grpSpPr>
-      <p:sp>
-        <p:nvSpPr>
-          <p:cNvPr id="2" name="Title 1">
-            <a:extLst>
-              <a:ext uri="{FF2B5EF4-FFF2-40B4-BE49-F238E27FC236}">
-                <a16:creationId xmlns:a16="http://schemas.microsoft.com/office/drawing/2014/main" id="{9B551790-362A-4367-BB74-D0F9B1D9FF2E}"/>
-              </a:ext>
-            </a:extLst>
-          </p:cNvPr>
-          <p:cNvSpPr>
-            <a:spLocks noGrp="1"/>
-          </p:cNvSpPr>
-          <p:nvPr>
-            <p:ph type="title"/>
-          </p:nvPr>
-        </p:nvSpPr>
-        <p:spPr>
-          <a:xfrm>
-            <a:off x="200491" y="271992"/>
-            <a:ext cx="10990349" cy="1325563"/>
-          </a:xfrm>
-        </p:spPr>
-        <p:txBody>
-          <a:bodyPr/>
-          <a:lstStyle/>
-          <a:p>
-            <a:r>
-              <a:rPr lang="de-DE" dirty="0"/>
-              <a:t>Server</a:t>
-            </a:r>
-          </a:p>
-        </p:txBody>
-      </p:sp>
       <p:sp>
         <p:nvSpPr>
           <p:cNvPr id="70" name="TextBox 69">
@@ -14301,6 +15711,60 @@
           </a:fontRef>
         </p:style>
       </p:cxnSp>
+      <p:sp>
+        <p:nvSpPr>
+          <p:cNvPr id="66" name="Title 1">
+            <a:extLst>
+              <a:ext uri="{FF2B5EF4-FFF2-40B4-BE49-F238E27FC236}">
+                <a16:creationId xmlns:a16="http://schemas.microsoft.com/office/drawing/2014/main" id="{E3D69552-2E6E-4720-BE04-67DB24AFBCC7}"/>
+              </a:ext>
+            </a:extLst>
+          </p:cNvPr>
+          <p:cNvSpPr txBox="1">
+            <a:spLocks/>
+          </p:cNvSpPr>
+          <p:nvPr/>
+        </p:nvSpPr>
+        <p:spPr>
+          <a:xfrm>
+            <a:off x="200491" y="271992"/>
+            <a:ext cx="6221027" cy="842105"/>
+          </a:xfrm>
+          <a:prstGeom prst="rect">
+            <a:avLst/>
+          </a:prstGeom>
+        </p:spPr>
+        <p:txBody>
+          <a:bodyPr vert="horz" lIns="91440" tIns="45720" rIns="91440" bIns="45720" rtlCol="0" anchor="ctr">
+            <a:normAutofit/>
+          </a:bodyPr>
+          <a:lstStyle>
+            <a:lvl1pPr algn="l" defTabSz="914400" rtl="0" eaLnBrk="1" latinLnBrk="0" hangingPunct="1">
+              <a:lnSpc>
+                <a:spcPct val="90000"/>
+              </a:lnSpc>
+              <a:spcBef>
+                <a:spcPct val="0"/>
+              </a:spcBef>
+              <a:buNone/>
+              <a:defRPr sz="4400" kern="1200">
+                <a:solidFill>
+                  <a:schemeClr val="tx1"/>
+                </a:solidFill>
+                <a:latin typeface="+mj-lt"/>
+                <a:ea typeface="+mj-ea"/>
+                <a:cs typeface="+mj-cs"/>
+              </a:defRPr>
+            </a:lvl1pPr>
+          </a:lstStyle>
+          <a:p>
+            <a:r>
+              <a:rPr lang="de-DE" dirty="0"/>
+              <a:t>Server</a:t>
+            </a:r>
+          </a:p>
+        </p:txBody>
+      </p:sp>
     </p:spTree>
     <p:extLst>
       <p:ext uri="{BB962C8B-B14F-4D97-AF65-F5344CB8AC3E}">
@@ -14420,7 +15884,7 @@
 </p:sld>
 </file>
 
-<file path=ppt/slides/slide12.xml><?xml version="1.0" encoding="utf-8"?>
+<file path=ppt/slides/slide13.xml><?xml version="1.0" encoding="utf-8"?>
 <p:sld xmlns:a="http://schemas.openxmlformats.org/drawingml/2006/main" xmlns:r="http://schemas.openxmlformats.org/officeDocument/2006/relationships" xmlns:p="http://schemas.openxmlformats.org/presentationml/2006/main">
   <p:cSld>
     <p:spTree>
@@ -14439,39 +15903,6 @@
       </p:grpSpPr>
       <p:sp>
         <p:nvSpPr>
-          <p:cNvPr id="2" name="Title 1">
-            <a:extLst>
-              <a:ext uri="{FF2B5EF4-FFF2-40B4-BE49-F238E27FC236}">
-                <a16:creationId xmlns:a16="http://schemas.microsoft.com/office/drawing/2014/main" id="{9B551790-362A-4367-BB74-D0F9B1D9FF2E}"/>
-              </a:ext>
-            </a:extLst>
-          </p:cNvPr>
-          <p:cNvSpPr>
-            <a:spLocks noGrp="1"/>
-          </p:cNvSpPr>
-          <p:nvPr>
-            <p:ph type="title"/>
-          </p:nvPr>
-        </p:nvSpPr>
-        <p:spPr>
-          <a:xfrm>
-            <a:off x="200491" y="271992"/>
-            <a:ext cx="10990349" cy="1325563"/>
-          </a:xfrm>
-        </p:spPr>
-        <p:txBody>
-          <a:bodyPr/>
-          <a:lstStyle/>
-          <a:p>
-            <a:r>
-              <a:rPr lang="de-DE" dirty="0"/>
-              <a:t>Server</a:t>
-            </a:r>
-          </a:p>
-        </p:txBody>
-      </p:sp>
-      <p:sp>
-        <p:nvSpPr>
           <p:cNvPr id="70" name="TextBox 69">
             <a:extLst>
               <a:ext uri="{FF2B5EF4-FFF2-40B4-BE49-F238E27FC236}">
@@ -15142,34 +16573,92 @@
       </p:sp>
       <p:sp>
         <p:nvSpPr>
-          <p:cNvPr id="17" name="Inhaltsplatzhalter 2">
-            <a:extLst>
-              <a:ext uri="{FF2B5EF4-FFF2-40B4-BE49-F238E27FC236}">
-                <a16:creationId xmlns:a16="http://schemas.microsoft.com/office/drawing/2014/main" id="{CFD9399B-18C3-F74C-BEAC-D4FD6B5F28D7}"/>
-              </a:ext>
-            </a:extLst>
-          </p:cNvPr>
-          <p:cNvSpPr>
-            <a:spLocks noGrp="1"/>
+          <p:cNvPr id="18" name="Title 1">
+            <a:extLst>
+              <a:ext uri="{FF2B5EF4-FFF2-40B4-BE49-F238E27FC236}">
+                <a16:creationId xmlns:a16="http://schemas.microsoft.com/office/drawing/2014/main" id="{019AE8AF-58FA-460F-8A70-59E011BD8A3F}"/>
+              </a:ext>
+            </a:extLst>
+          </p:cNvPr>
+          <p:cNvSpPr txBox="1">
+            <a:spLocks/>
           </p:cNvSpPr>
-          <p:nvPr>
-            <p:ph idx="1"/>
-          </p:nvPr>
-        </p:nvSpPr>
-        <p:spPr>
-          <a:xfrm>
-            <a:off x="854858" y="1435842"/>
-            <a:ext cx="10515600" cy="4351338"/>
-          </a:xfrm>
-        </p:spPr>
-        <p:txBody>
-          <a:bodyPr>
+          <p:nvPr/>
+        </p:nvSpPr>
+        <p:spPr>
+          <a:xfrm>
+            <a:off x="200491" y="271992"/>
+            <a:ext cx="10990349" cy="842105"/>
+          </a:xfrm>
+          <a:prstGeom prst="rect">
+            <a:avLst/>
+          </a:prstGeom>
+        </p:spPr>
+        <p:txBody>
+          <a:bodyPr vert="horz" lIns="91440" tIns="45720" rIns="91440" bIns="45720" rtlCol="0" anchor="ctr">
             <a:normAutofit/>
           </a:bodyPr>
-          <a:lstStyle/>
+          <a:lstStyle>
+            <a:lvl1pPr algn="l" defTabSz="914400" rtl="0" eaLnBrk="1" latinLnBrk="0" hangingPunct="1">
+              <a:lnSpc>
+                <a:spcPct val="90000"/>
+              </a:lnSpc>
+              <a:spcBef>
+                <a:spcPct val="0"/>
+              </a:spcBef>
+              <a:buNone/>
+              <a:defRPr sz="4400" kern="1200">
+                <a:solidFill>
+                  <a:schemeClr val="tx1"/>
+                </a:solidFill>
+                <a:latin typeface="+mj-lt"/>
+                <a:ea typeface="+mj-ea"/>
+                <a:cs typeface="+mj-cs"/>
+              </a:defRPr>
+            </a:lvl1pPr>
+          </a:lstStyle>
           <a:p>
             <a:r>
               <a:rPr lang="de-DE" dirty="0"/>
+              <a:t>Server</a:t>
+            </a:r>
+          </a:p>
+        </p:txBody>
+      </p:sp>
+      <p:sp>
+        <p:nvSpPr>
+          <p:cNvPr id="19" name="TextBox 18">
+            <a:extLst>
+              <a:ext uri="{FF2B5EF4-FFF2-40B4-BE49-F238E27FC236}">
+                <a16:creationId xmlns:a16="http://schemas.microsoft.com/office/drawing/2014/main" id="{F2556FF5-000B-4C38-81B1-71877751836C}"/>
+              </a:ext>
+            </a:extLst>
+          </p:cNvPr>
+          <p:cNvSpPr txBox="1"/>
+          <p:nvPr/>
+        </p:nvSpPr>
+        <p:spPr>
+          <a:xfrm>
+            <a:off x="200490" y="1114097"/>
+            <a:ext cx="7761096" cy="3416320"/>
+          </a:xfrm>
+          <a:prstGeom prst="rect">
+            <a:avLst/>
+          </a:prstGeom>
+          <a:noFill/>
+        </p:spPr>
+        <p:txBody>
+          <a:bodyPr wrap="square" rtlCol="0">
+            <a:spAutoFit/>
+          </a:bodyPr>
+          <a:lstStyle/>
+          <a:p>
+            <a:pPr marL="342900" indent="-342900">
+              <a:buFont typeface="Courier New" panose="02070309020205020404" pitchFamily="49" charset="0"/>
+              <a:buChar char="o"/>
+            </a:pPr>
+            <a:r>
+              <a:rPr lang="de-DE" sz="2400" dirty="0"/>
               <a:t>Spring Boot</a:t>
             </a:r>
           </a:p>
@@ -15178,16 +16667,8 @@
               <a:buNone/>
             </a:pPr>
             <a:r>
-              <a:rPr lang="de-DE" dirty="0"/>
-              <a:t>+ weniger </a:t>
-            </a:r>
-            <a:r>
-              <a:rPr lang="de-DE" dirty="0" err="1"/>
-              <a:t>Boilerplate</a:t>
-            </a:r>
-            <a:r>
-              <a:rPr lang="de-DE" dirty="0"/>
-              <a:t>-code</a:t>
+              <a:rPr lang="de-DE" sz="2400" dirty="0"/>
+              <a:t>+ weniger Boilerplate-code</a:t>
             </a:r>
           </a:p>
           <a:p>
@@ -15195,7 +16676,7 @@
               <a:buNone/>
             </a:pPr>
             <a:r>
-              <a:rPr lang="de-DE" dirty="0"/>
+              <a:rPr lang="de-DE" sz="2400" dirty="0"/>
               <a:t>+ speichert persistent </a:t>
             </a:r>
           </a:p>
@@ -15204,13 +16685,17 @@
               <a:buNone/>
             </a:pPr>
             <a:r>
-              <a:rPr lang="de-DE" dirty="0"/>
+              <a:rPr lang="de-DE" sz="2400" dirty="0"/>
               <a:t>+ übersichtlich</a:t>
             </a:r>
           </a:p>
           <a:p>
-            <a:r>
-              <a:rPr lang="de-DE" dirty="0"/>
+            <a:pPr marL="342900" indent="-342900">
+              <a:buFont typeface="Courier New" panose="02070309020205020404" pitchFamily="49" charset="0"/>
+              <a:buChar char="o"/>
+            </a:pPr>
+            <a:r>
+              <a:rPr lang="de-DE" sz="2400" dirty="0"/>
               <a:t>Java</a:t>
             </a:r>
           </a:p>
@@ -15219,25 +16704,27 @@
               <a:buNone/>
             </a:pPr>
             <a:r>
-              <a:rPr lang="de-DE" dirty="0"/>
-              <a:t>+ Linux </a:t>
-            </a:r>
-            <a:r>
-              <a:rPr lang="de-DE" dirty="0" err="1"/>
-              <a:t>plattform</a:t>
-            </a:r>
-            <a:endParaRPr lang="de-DE" dirty="0"/>
+              <a:rPr lang="de-DE" sz="2400" dirty="0"/>
+              <a:t>+ Linux plattform</a:t>
+            </a:r>
+          </a:p>
+          <a:p>
+            <a:pPr marL="342900" indent="-342900">
+              <a:buFont typeface="Courier New" panose="02070309020205020404" pitchFamily="49" charset="0"/>
+              <a:buChar char="o"/>
+            </a:pPr>
+            <a:r>
+              <a:rPr lang="de-DE" sz="2400" dirty="0"/>
+              <a:t>Interceptor/Filter zur Validierung</a:t>
+            </a:r>
           </a:p>
           <a:p>
             <a:pPr marL="457200" lvl="1" indent="0">
               <a:buNone/>
             </a:pPr>
-            <a:endParaRPr lang="de-DE" dirty="0"/>
-          </a:p>
-          <a:p>
-            <a:r>
-              <a:rPr lang="de-DE" dirty="0"/>
-              <a:t>Interceptor/Filter zur Validierung</a:t>
+            <a:r>
+              <a:rPr lang="de-DE" sz="2400" dirty="0"/>
+              <a:t>+ serverseitiges Interesse</a:t>
             </a:r>
           </a:p>
           <a:p>
@@ -15245,33 +16732,9 @@
               <a:buNone/>
             </a:pPr>
             <a:r>
-              <a:rPr lang="de-DE" dirty="0"/>
-              <a:t>+ serverseitiges Interesse</a:t>
-            </a:r>
-          </a:p>
-          <a:p>
-            <a:pPr marL="457200" lvl="1" indent="0">
-              <a:buNone/>
-            </a:pPr>
-            <a:r>
-              <a:rPr lang="de-DE" dirty="0"/>
+              <a:rPr lang="de-DE" sz="2400" dirty="0"/>
               <a:t>+ selbstständige Validierung</a:t>
             </a:r>
-          </a:p>
-          <a:p>
-            <a:pPr marL="457200" lvl="1" indent="0">
-              <a:buNone/>
-            </a:pPr>
-            <a:endParaRPr lang="de-DE" dirty="0"/>
-          </a:p>
-          <a:p>
-            <a:pPr marL="457200" lvl="1" indent="0">
-              <a:buNone/>
-            </a:pPr>
-            <a:endParaRPr lang="de-DE" dirty="0"/>
-          </a:p>
-          <a:p>
-            <a:endParaRPr lang="de-DE" dirty="0"/>
           </a:p>
         </p:txBody>
       </p:sp>
@@ -15324,7 +16787,7 @@
         <p:spPr>
           <a:xfrm>
             <a:off x="200491" y="271992"/>
-            <a:ext cx="10990349" cy="1325563"/>
+            <a:ext cx="10990349" cy="842105"/>
           </a:xfrm>
         </p:spPr>
         <p:txBody>
@@ -16023,7 +17486,7 @@
           <p:nvPr/>
         </p:nvPicPr>
         <p:blipFill>
-          <a:blip r:embed="rId2">
+          <a:blip r:embed="rId3">
             <a:extLst>
               <a:ext uri="{28A0092B-C50C-407E-A947-70E740481C1C}">
                 <a14:useLocalDpi xmlns:a14="http://schemas.microsoft.com/office/drawing/2010/main" val="0"/>
@@ -16058,8 +17521,8 @@
         </p:nvSpPr>
         <p:spPr>
           <a:xfrm>
-            <a:off x="200491" y="1397500"/>
-            <a:ext cx="4676586" cy="2219197"/>
+            <a:off x="200491" y="1114097"/>
+            <a:ext cx="4676586" cy="2537618"/>
           </a:xfrm>
           <a:prstGeom prst="rect">
             <a:avLst/>
@@ -16078,10 +17541,10 @@
               </a:lnSpc>
             </a:pPr>
             <a:r>
-              <a:rPr lang="de-DE" sz="2800" dirty="0"/>
+              <a:rPr lang="de-DE" sz="3200" dirty="0"/>
               <a:t>MVVM</a:t>
             </a:r>
-            <a:endParaRPr lang="de-DE" dirty="0"/>
+            <a:endParaRPr lang="de-DE" sz="2000" dirty="0"/>
           </a:p>
           <a:p>
             <a:pPr marL="285750" indent="-285750">
@@ -16092,7 +17555,7 @@
               <a:buChar char="o"/>
             </a:pPr>
             <a:r>
-              <a:rPr lang="de-DE" sz="2400" dirty="0"/>
+              <a:rPr lang="de-DE" sz="2800" dirty="0"/>
               <a:t>Kollaboratives Arbeiten</a:t>
             </a:r>
           </a:p>
@@ -16105,7 +17568,7 @@
               <a:buChar char="o"/>
             </a:pPr>
             <a:r>
-              <a:rPr lang="de-DE" sz="2400" dirty="0"/>
+              <a:rPr lang="de-DE" sz="2800" dirty="0"/>
               <a:t>Erleichtertes Testen</a:t>
             </a:r>
           </a:p>
@@ -16117,7 +17580,7 @@
               <a:buFontTx/>
               <a:buChar char="-"/>
             </a:pPr>
-            <a:endParaRPr lang="de-DE" dirty="0"/>
+            <a:endParaRPr lang="de-DE" sz="2000" dirty="0"/>
           </a:p>
         </p:txBody>
       </p:sp>
@@ -16136,7 +17599,7 @@
           <p:nvPr/>
         </p:nvPicPr>
         <p:blipFill>
-          <a:blip r:embed="rId3"/>
+          <a:blip r:embed="rId4"/>
           <a:stretch>
             <a:fillRect/>
           </a:stretch>
@@ -16219,39 +17682,6 @@
       </p:grpSpPr>
       <p:sp>
         <p:nvSpPr>
-          <p:cNvPr id="2" name="Title 1">
-            <a:extLst>
-              <a:ext uri="{FF2B5EF4-FFF2-40B4-BE49-F238E27FC236}">
-                <a16:creationId xmlns:a16="http://schemas.microsoft.com/office/drawing/2014/main" id="{9B551790-362A-4367-BB74-D0F9B1D9FF2E}"/>
-              </a:ext>
-            </a:extLst>
-          </p:cNvPr>
-          <p:cNvSpPr>
-            <a:spLocks noGrp="1"/>
-          </p:cNvSpPr>
-          <p:nvPr>
-            <p:ph type="title"/>
-          </p:nvPr>
-        </p:nvSpPr>
-        <p:spPr>
-          <a:xfrm>
-            <a:off x="200491" y="271992"/>
-            <a:ext cx="10990349" cy="1325563"/>
-          </a:xfrm>
-        </p:spPr>
-        <p:txBody>
-          <a:bodyPr/>
-          <a:lstStyle/>
-          <a:p>
-            <a:r>
-              <a:rPr lang="de-DE" dirty="0"/>
-              <a:t>Server Architektur</a:t>
-            </a:r>
-          </a:p>
-        </p:txBody>
-      </p:sp>
-      <p:sp>
-        <p:nvSpPr>
           <p:cNvPr id="96" name="TextBox 95">
             <a:extLst>
               <a:ext uri="{FF2B5EF4-FFF2-40B4-BE49-F238E27FC236}">
@@ -17411,10 +18841,64 @@
       </p:sp>
       <p:sp>
         <p:nvSpPr>
-          <p:cNvPr id="18" name="Textfeld 17">
-            <a:extLst>
-              <a:ext uri="{FF2B5EF4-FFF2-40B4-BE49-F238E27FC236}">
-                <a16:creationId xmlns:a16="http://schemas.microsoft.com/office/drawing/2014/main" id="{4C1E68CB-28C8-5341-91B6-E049230BA1A0}"/>
+          <p:cNvPr id="27" name="Title 1">
+            <a:extLst>
+              <a:ext uri="{FF2B5EF4-FFF2-40B4-BE49-F238E27FC236}">
+                <a16:creationId xmlns:a16="http://schemas.microsoft.com/office/drawing/2014/main" id="{C38F601A-BF24-4320-90A3-56A2DD860FC6}"/>
+              </a:ext>
+            </a:extLst>
+          </p:cNvPr>
+          <p:cNvSpPr txBox="1">
+            <a:spLocks/>
+          </p:cNvSpPr>
+          <p:nvPr/>
+        </p:nvSpPr>
+        <p:spPr>
+          <a:xfrm>
+            <a:off x="200491" y="271992"/>
+            <a:ext cx="10990349" cy="842105"/>
+          </a:xfrm>
+          <a:prstGeom prst="rect">
+            <a:avLst/>
+          </a:prstGeom>
+        </p:spPr>
+        <p:txBody>
+          <a:bodyPr vert="horz" lIns="91440" tIns="45720" rIns="91440" bIns="45720" rtlCol="0" anchor="ctr">
+            <a:normAutofit/>
+          </a:bodyPr>
+          <a:lstStyle>
+            <a:lvl1pPr algn="l" defTabSz="914400" rtl="0" eaLnBrk="1" latinLnBrk="0" hangingPunct="1">
+              <a:lnSpc>
+                <a:spcPct val="90000"/>
+              </a:lnSpc>
+              <a:spcBef>
+                <a:spcPct val="0"/>
+              </a:spcBef>
+              <a:buNone/>
+              <a:defRPr sz="4400" kern="1200">
+                <a:solidFill>
+                  <a:schemeClr val="tx1"/>
+                </a:solidFill>
+                <a:latin typeface="+mj-lt"/>
+                <a:ea typeface="+mj-ea"/>
+                <a:cs typeface="+mj-cs"/>
+              </a:defRPr>
+            </a:lvl1pPr>
+          </a:lstStyle>
+          <a:p>
+            <a:r>
+              <a:rPr lang="de-DE" dirty="0"/>
+              <a:t>Server Architektur</a:t>
+            </a:r>
+          </a:p>
+        </p:txBody>
+      </p:sp>
+      <p:sp>
+        <p:nvSpPr>
+          <p:cNvPr id="29" name="TextBox 28">
+            <a:extLst>
+              <a:ext uri="{FF2B5EF4-FFF2-40B4-BE49-F238E27FC236}">
+                <a16:creationId xmlns:a16="http://schemas.microsoft.com/office/drawing/2014/main" id="{1BEA9583-A3B7-427E-96A5-3DF5B35356B7}"/>
               </a:ext>
             </a:extLst>
           </p:cNvPr>
@@ -17423,8 +18907,8 @@
         </p:nvSpPr>
         <p:spPr>
           <a:xfrm>
-            <a:off x="491490" y="1508760"/>
-            <a:ext cx="4366260" cy="923330"/>
+            <a:off x="200491" y="1114097"/>
+            <a:ext cx="4676586" cy="3257174"/>
           </a:xfrm>
           <a:prstGeom prst="rect">
             <a:avLst/>
@@ -17437,32 +18921,41 @@
           </a:bodyPr>
           <a:lstStyle/>
           <a:p>
-            <a:pPr marL="285750" indent="-285750">
-              <a:buFont typeface="Arial" panose="020B0604020202020204" pitchFamily="34" charset="0"/>
-              <a:buChar char="•"/>
+            <a:pPr marL="342900" indent="-342900">
+              <a:lnSpc>
+                <a:spcPct val="150000"/>
+              </a:lnSpc>
+              <a:buFont typeface="Courier New" panose="02070309020205020404" pitchFamily="49" charset="0"/>
+              <a:buChar char="o"/>
             </a:pPr>
             <a:r>
-              <a:rPr lang="de-DE" dirty="0"/>
+              <a:rPr lang="de-DE" sz="2800" dirty="0"/>
               <a:t>Schichtenarchitektur</a:t>
             </a:r>
           </a:p>
           <a:p>
-            <a:pPr marL="285750" indent="-285750">
-              <a:buFont typeface="Arial" panose="020B0604020202020204" pitchFamily="34" charset="0"/>
-              <a:buChar char="•"/>
+            <a:pPr marL="342900" indent="-342900">
+              <a:lnSpc>
+                <a:spcPct val="150000"/>
+              </a:lnSpc>
+              <a:buFont typeface="Courier New" panose="02070309020205020404" pitchFamily="49" charset="0"/>
+              <a:buChar char="o"/>
             </a:pPr>
             <a:r>
-              <a:rPr lang="de-DE" dirty="0"/>
+              <a:rPr lang="de-DE" sz="2800" dirty="0"/>
               <a:t>Getrennt nach Anwendungen</a:t>
             </a:r>
           </a:p>
           <a:p>
-            <a:pPr marL="285750" indent="-285750">
-              <a:buFont typeface="Arial" panose="020B0604020202020204" pitchFamily="34" charset="0"/>
-              <a:buChar char="•"/>
+            <a:pPr marL="342900" indent="-342900">
+              <a:lnSpc>
+                <a:spcPct val="150000"/>
+              </a:lnSpc>
+              <a:buFont typeface="Courier New" panose="02070309020205020404" pitchFamily="49" charset="0"/>
+              <a:buChar char="o"/>
             </a:pPr>
             <a:r>
-              <a:rPr lang="de-DE" dirty="0"/>
+              <a:rPr lang="de-DE" sz="2800" dirty="0"/>
               <a:t>Gemeinsame Schicht für Login </a:t>
             </a:r>
           </a:p>
@@ -17500,39 +18993,6 @@
       </p:grpSpPr>
       <p:sp>
         <p:nvSpPr>
-          <p:cNvPr id="2" name="Title 1">
-            <a:extLst>
-              <a:ext uri="{FF2B5EF4-FFF2-40B4-BE49-F238E27FC236}">
-                <a16:creationId xmlns:a16="http://schemas.microsoft.com/office/drawing/2014/main" id="{9B551790-362A-4367-BB74-D0F9B1D9FF2E}"/>
-              </a:ext>
-            </a:extLst>
-          </p:cNvPr>
-          <p:cNvSpPr>
-            <a:spLocks noGrp="1"/>
-          </p:cNvSpPr>
-          <p:nvPr>
-            <p:ph type="title"/>
-          </p:nvPr>
-        </p:nvSpPr>
-        <p:spPr>
-          <a:xfrm>
-            <a:off x="200491" y="271992"/>
-            <a:ext cx="10990349" cy="1325563"/>
-          </a:xfrm>
-        </p:spPr>
-        <p:txBody>
-          <a:bodyPr/>
-          <a:lstStyle/>
-          <a:p>
-            <a:r>
-              <a:rPr lang="de-DE" dirty="0"/>
-              <a:t>View</a:t>
-            </a:r>
-          </a:p>
-        </p:txBody>
-      </p:sp>
-      <p:sp>
-        <p:nvSpPr>
           <p:cNvPr id="78" name="TextBox 77">
             <a:extLst>
               <a:ext uri="{FF2B5EF4-FFF2-40B4-BE49-F238E27FC236}">
@@ -18216,7 +19676,7 @@
           <p:nvPr/>
         </p:nvPicPr>
         <p:blipFill>
-          <a:blip r:embed="rId2">
+          <a:blip r:embed="rId3">
             <a:extLst>
               <a:ext uri="{28A0092B-C50C-407E-A947-70E740481C1C}">
                 <a14:useLocalDpi xmlns:a14="http://schemas.microsoft.com/office/drawing/2010/main" val="0"/>
@@ -18237,12 +19697,102 @@
           </a:prstGeom>
         </p:spPr>
       </p:pic>
-      <p:sp>
-        <p:nvSpPr>
-          <p:cNvPr id="5" name="TextBox 4">
-            <a:extLst>
-              <a:ext uri="{FF2B5EF4-FFF2-40B4-BE49-F238E27FC236}">
-                <a16:creationId xmlns:a16="http://schemas.microsoft.com/office/drawing/2014/main" id="{0250CC27-88CA-42FC-B319-8772B4047E59}"/>
+      <p:pic>
+        <p:nvPicPr>
+          <p:cNvPr id="6" name="Picture 5" descr="A screenshot of a computer&#10;&#10;Description automatically generated with medium confidence">
+            <a:extLst>
+              <a:ext uri="{FF2B5EF4-FFF2-40B4-BE49-F238E27FC236}">
+                <a16:creationId xmlns:a16="http://schemas.microsoft.com/office/drawing/2014/main" id="{C03B5305-05A6-4A8B-944B-ED1632780AD1}"/>
+              </a:ext>
+            </a:extLst>
+          </p:cNvPr>
+          <p:cNvPicPr>
+            <a:picLocks noChangeAspect="1"/>
+          </p:cNvPicPr>
+          <p:nvPr/>
+        </p:nvPicPr>
+        <p:blipFill>
+          <a:blip r:embed="rId4">
+            <a:extLst>
+              <a:ext uri="{28A0092B-C50C-407E-A947-70E740481C1C}">
+                <a14:useLocalDpi xmlns:a14="http://schemas.microsoft.com/office/drawing/2010/main" val="0"/>
+              </a:ext>
+            </a:extLst>
+          </a:blip>
+          <a:stretch>
+            <a:fillRect/>
+          </a:stretch>
+        </p:blipFill>
+        <p:spPr>
+          <a:xfrm>
+            <a:off x="8257401" y="2950659"/>
+            <a:ext cx="3807145" cy="2611419"/>
+          </a:xfrm>
+          <a:prstGeom prst="rect">
+            <a:avLst/>
+          </a:prstGeom>
+        </p:spPr>
+      </p:pic>
+      <p:sp>
+        <p:nvSpPr>
+          <p:cNvPr id="19" name="Title 1">
+            <a:extLst>
+              <a:ext uri="{FF2B5EF4-FFF2-40B4-BE49-F238E27FC236}">
+                <a16:creationId xmlns:a16="http://schemas.microsoft.com/office/drawing/2014/main" id="{4B815C18-2566-471A-89DE-B9523F99F30D}"/>
+              </a:ext>
+            </a:extLst>
+          </p:cNvPr>
+          <p:cNvSpPr txBox="1">
+            <a:spLocks/>
+          </p:cNvSpPr>
+          <p:nvPr/>
+        </p:nvSpPr>
+        <p:spPr>
+          <a:xfrm>
+            <a:off x="209021" y="271992"/>
+            <a:ext cx="10981819" cy="842105"/>
+          </a:xfrm>
+          <a:prstGeom prst="rect">
+            <a:avLst/>
+          </a:prstGeom>
+        </p:spPr>
+        <p:txBody>
+          <a:bodyPr vert="horz" lIns="91440" tIns="45720" rIns="91440" bIns="45720" rtlCol="0" anchor="ctr">
+            <a:normAutofit/>
+          </a:bodyPr>
+          <a:lstStyle>
+            <a:lvl1pPr algn="l" defTabSz="914400" rtl="0" eaLnBrk="1" latinLnBrk="0" hangingPunct="1">
+              <a:lnSpc>
+                <a:spcPct val="90000"/>
+              </a:lnSpc>
+              <a:spcBef>
+                <a:spcPct val="0"/>
+              </a:spcBef>
+              <a:buNone/>
+              <a:defRPr sz="4400" kern="1200">
+                <a:solidFill>
+                  <a:schemeClr val="tx1"/>
+                </a:solidFill>
+                <a:latin typeface="+mj-lt"/>
+                <a:ea typeface="+mj-ea"/>
+                <a:cs typeface="+mj-cs"/>
+              </a:defRPr>
+            </a:lvl1pPr>
+          </a:lstStyle>
+          <a:p>
+            <a:r>
+              <a:rPr lang="de-DE" dirty="0"/>
+              <a:t>View</a:t>
+            </a:r>
+          </a:p>
+        </p:txBody>
+      </p:sp>
+      <p:sp>
+        <p:nvSpPr>
+          <p:cNvPr id="20" name="TextBox 19">
+            <a:extLst>
+              <a:ext uri="{FF2B5EF4-FFF2-40B4-BE49-F238E27FC236}">
+                <a16:creationId xmlns:a16="http://schemas.microsoft.com/office/drawing/2014/main" id="{C3B2B856-BF8A-4AB5-BBBF-7B8F721FC84D}"/>
               </a:ext>
             </a:extLst>
           </p:cNvPr>
@@ -18251,8 +19801,8 @@
         </p:nvSpPr>
         <p:spPr>
           <a:xfrm>
-            <a:off x="405549" y="1551563"/>
-            <a:ext cx="6594339" cy="3754874"/>
+            <a:off x="200491" y="1114097"/>
+            <a:ext cx="5495174" cy="3257174"/>
           </a:xfrm>
           <a:prstGeom prst="rect">
             <a:avLst/>
@@ -18282,12 +19832,12 @@
               <a:lnSpc>
                 <a:spcPct val="150000"/>
               </a:lnSpc>
-              <a:buFont typeface="Courier New" panose="02070309020205020404" pitchFamily="49" charset="0"/>
-              <a:buChar char="o"/>
+              <a:buFont typeface="Wingdings" panose="05000000000000000000" pitchFamily="2" charset="2"/>
+              <a:buChar char="Ø"/>
             </a:pPr>
             <a:r>
               <a:rPr lang="de-DE" sz="2800" dirty="0"/>
-              <a:t>Weniger code als mit xml</a:t>
+              <a:t>Weniger code als mit XML</a:t>
             </a:r>
           </a:p>
           <a:p>
@@ -18300,7 +19850,7 @@
             </a:pPr>
             <a:r>
               <a:rPr lang="de-DE" sz="2800" dirty="0"/>
-              <a:t>Single activity application</a:t>
+              <a:t>Navigation Component</a:t>
             </a:r>
           </a:p>
           <a:p>
@@ -18313,7 +19863,7 @@
             </a:pPr>
             <a:r>
               <a:rPr lang="de-DE" sz="2800" dirty="0"/>
-              <a:t>Navigation Component</a:t>
+              <a:t>Single activity application</a:t>
             </a:r>
           </a:p>
           <a:p>
@@ -18326,50 +19876,11 @@
             </a:pPr>
             <a:r>
               <a:rPr lang="de-DE" sz="2800" dirty="0"/>
-              <a:t>Flows</a:t>
-            </a:r>
-          </a:p>
-          <a:p>
-            <a:endParaRPr lang="de-DE" sz="2800" dirty="0"/>
-          </a:p>
-        </p:txBody>
-      </p:sp>
-      <p:pic>
-        <p:nvPicPr>
-          <p:cNvPr id="6" name="Picture 5" descr="A screenshot of a computer&#10;&#10;Description automatically generated with medium confidence">
-            <a:extLst>
-              <a:ext uri="{FF2B5EF4-FFF2-40B4-BE49-F238E27FC236}">
-                <a16:creationId xmlns:a16="http://schemas.microsoft.com/office/drawing/2014/main" id="{C03B5305-05A6-4A8B-944B-ED1632780AD1}"/>
-              </a:ext>
-            </a:extLst>
-          </p:cNvPr>
-          <p:cNvPicPr>
-            <a:picLocks noChangeAspect="1"/>
-          </p:cNvPicPr>
-          <p:nvPr/>
-        </p:nvPicPr>
-        <p:blipFill>
-          <a:blip r:embed="rId3">
-            <a:extLst>
-              <a:ext uri="{28A0092B-C50C-407E-A947-70E740481C1C}">
-                <a14:useLocalDpi xmlns:a14="http://schemas.microsoft.com/office/drawing/2010/main" val="0"/>
-              </a:ext>
-            </a:extLst>
-          </a:blip>
-          <a:stretch>
-            <a:fillRect/>
-          </a:stretch>
-        </p:blipFill>
-        <p:spPr>
-          <a:xfrm>
-            <a:off x="8384855" y="2246760"/>
-            <a:ext cx="3807145" cy="2611419"/>
-          </a:xfrm>
-          <a:prstGeom prst="rect">
-            <a:avLst/>
-          </a:prstGeom>
-        </p:spPr>
-      </p:pic>
+              <a:t>Events / Obserable Pattern</a:t>
+            </a:r>
+          </a:p>
+        </p:txBody>
+      </p:sp>
     </p:spTree>
     <p:extLst>
       <p:ext uri="{BB962C8B-B14F-4D97-AF65-F5344CB8AC3E}">
@@ -18402,39 +19913,6 @@
       </p:grpSpPr>
       <p:sp>
         <p:nvSpPr>
-          <p:cNvPr id="2" name="Title 1">
-            <a:extLst>
-              <a:ext uri="{FF2B5EF4-FFF2-40B4-BE49-F238E27FC236}">
-                <a16:creationId xmlns:a16="http://schemas.microsoft.com/office/drawing/2014/main" id="{9B551790-362A-4367-BB74-D0F9B1D9FF2E}"/>
-              </a:ext>
-            </a:extLst>
-          </p:cNvPr>
-          <p:cNvSpPr>
-            <a:spLocks noGrp="1"/>
-          </p:cNvSpPr>
-          <p:nvPr>
-            <p:ph type="title"/>
-          </p:nvPr>
-        </p:nvSpPr>
-        <p:spPr>
-          <a:xfrm>
-            <a:off x="200491" y="271992"/>
-            <a:ext cx="10990349" cy="1325563"/>
-          </a:xfrm>
-        </p:spPr>
-        <p:txBody>
-          <a:bodyPr/>
-          <a:lstStyle/>
-          <a:p>
-            <a:r>
-              <a:rPr lang="de-DE" dirty="0"/>
-              <a:t>View Model</a:t>
-            </a:r>
-          </a:p>
-        </p:txBody>
-      </p:sp>
-      <p:sp>
-        <p:nvSpPr>
           <p:cNvPr id="69" name="TextBox 68">
             <a:extLst>
               <a:ext uri="{FF2B5EF4-FFF2-40B4-BE49-F238E27FC236}">
@@ -19103,12 +20581,138 @@
           </a:p>
         </p:txBody>
       </p:sp>
-      <p:sp>
-        <p:nvSpPr>
-          <p:cNvPr id="16" name="TextBox 15">
-            <a:extLst>
-              <a:ext uri="{FF2B5EF4-FFF2-40B4-BE49-F238E27FC236}">
-                <a16:creationId xmlns:a16="http://schemas.microsoft.com/office/drawing/2014/main" id="{6ED1A6F0-FD00-4DAB-8158-9955BE575132}"/>
+      <p:pic>
+        <p:nvPicPr>
+          <p:cNvPr id="7" name="Picture 6" descr="Diagram&#10;&#10;Description automatically generated">
+            <a:extLst>
+              <a:ext uri="{FF2B5EF4-FFF2-40B4-BE49-F238E27FC236}">
+                <a16:creationId xmlns:a16="http://schemas.microsoft.com/office/drawing/2014/main" id="{447F8A4A-2EA3-446F-8C7A-4F49B09B344F}"/>
+              </a:ext>
+            </a:extLst>
+          </p:cNvPr>
+          <p:cNvPicPr>
+            <a:picLocks noChangeAspect="1"/>
+          </p:cNvPicPr>
+          <p:nvPr/>
+        </p:nvPicPr>
+        <p:blipFill>
+          <a:blip r:embed="rId3">
+            <a:extLst>
+              <a:ext uri="{28A0092B-C50C-407E-A947-70E740481C1C}">
+                <a14:useLocalDpi xmlns:a14="http://schemas.microsoft.com/office/drawing/2010/main" val="0"/>
+              </a:ext>
+            </a:extLst>
+          </a:blip>
+          <a:stretch>
+            <a:fillRect/>
+          </a:stretch>
+        </p:blipFill>
+        <p:spPr>
+          <a:xfrm>
+            <a:off x="5958513" y="789523"/>
+            <a:ext cx="5603838" cy="2037759"/>
+          </a:xfrm>
+          <a:prstGeom prst="rect">
+            <a:avLst/>
+          </a:prstGeom>
+        </p:spPr>
+      </p:pic>
+      <p:pic>
+        <p:nvPicPr>
+          <p:cNvPr id="18" name="Picture 17" descr="A screenshot of a computer&#10;&#10;Description automatically generated with medium confidence">
+            <a:extLst>
+              <a:ext uri="{FF2B5EF4-FFF2-40B4-BE49-F238E27FC236}">
+                <a16:creationId xmlns:a16="http://schemas.microsoft.com/office/drawing/2014/main" id="{B923F17F-0AE5-4B3B-9480-C7FCE1C78DF8}"/>
+              </a:ext>
+            </a:extLst>
+          </p:cNvPr>
+          <p:cNvPicPr>
+            <a:picLocks noChangeAspect="1"/>
+          </p:cNvPicPr>
+          <p:nvPr/>
+        </p:nvPicPr>
+        <p:blipFill>
+          <a:blip r:embed="rId4">
+            <a:extLst>
+              <a:ext uri="{28A0092B-C50C-407E-A947-70E740481C1C}">
+                <a14:useLocalDpi xmlns:a14="http://schemas.microsoft.com/office/drawing/2010/main" val="0"/>
+              </a:ext>
+            </a:extLst>
+          </a:blip>
+          <a:stretch>
+            <a:fillRect/>
+          </a:stretch>
+        </p:blipFill>
+        <p:spPr>
+          <a:xfrm>
+            <a:off x="8257401" y="2950659"/>
+            <a:ext cx="3807145" cy="2611419"/>
+          </a:xfrm>
+          <a:prstGeom prst="rect">
+            <a:avLst/>
+          </a:prstGeom>
+        </p:spPr>
+      </p:pic>
+      <p:sp>
+        <p:nvSpPr>
+          <p:cNvPr id="19" name="Title 1">
+            <a:extLst>
+              <a:ext uri="{FF2B5EF4-FFF2-40B4-BE49-F238E27FC236}">
+                <a16:creationId xmlns:a16="http://schemas.microsoft.com/office/drawing/2014/main" id="{7CE90532-4D86-4BA0-9015-F02CFCF7DD90}"/>
+              </a:ext>
+            </a:extLst>
+          </p:cNvPr>
+          <p:cNvSpPr txBox="1">
+            <a:spLocks/>
+          </p:cNvSpPr>
+          <p:nvPr/>
+        </p:nvSpPr>
+        <p:spPr>
+          <a:xfrm>
+            <a:off x="200491" y="271992"/>
+            <a:ext cx="10990349" cy="842105"/>
+          </a:xfrm>
+          <a:prstGeom prst="rect">
+            <a:avLst/>
+          </a:prstGeom>
+        </p:spPr>
+        <p:txBody>
+          <a:bodyPr vert="horz" lIns="91440" tIns="45720" rIns="91440" bIns="45720" rtlCol="0" anchor="ctr">
+            <a:normAutofit/>
+          </a:bodyPr>
+          <a:lstStyle>
+            <a:lvl1pPr algn="l" defTabSz="914400" rtl="0" eaLnBrk="1" latinLnBrk="0" hangingPunct="1">
+              <a:lnSpc>
+                <a:spcPct val="90000"/>
+              </a:lnSpc>
+              <a:spcBef>
+                <a:spcPct val="0"/>
+              </a:spcBef>
+              <a:buNone/>
+              <a:defRPr sz="4400" kern="1200">
+                <a:solidFill>
+                  <a:schemeClr val="tx1"/>
+                </a:solidFill>
+                <a:latin typeface="+mj-lt"/>
+                <a:ea typeface="+mj-ea"/>
+                <a:cs typeface="+mj-cs"/>
+              </a:defRPr>
+            </a:lvl1pPr>
+          </a:lstStyle>
+          <a:p>
+            <a:r>
+              <a:rPr lang="de-DE" dirty="0"/>
+              <a:t>View Model</a:t>
+            </a:r>
+          </a:p>
+        </p:txBody>
+      </p:sp>
+      <p:sp>
+        <p:nvSpPr>
+          <p:cNvPr id="20" name="TextBox 19">
+            <a:extLst>
+              <a:ext uri="{FF2B5EF4-FFF2-40B4-BE49-F238E27FC236}">
+                <a16:creationId xmlns:a16="http://schemas.microsoft.com/office/drawing/2014/main" id="{11CB311F-E036-4076-AD6A-E31AE83EF755}"/>
               </a:ext>
             </a:extLst>
           </p:cNvPr>
@@ -19117,8 +20721,8 @@
         </p:nvSpPr>
         <p:spPr>
           <a:xfrm>
-            <a:off x="405549" y="1551563"/>
-            <a:ext cx="6594339" cy="2610843"/>
+            <a:off x="200490" y="1114097"/>
+            <a:ext cx="5664282" cy="2610843"/>
           </a:xfrm>
           <a:prstGeom prst="rect">
             <a:avLst/>
@@ -19171,42 +20775,6 @@
           </a:p>
         </p:txBody>
       </p:sp>
-      <p:pic>
-        <p:nvPicPr>
-          <p:cNvPr id="7" name="Picture 6" descr="Diagram&#10;&#10;Description automatically generated">
-            <a:extLst>
-              <a:ext uri="{FF2B5EF4-FFF2-40B4-BE49-F238E27FC236}">
-                <a16:creationId xmlns:a16="http://schemas.microsoft.com/office/drawing/2014/main" id="{447F8A4A-2EA3-446F-8C7A-4F49B09B344F}"/>
-              </a:ext>
-            </a:extLst>
-          </p:cNvPr>
-          <p:cNvPicPr>
-            <a:picLocks noChangeAspect="1"/>
-          </p:cNvPicPr>
-          <p:nvPr/>
-        </p:nvPicPr>
-        <p:blipFill>
-          <a:blip r:embed="rId2">
-            <a:extLst>
-              <a:ext uri="{28A0092B-C50C-407E-A947-70E740481C1C}">
-                <a14:useLocalDpi xmlns:a14="http://schemas.microsoft.com/office/drawing/2010/main" val="0"/>
-              </a:ext>
-            </a:extLst>
-          </a:blip>
-          <a:stretch>
-            <a:fillRect/>
-          </a:stretch>
-        </p:blipFill>
-        <p:spPr>
-          <a:xfrm>
-            <a:off x="5958513" y="789523"/>
-            <a:ext cx="5603838" cy="2037759"/>
-          </a:xfrm>
-          <a:prstGeom prst="rect">
-            <a:avLst/>
-          </a:prstGeom>
-        </p:spPr>
-      </p:pic>
     </p:spTree>
     <p:extLst>
       <p:ext uri="{BB962C8B-B14F-4D97-AF65-F5344CB8AC3E}">
@@ -19239,39 +20807,6 @@
       </p:grpSpPr>
       <p:sp>
         <p:nvSpPr>
-          <p:cNvPr id="2" name="Title 1">
-            <a:extLst>
-              <a:ext uri="{FF2B5EF4-FFF2-40B4-BE49-F238E27FC236}">
-                <a16:creationId xmlns:a16="http://schemas.microsoft.com/office/drawing/2014/main" id="{9B551790-362A-4367-BB74-D0F9B1D9FF2E}"/>
-              </a:ext>
-            </a:extLst>
-          </p:cNvPr>
-          <p:cNvSpPr>
-            <a:spLocks noGrp="1"/>
-          </p:cNvSpPr>
-          <p:nvPr>
-            <p:ph type="title"/>
-          </p:nvPr>
-        </p:nvSpPr>
-        <p:spPr>
-          <a:xfrm>
-            <a:off x="200491" y="271992"/>
-            <a:ext cx="10990349" cy="1325563"/>
-          </a:xfrm>
-        </p:spPr>
-        <p:txBody>
-          <a:bodyPr/>
-          <a:lstStyle/>
-          <a:p>
-            <a:r>
-              <a:rPr lang="de-DE" dirty="0"/>
-              <a:t>Repository</a:t>
-            </a:r>
-          </a:p>
-        </p:txBody>
-      </p:sp>
-      <p:sp>
-        <p:nvSpPr>
           <p:cNvPr id="69" name="TextBox 68">
             <a:extLst>
               <a:ext uri="{FF2B5EF4-FFF2-40B4-BE49-F238E27FC236}">
@@ -19942,43 +21477,82 @@
       </p:sp>
       <p:sp>
         <p:nvSpPr>
-          <p:cNvPr id="17" name="CustomShape 15">
-            <a:extLst>
-              <a:ext uri="{FF2B5EF4-FFF2-40B4-BE49-F238E27FC236}">
-                <a16:creationId xmlns:a16="http://schemas.microsoft.com/office/drawing/2014/main" id="{41DF1B58-C339-A840-9B8A-CCA067520180}"/>
-              </a:ext>
-            </a:extLst>
-          </p:cNvPr>
-          <p:cNvSpPr/>
+          <p:cNvPr id="18" name="Title 1">
+            <a:extLst>
+              <a:ext uri="{FF2B5EF4-FFF2-40B4-BE49-F238E27FC236}">
+                <a16:creationId xmlns:a16="http://schemas.microsoft.com/office/drawing/2014/main" id="{5EAE7982-27D2-4B71-9C08-DC6351569B51}"/>
+              </a:ext>
+            </a:extLst>
+          </p:cNvPr>
+          <p:cNvSpPr txBox="1">
+            <a:spLocks/>
+          </p:cNvSpPr>
           <p:nvPr/>
         </p:nvSpPr>
         <p:spPr>
           <a:xfrm>
-            <a:off x="689370" y="1597555"/>
-            <a:ext cx="8158095" cy="3242704"/>
+            <a:off x="200491" y="271992"/>
+            <a:ext cx="10990349" cy="842105"/>
+          </a:xfrm>
+          <a:prstGeom prst="rect">
+            <a:avLst/>
+          </a:prstGeom>
+        </p:spPr>
+        <p:txBody>
+          <a:bodyPr vert="horz" lIns="91440" tIns="45720" rIns="91440" bIns="45720" rtlCol="0" anchor="ctr">
+            <a:normAutofit/>
+          </a:bodyPr>
+          <a:lstStyle>
+            <a:lvl1pPr algn="l" defTabSz="914400" rtl="0" eaLnBrk="1" latinLnBrk="0" hangingPunct="1">
+              <a:lnSpc>
+                <a:spcPct val="90000"/>
+              </a:lnSpc>
+              <a:spcBef>
+                <a:spcPct val="0"/>
+              </a:spcBef>
+              <a:buNone/>
+              <a:defRPr sz="4400" kern="1200">
+                <a:solidFill>
+                  <a:schemeClr val="tx1"/>
+                </a:solidFill>
+                <a:latin typeface="+mj-lt"/>
+                <a:ea typeface="+mj-ea"/>
+                <a:cs typeface="+mj-cs"/>
+              </a:defRPr>
+            </a:lvl1pPr>
+          </a:lstStyle>
+          <a:p>
+            <a:r>
+              <a:rPr lang="de-DE" dirty="0"/>
+              <a:t>Repository</a:t>
+            </a:r>
+          </a:p>
+        </p:txBody>
+      </p:sp>
+      <p:sp>
+        <p:nvSpPr>
+          <p:cNvPr id="19" name="TextBox 18">
+            <a:extLst>
+              <a:ext uri="{FF2B5EF4-FFF2-40B4-BE49-F238E27FC236}">
+                <a16:creationId xmlns:a16="http://schemas.microsoft.com/office/drawing/2014/main" id="{7130FF63-5C99-445C-8DB2-FA7651309C9B}"/>
+              </a:ext>
+            </a:extLst>
+          </p:cNvPr>
+          <p:cNvSpPr txBox="1"/>
+          <p:nvPr/>
+        </p:nvSpPr>
+        <p:spPr>
+          <a:xfrm>
+            <a:off x="200490" y="1114097"/>
+            <a:ext cx="7761096" cy="3244158"/>
           </a:xfrm>
           <a:prstGeom prst="rect">
             <a:avLst/>
           </a:prstGeom>
           <a:noFill/>
-          <a:ln>
-            <a:noFill/>
-          </a:ln>
-        </p:spPr>
-        <p:style>
-          <a:lnRef idx="0">
-            <a:scrgbClr r="0" g="0" b="0"/>
-          </a:lnRef>
-          <a:fillRef idx="0">
-            <a:scrgbClr r="0" g="0" b="0"/>
-          </a:fillRef>
-          <a:effectRef idx="0">
-            <a:scrgbClr r="0" g="0" b="0"/>
-          </a:effectRef>
-          <a:fontRef idx="minor"/>
-        </p:style>
-        <p:txBody>
-          <a:bodyPr wrap="square" lIns="90000" tIns="45000" rIns="90000" bIns="45000">
+        </p:spPr>
+        <p:txBody>
+          <a:bodyPr wrap="square" rtlCol="0">
             <a:spAutoFit/>
           </a:bodyPr>
           <a:lstStyle/>
@@ -19998,13 +21572,10 @@
                 <a:solidFill>
                   <a:srgbClr val="000000"/>
                 </a:solidFill>
-                <a:latin typeface="Calibri"/>
               </a:rPr>
-              <a:t>Verdeckt Daten des Models und der RDM</a:t>
-            </a:r>
-            <a:endParaRPr lang="de-DE" sz="2800" b="0" strike="noStrike" spc="-1" dirty="0">
-              <a:latin typeface="Arial"/>
-            </a:endParaRPr>
+              <a:t>Verdeckt Daten des Models und der RDS</a:t>
+            </a:r>
+            <a:endParaRPr lang="de-DE" sz="2800" b="0" strike="noStrike" spc="-1" dirty="0"/>
           </a:p>
           <a:p>
             <a:pPr marL="914400" lvl="1" indent="-456840">
@@ -20022,13 +21593,10 @@
                 <a:solidFill>
                   <a:srgbClr val="000000"/>
                 </a:solidFill>
-                <a:latin typeface="Calibri"/>
               </a:rPr>
               <a:t>Posts, Projekte</a:t>
             </a:r>
-            <a:endParaRPr lang="de-DE" sz="2800" b="0" strike="noStrike" spc="-1" dirty="0">
-              <a:latin typeface="Arial"/>
-            </a:endParaRPr>
+            <a:endParaRPr lang="de-DE" sz="2800" b="0" strike="noStrike" spc="-1" dirty="0"/>
           </a:p>
           <a:p>
             <a:pPr marL="457200" indent="-456840">
@@ -20046,7 +21614,6 @@
                 <a:solidFill>
                   <a:srgbClr val="000000"/>
                 </a:solidFill>
-                <a:latin typeface="Calibri"/>
               </a:rPr>
               <a:t>Command System</a:t>
             </a:r>
@@ -20054,7 +21621,6 @@
               <a:solidFill>
                 <a:srgbClr val="000000"/>
               </a:solidFill>
-              <a:latin typeface="Arial"/>
             </a:endParaRPr>
           </a:p>
           <a:p>
@@ -20073,7 +21639,6 @@
                 <a:solidFill>
                   <a:srgbClr val="000000"/>
                 </a:solidFill>
-                <a:latin typeface="Arial"/>
               </a:rPr>
               <a:t>e</a:t>
             </a:r>
@@ -20082,13 +21647,10 @@
                 <a:solidFill>
                   <a:srgbClr val="000000"/>
                 </a:solidFill>
-                <a:latin typeface="Arial"/>
               </a:rPr>
               <a:t>rmöglicht Änderungen an Models auf verschiedenen Endgeräten</a:t>
             </a:r>
-            <a:endParaRPr lang="de-DE" sz="2800" b="0" strike="noStrike" spc="-1" dirty="0">
-              <a:latin typeface="Arial"/>
-            </a:endParaRPr>
+            <a:endParaRPr lang="de-DE" sz="2800" b="0" strike="noStrike" spc="-1" dirty="0"/>
           </a:p>
         </p:txBody>
       </p:sp>
@@ -20124,39 +21686,6 @@
       </p:grpSpPr>
       <p:sp>
         <p:nvSpPr>
-          <p:cNvPr id="2" name="Title 1">
-            <a:extLst>
-              <a:ext uri="{FF2B5EF4-FFF2-40B4-BE49-F238E27FC236}">
-                <a16:creationId xmlns:a16="http://schemas.microsoft.com/office/drawing/2014/main" id="{9B551790-362A-4367-BB74-D0F9B1D9FF2E}"/>
-              </a:ext>
-            </a:extLst>
-          </p:cNvPr>
-          <p:cNvSpPr>
-            <a:spLocks noGrp="1"/>
-          </p:cNvSpPr>
-          <p:nvPr>
-            <p:ph type="title"/>
-          </p:nvPr>
-        </p:nvSpPr>
-        <p:spPr>
-          <a:xfrm>
-            <a:off x="200491" y="271992"/>
-            <a:ext cx="10990349" cy="1325563"/>
-          </a:xfrm>
-        </p:spPr>
-        <p:txBody>
-          <a:bodyPr/>
-          <a:lstStyle/>
-          <a:p>
-            <a:r>
-              <a:rPr lang="de-DE" dirty="0"/>
-              <a:t>Repository – Command System</a:t>
-            </a:r>
-          </a:p>
-        </p:txBody>
-      </p:sp>
-      <p:sp>
-        <p:nvSpPr>
           <p:cNvPr id="69" name="TextBox 68">
             <a:extLst>
               <a:ext uri="{FF2B5EF4-FFF2-40B4-BE49-F238E27FC236}">
@@ -20827,43 +22356,82 @@
       </p:sp>
       <p:sp>
         <p:nvSpPr>
-          <p:cNvPr id="17" name="CustomShape 15">
-            <a:extLst>
-              <a:ext uri="{FF2B5EF4-FFF2-40B4-BE49-F238E27FC236}">
-                <a16:creationId xmlns:a16="http://schemas.microsoft.com/office/drawing/2014/main" id="{41DF1B58-C339-A840-9B8A-CCA067520180}"/>
-              </a:ext>
-            </a:extLst>
-          </p:cNvPr>
-          <p:cNvSpPr/>
+          <p:cNvPr id="18" name="Title 1">
+            <a:extLst>
+              <a:ext uri="{FF2B5EF4-FFF2-40B4-BE49-F238E27FC236}">
+                <a16:creationId xmlns:a16="http://schemas.microsoft.com/office/drawing/2014/main" id="{88DB4047-597E-473E-BAFC-DC2216C4B68D}"/>
+              </a:ext>
+            </a:extLst>
+          </p:cNvPr>
+          <p:cNvSpPr txBox="1">
+            <a:spLocks/>
+          </p:cNvSpPr>
           <p:nvPr/>
         </p:nvSpPr>
         <p:spPr>
           <a:xfrm>
-            <a:off x="689370" y="1597555"/>
-            <a:ext cx="10659438" cy="1950042"/>
+            <a:off x="200491" y="271992"/>
+            <a:ext cx="10990349" cy="842105"/>
+          </a:xfrm>
+          <a:prstGeom prst="rect">
+            <a:avLst/>
+          </a:prstGeom>
+        </p:spPr>
+        <p:txBody>
+          <a:bodyPr vert="horz" lIns="91440" tIns="45720" rIns="91440" bIns="45720" rtlCol="0" anchor="ctr">
+            <a:normAutofit/>
+          </a:bodyPr>
+          <a:lstStyle>
+            <a:lvl1pPr algn="l" defTabSz="914400" rtl="0" eaLnBrk="1" latinLnBrk="0" hangingPunct="1">
+              <a:lnSpc>
+                <a:spcPct val="90000"/>
+              </a:lnSpc>
+              <a:spcBef>
+                <a:spcPct val="0"/>
+              </a:spcBef>
+              <a:buNone/>
+              <a:defRPr sz="4400" kern="1200">
+                <a:solidFill>
+                  <a:schemeClr val="tx1"/>
+                </a:solidFill>
+                <a:latin typeface="+mj-lt"/>
+                <a:ea typeface="+mj-ea"/>
+                <a:cs typeface="+mj-cs"/>
+              </a:defRPr>
+            </a:lvl1pPr>
+          </a:lstStyle>
+          <a:p>
+            <a:r>
+              <a:rPr lang="de-DE" dirty="0"/>
+              <a:t>Repository – Command System</a:t>
+            </a:r>
+          </a:p>
+        </p:txBody>
+      </p:sp>
+      <p:sp>
+        <p:nvSpPr>
+          <p:cNvPr id="19" name="TextBox 18">
+            <a:extLst>
+              <a:ext uri="{FF2B5EF4-FFF2-40B4-BE49-F238E27FC236}">
+                <a16:creationId xmlns:a16="http://schemas.microsoft.com/office/drawing/2014/main" id="{BF734421-EC18-425D-BAE9-B193D01042E7}"/>
+              </a:ext>
+            </a:extLst>
+          </p:cNvPr>
+          <p:cNvSpPr txBox="1"/>
+          <p:nvPr/>
+        </p:nvSpPr>
+        <p:spPr>
+          <a:xfrm>
+            <a:off x="200490" y="1114097"/>
+            <a:ext cx="7761096" cy="2597827"/>
           </a:xfrm>
           <a:prstGeom prst="rect">
             <a:avLst/>
           </a:prstGeom>
           <a:noFill/>
-          <a:ln>
-            <a:noFill/>
-          </a:ln>
-        </p:spPr>
-        <p:style>
-          <a:lnRef idx="0">
-            <a:scrgbClr r="0" g="0" b="0"/>
-          </a:lnRef>
-          <a:fillRef idx="0">
-            <a:scrgbClr r="0" g="0" b="0"/>
-          </a:fillRef>
-          <a:effectRef idx="0">
-            <a:scrgbClr r="0" g="0" b="0"/>
-          </a:effectRef>
-          <a:fontRef idx="minor"/>
-        </p:style>
-        <p:txBody>
-          <a:bodyPr wrap="square" lIns="90000" tIns="45000" rIns="90000" bIns="45000">
+        </p:spPr>
+        <p:txBody>
+          <a:bodyPr wrap="square" rtlCol="0">
             <a:spAutoFit/>
           </a:bodyPr>
           <a:lstStyle/>
@@ -20879,15 +22447,11 @@
               <a:buChar char="o"/>
             </a:pPr>
             <a:r>
-              <a:rPr lang="de-DE" sz="2800" b="0" strike="noStrike" spc="-1" dirty="0">
-                <a:latin typeface="Arial"/>
-              </a:rPr>
+              <a:rPr lang="de-DE" sz="2800" b="0" strike="noStrike" spc="-1" dirty="0"/>
               <a:t>Abgegebener </a:t>
             </a:r>
             <a:r>
-              <a:rPr lang="de-DE" sz="2800" spc="-1" dirty="0">
-                <a:latin typeface="Arial"/>
-              </a:rPr>
+              <a:rPr lang="de-DE" sz="2800" spc="-1" dirty="0"/>
               <a:t>Entwurf unbrauchbar</a:t>
             </a:r>
           </a:p>
@@ -20903,28 +22467,16 @@
               <a:buChar char="o"/>
             </a:pPr>
             <a:r>
-              <a:rPr lang="de-DE" sz="2800" spc="-1" dirty="0">
-                <a:latin typeface="Arial"/>
-              </a:rPr>
+              <a:rPr lang="de-DE" sz="2800" spc="-1" dirty="0"/>
               <a:t>Falsche Annahme: </a:t>
-            </a:r>
-            <a:r>
-              <a:rPr lang="de-DE" sz="2800" spc="-1" dirty="0" err="1">
-                <a:solidFill>
-                  <a:srgbClr val="FF0000"/>
-                </a:solidFill>
-                <a:latin typeface="Arial"/>
-              </a:rPr>
-              <a:t>Gson</a:t>
             </a:r>
             <a:r>
               <a:rPr lang="de-DE" sz="2800" spc="-1" dirty="0">
                 <a:solidFill>
                   <a:srgbClr val="FF0000"/>
                 </a:solidFill>
-                <a:latin typeface="Arial"/>
               </a:rPr>
-              <a:t> funktioniert nur mit Datenklassen</a:t>
+              <a:t>Gson funktioniert nur mit Datenklassen</a:t>
             </a:r>
           </a:p>
           <a:p>
@@ -20939,20 +22491,9 @@
               <a:buChar char="o"/>
             </a:pPr>
             <a:r>
-              <a:rPr lang="de-DE" sz="2800" spc="-1" dirty="0">
-                <a:latin typeface="Arial"/>
-              </a:rPr>
-              <a:t>Trennung in Datenklassen und </a:t>
-            </a:r>
-            <a:r>
-              <a:rPr lang="de-DE" sz="2800" spc="-1" dirty="0" err="1">
-                <a:latin typeface="Arial"/>
-              </a:rPr>
-              <a:t>Enum</a:t>
-            </a:r>
-            <a:endParaRPr lang="de-DE" sz="2800" spc="-1" dirty="0">
-              <a:latin typeface="Arial"/>
-            </a:endParaRPr>
+              <a:rPr lang="de-DE" sz="2800" spc="-1" dirty="0"/>
+              <a:t>Trennung in Datenklassen und Enum</a:t>
+            </a:r>
           </a:p>
         </p:txBody>
       </p:sp>
@@ -20988,39 +22529,6 @@
       </p:grpSpPr>
       <p:sp>
         <p:nvSpPr>
-          <p:cNvPr id="2" name="Title 1">
-            <a:extLst>
-              <a:ext uri="{FF2B5EF4-FFF2-40B4-BE49-F238E27FC236}">
-                <a16:creationId xmlns:a16="http://schemas.microsoft.com/office/drawing/2014/main" id="{9B551790-362A-4367-BB74-D0F9B1D9FF2E}"/>
-              </a:ext>
-            </a:extLst>
-          </p:cNvPr>
-          <p:cNvSpPr>
-            <a:spLocks noGrp="1"/>
-          </p:cNvSpPr>
-          <p:nvPr>
-            <p:ph type="title"/>
-          </p:nvPr>
-        </p:nvSpPr>
-        <p:spPr>
-          <a:xfrm>
-            <a:off x="200491" y="271992"/>
-            <a:ext cx="10990349" cy="1325563"/>
-          </a:xfrm>
-        </p:spPr>
-        <p:txBody>
-          <a:bodyPr/>
-          <a:lstStyle/>
-          <a:p>
-            <a:r>
-              <a:rPr lang="de-DE" dirty="0"/>
-              <a:t>Repository – Command System</a:t>
-            </a:r>
-          </a:p>
-        </p:txBody>
-      </p:sp>
-      <p:sp>
-        <p:nvSpPr>
           <p:cNvPr id="69" name="TextBox 68">
             <a:extLst>
               <a:ext uri="{FF2B5EF4-FFF2-40B4-BE49-F238E27FC236}">
@@ -21691,43 +23199,82 @@
       </p:sp>
       <p:sp>
         <p:nvSpPr>
-          <p:cNvPr id="17" name="CustomShape 15">
-            <a:extLst>
-              <a:ext uri="{FF2B5EF4-FFF2-40B4-BE49-F238E27FC236}">
-                <a16:creationId xmlns:a16="http://schemas.microsoft.com/office/drawing/2014/main" id="{41DF1B58-C339-A840-9B8A-CCA067520180}"/>
-              </a:ext>
-            </a:extLst>
-          </p:cNvPr>
-          <p:cNvSpPr/>
+          <p:cNvPr id="20" name="Title 1">
+            <a:extLst>
+              <a:ext uri="{FF2B5EF4-FFF2-40B4-BE49-F238E27FC236}">
+                <a16:creationId xmlns:a16="http://schemas.microsoft.com/office/drawing/2014/main" id="{5555B00F-7056-4905-8276-E19E1B0CAB14}"/>
+              </a:ext>
+            </a:extLst>
+          </p:cNvPr>
+          <p:cNvSpPr txBox="1">
+            <a:spLocks/>
+          </p:cNvSpPr>
           <p:nvPr/>
         </p:nvSpPr>
         <p:spPr>
           <a:xfrm>
-            <a:off x="689370" y="1597555"/>
-            <a:ext cx="8158095" cy="1313971"/>
+            <a:off x="200491" y="271992"/>
+            <a:ext cx="10990349" cy="842105"/>
+          </a:xfrm>
+          <a:prstGeom prst="rect">
+            <a:avLst/>
+          </a:prstGeom>
+        </p:spPr>
+        <p:txBody>
+          <a:bodyPr vert="horz" lIns="91440" tIns="45720" rIns="91440" bIns="45720" rtlCol="0" anchor="ctr">
+            <a:normAutofit/>
+          </a:bodyPr>
+          <a:lstStyle>
+            <a:lvl1pPr algn="l" defTabSz="914400" rtl="0" eaLnBrk="1" latinLnBrk="0" hangingPunct="1">
+              <a:lnSpc>
+                <a:spcPct val="90000"/>
+              </a:lnSpc>
+              <a:spcBef>
+                <a:spcPct val="0"/>
+              </a:spcBef>
+              <a:buNone/>
+              <a:defRPr sz="4400" kern="1200">
+                <a:solidFill>
+                  <a:schemeClr val="tx1"/>
+                </a:solidFill>
+                <a:latin typeface="+mj-lt"/>
+                <a:ea typeface="+mj-ea"/>
+                <a:cs typeface="+mj-cs"/>
+              </a:defRPr>
+            </a:lvl1pPr>
+          </a:lstStyle>
+          <a:p>
+            <a:r>
+              <a:rPr lang="de-DE" dirty="0"/>
+              <a:t>Repository – Command System</a:t>
+            </a:r>
+          </a:p>
+        </p:txBody>
+      </p:sp>
+      <p:sp>
+        <p:nvSpPr>
+          <p:cNvPr id="21" name="TextBox 20">
+            <a:extLst>
+              <a:ext uri="{FF2B5EF4-FFF2-40B4-BE49-F238E27FC236}">
+                <a16:creationId xmlns:a16="http://schemas.microsoft.com/office/drawing/2014/main" id="{9473A88C-7149-4223-BEF7-EFAE6F13C952}"/>
+              </a:ext>
+            </a:extLst>
+          </p:cNvPr>
+          <p:cNvSpPr txBox="1"/>
+          <p:nvPr/>
+        </p:nvSpPr>
+        <p:spPr>
+          <a:xfrm>
+            <a:off x="200490" y="1114097"/>
+            <a:ext cx="7761096" cy="1318181"/>
           </a:xfrm>
           <a:prstGeom prst="rect">
             <a:avLst/>
           </a:prstGeom>
           <a:noFill/>
-          <a:ln>
-            <a:noFill/>
-          </a:ln>
-        </p:spPr>
-        <p:style>
-          <a:lnRef idx="0">
-            <a:scrgbClr r="0" g="0" b="0"/>
-          </a:lnRef>
-          <a:fillRef idx="0">
-            <a:scrgbClr r="0" g="0" b="0"/>
-          </a:fillRef>
-          <a:effectRef idx="0">
-            <a:scrgbClr r="0" g="0" b="0"/>
-          </a:effectRef>
-          <a:fontRef idx="minor"/>
-        </p:style>
-        <p:txBody>
-          <a:bodyPr wrap="square" lIns="90000" tIns="45000" rIns="90000" bIns="45000">
+        </p:spPr>
+        <p:txBody>
+          <a:bodyPr wrap="square" rtlCol="0">
             <a:spAutoFit/>
           </a:bodyPr>
           <a:lstStyle/>
@@ -21747,13 +23294,10 @@
                 <a:solidFill>
                   <a:srgbClr val="000000"/>
                 </a:solidFill>
-                <a:latin typeface="Calibri"/>
               </a:rPr>
               <a:t>Neuer Entwurf</a:t>
             </a:r>
-            <a:endParaRPr lang="de-DE" sz="2800" b="0" strike="noStrike" spc="-1" dirty="0">
-              <a:latin typeface="Arial"/>
-            </a:endParaRPr>
+            <a:endParaRPr lang="de-DE" sz="2800" b="0" strike="noStrike" spc="-1" dirty="0"/>
           </a:p>
           <a:p>
             <a:pPr marL="914400" lvl="1" indent="-456840">
@@ -21767,9 +23311,7 @@
               <a:buChar char="o"/>
             </a:pPr>
             <a:r>
-              <a:rPr lang="de-DE" sz="2800" b="0" strike="noStrike" spc="-1" dirty="0">
-                <a:latin typeface="Arial"/>
-              </a:rPr>
+              <a:rPr lang="de-DE" sz="2800" b="0" strike="noStrike" spc="-1" dirty="0"/>
               <a:t>Befehle eigene Klassen</a:t>
             </a:r>
           </a:p>
@@ -21805,45 +23347,47 @@
           <a:chExt cx="0" cy="0"/>
         </a:xfrm>
       </p:grpSpPr>
-      <p:sp>
-        <p:nvSpPr>
-          <p:cNvPr id="2" name="Title 1">
-            <a:extLst>
-              <a:ext uri="{FF2B5EF4-FFF2-40B4-BE49-F238E27FC236}">
-                <a16:creationId xmlns:a16="http://schemas.microsoft.com/office/drawing/2014/main" id="{9B551790-362A-4367-BB74-D0F9B1D9FF2E}"/>
-              </a:ext>
-            </a:extLst>
-          </p:cNvPr>
-          <p:cNvSpPr>
-            <a:spLocks noGrp="1"/>
-          </p:cNvSpPr>
-          <p:nvPr>
-            <p:ph type="title"/>
-          </p:nvPr>
-        </p:nvSpPr>
-        <p:spPr>
-          <a:xfrm>
-            <a:off x="200491" y="271992"/>
-            <a:ext cx="10990349" cy="1325563"/>
-          </a:xfrm>
-        </p:spPr>
-        <p:txBody>
-          <a:bodyPr/>
-          <a:lstStyle/>
-          <a:p>
-            <a:r>
-              <a:rPr lang="de-DE" dirty="0"/>
-              <a:t>Datenbank</a:t>
-            </a:r>
-          </a:p>
-        </p:txBody>
-      </p:sp>
+      <p:pic>
+        <p:nvPicPr>
+          <p:cNvPr id="3" name="Grafik 2">
+            <a:extLst>
+              <a:ext uri="{FF2B5EF4-FFF2-40B4-BE49-F238E27FC236}">
+                <a16:creationId xmlns:a16="http://schemas.microsoft.com/office/drawing/2014/main" id="{BBB2FD22-6C73-9B4A-BC9E-4CC564A2F44E}"/>
+              </a:ext>
+            </a:extLst>
+          </p:cNvPr>
+          <p:cNvPicPr>
+            <a:picLocks noChangeAspect="1"/>
+          </p:cNvPicPr>
+          <p:nvPr/>
+        </p:nvPicPr>
+        <p:blipFill rotWithShape="1">
+          <a:blip r:embed="rId2">
+            <a:extLst>
+              <a:ext uri="{28A0092B-C50C-407E-A947-70E740481C1C}">
+                <a14:useLocalDpi xmlns:a14="http://schemas.microsoft.com/office/drawing/2010/main" val="0"/>
+              </a:ext>
+            </a:extLst>
+          </a:blip>
+          <a:srcRect l="23054" t="10569" r="40806" b="5022"/>
+          <a:stretch/>
+        </p:blipFill>
+        <p:spPr>
+          <a:xfrm>
+            <a:off x="1735265" y="992033"/>
+            <a:ext cx="8754785" cy="5131924"/>
+          </a:xfrm>
+          <a:prstGeom prst="rect">
+            <a:avLst/>
+          </a:prstGeom>
+        </p:spPr>
+      </p:pic>
       <p:sp>
         <p:nvSpPr>
           <p:cNvPr id="69" name="TextBox 68">
             <a:extLst>
               <a:ext uri="{FF2B5EF4-FFF2-40B4-BE49-F238E27FC236}">
-                <a16:creationId xmlns:a16="http://schemas.microsoft.com/office/drawing/2014/main" id="{F1D5532E-D73C-424F-B8A9-9D7626521541}"/>
+                <a16:creationId xmlns:a16="http://schemas.microsoft.com/office/drawing/2014/main" id="{819FDD1F-C6F0-4DC7-97B6-3291EF549F4B}"/>
               </a:ext>
             </a:extLst>
           </p:cNvPr>
@@ -21878,7 +23422,7 @@
           <p:cNvPr id="71" name="Oval 70">
             <a:extLst>
               <a:ext uri="{FF2B5EF4-FFF2-40B4-BE49-F238E27FC236}">
-                <a16:creationId xmlns:a16="http://schemas.microsoft.com/office/drawing/2014/main" id="{CD44FCE5-A5CF-49E0-AC24-82F5526B5A7C}"/>
+                <a16:creationId xmlns:a16="http://schemas.microsoft.com/office/drawing/2014/main" id="{7EEA2294-A382-4B4C-B7BD-421C0BFA1DEE}"/>
               </a:ext>
             </a:extLst>
           </p:cNvPr>
@@ -21937,7 +23481,7 @@
           <p:cNvPr id="72" name="Oval 71">
             <a:extLst>
               <a:ext uri="{FF2B5EF4-FFF2-40B4-BE49-F238E27FC236}">
-                <a16:creationId xmlns:a16="http://schemas.microsoft.com/office/drawing/2014/main" id="{4D7E2618-0823-412F-ADB8-D41D4564C140}"/>
+                <a16:creationId xmlns:a16="http://schemas.microsoft.com/office/drawing/2014/main" id="{666CDDE3-0847-46ED-8C4A-4C6EB4E1A35C}"/>
               </a:ext>
             </a:extLst>
           </p:cNvPr>
@@ -21996,7 +23540,7 @@
           <p:cNvPr id="73" name="Oval 72">
             <a:extLst>
               <a:ext uri="{FF2B5EF4-FFF2-40B4-BE49-F238E27FC236}">
-                <a16:creationId xmlns:a16="http://schemas.microsoft.com/office/drawing/2014/main" id="{BBB92BCB-49E0-455B-915F-3B59DB82C8DA}"/>
+                <a16:creationId xmlns:a16="http://schemas.microsoft.com/office/drawing/2014/main" id="{0672179B-36F8-452C-814B-7D8BAD11D352}"/>
               </a:ext>
             </a:extLst>
           </p:cNvPr>
@@ -22055,7 +23599,7 @@
           <p:cNvPr id="74" name="Oval 73">
             <a:extLst>
               <a:ext uri="{FF2B5EF4-FFF2-40B4-BE49-F238E27FC236}">
-                <a16:creationId xmlns:a16="http://schemas.microsoft.com/office/drawing/2014/main" id="{58915D95-A707-401E-9295-3F3923BE5B34}"/>
+                <a16:creationId xmlns:a16="http://schemas.microsoft.com/office/drawing/2014/main" id="{D3C79276-8B40-4E7C-8177-FAFBF1D6D46E}"/>
               </a:ext>
             </a:extLst>
           </p:cNvPr>
@@ -22065,6 +23609,64 @@
         <p:spPr>
           <a:xfrm>
             <a:off x="6112658" y="6378318"/>
+            <a:ext cx="109184" cy="110307"/>
+          </a:xfrm>
+          <a:prstGeom prst="ellipse">
+            <a:avLst/>
+          </a:prstGeom>
+          <a:solidFill>
+            <a:schemeClr val="accent1">
+              <a:lumMod val="75000"/>
+            </a:schemeClr>
+          </a:solidFill>
+          <a:ln>
+            <a:solidFill>
+              <a:schemeClr val="accent1">
+                <a:lumMod val="75000"/>
+              </a:schemeClr>
+            </a:solidFill>
+          </a:ln>
+        </p:spPr>
+        <p:style>
+          <a:lnRef idx="2">
+            <a:schemeClr val="accent1">
+              <a:shade val="50000"/>
+            </a:schemeClr>
+          </a:lnRef>
+          <a:fillRef idx="1">
+            <a:schemeClr val="accent1"/>
+          </a:fillRef>
+          <a:effectRef idx="0">
+            <a:schemeClr val="accent1"/>
+          </a:effectRef>
+          <a:fontRef idx="minor">
+            <a:schemeClr val="lt1"/>
+          </a:fontRef>
+        </p:style>
+        <p:txBody>
+          <a:bodyPr rtlCol="0" anchor="ctr"/>
+          <a:lstStyle/>
+          <a:p>
+            <a:pPr algn="ctr"/>
+            <a:endParaRPr lang="de-DE"/>
+          </a:p>
+        </p:txBody>
+      </p:sp>
+      <p:sp>
+        <p:nvSpPr>
+          <p:cNvPr id="75" name="Oval 74">
+            <a:extLst>
+              <a:ext uri="{FF2B5EF4-FFF2-40B4-BE49-F238E27FC236}">
+                <a16:creationId xmlns:a16="http://schemas.microsoft.com/office/drawing/2014/main" id="{4A77E2B5-C273-4186-AE87-989FB06160C3}"/>
+              </a:ext>
+            </a:extLst>
+          </p:cNvPr>
+          <p:cNvSpPr/>
+          <p:nvPr/>
+        </p:nvSpPr>
+        <p:spPr>
+          <a:xfrm>
+            <a:off x="6267088" y="6378317"/>
             <a:ext cx="109184" cy="110307"/>
           </a:xfrm>
           <a:prstGeom prst="ellipse">
@@ -22111,10 +23713,10 @@
       </p:sp>
       <p:sp>
         <p:nvSpPr>
-          <p:cNvPr id="75" name="Oval 74">
-            <a:extLst>
-              <a:ext uri="{FF2B5EF4-FFF2-40B4-BE49-F238E27FC236}">
-                <a16:creationId xmlns:a16="http://schemas.microsoft.com/office/drawing/2014/main" id="{A5961780-4915-4A60-BD41-E0B728A4E0A8}"/>
+          <p:cNvPr id="76" name="Oval 75">
+            <a:extLst>
+              <a:ext uri="{FF2B5EF4-FFF2-40B4-BE49-F238E27FC236}">
+                <a16:creationId xmlns:a16="http://schemas.microsoft.com/office/drawing/2014/main" id="{ACFB31A3-E3EB-4FFC-8731-935E0223178A}"/>
               </a:ext>
             </a:extLst>
           </p:cNvPr>
@@ -22123,7 +23725,7 @@
         </p:nvSpPr>
         <p:spPr>
           <a:xfrm>
-            <a:off x="6267088" y="6378317"/>
+            <a:off x="6421518" y="6378317"/>
             <a:ext cx="109184" cy="110307"/>
           </a:xfrm>
           <a:prstGeom prst="ellipse">
@@ -22131,7 +23733,8 @@
           </a:prstGeom>
           <a:solidFill>
             <a:schemeClr val="accent1">
-              <a:lumMod val="75000"/>
+              <a:lumMod val="20000"/>
+              <a:lumOff val="80000"/>
             </a:schemeClr>
           </a:solidFill>
           <a:ln>
@@ -22169,10 +23772,10 @@
       </p:sp>
       <p:sp>
         <p:nvSpPr>
-          <p:cNvPr id="76" name="Oval 75">
-            <a:extLst>
-              <a:ext uri="{FF2B5EF4-FFF2-40B4-BE49-F238E27FC236}">
-                <a16:creationId xmlns:a16="http://schemas.microsoft.com/office/drawing/2014/main" id="{3782A6B9-4A46-42C3-B169-FE5802E5174C}"/>
+          <p:cNvPr id="77" name="Oval 76">
+            <a:extLst>
+              <a:ext uri="{FF2B5EF4-FFF2-40B4-BE49-F238E27FC236}">
+                <a16:creationId xmlns:a16="http://schemas.microsoft.com/office/drawing/2014/main" id="{F5E42765-0A60-410C-9820-21C1D84147E6}"/>
               </a:ext>
             </a:extLst>
           </p:cNvPr>
@@ -22181,7 +23784,7 @@
         </p:nvSpPr>
         <p:spPr>
           <a:xfrm>
-            <a:off x="6421518" y="6378317"/>
+            <a:off x="11453167" y="6378317"/>
             <a:ext cx="109184" cy="110307"/>
           </a:xfrm>
           <a:prstGeom prst="ellipse">
@@ -22228,10 +23831,10 @@
       </p:sp>
       <p:sp>
         <p:nvSpPr>
-          <p:cNvPr id="77" name="Oval 76">
-            <a:extLst>
-              <a:ext uri="{FF2B5EF4-FFF2-40B4-BE49-F238E27FC236}">
-                <a16:creationId xmlns:a16="http://schemas.microsoft.com/office/drawing/2014/main" id="{730CE9F0-C647-4531-8BAA-5C817BA0E4D3}"/>
+          <p:cNvPr id="78" name="Oval 77">
+            <a:extLst>
+              <a:ext uri="{FF2B5EF4-FFF2-40B4-BE49-F238E27FC236}">
+                <a16:creationId xmlns:a16="http://schemas.microsoft.com/office/drawing/2014/main" id="{FA96F012-8137-492E-BBAA-65C0EF5D9033}"/>
               </a:ext>
             </a:extLst>
           </p:cNvPr>
@@ -22240,7 +23843,7 @@
         </p:nvSpPr>
         <p:spPr>
           <a:xfrm>
-            <a:off x="11453167" y="6378317"/>
+            <a:off x="11623916" y="6378317"/>
             <a:ext cx="109184" cy="110307"/>
           </a:xfrm>
           <a:prstGeom prst="ellipse">
@@ -22287,10 +23890,115 @@
       </p:sp>
       <p:sp>
         <p:nvSpPr>
-          <p:cNvPr id="78" name="Oval 77">
-            <a:extLst>
-              <a:ext uri="{FF2B5EF4-FFF2-40B4-BE49-F238E27FC236}">
-                <a16:creationId xmlns:a16="http://schemas.microsoft.com/office/drawing/2014/main" id="{2C76D19E-13FA-4F68-B22B-12F987F62723}"/>
+          <p:cNvPr id="79" name="TextBox 78">
+            <a:extLst>
+              <a:ext uri="{FF2B5EF4-FFF2-40B4-BE49-F238E27FC236}">
+                <a16:creationId xmlns:a16="http://schemas.microsoft.com/office/drawing/2014/main" id="{A0713080-3B9E-494B-AD87-56EA01BE357A}"/>
+              </a:ext>
+            </a:extLst>
+          </p:cNvPr>
+          <p:cNvSpPr txBox="1"/>
+          <p:nvPr/>
+        </p:nvSpPr>
+        <p:spPr>
+          <a:xfrm>
+            <a:off x="-5559" y="6001892"/>
+            <a:ext cx="1389859" cy="338554"/>
+          </a:xfrm>
+          <a:prstGeom prst="rect">
+            <a:avLst/>
+          </a:prstGeom>
+          <a:noFill/>
+        </p:spPr>
+        <p:txBody>
+          <a:bodyPr wrap="square" rtlCol="0">
+            <a:spAutoFit/>
+          </a:bodyPr>
+          <a:lstStyle/>
+          <a:p>
+            <a:r>
+              <a:rPr lang="de-DE" sz="1600" dirty="0"/>
+              <a:t>Architektur</a:t>
+            </a:r>
+          </a:p>
+        </p:txBody>
+      </p:sp>
+      <p:sp>
+        <p:nvSpPr>
+          <p:cNvPr id="80" name="TextBox 79">
+            <a:extLst>
+              <a:ext uri="{FF2B5EF4-FFF2-40B4-BE49-F238E27FC236}">
+                <a16:creationId xmlns:a16="http://schemas.microsoft.com/office/drawing/2014/main" id="{569067CC-BD85-410A-BDC7-91A9F6519038}"/>
+              </a:ext>
+            </a:extLst>
+          </p:cNvPr>
+          <p:cNvSpPr txBox="1"/>
+          <p:nvPr/>
+        </p:nvSpPr>
+        <p:spPr>
+          <a:xfrm>
+            <a:off x="11348808" y="6001892"/>
+            <a:ext cx="789310" cy="338554"/>
+          </a:xfrm>
+          <a:prstGeom prst="rect">
+            <a:avLst/>
+          </a:prstGeom>
+          <a:noFill/>
+        </p:spPr>
+        <p:txBody>
+          <a:bodyPr wrap="square" rtlCol="0">
+            <a:spAutoFit/>
+          </a:bodyPr>
+          <a:lstStyle/>
+          <a:p>
+            <a:r>
+              <a:rPr lang="de-DE" sz="1600" dirty="0"/>
+              <a:t>Server</a:t>
+            </a:r>
+          </a:p>
+        </p:txBody>
+      </p:sp>
+      <p:sp>
+        <p:nvSpPr>
+          <p:cNvPr id="81" name="TextBox 80">
+            <a:extLst>
+              <a:ext uri="{FF2B5EF4-FFF2-40B4-BE49-F238E27FC236}">
+                <a16:creationId xmlns:a16="http://schemas.microsoft.com/office/drawing/2014/main" id="{0CFA6F46-00D7-44D7-A845-62B56EBA0E7C}"/>
+              </a:ext>
+            </a:extLst>
+          </p:cNvPr>
+          <p:cNvSpPr txBox="1"/>
+          <p:nvPr/>
+        </p:nvSpPr>
+        <p:spPr>
+          <a:xfrm>
+            <a:off x="5695665" y="6001892"/>
+            <a:ext cx="789310" cy="338554"/>
+          </a:xfrm>
+          <a:prstGeom prst="rect">
+            <a:avLst/>
+          </a:prstGeom>
+          <a:noFill/>
+        </p:spPr>
+        <p:txBody>
+          <a:bodyPr wrap="square" rtlCol="0">
+            <a:spAutoFit/>
+          </a:bodyPr>
+          <a:lstStyle/>
+          <a:p>
+            <a:r>
+              <a:rPr lang="de-DE" sz="1600" dirty="0"/>
+              <a:t>MVVM</a:t>
+            </a:r>
+          </a:p>
+        </p:txBody>
+      </p:sp>
+      <p:sp>
+        <p:nvSpPr>
+          <p:cNvPr id="82" name="Oval 81">
+            <a:extLst>
+              <a:ext uri="{FF2B5EF4-FFF2-40B4-BE49-F238E27FC236}">
+                <a16:creationId xmlns:a16="http://schemas.microsoft.com/office/drawing/2014/main" id="{31B1067B-09C2-4D5C-A516-E9152D206E87}"/>
               </a:ext>
             </a:extLst>
           </p:cNvPr>
@@ -22299,7 +24007,7 @@
         </p:nvSpPr>
         <p:spPr>
           <a:xfrm>
-            <a:off x="11623916" y="6378317"/>
+            <a:off x="99837" y="6378339"/>
             <a:ext cx="109184" cy="110307"/>
           </a:xfrm>
           <a:prstGeom prst="ellipse">
@@ -22346,208 +24054,62 @@
       </p:sp>
       <p:sp>
         <p:nvSpPr>
-          <p:cNvPr id="79" name="TextBox 78">
-            <a:extLst>
-              <a:ext uri="{FF2B5EF4-FFF2-40B4-BE49-F238E27FC236}">
-                <a16:creationId xmlns:a16="http://schemas.microsoft.com/office/drawing/2014/main" id="{FF5FE8B2-E21D-43A5-B006-775ED3FA390E}"/>
-              </a:ext>
-            </a:extLst>
-          </p:cNvPr>
-          <p:cNvSpPr txBox="1"/>
+          <p:cNvPr id="20" name="Title 1">
+            <a:extLst>
+              <a:ext uri="{FF2B5EF4-FFF2-40B4-BE49-F238E27FC236}">
+                <a16:creationId xmlns:a16="http://schemas.microsoft.com/office/drawing/2014/main" id="{5555B00F-7056-4905-8276-E19E1B0CAB14}"/>
+              </a:ext>
+            </a:extLst>
+          </p:cNvPr>
+          <p:cNvSpPr txBox="1">
+            <a:spLocks/>
+          </p:cNvSpPr>
           <p:nvPr/>
         </p:nvSpPr>
         <p:spPr>
           <a:xfrm>
-            <a:off x="-5559" y="6001892"/>
-            <a:ext cx="1389859" cy="338554"/>
+            <a:off x="200491" y="271992"/>
+            <a:ext cx="10990349" cy="842105"/>
           </a:xfrm>
           <a:prstGeom prst="rect">
             <a:avLst/>
           </a:prstGeom>
-          <a:noFill/>
-        </p:spPr>
-        <p:txBody>
-          <a:bodyPr wrap="square" rtlCol="0">
-            <a:spAutoFit/>
+        </p:spPr>
+        <p:txBody>
+          <a:bodyPr vert="horz" lIns="91440" tIns="45720" rIns="91440" bIns="45720" rtlCol="0" anchor="ctr">
+            <a:normAutofit/>
           </a:bodyPr>
-          <a:lstStyle/>
-          <a:p>
-            <a:r>
-              <a:rPr lang="de-DE" sz="1600" dirty="0"/>
-              <a:t>Architektur</a:t>
-            </a:r>
-          </a:p>
-        </p:txBody>
-      </p:sp>
-      <p:sp>
-        <p:nvSpPr>
-          <p:cNvPr id="80" name="TextBox 79">
-            <a:extLst>
-              <a:ext uri="{FF2B5EF4-FFF2-40B4-BE49-F238E27FC236}">
-                <a16:creationId xmlns:a16="http://schemas.microsoft.com/office/drawing/2014/main" id="{BD5CACF8-8943-41A1-BB9A-6B910E5DE77D}"/>
-              </a:ext>
-            </a:extLst>
-          </p:cNvPr>
-          <p:cNvSpPr txBox="1"/>
-          <p:nvPr/>
-        </p:nvSpPr>
-        <p:spPr>
-          <a:xfrm>
-            <a:off x="11348808" y="6001892"/>
-            <a:ext cx="789310" cy="338554"/>
-          </a:xfrm>
-          <a:prstGeom prst="rect">
-            <a:avLst/>
-          </a:prstGeom>
-          <a:noFill/>
-        </p:spPr>
-        <p:txBody>
-          <a:bodyPr wrap="square" rtlCol="0">
-            <a:spAutoFit/>
-          </a:bodyPr>
-          <a:lstStyle/>
-          <a:p>
-            <a:r>
-              <a:rPr lang="de-DE" sz="1600" dirty="0"/>
-              <a:t>Server</a:t>
-            </a:r>
-          </a:p>
-        </p:txBody>
-      </p:sp>
-      <p:sp>
-        <p:nvSpPr>
-          <p:cNvPr id="81" name="TextBox 80">
-            <a:extLst>
-              <a:ext uri="{FF2B5EF4-FFF2-40B4-BE49-F238E27FC236}">
-                <a16:creationId xmlns:a16="http://schemas.microsoft.com/office/drawing/2014/main" id="{5270A4C5-10DC-4361-9D26-8D8B9A68AE4D}"/>
-              </a:ext>
-            </a:extLst>
-          </p:cNvPr>
-          <p:cNvSpPr txBox="1"/>
-          <p:nvPr/>
-        </p:nvSpPr>
-        <p:spPr>
-          <a:xfrm>
-            <a:off x="5695665" y="6001892"/>
-            <a:ext cx="789310" cy="338554"/>
-          </a:xfrm>
-          <a:prstGeom prst="rect">
-            <a:avLst/>
-          </a:prstGeom>
-          <a:noFill/>
-        </p:spPr>
-        <p:txBody>
-          <a:bodyPr wrap="square" rtlCol="0">
-            <a:spAutoFit/>
-          </a:bodyPr>
-          <a:lstStyle/>
-          <a:p>
-            <a:r>
-              <a:rPr lang="de-DE" sz="1600" dirty="0"/>
-              <a:t>MVVM</a:t>
-            </a:r>
-          </a:p>
-        </p:txBody>
-      </p:sp>
-      <p:sp>
-        <p:nvSpPr>
-          <p:cNvPr id="82" name="Oval 81">
-            <a:extLst>
-              <a:ext uri="{FF2B5EF4-FFF2-40B4-BE49-F238E27FC236}">
-                <a16:creationId xmlns:a16="http://schemas.microsoft.com/office/drawing/2014/main" id="{96B0FEF8-D4B9-4895-9C12-F9AC1264AB7A}"/>
-              </a:ext>
-            </a:extLst>
-          </p:cNvPr>
-          <p:cNvSpPr/>
-          <p:nvPr/>
-        </p:nvSpPr>
-        <p:spPr>
-          <a:xfrm>
-            <a:off x="99837" y="6378339"/>
-            <a:ext cx="109184" cy="110307"/>
-          </a:xfrm>
-          <a:prstGeom prst="ellipse">
-            <a:avLst/>
-          </a:prstGeom>
-          <a:solidFill>
-            <a:schemeClr val="accent1">
-              <a:lumMod val="20000"/>
-              <a:lumOff val="80000"/>
-            </a:schemeClr>
-          </a:solidFill>
-          <a:ln>
-            <a:solidFill>
-              <a:schemeClr val="accent1">
-                <a:lumMod val="75000"/>
-              </a:schemeClr>
-            </a:solidFill>
-          </a:ln>
-        </p:spPr>
-        <p:style>
-          <a:lnRef idx="2">
-            <a:schemeClr val="accent1">
-              <a:shade val="50000"/>
-            </a:schemeClr>
-          </a:lnRef>
-          <a:fillRef idx="1">
-            <a:schemeClr val="accent1"/>
-          </a:fillRef>
-          <a:effectRef idx="0">
-            <a:schemeClr val="accent1"/>
-          </a:effectRef>
-          <a:fontRef idx="minor">
-            <a:schemeClr val="lt1"/>
-          </a:fontRef>
-        </p:style>
-        <p:txBody>
-          <a:bodyPr rtlCol="0" anchor="ctr"/>
-          <a:lstStyle/>
-          <a:p>
-            <a:pPr algn="ctr"/>
-            <a:endParaRPr lang="de-DE"/>
-          </a:p>
-        </p:txBody>
-      </p:sp>
-      <p:pic>
-        <p:nvPicPr>
-          <p:cNvPr id="4" name="Grafik 3">
-            <a:extLst>
-              <a:ext uri="{FF2B5EF4-FFF2-40B4-BE49-F238E27FC236}">
-                <a16:creationId xmlns:a16="http://schemas.microsoft.com/office/drawing/2014/main" id="{5EC3EDBD-A345-4D06-97C6-B3DD0B48518F}"/>
-              </a:ext>
-            </a:extLst>
-          </p:cNvPr>
-          <p:cNvPicPr>
-            <a:picLocks noChangeAspect="1"/>
-          </p:cNvPicPr>
-          <p:nvPr/>
-        </p:nvPicPr>
-        <p:blipFill>
-          <a:blip r:embed="rId3">
-            <a:extLst>
-              <a:ext uri="{28A0092B-C50C-407E-A947-70E740481C1C}">
-                <a14:useLocalDpi xmlns:a14="http://schemas.microsoft.com/office/drawing/2010/main" val="0"/>
-              </a:ext>
-            </a:extLst>
-          </a:blip>
-          <a:stretch>
-            <a:fillRect/>
-          </a:stretch>
-        </p:blipFill>
-        <p:spPr>
-          <a:xfrm>
-            <a:off x="3287653" y="1393031"/>
-            <a:ext cx="5605333" cy="4071937"/>
-          </a:xfrm>
-          <a:prstGeom prst="rect">
-            <a:avLst/>
-          </a:prstGeom>
-        </p:spPr>
-      </p:pic>
+          <a:lstStyle>
+            <a:lvl1pPr algn="l" defTabSz="914400" rtl="0" eaLnBrk="1" latinLnBrk="0" hangingPunct="1">
+              <a:lnSpc>
+                <a:spcPct val="90000"/>
+              </a:lnSpc>
+              <a:spcBef>
+                <a:spcPct val="0"/>
+              </a:spcBef>
+              <a:buNone/>
+              <a:defRPr sz="4400" kern="1200">
+                <a:solidFill>
+                  <a:schemeClr val="tx1"/>
+                </a:solidFill>
+                <a:latin typeface="+mj-lt"/>
+                <a:ea typeface="+mj-ea"/>
+                <a:cs typeface="+mj-cs"/>
+              </a:defRPr>
+            </a:lvl1pPr>
+          </a:lstStyle>
+          <a:p>
+            <a:r>
+              <a:rPr lang="de-DE" dirty="0"/>
+              <a:t>Repository – Command System</a:t>
+            </a:r>
+          </a:p>
+        </p:txBody>
+      </p:sp>
     </p:spTree>
     <p:extLst>
       <p:ext uri="{BB962C8B-B14F-4D97-AF65-F5344CB8AC3E}">
-        <p14:creationId xmlns:p14="http://schemas.microsoft.com/office/powerpoint/2010/main" val="1816610635"/>
+        <p14:creationId xmlns:p14="http://schemas.microsoft.com/office/powerpoint/2010/main" val="2351698576"/>
       </p:ext>
     </p:extLst>
   </p:cSld>

--- a/Praesentationen/02-Entwurfsphase/Entwurf Präsentation.pptx
+++ b/Praesentationen/02-Entwurfsphase/Entwurf Präsentation.pptx
@@ -142,8 +142,7 @@
 <file path=ppt/revisionInfo.xml><?xml version="1.0" encoding="utf-8"?>
 <p1510:revInfo xmlns:a="http://schemas.openxmlformats.org/drawingml/2006/main" xmlns:r="http://schemas.openxmlformats.org/officeDocument/2006/relationships" xmlns:p1510="http://schemas.microsoft.com/office/powerpoint/2015/10/main">
   <p1510:revLst>
-    <p1510:client id="{B121F1B0-4D08-E747-A677-49BC57413863}" v="43" dt="2022-01-09T14:35:28.470"/>
-    <p1510:client id="{C067BB00-D62D-434A-8EB6-2D39E9BF5514}" v="1" dt="2022-01-09T15:02:49.410"/>
+    <p1510:client id="{D8237C0E-C3DE-423A-9AC6-F2E51F727C97}" v="1" dt="2022-02-10T16:11:16.855"/>
   </p1510:revLst>
 </p1510:revInfo>
 </file>
@@ -205,6 +204,30 @@
       </pc:sldChg>
     </pc:docChg>
   </pc:docChgLst>
+  <pc:docChgLst>
+    <pc:chgData name="Ender Merlin" userId="b6c700318fa50b6b" providerId="LiveId" clId="{D8237C0E-C3DE-423A-9AC6-F2E51F727C97}"/>
+    <pc:docChg chg="modSld">
+      <pc:chgData name="Ender Merlin" userId="b6c700318fa50b6b" providerId="LiveId" clId="{D8237C0E-C3DE-423A-9AC6-F2E51F727C97}" dt="2022-02-10T16:13:36.151" v="4" actId="1076"/>
+      <pc:docMkLst>
+        <pc:docMk/>
+      </pc:docMkLst>
+      <pc:sldChg chg="addSp modSp mod">
+        <pc:chgData name="Ender Merlin" userId="b6c700318fa50b6b" providerId="LiveId" clId="{D8237C0E-C3DE-423A-9AC6-F2E51F727C97}" dt="2022-02-10T16:13:36.151" v="4" actId="1076"/>
+        <pc:sldMkLst>
+          <pc:docMk/>
+          <pc:sldMk cId="64622331" sldId="265"/>
+        </pc:sldMkLst>
+        <pc:picChg chg="add mod">
+          <ac:chgData name="Ender Merlin" userId="b6c700318fa50b6b" providerId="LiveId" clId="{D8237C0E-C3DE-423A-9AC6-F2E51F727C97}" dt="2022-02-10T16:13:36.151" v="4" actId="1076"/>
+          <ac:picMkLst>
+            <pc:docMk/>
+            <pc:sldMk cId="64622331" sldId="265"/>
+            <ac:picMk id="3" creationId="{7D0B7076-77DA-41F4-8343-B5F3689DA405}"/>
+          </ac:picMkLst>
+        </pc:picChg>
+      </pc:sldChg>
+    </pc:docChg>
+  </pc:docChgLst>
 </pc:chgInfo>
 </file>
 
@@ -290,7 +313,7 @@
           <a:p>
             <a:fld id="{F899D2DC-6997-404A-B859-2EC79104A957}" type="datetimeFigureOut">
               <a:rPr lang="de-DE" smtClean="0"/>
-              <a:t>11.01.22</a:t>
+              <a:t>10.02.2022</a:t>
             </a:fld>
             <a:endParaRPr lang="de-DE"/>
           </a:p>
@@ -1505,13 +1528,8 @@
           <a:p>
             <a:r>
               <a:rPr lang="de-DE" dirty="0"/>
-              <a:t>   -- </a:t>
-            </a:r>
-            <a:r>
-              <a:rPr lang="de-DE" dirty="0" err="1"/>
-              <a:t>Firebase</a:t>
-            </a:r>
-            <a:endParaRPr lang="de-DE" dirty="0"/>
+              <a:t>   -- Firebase</a:t>
+            </a:r>
           </a:p>
           <a:p>
             <a:r>
@@ -2339,7 +2357,7 @@
           <a:p>
             <a:fld id="{D4A7F7FB-B369-497A-97C2-098805D1A52E}" type="datetimeFigureOut">
               <a:rPr lang="de-DE" smtClean="0"/>
-              <a:t>11.01.22</a:t>
+              <a:t>10.02.2022</a:t>
             </a:fld>
             <a:endParaRPr lang="de-DE"/>
           </a:p>
@@ -2539,7 +2557,7 @@
           <a:p>
             <a:fld id="{D4A7F7FB-B369-497A-97C2-098805D1A52E}" type="datetimeFigureOut">
               <a:rPr lang="de-DE" smtClean="0"/>
-              <a:t>11.01.22</a:t>
+              <a:t>10.02.2022</a:t>
             </a:fld>
             <a:endParaRPr lang="de-DE"/>
           </a:p>
@@ -2749,7 +2767,7 @@
           <a:p>
             <a:fld id="{D4A7F7FB-B369-497A-97C2-098805D1A52E}" type="datetimeFigureOut">
               <a:rPr lang="de-DE" smtClean="0"/>
-              <a:t>11.01.22</a:t>
+              <a:t>10.02.2022</a:t>
             </a:fld>
             <a:endParaRPr lang="de-DE"/>
           </a:p>
@@ -3018,7 +3036,7 @@
           <a:p>
             <a:fld id="{D4A7F7FB-B369-497A-97C2-098805D1A52E}" type="datetimeFigureOut">
               <a:rPr lang="de-DE" smtClean="0"/>
-              <a:t>11.01.22</a:t>
+              <a:t>10.02.2022</a:t>
             </a:fld>
             <a:endParaRPr lang="de-DE"/>
           </a:p>
@@ -3188,7 +3206,7 @@
           <a:p>
             <a:fld id="{D4A7F7FB-B369-497A-97C2-098805D1A52E}" type="datetimeFigureOut">
               <a:rPr lang="de-DE" smtClean="0"/>
-              <a:t>11.01.22</a:t>
+              <a:t>10.02.2022</a:t>
             </a:fld>
             <a:endParaRPr lang="de-DE"/>
           </a:p>
@@ -3445,7 +3463,7 @@
           <a:p>
             <a:fld id="{D4A7F7FB-B369-497A-97C2-098805D1A52E}" type="datetimeFigureOut">
               <a:rPr lang="de-DE" smtClean="0"/>
-              <a:t>11.01.22</a:t>
+              <a:t>10.02.2022</a:t>
             </a:fld>
             <a:endParaRPr lang="de-DE"/>
           </a:p>
@@ -3677,7 +3695,7 @@
           <a:p>
             <a:fld id="{D4A7F7FB-B369-497A-97C2-098805D1A52E}" type="datetimeFigureOut">
               <a:rPr lang="de-DE" smtClean="0"/>
-              <a:t>11.01.22</a:t>
+              <a:t>10.02.2022</a:t>
             </a:fld>
             <a:endParaRPr lang="de-DE"/>
           </a:p>
@@ -4070,7 +4088,7 @@
           <a:p>
             <a:fld id="{D4A7F7FB-B369-497A-97C2-098805D1A52E}" type="datetimeFigureOut">
               <a:rPr lang="de-DE" smtClean="0"/>
-              <a:t>11.01.22</a:t>
+              <a:t>10.02.2022</a:t>
             </a:fld>
             <a:endParaRPr lang="de-DE"/>
           </a:p>
@@ -4188,7 +4206,7 @@
           <a:p>
             <a:fld id="{D4A7F7FB-B369-497A-97C2-098805D1A52E}" type="datetimeFigureOut">
               <a:rPr lang="de-DE" smtClean="0"/>
-              <a:t>11.01.22</a:t>
+              <a:t>10.02.2022</a:t>
             </a:fld>
             <a:endParaRPr lang="de-DE"/>
           </a:p>
@@ -4283,7 +4301,7 @@
           <a:p>
             <a:fld id="{D4A7F7FB-B369-497A-97C2-098805D1A52E}" type="datetimeFigureOut">
               <a:rPr lang="de-DE" smtClean="0"/>
-              <a:t>11.01.22</a:t>
+              <a:t>10.02.2022</a:t>
             </a:fld>
             <a:endParaRPr lang="de-DE"/>
           </a:p>
@@ -4556,7 +4574,7 @@
           <a:p>
             <a:fld id="{D4A7F7FB-B369-497A-97C2-098805D1A52E}" type="datetimeFigureOut">
               <a:rPr lang="de-DE" smtClean="0"/>
-              <a:t>11.01.22</a:t>
+              <a:t>10.02.2022</a:t>
             </a:fld>
             <a:endParaRPr lang="de-DE"/>
           </a:p>
@@ -4744,7 +4762,7 @@
           <a:p>
             <a:fld id="{D4A7F7FB-B369-497A-97C2-098805D1A52E}" type="datetimeFigureOut">
               <a:rPr lang="de-DE" smtClean="0"/>
-              <a:t>11.01.22</a:t>
+              <a:t>10.02.2022</a:t>
             </a:fld>
             <a:endParaRPr lang="de-DE"/>
           </a:p>
@@ -5037,7 +5055,7 @@
           <a:p>
             <a:fld id="{D4A7F7FB-B369-497A-97C2-098805D1A52E}" type="datetimeFigureOut">
               <a:rPr lang="de-DE" smtClean="0"/>
-              <a:t>11.01.22</a:t>
+              <a:t>10.02.2022</a:t>
             </a:fld>
             <a:endParaRPr lang="de-DE"/>
           </a:p>
@@ -5318,7 +5336,7 @@
           <a:p>
             <a:fld id="{D4A7F7FB-B369-497A-97C2-098805D1A52E}" type="datetimeFigureOut">
               <a:rPr lang="de-DE" smtClean="0"/>
-              <a:t>11.01.22</a:t>
+              <a:t>10.02.2022</a:t>
             </a:fld>
             <a:endParaRPr lang="de-DE"/>
           </a:p>
@@ -5510,7 +5528,7 @@
           <a:p>
             <a:fld id="{D4A7F7FB-B369-497A-97C2-098805D1A52E}" type="datetimeFigureOut">
               <a:rPr lang="de-DE" smtClean="0"/>
-              <a:t>11.01.22</a:t>
+              <a:t>10.02.2022</a:t>
             </a:fld>
             <a:endParaRPr lang="de-DE"/>
           </a:p>
@@ -5771,7 +5789,7 @@
           <a:p>
             <a:fld id="{D4A7F7FB-B369-497A-97C2-098805D1A52E}" type="datetimeFigureOut">
               <a:rPr lang="de-DE" smtClean="0"/>
-              <a:t>11.01.22</a:t>
+              <a:t>10.02.2022</a:t>
             </a:fld>
             <a:endParaRPr lang="de-DE"/>
           </a:p>
@@ -6197,7 +6215,7 @@
           <a:p>
             <a:fld id="{D4A7F7FB-B369-497A-97C2-098805D1A52E}" type="datetimeFigureOut">
               <a:rPr lang="de-DE" smtClean="0"/>
-              <a:t>11.01.22</a:t>
+              <a:t>10.02.2022</a:t>
             </a:fld>
             <a:endParaRPr lang="de-DE"/>
           </a:p>
@@ -6743,7 +6761,7 @@
           <a:p>
             <a:fld id="{D4A7F7FB-B369-497A-97C2-098805D1A52E}" type="datetimeFigureOut">
               <a:rPr lang="de-DE" smtClean="0"/>
-              <a:t>11.01.22</a:t>
+              <a:t>10.02.2022</a:t>
             </a:fld>
             <a:endParaRPr lang="de-DE"/>
           </a:p>
@@ -7574,7 +7592,7 @@
           <a:p>
             <a:fld id="{D4A7F7FB-B369-497A-97C2-098805D1A52E}" type="datetimeFigureOut">
               <a:rPr lang="de-DE" smtClean="0"/>
-              <a:t>11.01.22</a:t>
+              <a:t>10.02.2022</a:t>
             </a:fld>
             <a:endParaRPr lang="de-DE"/>
           </a:p>
@@ -7744,7 +7762,7 @@
           <a:p>
             <a:fld id="{D4A7F7FB-B369-497A-97C2-098805D1A52E}" type="datetimeFigureOut">
               <a:rPr lang="de-DE" smtClean="0"/>
-              <a:t>11.01.22</a:t>
+              <a:t>10.02.2022</a:t>
             </a:fld>
             <a:endParaRPr lang="de-DE"/>
           </a:p>
@@ -7924,7 +7942,7 @@
           <a:p>
             <a:fld id="{D4A7F7FB-B369-497A-97C2-098805D1A52E}" type="datetimeFigureOut">
               <a:rPr lang="de-DE" smtClean="0"/>
-              <a:t>11.01.22</a:t>
+              <a:t>10.02.2022</a:t>
             </a:fld>
             <a:endParaRPr lang="de-DE"/>
           </a:p>
@@ -8188,7 +8206,7 @@
           <a:p>
             <a:fld id="{D4A7F7FB-B369-497A-97C2-098805D1A52E}" type="datetimeFigureOut">
               <a:rPr lang="de-DE" smtClean="0"/>
-              <a:t>11.01.22</a:t>
+              <a:t>10.02.2022</a:t>
             </a:fld>
             <a:endParaRPr lang="de-DE"/>
           </a:p>
@@ -8456,7 +8474,7 @@
           <a:p>
             <a:fld id="{D4A7F7FB-B369-497A-97C2-098805D1A52E}" type="datetimeFigureOut">
               <a:rPr lang="de-DE" smtClean="0"/>
-              <a:t>11.01.22</a:t>
+              <a:t>10.02.2022</a:t>
             </a:fld>
             <a:endParaRPr lang="de-DE"/>
           </a:p>
@@ -8871,7 +8889,7 @@
           <a:p>
             <a:fld id="{D4A7F7FB-B369-497A-97C2-098805D1A52E}" type="datetimeFigureOut">
               <a:rPr lang="de-DE" smtClean="0"/>
-              <a:t>11.01.22</a:t>
+              <a:t>10.02.2022</a:t>
             </a:fld>
             <a:endParaRPr lang="de-DE"/>
           </a:p>
@@ -9013,7 +9031,7 @@
           <a:p>
             <a:fld id="{D4A7F7FB-B369-497A-97C2-098805D1A52E}" type="datetimeFigureOut">
               <a:rPr lang="de-DE" smtClean="0"/>
-              <a:t>11.01.22</a:t>
+              <a:t>10.02.2022</a:t>
             </a:fld>
             <a:endParaRPr lang="de-DE"/>
           </a:p>
@@ -9126,7 +9144,7 @@
           <a:p>
             <a:fld id="{D4A7F7FB-B369-497A-97C2-098805D1A52E}" type="datetimeFigureOut">
               <a:rPr lang="de-DE" smtClean="0"/>
-              <a:t>11.01.22</a:t>
+              <a:t>10.02.2022</a:t>
             </a:fld>
             <a:endParaRPr lang="de-DE"/>
           </a:p>
@@ -9439,7 +9457,7 @@
           <a:p>
             <a:fld id="{D4A7F7FB-B369-497A-97C2-098805D1A52E}" type="datetimeFigureOut">
               <a:rPr lang="de-DE" smtClean="0"/>
-              <a:t>11.01.22</a:t>
+              <a:t>10.02.2022</a:t>
             </a:fld>
             <a:endParaRPr lang="de-DE"/>
           </a:p>
@@ -9728,7 +9746,7 @@
           <a:p>
             <a:fld id="{D4A7F7FB-B369-497A-97C2-098805D1A52E}" type="datetimeFigureOut">
               <a:rPr lang="de-DE" smtClean="0"/>
-              <a:t>11.01.22</a:t>
+              <a:t>10.02.2022</a:t>
             </a:fld>
             <a:endParaRPr lang="de-DE"/>
           </a:p>
@@ -9971,7 +9989,7 @@
           <a:p>
             <a:fld id="{D4A7F7FB-B369-497A-97C2-098805D1A52E}" type="datetimeFigureOut">
               <a:rPr lang="de-DE" smtClean="0"/>
-              <a:t>11.01.22</a:t>
+              <a:t>10.02.2022</a:t>
             </a:fld>
             <a:endParaRPr lang="de-DE"/>
           </a:p>
@@ -10550,7 +10568,7 @@
           <a:p>
             <a:fld id="{D4A7F7FB-B369-497A-97C2-098805D1A52E}" type="datetimeFigureOut">
               <a:rPr lang="de-DE" smtClean="0"/>
-              <a:t>11.01.22</a:t>
+              <a:t>10.02.2022</a:t>
             </a:fld>
             <a:endParaRPr lang="de-DE"/>
           </a:p>
@@ -13119,10 +13137,9 @@
           <a:p>
             <a:pPr algn="ctr"/>
             <a:r>
-              <a:rPr lang="de-DE" dirty="0" err="1"/>
+              <a:rPr lang="de-DE" dirty="0"/>
               <a:t>Firebase</a:t>
             </a:r>
-            <a:endParaRPr lang="de-DE" dirty="0"/>
           </a:p>
         </p:txBody>
       </p:sp>
@@ -13294,6 +13311,50 @@
           </a:p>
         </p:txBody>
       </p:sp>
+      <p:pic>
+        <p:nvPicPr>
+          <p:cNvPr id="3" name="Grafik 2">
+            <a:extLst>
+              <a:ext uri="{FF2B5EF4-FFF2-40B4-BE49-F238E27FC236}">
+                <a16:creationId xmlns:a16="http://schemas.microsoft.com/office/drawing/2014/main" id="{7D0B7076-77DA-41F4-8343-B5F3689DA405}"/>
+              </a:ext>
+            </a:extLst>
+          </p:cNvPr>
+          <p:cNvPicPr>
+            <a:picLocks noChangeAspect="1"/>
+          </p:cNvPicPr>
+          <p:nvPr/>
+        </p:nvPicPr>
+        <p:blipFill>
+          <a:blip r:embed="rId13"/>
+          <a:stretch>
+            <a:fillRect/>
+          </a:stretch>
+        </p:blipFill>
+        <p:spPr>
+          <a:xfrm>
+            <a:off x="7020333" y="271992"/>
+            <a:ext cx="4244148" cy="2968129"/>
+          </a:xfrm>
+          <a:prstGeom prst="rect">
+            <a:avLst/>
+          </a:prstGeom>
+          <a:ln w="38100" cap="sq">
+            <a:solidFill>
+              <a:srgbClr val="000000"/>
+            </a:solidFill>
+            <a:prstDash val="solid"/>
+            <a:miter lim="800000"/>
+          </a:ln>
+          <a:effectLst>
+            <a:outerShdw blurRad="50800" dist="38100" dir="2700000" algn="tl" rotWithShape="0">
+              <a:srgbClr val="000000">
+                <a:alpha val="43000"/>
+              </a:srgbClr>
+            </a:outerShdw>
+          </a:effectLst>
+        </p:spPr>
+      </p:pic>
     </p:spTree>
     <p:extLst>
       <p:ext uri="{BB962C8B-B14F-4D97-AF65-F5344CB8AC3E}">
